--- a/6020_Graph_2_(2025)/Day2Day/Week_10_Geometry_Tessellation/6020_W10_Geometry_Tessellation.pptx
+++ b/6020_Graph_2_(2025)/Day2Day/Week_10_Geometry_Tessellation/6020_W10_Geometry_Tessellation.pptx
@@ -5,7 +5,7 @@
     <p:sldMasterId id="2147483732" r:id="rId1"/>
   </p:sldMasterIdLst>
   <p:notesMasterIdLst>
-    <p:notesMasterId r:id="rId19"/>
+    <p:notesMasterId r:id="rId21"/>
   </p:notesMasterIdLst>
   <p:sldIdLst>
     <p:sldId id="256" r:id="rId2"/>
@@ -14,17 +14,19 @@
     <p:sldId id="479" r:id="rId5"/>
     <p:sldId id="480" r:id="rId6"/>
     <p:sldId id="484" r:id="rId7"/>
-    <p:sldId id="481" r:id="rId8"/>
-    <p:sldId id="482" r:id="rId9"/>
-    <p:sldId id="483" r:id="rId10"/>
-    <p:sldId id="491" r:id="rId11"/>
-    <p:sldId id="492" r:id="rId12"/>
-    <p:sldId id="485" r:id="rId13"/>
-    <p:sldId id="490" r:id="rId14"/>
-    <p:sldId id="489" r:id="rId15"/>
-    <p:sldId id="486" r:id="rId16"/>
-    <p:sldId id="487" r:id="rId17"/>
-    <p:sldId id="488" r:id="rId18"/>
+    <p:sldId id="493" r:id="rId8"/>
+    <p:sldId id="494" r:id="rId9"/>
+    <p:sldId id="481" r:id="rId10"/>
+    <p:sldId id="482" r:id="rId11"/>
+    <p:sldId id="483" r:id="rId12"/>
+    <p:sldId id="491" r:id="rId13"/>
+    <p:sldId id="492" r:id="rId14"/>
+    <p:sldId id="485" r:id="rId15"/>
+    <p:sldId id="490" r:id="rId16"/>
+    <p:sldId id="489" r:id="rId17"/>
+    <p:sldId id="486" r:id="rId18"/>
+    <p:sldId id="487" r:id="rId19"/>
+    <p:sldId id="488" r:id="rId20"/>
   </p:sldIdLst>
   <p:sldSz cx="9144000" cy="5143500" type="screen16x9"/>
   <p:notesSz cx="6858000" cy="9144000"/>
@@ -4243,6 +4245,221 @@
       </p:grpSpPr>
       <p:sp>
         <p:nvSpPr>
+          <p:cNvPr id="2" name="Title 1"/>
+          <p:cNvSpPr>
+            <a:spLocks noGrp="1"/>
+          </p:cNvSpPr>
+          <p:nvPr>
+            <p:ph type="title"/>
+          </p:nvPr>
+        </p:nvSpPr>
+        <p:spPr/>
+        <p:txBody>
+          <a:bodyPr/>
+          <a:lstStyle/>
+          <a:p>
+            <a:r>
+              <a:rPr lang="en-CA" dirty="0"/>
+              <a:t>Tessellation </a:t>
+            </a:r>
+            <a:r>
+              <a:rPr lang="en-CA" dirty="0" err="1"/>
+              <a:t>shader</a:t>
+            </a:r>
+            <a:r>
+              <a:rPr lang="en-CA" dirty="0"/>
+              <a:t>: Why?</a:t>
+            </a:r>
+          </a:p>
+        </p:txBody>
+      </p:sp>
+      <p:sp>
+        <p:nvSpPr>
+          <p:cNvPr id="3" name="Content Placeholder 2"/>
+          <p:cNvSpPr>
+            <a:spLocks noGrp="1"/>
+          </p:cNvSpPr>
+          <p:nvPr>
+            <p:ph idx="1"/>
+          </p:nvPr>
+        </p:nvSpPr>
+        <p:spPr/>
+        <p:txBody>
+          <a:bodyPr>
+            <a:normAutofit lnSpcReduction="10000"/>
+          </a:bodyPr>
+          <a:lstStyle/>
+          <a:p>
+            <a:r>
+              <a:rPr lang="en-CA" dirty="0"/>
+              <a:t>It’s actually three (3) </a:t>
+            </a:r>
+            <a:r>
+              <a:rPr lang="en-CA" dirty="0" err="1"/>
+              <a:t>shaders</a:t>
+            </a:r>
+            <a:r>
+              <a:rPr lang="en-CA" dirty="0"/>
+              <a:t> that work in unison. </a:t>
+            </a:r>
+          </a:p>
+          <a:p>
+            <a:pPr lvl="1"/>
+            <a:r>
+              <a:rPr lang="en-CA" dirty="0"/>
+              <a:t>Two are “fixed function” </a:t>
+            </a:r>
+          </a:p>
+          <a:p>
+            <a:pPr lvl="1"/>
+            <a:r>
+              <a:rPr lang="en-CA" dirty="0"/>
+              <a:t>One is “programmable”</a:t>
+            </a:r>
+          </a:p>
+          <a:p>
+            <a:r>
+              <a:rPr lang="en-CA" dirty="0"/>
+              <a:t>Take a primitive in, and generate another (tessellated) primitive out</a:t>
+            </a:r>
+          </a:p>
+          <a:p>
+            <a:r>
+              <a:rPr lang="en-CA" dirty="0"/>
+              <a:t>Very fast</a:t>
+            </a:r>
+          </a:p>
+        </p:txBody>
+      </p:sp>
+    </p:spTree>
+    <p:extLst>
+      <p:ext uri="{BB962C8B-B14F-4D97-AF65-F5344CB8AC3E}">
+        <p14:creationId xmlns:p14="http://schemas.microsoft.com/office/powerpoint/2010/main" val="2090243912"/>
+      </p:ext>
+    </p:extLst>
+  </p:cSld>
+  <p:clrMapOvr>
+    <a:masterClrMapping/>
+  </p:clrMapOvr>
+</p:sld>
+</file>
+
+<file path=ppt/slides/slide11.xml><?xml version="1.0" encoding="utf-8"?>
+<p:sld xmlns:a="http://schemas.openxmlformats.org/drawingml/2006/main" xmlns:r="http://schemas.openxmlformats.org/officeDocument/2006/relationships" xmlns:p="http://schemas.openxmlformats.org/presentationml/2006/main">
+  <p:cSld>
+    <p:spTree>
+      <p:nvGrpSpPr>
+        <p:cNvPr id="1" name=""/>
+        <p:cNvGrpSpPr/>
+        <p:nvPr/>
+      </p:nvGrpSpPr>
+      <p:grpSpPr>
+        <a:xfrm>
+          <a:off x="0" y="0"/>
+          <a:ext cx="0" cy="0"/>
+          <a:chOff x="0" y="0"/>
+          <a:chExt cx="0" cy="0"/>
+        </a:xfrm>
+      </p:grpSpPr>
+      <p:sp>
+        <p:nvSpPr>
+          <p:cNvPr id="2" name="Title 1"/>
+          <p:cNvSpPr>
+            <a:spLocks noGrp="1"/>
+          </p:cNvSpPr>
+          <p:nvPr>
+            <p:ph type="title"/>
+          </p:nvPr>
+        </p:nvSpPr>
+        <p:spPr/>
+        <p:txBody>
+          <a:bodyPr/>
+          <a:lstStyle/>
+          <a:p>
+            <a:r>
+              <a:rPr lang="en-CA" dirty="0"/>
+              <a:t>Mike Bailey</a:t>
+            </a:r>
+          </a:p>
+        </p:txBody>
+      </p:sp>
+      <p:sp>
+        <p:nvSpPr>
+          <p:cNvPr id="3" name="Content Placeholder 2"/>
+          <p:cNvSpPr>
+            <a:spLocks noGrp="1"/>
+          </p:cNvSpPr>
+          <p:nvPr>
+            <p:ph idx="1"/>
+          </p:nvPr>
+        </p:nvSpPr>
+        <p:spPr/>
+        <p:txBody>
+          <a:bodyPr>
+            <a:normAutofit/>
+          </a:bodyPr>
+          <a:lstStyle/>
+          <a:p>
+            <a:r>
+              <a:rPr lang="en-CA" dirty="0"/>
+              <a:t>Mike Bailey has an excellent overview on his site: </a:t>
+            </a:r>
+            <a:r>
+              <a:rPr lang="en-CA" dirty="0">
+                <a:hlinkClick r:id="rId2"/>
+              </a:rPr>
+              <a:t>https://web.engr.oregonstate.edu/~mjb/cs519/Handouts/tessellation.1pp.pdf</a:t>
+            </a:r>
+            <a:endParaRPr lang="en-CA" dirty="0"/>
+          </a:p>
+          <a:p>
+            <a:r>
+              <a:rPr lang="en-CA" dirty="0"/>
+              <a:t>(he’s one of the people who wrote the “graphics </a:t>
+            </a:r>
+            <a:r>
+              <a:rPr lang="en-CA" dirty="0" err="1"/>
+              <a:t>shaders</a:t>
+            </a:r>
+            <a:r>
+              <a:rPr lang="en-CA" dirty="0"/>
+              <a:t>” book)</a:t>
+            </a:r>
+          </a:p>
+        </p:txBody>
+      </p:sp>
+    </p:spTree>
+    <p:extLst>
+      <p:ext uri="{BB962C8B-B14F-4D97-AF65-F5344CB8AC3E}">
+        <p14:creationId xmlns:p14="http://schemas.microsoft.com/office/powerpoint/2010/main" val="1036212450"/>
+      </p:ext>
+    </p:extLst>
+  </p:cSld>
+  <p:clrMapOvr>
+    <a:masterClrMapping/>
+  </p:clrMapOvr>
+</p:sld>
+</file>
+
+<file path=ppt/slides/slide12.xml><?xml version="1.0" encoding="utf-8"?>
+<p:sld xmlns:a="http://schemas.openxmlformats.org/drawingml/2006/main" xmlns:r="http://schemas.openxmlformats.org/officeDocument/2006/relationships" xmlns:p="http://schemas.openxmlformats.org/presentationml/2006/main">
+  <p:cSld>
+    <p:spTree>
+      <p:nvGrpSpPr>
+        <p:cNvPr id="1" name=""/>
+        <p:cNvGrpSpPr/>
+        <p:nvPr/>
+      </p:nvGrpSpPr>
+      <p:grpSpPr>
+        <a:xfrm>
+          <a:off x="0" y="0"/>
+          <a:ext cx="0" cy="0"/>
+          <a:chOff x="0" y="0"/>
+          <a:chExt cx="0" cy="0"/>
+        </a:xfrm>
+      </p:grpSpPr>
+      <p:sp>
+        <p:nvSpPr>
           <p:cNvPr id="7" name="Freeform: Shape 6">
             <a:extLst>
               <a:ext uri="{FF2B5EF4-FFF2-40B4-BE49-F238E27FC236}">
@@ -4437,7 +4654,7 @@
 </p:sld>
 </file>
 
-<file path=ppt/slides/slide11.xml><?xml version="1.0" encoding="utf-8"?>
+<file path=ppt/slides/slide13.xml><?xml version="1.0" encoding="utf-8"?>
 <p:sld xmlns:a="http://schemas.openxmlformats.org/drawingml/2006/main" xmlns:r="http://schemas.openxmlformats.org/officeDocument/2006/relationships" xmlns:p="http://schemas.openxmlformats.org/presentationml/2006/main">
   <p:cSld>
     <p:spTree>
@@ -4629,690 +4846,6 @@
 </p:sld>
 </file>
 
-<file path=ppt/slides/slide12.xml><?xml version="1.0" encoding="utf-8"?>
-<p:sld xmlns:a="http://schemas.openxmlformats.org/drawingml/2006/main" xmlns:r="http://schemas.openxmlformats.org/officeDocument/2006/relationships" xmlns:p="http://schemas.openxmlformats.org/presentationml/2006/main">
-  <p:cSld>
-    <p:spTree>
-      <p:nvGrpSpPr>
-        <p:cNvPr id="1" name=""/>
-        <p:cNvGrpSpPr/>
-        <p:nvPr/>
-      </p:nvGrpSpPr>
-      <p:grpSpPr>
-        <a:xfrm>
-          <a:off x="0" y="0"/>
-          <a:ext cx="0" cy="0"/>
-          <a:chOff x="0" y="0"/>
-          <a:chExt cx="0" cy="0"/>
-        </a:xfrm>
-      </p:grpSpPr>
-      <p:sp>
-        <p:nvSpPr>
-          <p:cNvPr id="4" name="Isosceles Triangle 3"/>
-          <p:cNvSpPr/>
-          <p:nvPr/>
-        </p:nvSpPr>
-        <p:spPr>
-          <a:xfrm>
-            <a:off x="838200" y="1504950"/>
-            <a:ext cx="3352800" cy="2514600"/>
-          </a:xfrm>
-          <a:prstGeom prst="triangle">
-            <a:avLst/>
-          </a:prstGeom>
-        </p:spPr>
-        <p:style>
-          <a:lnRef idx="2">
-            <a:schemeClr val="accent1">
-              <a:shade val="50000"/>
-            </a:schemeClr>
-          </a:lnRef>
-          <a:fillRef idx="1">
-            <a:schemeClr val="accent1"/>
-          </a:fillRef>
-          <a:effectRef idx="0">
-            <a:schemeClr val="accent1"/>
-          </a:effectRef>
-          <a:fontRef idx="minor">
-            <a:schemeClr val="lt1"/>
-          </a:fontRef>
-        </p:style>
-        <p:txBody>
-          <a:bodyPr rtlCol="0" anchor="ctr"/>
-          <a:lstStyle/>
-          <a:p>
-            <a:pPr algn="ctr"/>
-            <a:endParaRPr lang="en-CA"/>
-          </a:p>
-        </p:txBody>
-      </p:sp>
-      <p:sp>
-        <p:nvSpPr>
-          <p:cNvPr id="5" name="Oval 4"/>
-          <p:cNvSpPr/>
-          <p:nvPr/>
-        </p:nvSpPr>
-        <p:spPr>
-          <a:xfrm>
-            <a:off x="2286000" y="1352550"/>
-            <a:ext cx="457200" cy="381000"/>
-          </a:xfrm>
-          <a:prstGeom prst="ellipse">
-            <a:avLst/>
-          </a:prstGeom>
-          <a:solidFill>
-            <a:srgbClr val="7030A0"/>
-          </a:solidFill>
-          <a:ln>
-            <a:solidFill>
-              <a:srgbClr val="7030A0"/>
-            </a:solidFill>
-          </a:ln>
-        </p:spPr>
-        <p:style>
-          <a:lnRef idx="2">
-            <a:schemeClr val="accent1">
-              <a:shade val="50000"/>
-            </a:schemeClr>
-          </a:lnRef>
-          <a:fillRef idx="1">
-            <a:schemeClr val="accent1"/>
-          </a:fillRef>
-          <a:effectRef idx="0">
-            <a:schemeClr val="accent1"/>
-          </a:effectRef>
-          <a:fontRef idx="minor">
-            <a:schemeClr val="lt1"/>
-          </a:fontRef>
-        </p:style>
-        <p:txBody>
-          <a:bodyPr rtlCol="0" anchor="ctr"/>
-          <a:lstStyle/>
-          <a:p>
-            <a:pPr algn="ctr"/>
-            <a:r>
-              <a:rPr lang="en-CA" dirty="0"/>
-              <a:t>0</a:t>
-            </a:r>
-          </a:p>
-        </p:txBody>
-      </p:sp>
-      <p:sp>
-        <p:nvSpPr>
-          <p:cNvPr id="6" name="Oval 5"/>
-          <p:cNvSpPr/>
-          <p:nvPr/>
-        </p:nvSpPr>
-        <p:spPr>
-          <a:xfrm>
-            <a:off x="609600" y="3829050"/>
-            <a:ext cx="457200" cy="381000"/>
-          </a:xfrm>
-          <a:prstGeom prst="ellipse">
-            <a:avLst/>
-          </a:prstGeom>
-          <a:solidFill>
-            <a:srgbClr val="7030A0"/>
-          </a:solidFill>
-          <a:ln>
-            <a:solidFill>
-              <a:srgbClr val="7030A0"/>
-            </a:solidFill>
-          </a:ln>
-        </p:spPr>
-        <p:style>
-          <a:lnRef idx="2">
-            <a:schemeClr val="accent1">
-              <a:shade val="50000"/>
-            </a:schemeClr>
-          </a:lnRef>
-          <a:fillRef idx="1">
-            <a:schemeClr val="accent1"/>
-          </a:fillRef>
-          <a:effectRef idx="0">
-            <a:schemeClr val="accent1"/>
-          </a:effectRef>
-          <a:fontRef idx="minor">
-            <a:schemeClr val="lt1"/>
-          </a:fontRef>
-        </p:style>
-        <p:txBody>
-          <a:bodyPr rtlCol="0" anchor="ctr"/>
-          <a:lstStyle/>
-          <a:p>
-            <a:pPr algn="ctr"/>
-            <a:r>
-              <a:rPr lang="en-CA" dirty="0"/>
-              <a:t>1</a:t>
-            </a:r>
-          </a:p>
-        </p:txBody>
-      </p:sp>
-      <p:sp>
-        <p:nvSpPr>
-          <p:cNvPr id="7" name="Oval 6"/>
-          <p:cNvSpPr/>
-          <p:nvPr/>
-        </p:nvSpPr>
-        <p:spPr>
-          <a:xfrm>
-            <a:off x="3954162" y="3829050"/>
-            <a:ext cx="457200" cy="381000"/>
-          </a:xfrm>
-          <a:prstGeom prst="ellipse">
-            <a:avLst/>
-          </a:prstGeom>
-          <a:solidFill>
-            <a:srgbClr val="7030A0"/>
-          </a:solidFill>
-          <a:ln>
-            <a:solidFill>
-              <a:srgbClr val="7030A0"/>
-            </a:solidFill>
-          </a:ln>
-        </p:spPr>
-        <p:style>
-          <a:lnRef idx="2">
-            <a:schemeClr val="accent1">
-              <a:shade val="50000"/>
-            </a:schemeClr>
-          </a:lnRef>
-          <a:fillRef idx="1">
-            <a:schemeClr val="accent1"/>
-          </a:fillRef>
-          <a:effectRef idx="0">
-            <a:schemeClr val="accent1"/>
-          </a:effectRef>
-          <a:fontRef idx="minor">
-            <a:schemeClr val="lt1"/>
-          </a:fontRef>
-        </p:style>
-        <p:txBody>
-          <a:bodyPr rtlCol="0" anchor="ctr"/>
-          <a:lstStyle/>
-          <a:p>
-            <a:pPr algn="ctr"/>
-            <a:r>
-              <a:rPr lang="en-CA" dirty="0"/>
-              <a:t>2</a:t>
-            </a:r>
-          </a:p>
-        </p:txBody>
-      </p:sp>
-      <p:sp>
-        <p:nvSpPr>
-          <p:cNvPr id="8" name="Oval 7"/>
-          <p:cNvSpPr/>
-          <p:nvPr/>
-        </p:nvSpPr>
-        <p:spPr>
-          <a:xfrm>
-            <a:off x="2286000" y="2876550"/>
-            <a:ext cx="457200" cy="381000"/>
-          </a:xfrm>
-          <a:prstGeom prst="ellipse">
-            <a:avLst/>
-          </a:prstGeom>
-          <a:solidFill>
-            <a:srgbClr val="7030A0"/>
-          </a:solidFill>
-          <a:ln>
-            <a:solidFill>
-              <a:srgbClr val="7030A0"/>
-            </a:solidFill>
-          </a:ln>
-        </p:spPr>
-        <p:style>
-          <a:lnRef idx="2">
-            <a:schemeClr val="accent1">
-              <a:shade val="50000"/>
-            </a:schemeClr>
-          </a:lnRef>
-          <a:fillRef idx="1">
-            <a:schemeClr val="accent1"/>
-          </a:fillRef>
-          <a:effectRef idx="0">
-            <a:schemeClr val="accent1"/>
-          </a:effectRef>
-          <a:fontRef idx="minor">
-            <a:schemeClr val="lt1"/>
-          </a:fontRef>
-        </p:style>
-        <p:txBody>
-          <a:bodyPr rtlCol="0" anchor="ctr"/>
-          <a:lstStyle/>
-          <a:p>
-            <a:pPr algn="ctr"/>
-            <a:r>
-              <a:rPr lang="en-CA" dirty="0"/>
-              <a:t>4</a:t>
-            </a:r>
-          </a:p>
-        </p:txBody>
-      </p:sp>
-      <p:sp>
-        <p:nvSpPr>
-          <p:cNvPr id="9" name="TextBox 8"/>
-          <p:cNvSpPr txBox="1"/>
-          <p:nvPr/>
-        </p:nvSpPr>
-        <p:spPr>
-          <a:xfrm>
-            <a:off x="4648200" y="1352550"/>
-            <a:ext cx="4572000" cy="2585323"/>
-          </a:xfrm>
-          <a:prstGeom prst="rect">
-            <a:avLst/>
-          </a:prstGeom>
-          <a:noFill/>
-        </p:spPr>
-        <p:txBody>
-          <a:bodyPr wrap="square" rtlCol="0">
-            <a:spAutoFit/>
-          </a:bodyPr>
-          <a:lstStyle/>
-          <a:p>
-            <a:r>
-              <a:rPr lang="en-CA" dirty="0"/>
-              <a:t>V4.X = (V1.X + V2.X + V3.X) / 3.0f</a:t>
-            </a:r>
-          </a:p>
-          <a:p>
-            <a:r>
-              <a:rPr lang="en-CA" dirty="0"/>
-              <a:t>V4.Y = (V1.Y + V2.Y + V3.Y) / 3.0f</a:t>
-            </a:r>
-          </a:p>
-          <a:p>
-            <a:r>
-              <a:rPr lang="en-CA" dirty="0"/>
-              <a:t>V4.Z = (V1.Z + V2.Z + V3.Z) / 3.0f</a:t>
-            </a:r>
-          </a:p>
-          <a:p>
-            <a:endParaRPr lang="en-CA" dirty="0"/>
-          </a:p>
-          <a:p>
-            <a:r>
-              <a:rPr lang="en-CA" dirty="0" err="1"/>
-              <a:t>MakeTriangle</a:t>
-            </a:r>
-            <a:r>
-              <a:rPr lang="en-CA" dirty="0"/>
-              <a:t>( V0, V1, V4)</a:t>
-            </a:r>
-          </a:p>
-          <a:p>
-            <a:r>
-              <a:rPr lang="en-CA" dirty="0" err="1"/>
-              <a:t>MakeTriangle</a:t>
-            </a:r>
-            <a:r>
-              <a:rPr lang="en-CA" dirty="0"/>
-              <a:t>( V0, V4, V2)</a:t>
-            </a:r>
-          </a:p>
-          <a:p>
-            <a:r>
-              <a:rPr lang="en-CA" dirty="0" err="1"/>
-              <a:t>MakeTriangle</a:t>
-            </a:r>
-            <a:r>
-              <a:rPr lang="en-CA" dirty="0"/>
-              <a:t>(V1,V4,V2)</a:t>
-            </a:r>
-          </a:p>
-          <a:p>
-            <a:r>
-              <a:rPr lang="en-CA" dirty="0" err="1"/>
-              <a:t>AllDoneMan</a:t>
-            </a:r>
-            <a:r>
-              <a:rPr lang="en-CA" dirty="0"/>
-              <a:t>();</a:t>
-            </a:r>
-          </a:p>
-          <a:p>
-            <a:endParaRPr lang="en-CA" dirty="0"/>
-          </a:p>
-        </p:txBody>
-      </p:sp>
-    </p:spTree>
-    <p:extLst>
-      <p:ext uri="{BB962C8B-B14F-4D97-AF65-F5344CB8AC3E}">
-        <p14:creationId xmlns:p14="http://schemas.microsoft.com/office/powerpoint/2010/main" val="3868415434"/>
-      </p:ext>
-    </p:extLst>
-  </p:cSld>
-  <p:clrMapOvr>
-    <a:masterClrMapping/>
-  </p:clrMapOvr>
-</p:sld>
-</file>
-
-<file path=ppt/slides/slide13.xml><?xml version="1.0" encoding="utf-8"?>
-<p:sld xmlns:a="http://schemas.openxmlformats.org/drawingml/2006/main" xmlns:r="http://schemas.openxmlformats.org/officeDocument/2006/relationships" xmlns:p="http://schemas.openxmlformats.org/presentationml/2006/main">
-  <p:cSld>
-    <p:spTree>
-      <p:nvGrpSpPr>
-        <p:cNvPr id="1" name=""/>
-        <p:cNvGrpSpPr/>
-        <p:nvPr/>
-      </p:nvGrpSpPr>
-      <p:grpSpPr>
-        <a:xfrm>
-          <a:off x="0" y="0"/>
-          <a:ext cx="0" cy="0"/>
-          <a:chOff x="0" y="0"/>
-          <a:chExt cx="0" cy="0"/>
-        </a:xfrm>
-      </p:grpSpPr>
-      <p:sp>
-        <p:nvSpPr>
-          <p:cNvPr id="4" name="Smiley Face 3"/>
-          <p:cNvSpPr/>
-          <p:nvPr/>
-        </p:nvSpPr>
-        <p:spPr>
-          <a:xfrm>
-            <a:off x="533400" y="1047750"/>
-            <a:ext cx="1524000" cy="1219200"/>
-          </a:xfrm>
-          <a:prstGeom prst="smileyFace">
-            <a:avLst/>
-          </a:prstGeom>
-        </p:spPr>
-        <p:style>
-          <a:lnRef idx="2">
-            <a:schemeClr val="accent1">
-              <a:shade val="50000"/>
-            </a:schemeClr>
-          </a:lnRef>
-          <a:fillRef idx="1">
-            <a:schemeClr val="accent1"/>
-          </a:fillRef>
-          <a:effectRef idx="0">
-            <a:schemeClr val="accent1"/>
-          </a:effectRef>
-          <a:fontRef idx="minor">
-            <a:schemeClr val="lt1"/>
-          </a:fontRef>
-        </p:style>
-        <p:txBody>
-          <a:bodyPr rtlCol="0" anchor="ctr"/>
-          <a:lstStyle/>
-          <a:p>
-            <a:pPr algn="ctr"/>
-            <a:endParaRPr lang="en-CA"/>
-          </a:p>
-        </p:txBody>
-      </p:sp>
-      <p:sp>
-        <p:nvSpPr>
-          <p:cNvPr id="5" name="Smiley Face 4"/>
-          <p:cNvSpPr/>
-          <p:nvPr/>
-        </p:nvSpPr>
-        <p:spPr>
-          <a:xfrm>
-            <a:off x="533400" y="1733550"/>
-            <a:ext cx="1524000" cy="1219200"/>
-          </a:xfrm>
-          <a:prstGeom prst="smileyFace">
-            <a:avLst/>
-          </a:prstGeom>
-        </p:spPr>
-        <p:style>
-          <a:lnRef idx="2">
-            <a:schemeClr val="accent1">
-              <a:shade val="50000"/>
-            </a:schemeClr>
-          </a:lnRef>
-          <a:fillRef idx="1">
-            <a:schemeClr val="accent1"/>
-          </a:fillRef>
-          <a:effectRef idx="0">
-            <a:schemeClr val="accent1"/>
-          </a:effectRef>
-          <a:fontRef idx="minor">
-            <a:schemeClr val="lt1"/>
-          </a:fontRef>
-        </p:style>
-        <p:txBody>
-          <a:bodyPr rtlCol="0" anchor="ctr"/>
-          <a:lstStyle/>
-          <a:p>
-            <a:pPr algn="ctr"/>
-            <a:endParaRPr lang="en-CA"/>
-          </a:p>
-        </p:txBody>
-      </p:sp>
-      <p:sp>
-        <p:nvSpPr>
-          <p:cNvPr id="6" name="Right Arrow 5"/>
-          <p:cNvSpPr/>
-          <p:nvPr/>
-        </p:nvSpPr>
-        <p:spPr>
-          <a:xfrm>
-            <a:off x="2133600" y="1623884"/>
-            <a:ext cx="1905000" cy="609600"/>
-          </a:xfrm>
-          <a:prstGeom prst="rightArrow">
-            <a:avLst/>
-          </a:prstGeom>
-        </p:spPr>
-        <p:style>
-          <a:lnRef idx="2">
-            <a:schemeClr val="accent1">
-              <a:shade val="50000"/>
-            </a:schemeClr>
-          </a:lnRef>
-          <a:fillRef idx="1">
-            <a:schemeClr val="accent1"/>
-          </a:fillRef>
-          <a:effectRef idx="0">
-            <a:schemeClr val="accent1"/>
-          </a:effectRef>
-          <a:fontRef idx="minor">
-            <a:schemeClr val="lt1"/>
-          </a:fontRef>
-        </p:style>
-        <p:txBody>
-          <a:bodyPr rtlCol="0" anchor="ctr"/>
-          <a:lstStyle/>
-          <a:p>
-            <a:pPr algn="ctr"/>
-            <a:r>
-              <a:rPr lang="en-CA" dirty="0"/>
-              <a:t>Vertex Layout</a:t>
-            </a:r>
-          </a:p>
-        </p:txBody>
-      </p:sp>
-      <p:sp>
-        <p:nvSpPr>
-          <p:cNvPr id="7" name="Rounded Rectangle 6"/>
-          <p:cNvSpPr/>
-          <p:nvPr/>
-        </p:nvSpPr>
-        <p:spPr>
-          <a:xfrm>
-            <a:off x="4397989" y="3422235"/>
-            <a:ext cx="2286000" cy="1066800"/>
-          </a:xfrm>
-          <a:prstGeom prst="roundRect">
-            <a:avLst/>
-          </a:prstGeom>
-        </p:spPr>
-        <p:style>
-          <a:lnRef idx="2">
-            <a:schemeClr val="accent1">
-              <a:shade val="50000"/>
-            </a:schemeClr>
-          </a:lnRef>
-          <a:fillRef idx="1">
-            <a:schemeClr val="accent1"/>
-          </a:fillRef>
-          <a:effectRef idx="0">
-            <a:schemeClr val="accent1"/>
-          </a:effectRef>
-          <a:fontRef idx="minor">
-            <a:schemeClr val="lt1"/>
-          </a:fontRef>
-        </p:style>
-        <p:txBody>
-          <a:bodyPr rtlCol="0" anchor="ctr"/>
-          <a:lstStyle/>
-          <a:p>
-            <a:pPr algn="ctr"/>
-            <a:r>
-              <a:rPr lang="en-CA" dirty="0" err="1"/>
-              <a:t>Shader</a:t>
-            </a:r>
-            <a:r>
-              <a:rPr lang="en-CA" dirty="0"/>
-              <a:t> Program</a:t>
-            </a:r>
-          </a:p>
-        </p:txBody>
-      </p:sp>
-      <p:sp>
-        <p:nvSpPr>
-          <p:cNvPr id="8" name="Smiley Face 7"/>
-          <p:cNvSpPr/>
-          <p:nvPr/>
-        </p:nvSpPr>
-        <p:spPr>
-          <a:xfrm>
-            <a:off x="533400" y="3028950"/>
-            <a:ext cx="1524000" cy="1219200"/>
-          </a:xfrm>
-          <a:prstGeom prst="smileyFace">
-            <a:avLst/>
-          </a:prstGeom>
-        </p:spPr>
-        <p:style>
-          <a:lnRef idx="2">
-            <a:schemeClr val="accent1">
-              <a:shade val="50000"/>
-            </a:schemeClr>
-          </a:lnRef>
-          <a:fillRef idx="1">
-            <a:schemeClr val="accent1"/>
-          </a:fillRef>
-          <a:effectRef idx="0">
-            <a:schemeClr val="accent1"/>
-          </a:effectRef>
-          <a:fontRef idx="minor">
-            <a:schemeClr val="lt1"/>
-          </a:fontRef>
-        </p:style>
-        <p:txBody>
-          <a:bodyPr rtlCol="0" anchor="ctr"/>
-          <a:lstStyle/>
-          <a:p>
-            <a:pPr algn="ctr"/>
-            <a:endParaRPr lang="en-CA"/>
-          </a:p>
-        </p:txBody>
-      </p:sp>
-      <p:sp>
-        <p:nvSpPr>
-          <p:cNvPr id="9" name="Smiley Face 8"/>
-          <p:cNvSpPr/>
-          <p:nvPr/>
-        </p:nvSpPr>
-        <p:spPr>
-          <a:xfrm>
-            <a:off x="533400" y="3714750"/>
-            <a:ext cx="1524000" cy="1219200"/>
-          </a:xfrm>
-          <a:prstGeom prst="smileyFace">
-            <a:avLst/>
-          </a:prstGeom>
-        </p:spPr>
-        <p:style>
-          <a:lnRef idx="2">
-            <a:schemeClr val="accent1">
-              <a:shade val="50000"/>
-            </a:schemeClr>
-          </a:lnRef>
-          <a:fillRef idx="1">
-            <a:schemeClr val="accent1"/>
-          </a:fillRef>
-          <a:effectRef idx="0">
-            <a:schemeClr val="accent1"/>
-          </a:effectRef>
-          <a:fontRef idx="minor">
-            <a:schemeClr val="lt1"/>
-          </a:fontRef>
-        </p:style>
-        <p:txBody>
-          <a:bodyPr rtlCol="0" anchor="ctr"/>
-          <a:lstStyle/>
-          <a:p>
-            <a:pPr algn="ctr"/>
-            <a:endParaRPr lang="en-CA"/>
-          </a:p>
-        </p:txBody>
-      </p:sp>
-      <p:sp>
-        <p:nvSpPr>
-          <p:cNvPr id="10" name="Right Arrow 9"/>
-          <p:cNvSpPr/>
-          <p:nvPr/>
-        </p:nvSpPr>
-        <p:spPr>
-          <a:xfrm rot="19769766">
-            <a:off x="2145864" y="3553670"/>
-            <a:ext cx="2233683" cy="609600"/>
-          </a:xfrm>
-          <a:prstGeom prst="rightArrow">
-            <a:avLst/>
-          </a:prstGeom>
-        </p:spPr>
-        <p:style>
-          <a:lnRef idx="2">
-            <a:schemeClr val="accent1">
-              <a:shade val="50000"/>
-            </a:schemeClr>
-          </a:lnRef>
-          <a:fillRef idx="1">
-            <a:schemeClr val="accent1"/>
-          </a:fillRef>
-          <a:effectRef idx="0">
-            <a:schemeClr val="accent1"/>
-          </a:effectRef>
-          <a:fontRef idx="minor">
-            <a:schemeClr val="lt1"/>
-          </a:fontRef>
-        </p:style>
-        <p:txBody>
-          <a:bodyPr rtlCol="0" anchor="ctr"/>
-          <a:lstStyle/>
-          <a:p>
-            <a:pPr algn="ctr"/>
-            <a:r>
-              <a:rPr lang="en-CA" dirty="0"/>
-              <a:t>Vertex Layout</a:t>
-            </a:r>
-          </a:p>
-        </p:txBody>
-      </p:sp>
-    </p:spTree>
-    <p:extLst>
-      <p:ext uri="{BB962C8B-B14F-4D97-AF65-F5344CB8AC3E}">
-        <p14:creationId xmlns:p14="http://schemas.microsoft.com/office/powerpoint/2010/main" val="1146441715"/>
-      </p:ext>
-    </p:extLst>
-  </p:cSld>
-  <p:clrMapOvr>
-    <a:masterClrMapping/>
-  </p:clrMapOvr>
-</p:sld>
-</file>
-
 <file path=ppt/slides/slide14.xml><?xml version="1.0" encoding="utf-8"?>
 <p:sld xmlns:a="http://schemas.openxmlformats.org/drawingml/2006/main" xmlns:r="http://schemas.openxmlformats.org/officeDocument/2006/relationships" xmlns:p="http://schemas.openxmlformats.org/presentationml/2006/main">
   <p:cSld>
@@ -5342,9 +4875,7 @@
             <a:ext cx="3352800" cy="2514600"/>
           </a:xfrm>
           <a:prstGeom prst="triangle">
-            <a:avLst>
-              <a:gd name="adj" fmla="val 0"/>
-            </a:avLst>
+            <a:avLst/>
           </a:prstGeom>
         </p:spPr>
         <p:style>
@@ -5380,7 +4911,7 @@
         </p:nvSpPr>
         <p:spPr>
           <a:xfrm>
-            <a:off x="685800" y="1428750"/>
+            <a:off x="2286000" y="1352550"/>
             <a:ext cx="457200" cy="381000"/>
           </a:xfrm>
           <a:prstGeom prst="ellipse">
@@ -5527,100 +5058,13 @@
       </p:sp>
       <p:sp>
         <p:nvSpPr>
-          <p:cNvPr id="9" name="TextBox 8"/>
-          <p:cNvSpPr txBox="1"/>
-          <p:nvPr/>
-        </p:nvSpPr>
-        <p:spPr>
-          <a:xfrm>
-            <a:off x="4648200" y="1352550"/>
-            <a:ext cx="4572000" cy="2585323"/>
-          </a:xfrm>
-          <a:prstGeom prst="rect">
-            <a:avLst/>
-          </a:prstGeom>
-          <a:noFill/>
-        </p:spPr>
-        <p:txBody>
-          <a:bodyPr wrap="square" rtlCol="0">
-            <a:spAutoFit/>
-          </a:bodyPr>
-          <a:lstStyle/>
-          <a:p>
-            <a:r>
-              <a:rPr lang="en-CA" dirty="0"/>
-              <a:t>V4.X = (V1.X + V2.X + V3.X) / 3.0f</a:t>
-            </a:r>
-          </a:p>
-          <a:p>
-            <a:r>
-              <a:rPr lang="en-CA" dirty="0"/>
-              <a:t>V4.Y = (V1.Y + V2.Y + V3.Y) / 3.0f</a:t>
-            </a:r>
-          </a:p>
-          <a:p>
-            <a:r>
-              <a:rPr lang="en-CA" dirty="0"/>
-              <a:t>V4.Z = (V1.Z + V2.Z + V3.Z) / 3.0f</a:t>
-            </a:r>
-          </a:p>
-          <a:p>
-            <a:endParaRPr lang="en-CA" dirty="0"/>
-          </a:p>
-          <a:p>
-            <a:r>
-              <a:rPr lang="en-CA" dirty="0" err="1"/>
-              <a:t>MakeTriangle</a:t>
-            </a:r>
-            <a:r>
-              <a:rPr lang="en-CA" dirty="0"/>
-              <a:t>( V0, V1, V4)</a:t>
-            </a:r>
-          </a:p>
-          <a:p>
-            <a:r>
-              <a:rPr lang="en-CA" dirty="0" err="1"/>
-              <a:t>MakeTriangle</a:t>
-            </a:r>
-            <a:r>
-              <a:rPr lang="en-CA" dirty="0"/>
-              <a:t>( V0, V4, V2)</a:t>
-            </a:r>
-          </a:p>
-          <a:p>
-            <a:r>
-              <a:rPr lang="en-CA" dirty="0" err="1"/>
-              <a:t>MakeTriangle</a:t>
-            </a:r>
-            <a:r>
-              <a:rPr lang="en-CA" dirty="0"/>
-              <a:t>(V1,V4,V2)</a:t>
-            </a:r>
-          </a:p>
-          <a:p>
-            <a:r>
-              <a:rPr lang="en-CA" dirty="0" err="1"/>
-              <a:t>AllDoneMan</a:t>
-            </a:r>
-            <a:r>
-              <a:rPr lang="en-CA" dirty="0"/>
-              <a:t>();</a:t>
-            </a:r>
-          </a:p>
-          <a:p>
-            <a:endParaRPr lang="en-CA" dirty="0"/>
-          </a:p>
-        </p:txBody>
-      </p:sp>
-      <p:sp>
-        <p:nvSpPr>
-          <p:cNvPr id="10" name="Oval 9"/>
+          <p:cNvPr id="8" name="Oval 7"/>
           <p:cNvSpPr/>
           <p:nvPr/>
         </p:nvSpPr>
         <p:spPr>
           <a:xfrm>
-            <a:off x="4114800" y="1428750"/>
+            <a:off x="2286000" y="2876550"/>
             <a:ext cx="457200" cy="381000"/>
           </a:xfrm>
           <a:prstGeom prst="ellipse">
@@ -5658,108 +5102,102 @@
             <a:pPr algn="ctr"/>
             <a:r>
               <a:rPr lang="en-CA" dirty="0"/>
-              <a:t>2</a:t>
-            </a:r>
-          </a:p>
-        </p:txBody>
-      </p:sp>
-      <p:sp>
-        <p:nvSpPr>
-          <p:cNvPr id="11" name="Isosceles Triangle 10"/>
-          <p:cNvSpPr/>
+              <a:t>4</a:t>
+            </a:r>
+          </a:p>
+        </p:txBody>
+      </p:sp>
+      <p:sp>
+        <p:nvSpPr>
+          <p:cNvPr id="9" name="TextBox 8"/>
+          <p:cNvSpPr txBox="1"/>
           <p:nvPr/>
         </p:nvSpPr>
         <p:spPr>
-          <a:xfrm rot="10800000">
-            <a:off x="990600" y="1562100"/>
-            <a:ext cx="3126260" cy="2375773"/>
-          </a:xfrm>
-          <a:prstGeom prst="triangle">
-            <a:avLst>
-              <a:gd name="adj" fmla="val 0"/>
-            </a:avLst>
-          </a:prstGeom>
-        </p:spPr>
-        <p:style>
-          <a:lnRef idx="2">
-            <a:schemeClr val="accent1">
-              <a:shade val="50000"/>
-            </a:schemeClr>
-          </a:lnRef>
-          <a:fillRef idx="1">
-            <a:schemeClr val="accent1"/>
-          </a:fillRef>
-          <a:effectRef idx="0">
-            <a:schemeClr val="accent1"/>
-          </a:effectRef>
-          <a:fontRef idx="minor">
-            <a:schemeClr val="lt1"/>
-          </a:fontRef>
-        </p:style>
-        <p:txBody>
-          <a:bodyPr rtlCol="0" anchor="ctr"/>
-          <a:lstStyle/>
-          <a:p>
-            <a:pPr algn="ctr"/>
-            <a:endParaRPr lang="en-CA"/>
-          </a:p>
-        </p:txBody>
-      </p:sp>
-      <p:sp>
-        <p:nvSpPr>
-          <p:cNvPr id="8" name="Oval 7"/>
-          <p:cNvSpPr/>
-          <p:nvPr/>
-        </p:nvSpPr>
-        <p:spPr>
-          <a:xfrm>
-            <a:off x="2209800" y="2571750"/>
-            <a:ext cx="457200" cy="381000"/>
-          </a:xfrm>
-          <a:prstGeom prst="ellipse">
+          <a:xfrm>
+            <a:off x="4648200" y="1352550"/>
+            <a:ext cx="4572000" cy="2585323"/>
+          </a:xfrm>
+          <a:prstGeom prst="rect">
             <a:avLst/>
           </a:prstGeom>
-          <a:solidFill>
-            <a:srgbClr val="7030A0"/>
-          </a:solidFill>
-          <a:ln>
-            <a:solidFill>
-              <a:srgbClr val="7030A0"/>
-            </a:solidFill>
-          </a:ln>
-        </p:spPr>
-        <p:style>
-          <a:lnRef idx="2">
-            <a:schemeClr val="accent1">
-              <a:shade val="50000"/>
-            </a:schemeClr>
-          </a:lnRef>
-          <a:fillRef idx="1">
-            <a:schemeClr val="accent1"/>
-          </a:fillRef>
-          <a:effectRef idx="0">
-            <a:schemeClr val="accent1"/>
-          </a:effectRef>
-          <a:fontRef idx="minor">
-            <a:schemeClr val="lt1"/>
-          </a:fontRef>
-        </p:style>
-        <p:txBody>
-          <a:bodyPr rtlCol="0" anchor="ctr"/>
-          <a:lstStyle/>
-          <a:p>
-            <a:pPr algn="ctr"/>
+          <a:noFill/>
+        </p:spPr>
+        <p:txBody>
+          <a:bodyPr wrap="square" rtlCol="0">
+            <a:spAutoFit/>
+          </a:bodyPr>
+          <a:lstStyle/>
+          <a:p>
             <a:r>
               <a:rPr lang="en-CA" dirty="0"/>
-              <a:t>4</a:t>
-            </a:r>
+              <a:t>V4.X = (V1.X + V2.X + V3.X) / 3.0f</a:t>
+            </a:r>
+          </a:p>
+          <a:p>
+            <a:r>
+              <a:rPr lang="en-CA" dirty="0"/>
+              <a:t>V4.Y = (V1.Y + V2.Y + V3.Y) / 3.0f</a:t>
+            </a:r>
+          </a:p>
+          <a:p>
+            <a:r>
+              <a:rPr lang="en-CA" dirty="0"/>
+              <a:t>V4.Z = (V1.Z + V2.Z + V3.Z) / 3.0f</a:t>
+            </a:r>
+          </a:p>
+          <a:p>
+            <a:endParaRPr lang="en-CA" dirty="0"/>
+          </a:p>
+          <a:p>
+            <a:r>
+              <a:rPr lang="en-CA" dirty="0" err="1"/>
+              <a:t>MakeTriangle</a:t>
+            </a:r>
+            <a:r>
+              <a:rPr lang="en-CA" dirty="0"/>
+              <a:t>( V0, V1, V4)</a:t>
+            </a:r>
+          </a:p>
+          <a:p>
+            <a:r>
+              <a:rPr lang="en-CA" dirty="0" err="1"/>
+              <a:t>MakeTriangle</a:t>
+            </a:r>
+            <a:r>
+              <a:rPr lang="en-CA" dirty="0"/>
+              <a:t>( V0, V4, V2)</a:t>
+            </a:r>
+          </a:p>
+          <a:p>
+            <a:r>
+              <a:rPr lang="en-CA" dirty="0" err="1"/>
+              <a:t>MakeTriangle</a:t>
+            </a:r>
+            <a:r>
+              <a:rPr lang="en-CA" dirty="0"/>
+              <a:t>(V1,V4,V2)</a:t>
+            </a:r>
+          </a:p>
+          <a:p>
+            <a:r>
+              <a:rPr lang="en-CA" dirty="0" err="1"/>
+              <a:t>AllDoneMan</a:t>
+            </a:r>
+            <a:r>
+              <a:rPr lang="en-CA" dirty="0"/>
+              <a:t>();</a:t>
+            </a:r>
+          </a:p>
+          <a:p>
+            <a:endParaRPr lang="en-CA" dirty="0"/>
           </a:p>
         </p:txBody>
       </p:sp>
     </p:spTree>
     <p:extLst>
       <p:ext uri="{BB962C8B-B14F-4D97-AF65-F5344CB8AC3E}">
-        <p14:creationId xmlns:p14="http://schemas.microsoft.com/office/powerpoint/2010/main" val="3036793375"/>
+        <p14:creationId xmlns:p14="http://schemas.microsoft.com/office/powerpoint/2010/main" val="3868415434"/>
       </p:ext>
     </p:extLst>
   </p:cSld>
@@ -5788,16 +5226,16 @@
       </p:grpSpPr>
       <p:sp>
         <p:nvSpPr>
-          <p:cNvPr id="4" name="Isosceles Triangle 3"/>
+          <p:cNvPr id="4" name="Smiley Face 3"/>
           <p:cNvSpPr/>
           <p:nvPr/>
         </p:nvSpPr>
         <p:spPr>
           <a:xfrm>
-            <a:off x="838200" y="1504950"/>
-            <a:ext cx="3352800" cy="2514600"/>
-          </a:xfrm>
-          <a:prstGeom prst="triangle">
+            <a:off x="533400" y="1047750"/>
+            <a:ext cx="1524000" cy="1219200"/>
+          </a:xfrm>
+          <a:prstGeom prst="smileyFace">
             <a:avLst/>
           </a:prstGeom>
         </p:spPr>
@@ -5828,26 +5266,18 @@
       </p:sp>
       <p:sp>
         <p:nvSpPr>
-          <p:cNvPr id="5" name="Oval 4"/>
+          <p:cNvPr id="5" name="Smiley Face 4"/>
           <p:cNvSpPr/>
           <p:nvPr/>
         </p:nvSpPr>
         <p:spPr>
           <a:xfrm>
-            <a:off x="2286000" y="1352550"/>
-            <a:ext cx="457200" cy="381000"/>
-          </a:xfrm>
-          <a:prstGeom prst="ellipse">
+            <a:off x="533400" y="1733550"/>
+            <a:ext cx="1524000" cy="1219200"/>
+          </a:xfrm>
+          <a:prstGeom prst="smileyFace">
             <a:avLst/>
           </a:prstGeom>
-          <a:solidFill>
-            <a:srgbClr val="7030A0"/>
-          </a:solidFill>
-          <a:ln>
-            <a:solidFill>
-              <a:srgbClr val="7030A0"/>
-            </a:solidFill>
-          </a:ln>
         </p:spPr>
         <p:style>
           <a:lnRef idx="2">
@@ -5870,35 +5300,24 @@
           <a:lstStyle/>
           <a:p>
             <a:pPr algn="ctr"/>
-            <a:r>
-              <a:rPr lang="en-CA" dirty="0"/>
-              <a:t>0</a:t>
-            </a:r>
-          </a:p>
-        </p:txBody>
-      </p:sp>
-      <p:sp>
-        <p:nvSpPr>
-          <p:cNvPr id="6" name="Oval 5"/>
+            <a:endParaRPr lang="en-CA"/>
+          </a:p>
+        </p:txBody>
+      </p:sp>
+      <p:sp>
+        <p:nvSpPr>
+          <p:cNvPr id="6" name="Right Arrow 5"/>
           <p:cNvSpPr/>
           <p:nvPr/>
         </p:nvSpPr>
         <p:spPr>
           <a:xfrm>
-            <a:off x="609600" y="3829050"/>
-            <a:ext cx="457200" cy="381000"/>
-          </a:xfrm>
-          <a:prstGeom prst="ellipse">
+            <a:off x="2133600" y="1623884"/>
+            <a:ext cx="1905000" cy="609600"/>
+          </a:xfrm>
+          <a:prstGeom prst="rightArrow">
             <a:avLst/>
           </a:prstGeom>
-          <a:solidFill>
-            <a:srgbClr val="7030A0"/>
-          </a:solidFill>
-          <a:ln>
-            <a:solidFill>
-              <a:srgbClr val="7030A0"/>
-            </a:solidFill>
-          </a:ln>
         </p:spPr>
         <p:style>
           <a:lnRef idx="2">
@@ -5923,33 +5342,25 @@
             <a:pPr algn="ctr"/>
             <a:r>
               <a:rPr lang="en-CA" dirty="0"/>
-              <a:t>1</a:t>
-            </a:r>
-          </a:p>
-        </p:txBody>
-      </p:sp>
-      <p:sp>
-        <p:nvSpPr>
-          <p:cNvPr id="7" name="Oval 6"/>
+              <a:t>Vertex Layout</a:t>
+            </a:r>
+          </a:p>
+        </p:txBody>
+      </p:sp>
+      <p:sp>
+        <p:nvSpPr>
+          <p:cNvPr id="7" name="Rounded Rectangle 6"/>
           <p:cNvSpPr/>
           <p:nvPr/>
         </p:nvSpPr>
         <p:spPr>
           <a:xfrm>
-            <a:off x="3954162" y="3829050"/>
-            <a:ext cx="457200" cy="381000"/>
-          </a:xfrm>
-          <a:prstGeom prst="ellipse">
+            <a:off x="4397989" y="3422235"/>
+            <a:ext cx="2286000" cy="1066800"/>
+          </a:xfrm>
+          <a:prstGeom prst="roundRect">
             <a:avLst/>
           </a:prstGeom>
-          <a:solidFill>
-            <a:srgbClr val="7030A0"/>
-          </a:solidFill>
-          <a:ln>
-            <a:solidFill>
-              <a:srgbClr val="7030A0"/>
-            </a:solidFill>
-          </a:ln>
         </p:spPr>
         <p:style>
           <a:lnRef idx="2">
@@ -5973,34 +5384,30 @@
           <a:p>
             <a:pPr algn="ctr"/>
             <a:r>
+              <a:rPr lang="en-CA" dirty="0" err="1"/>
+              <a:t>Shader</a:t>
+            </a:r>
+            <a:r>
               <a:rPr lang="en-CA" dirty="0"/>
-              <a:t>2</a:t>
-            </a:r>
-          </a:p>
-        </p:txBody>
-      </p:sp>
-      <p:sp>
-        <p:nvSpPr>
-          <p:cNvPr id="8" name="Oval 7"/>
+              <a:t> Program</a:t>
+            </a:r>
+          </a:p>
+        </p:txBody>
+      </p:sp>
+      <p:sp>
+        <p:nvSpPr>
+          <p:cNvPr id="8" name="Smiley Face 7"/>
           <p:cNvSpPr/>
           <p:nvPr/>
         </p:nvSpPr>
         <p:spPr>
           <a:xfrm>
-            <a:off x="1409700" y="2571750"/>
-            <a:ext cx="457200" cy="381000"/>
-          </a:xfrm>
-          <a:prstGeom prst="ellipse">
+            <a:off x="533400" y="3028950"/>
+            <a:ext cx="1524000" cy="1219200"/>
+          </a:xfrm>
+          <a:prstGeom prst="smileyFace">
             <a:avLst/>
           </a:prstGeom>
-          <a:solidFill>
-            <a:srgbClr val="7030A0"/>
-          </a:solidFill>
-          <a:ln>
-            <a:solidFill>
-              <a:srgbClr val="7030A0"/>
-            </a:solidFill>
-          </a:ln>
         </p:spPr>
         <p:style>
           <a:lnRef idx="2">
@@ -6023,35 +5430,24 @@
           <a:lstStyle/>
           <a:p>
             <a:pPr algn="ctr"/>
-            <a:r>
-              <a:rPr lang="en-CA" dirty="0"/>
-              <a:t>A</a:t>
-            </a:r>
-          </a:p>
-        </p:txBody>
-      </p:sp>
-      <p:sp>
-        <p:nvSpPr>
-          <p:cNvPr id="10" name="Oval 9"/>
+            <a:endParaRPr lang="en-CA"/>
+          </a:p>
+        </p:txBody>
+      </p:sp>
+      <p:sp>
+        <p:nvSpPr>
+          <p:cNvPr id="9" name="Smiley Face 8"/>
           <p:cNvSpPr/>
           <p:nvPr/>
         </p:nvSpPr>
         <p:spPr>
           <a:xfrm>
-            <a:off x="2895600" y="2266950"/>
-            <a:ext cx="381000" cy="358346"/>
-          </a:xfrm>
-          <a:prstGeom prst="ellipse">
+            <a:off x="533400" y="3714750"/>
+            <a:ext cx="1524000" cy="1219200"/>
+          </a:xfrm>
+          <a:prstGeom prst="smileyFace">
             <a:avLst/>
           </a:prstGeom>
-          <a:solidFill>
-            <a:srgbClr val="7030A0"/>
-          </a:solidFill>
-          <a:ln>
-            <a:solidFill>
-              <a:srgbClr val="7030A0"/>
-            </a:solidFill>
-          </a:ln>
         </p:spPr>
         <p:style>
           <a:lnRef idx="2">
@@ -6074,35 +5470,24 @@
           <a:lstStyle/>
           <a:p>
             <a:pPr algn="ctr"/>
-            <a:r>
-              <a:rPr lang="en-CA" dirty="0"/>
-              <a:t>B</a:t>
-            </a:r>
-          </a:p>
-        </p:txBody>
-      </p:sp>
-      <p:sp>
-        <p:nvSpPr>
-          <p:cNvPr id="11" name="Oval 10"/>
+            <a:endParaRPr lang="en-CA"/>
+          </a:p>
+        </p:txBody>
+      </p:sp>
+      <p:sp>
+        <p:nvSpPr>
+          <p:cNvPr id="10" name="Right Arrow 9"/>
           <p:cNvSpPr/>
           <p:nvPr/>
         </p:nvSpPr>
         <p:spPr>
-          <a:xfrm>
-            <a:off x="2263346" y="3825446"/>
-            <a:ext cx="457200" cy="381000"/>
-          </a:xfrm>
-          <a:prstGeom prst="ellipse">
+          <a:xfrm rot="19769766">
+            <a:off x="2145864" y="3553670"/>
+            <a:ext cx="2233683" cy="609600"/>
+          </a:xfrm>
+          <a:prstGeom prst="rightArrow">
             <a:avLst/>
           </a:prstGeom>
-          <a:solidFill>
-            <a:srgbClr val="7030A0"/>
-          </a:solidFill>
-          <a:ln>
-            <a:solidFill>
-              <a:srgbClr val="7030A0"/>
-            </a:solidFill>
-          </a:ln>
         </p:spPr>
         <p:style>
           <a:lnRef idx="2">
@@ -6127,455 +5512,7 @@
             <a:pPr algn="ctr"/>
             <a:r>
               <a:rPr lang="en-CA" dirty="0"/>
-              <a:t>C</a:t>
-            </a:r>
-          </a:p>
-        </p:txBody>
-      </p:sp>
-      <p:sp>
-        <p:nvSpPr>
-          <p:cNvPr id="12" name="Oval 11"/>
-          <p:cNvSpPr/>
-          <p:nvPr/>
-        </p:nvSpPr>
-        <p:spPr>
-          <a:xfrm>
-            <a:off x="3429000" y="3028950"/>
-            <a:ext cx="381000" cy="270304"/>
-          </a:xfrm>
-          <a:prstGeom prst="ellipse">
-            <a:avLst/>
-          </a:prstGeom>
-          <a:solidFill>
-            <a:srgbClr val="7030A0"/>
-          </a:solidFill>
-          <a:ln>
-            <a:solidFill>
-              <a:srgbClr val="7030A0"/>
-            </a:solidFill>
-          </a:ln>
-        </p:spPr>
-        <p:style>
-          <a:lnRef idx="2">
-            <a:schemeClr val="accent1">
-              <a:shade val="50000"/>
-            </a:schemeClr>
-          </a:lnRef>
-          <a:fillRef idx="1">
-            <a:schemeClr val="accent1"/>
-          </a:fillRef>
-          <a:effectRef idx="0">
-            <a:schemeClr val="accent1"/>
-          </a:effectRef>
-          <a:fontRef idx="minor">
-            <a:schemeClr val="lt1"/>
-          </a:fontRef>
-        </p:style>
-        <p:txBody>
-          <a:bodyPr rtlCol="0" anchor="ctr"/>
-          <a:lstStyle/>
-          <a:p>
-            <a:pPr algn="ctr"/>
-            <a:r>
-              <a:rPr lang="en-CA" dirty="0"/>
-              <a:t>B</a:t>
-            </a:r>
-          </a:p>
-        </p:txBody>
-      </p:sp>
-      <p:sp>
-        <p:nvSpPr>
-          <p:cNvPr id="13" name="Oval 12"/>
-          <p:cNvSpPr/>
-          <p:nvPr/>
-        </p:nvSpPr>
-        <p:spPr>
-          <a:xfrm>
-            <a:off x="1322173" y="3847585"/>
-            <a:ext cx="457200" cy="381000"/>
-          </a:xfrm>
-          <a:prstGeom prst="ellipse">
-            <a:avLst/>
-          </a:prstGeom>
-          <a:solidFill>
-            <a:srgbClr val="7030A0"/>
-          </a:solidFill>
-          <a:ln>
-            <a:solidFill>
-              <a:srgbClr val="7030A0"/>
-            </a:solidFill>
-          </a:ln>
-        </p:spPr>
-        <p:style>
-          <a:lnRef idx="2">
-            <a:schemeClr val="accent1">
-              <a:shade val="50000"/>
-            </a:schemeClr>
-          </a:lnRef>
-          <a:fillRef idx="1">
-            <a:schemeClr val="accent1"/>
-          </a:fillRef>
-          <a:effectRef idx="0">
-            <a:schemeClr val="accent1"/>
-          </a:effectRef>
-          <a:fontRef idx="minor">
-            <a:schemeClr val="lt1"/>
-          </a:fontRef>
-        </p:style>
-        <p:txBody>
-          <a:bodyPr rtlCol="0" anchor="ctr"/>
-          <a:lstStyle/>
-          <a:p>
-            <a:pPr algn="ctr"/>
-            <a:r>
-              <a:rPr lang="en-CA" dirty="0"/>
-              <a:t>C</a:t>
-            </a:r>
-          </a:p>
-        </p:txBody>
-      </p:sp>
-      <p:sp>
-        <p:nvSpPr>
-          <p:cNvPr id="14" name="Oval 13"/>
-          <p:cNvSpPr/>
-          <p:nvPr/>
-        </p:nvSpPr>
-        <p:spPr>
-          <a:xfrm>
-            <a:off x="2998573" y="3857882"/>
-            <a:ext cx="457200" cy="381000"/>
-          </a:xfrm>
-          <a:prstGeom prst="ellipse">
-            <a:avLst/>
-          </a:prstGeom>
-          <a:solidFill>
-            <a:srgbClr val="7030A0"/>
-          </a:solidFill>
-          <a:ln>
-            <a:solidFill>
-              <a:srgbClr val="7030A0"/>
-            </a:solidFill>
-          </a:ln>
-        </p:spPr>
-        <p:style>
-          <a:lnRef idx="2">
-            <a:schemeClr val="accent1">
-              <a:shade val="50000"/>
-            </a:schemeClr>
-          </a:lnRef>
-          <a:fillRef idx="1">
-            <a:schemeClr val="accent1"/>
-          </a:fillRef>
-          <a:effectRef idx="0">
-            <a:schemeClr val="accent1"/>
-          </a:effectRef>
-          <a:fontRef idx="minor">
-            <a:schemeClr val="lt1"/>
-          </a:fontRef>
-        </p:style>
-        <p:txBody>
-          <a:bodyPr rtlCol="0" anchor="ctr"/>
-          <a:lstStyle/>
-          <a:p>
-            <a:pPr algn="ctr"/>
-            <a:r>
-              <a:rPr lang="en-CA" dirty="0"/>
-              <a:t>C</a:t>
-            </a:r>
-          </a:p>
-        </p:txBody>
-      </p:sp>
-      <p:sp>
-        <p:nvSpPr>
-          <p:cNvPr id="15" name="Oval 14"/>
-          <p:cNvSpPr/>
-          <p:nvPr/>
-        </p:nvSpPr>
-        <p:spPr>
-          <a:xfrm>
-            <a:off x="2286000" y="2973602"/>
-            <a:ext cx="457200" cy="381000"/>
-          </a:xfrm>
-          <a:prstGeom prst="ellipse">
-            <a:avLst/>
-          </a:prstGeom>
-          <a:solidFill>
-            <a:srgbClr val="7030A0"/>
-          </a:solidFill>
-          <a:ln>
-            <a:solidFill>
-              <a:srgbClr val="7030A0"/>
-            </a:solidFill>
-          </a:ln>
-        </p:spPr>
-        <p:style>
-          <a:lnRef idx="2">
-            <a:schemeClr val="accent1">
-              <a:shade val="50000"/>
-            </a:schemeClr>
-          </a:lnRef>
-          <a:fillRef idx="1">
-            <a:schemeClr val="accent1"/>
-          </a:fillRef>
-          <a:effectRef idx="0">
-            <a:schemeClr val="accent1"/>
-          </a:effectRef>
-          <a:fontRef idx="minor">
-            <a:schemeClr val="lt1"/>
-          </a:fontRef>
-        </p:style>
-        <p:txBody>
-          <a:bodyPr rtlCol="0" anchor="ctr"/>
-          <a:lstStyle/>
-          <a:p>
-            <a:pPr algn="ctr"/>
-            <a:r>
-              <a:rPr lang="en-CA" dirty="0"/>
-              <a:t>C</a:t>
-            </a:r>
-          </a:p>
-        </p:txBody>
-      </p:sp>
-      <p:sp>
-        <p:nvSpPr>
-          <p:cNvPr id="16" name="Isosceles Triangle 15"/>
-          <p:cNvSpPr/>
-          <p:nvPr/>
-        </p:nvSpPr>
-        <p:spPr>
-          <a:xfrm>
-            <a:off x="5029200" y="1428750"/>
-            <a:ext cx="3352800" cy="2514600"/>
-          </a:xfrm>
-          <a:prstGeom prst="triangle">
-            <a:avLst/>
-          </a:prstGeom>
-        </p:spPr>
-        <p:style>
-          <a:lnRef idx="2">
-            <a:schemeClr val="accent1">
-              <a:shade val="50000"/>
-            </a:schemeClr>
-          </a:lnRef>
-          <a:fillRef idx="1">
-            <a:schemeClr val="accent1"/>
-          </a:fillRef>
-          <a:effectRef idx="0">
-            <a:schemeClr val="accent1"/>
-          </a:effectRef>
-          <a:fontRef idx="minor">
-            <a:schemeClr val="lt1"/>
-          </a:fontRef>
-        </p:style>
-        <p:txBody>
-          <a:bodyPr rtlCol="0" anchor="ctr"/>
-          <a:lstStyle/>
-          <a:p>
-            <a:pPr algn="ctr"/>
-            <a:endParaRPr lang="en-CA"/>
-          </a:p>
-        </p:txBody>
-      </p:sp>
-      <p:sp>
-        <p:nvSpPr>
-          <p:cNvPr id="17" name="Oval 16"/>
-          <p:cNvSpPr/>
-          <p:nvPr/>
-        </p:nvSpPr>
-        <p:spPr>
-          <a:xfrm>
-            <a:off x="6477000" y="1276350"/>
-            <a:ext cx="457200" cy="381000"/>
-          </a:xfrm>
-          <a:prstGeom prst="ellipse">
-            <a:avLst/>
-          </a:prstGeom>
-          <a:solidFill>
-            <a:srgbClr val="7030A0"/>
-          </a:solidFill>
-          <a:ln>
-            <a:solidFill>
-              <a:srgbClr val="7030A0"/>
-            </a:solidFill>
-          </a:ln>
-        </p:spPr>
-        <p:style>
-          <a:lnRef idx="2">
-            <a:schemeClr val="accent1">
-              <a:shade val="50000"/>
-            </a:schemeClr>
-          </a:lnRef>
-          <a:fillRef idx="1">
-            <a:schemeClr val="accent1"/>
-          </a:fillRef>
-          <a:effectRef idx="0">
-            <a:schemeClr val="accent1"/>
-          </a:effectRef>
-          <a:fontRef idx="minor">
-            <a:schemeClr val="lt1"/>
-          </a:fontRef>
-        </p:style>
-        <p:txBody>
-          <a:bodyPr rtlCol="0" anchor="ctr"/>
-          <a:lstStyle/>
-          <a:p>
-            <a:pPr algn="ctr"/>
-            <a:r>
-              <a:rPr lang="en-CA" dirty="0"/>
-              <a:t>0</a:t>
-            </a:r>
-          </a:p>
-        </p:txBody>
-      </p:sp>
-      <p:sp>
-        <p:nvSpPr>
-          <p:cNvPr id="18" name="Oval 17"/>
-          <p:cNvSpPr/>
-          <p:nvPr/>
-        </p:nvSpPr>
-        <p:spPr>
-          <a:xfrm>
-            <a:off x="4800600" y="3752850"/>
-            <a:ext cx="457200" cy="381000"/>
-          </a:xfrm>
-          <a:prstGeom prst="ellipse">
-            <a:avLst/>
-          </a:prstGeom>
-          <a:solidFill>
-            <a:srgbClr val="7030A0"/>
-          </a:solidFill>
-          <a:ln>
-            <a:solidFill>
-              <a:srgbClr val="7030A0"/>
-            </a:solidFill>
-          </a:ln>
-        </p:spPr>
-        <p:style>
-          <a:lnRef idx="2">
-            <a:schemeClr val="accent1">
-              <a:shade val="50000"/>
-            </a:schemeClr>
-          </a:lnRef>
-          <a:fillRef idx="1">
-            <a:schemeClr val="accent1"/>
-          </a:fillRef>
-          <a:effectRef idx="0">
-            <a:schemeClr val="accent1"/>
-          </a:effectRef>
-          <a:fontRef idx="minor">
-            <a:schemeClr val="lt1"/>
-          </a:fontRef>
-        </p:style>
-        <p:txBody>
-          <a:bodyPr rtlCol="0" anchor="ctr"/>
-          <a:lstStyle/>
-          <a:p>
-            <a:pPr algn="ctr"/>
-            <a:r>
-              <a:rPr lang="en-CA" dirty="0"/>
-              <a:t>1</a:t>
-            </a:r>
-          </a:p>
-        </p:txBody>
-      </p:sp>
-      <p:sp>
-        <p:nvSpPr>
-          <p:cNvPr id="19" name="Oval 18"/>
-          <p:cNvSpPr/>
-          <p:nvPr/>
-        </p:nvSpPr>
-        <p:spPr>
-          <a:xfrm>
-            <a:off x="8145162" y="3752850"/>
-            <a:ext cx="457200" cy="381000"/>
-          </a:xfrm>
-          <a:prstGeom prst="ellipse">
-            <a:avLst/>
-          </a:prstGeom>
-          <a:solidFill>
-            <a:srgbClr val="7030A0"/>
-          </a:solidFill>
-          <a:ln>
-            <a:solidFill>
-              <a:srgbClr val="7030A0"/>
-            </a:solidFill>
-          </a:ln>
-        </p:spPr>
-        <p:style>
-          <a:lnRef idx="2">
-            <a:schemeClr val="accent1">
-              <a:shade val="50000"/>
-            </a:schemeClr>
-          </a:lnRef>
-          <a:fillRef idx="1">
-            <a:schemeClr val="accent1"/>
-          </a:fillRef>
-          <a:effectRef idx="0">
-            <a:schemeClr val="accent1"/>
-          </a:effectRef>
-          <a:fontRef idx="minor">
-            <a:schemeClr val="lt1"/>
-          </a:fontRef>
-        </p:style>
-        <p:txBody>
-          <a:bodyPr rtlCol="0" anchor="ctr"/>
-          <a:lstStyle/>
-          <a:p>
-            <a:pPr algn="ctr"/>
-            <a:r>
-              <a:rPr lang="en-CA" dirty="0"/>
-              <a:t>2</a:t>
-            </a:r>
-          </a:p>
-        </p:txBody>
-      </p:sp>
-      <p:sp>
-        <p:nvSpPr>
-          <p:cNvPr id="26" name="Oval 25"/>
-          <p:cNvSpPr/>
-          <p:nvPr/>
-        </p:nvSpPr>
-        <p:spPr>
-          <a:xfrm>
-            <a:off x="6477000" y="2897402"/>
-            <a:ext cx="457200" cy="381000"/>
-          </a:xfrm>
-          <a:prstGeom prst="ellipse">
-            <a:avLst/>
-          </a:prstGeom>
-          <a:solidFill>
-            <a:srgbClr val="7030A0"/>
-          </a:solidFill>
-          <a:ln>
-            <a:solidFill>
-              <a:srgbClr val="7030A0"/>
-            </a:solidFill>
-          </a:ln>
-        </p:spPr>
-        <p:style>
-          <a:lnRef idx="2">
-            <a:schemeClr val="accent1">
-              <a:shade val="50000"/>
-            </a:schemeClr>
-          </a:lnRef>
-          <a:fillRef idx="1">
-            <a:schemeClr val="accent1"/>
-          </a:fillRef>
-          <a:effectRef idx="0">
-            <a:schemeClr val="accent1"/>
-          </a:effectRef>
-          <a:fontRef idx="minor">
-            <a:schemeClr val="lt1"/>
-          </a:fontRef>
-        </p:style>
-        <p:txBody>
-          <a:bodyPr rtlCol="0" anchor="ctr"/>
-          <a:lstStyle/>
-          <a:p>
-            <a:pPr algn="ctr"/>
-            <a:r>
-              <a:rPr lang="en-CA" dirty="0"/>
-              <a:t>C</a:t>
+              <a:t>Vertex Layout</a:t>
             </a:r>
           </a:p>
         </p:txBody>
@@ -6583,7 +5520,7 @@
     </p:spTree>
     <p:extLst>
       <p:ext uri="{BB962C8B-B14F-4D97-AF65-F5344CB8AC3E}">
-        <p14:creationId xmlns:p14="http://schemas.microsoft.com/office/powerpoint/2010/main" val="3223387042"/>
+        <p14:creationId xmlns:p14="http://schemas.microsoft.com/office/powerpoint/2010/main" val="1146441715"/>
       </p:ext>
     </p:extLst>
   </p:cSld>
@@ -6612,6 +5549,1286 @@
       </p:grpSpPr>
       <p:sp>
         <p:nvSpPr>
+          <p:cNvPr id="4" name="Isosceles Triangle 3"/>
+          <p:cNvSpPr/>
+          <p:nvPr/>
+        </p:nvSpPr>
+        <p:spPr>
+          <a:xfrm>
+            <a:off x="838200" y="1504950"/>
+            <a:ext cx="3352800" cy="2514600"/>
+          </a:xfrm>
+          <a:prstGeom prst="triangle">
+            <a:avLst>
+              <a:gd name="adj" fmla="val 0"/>
+            </a:avLst>
+          </a:prstGeom>
+        </p:spPr>
+        <p:style>
+          <a:lnRef idx="2">
+            <a:schemeClr val="accent1">
+              <a:shade val="50000"/>
+            </a:schemeClr>
+          </a:lnRef>
+          <a:fillRef idx="1">
+            <a:schemeClr val="accent1"/>
+          </a:fillRef>
+          <a:effectRef idx="0">
+            <a:schemeClr val="accent1"/>
+          </a:effectRef>
+          <a:fontRef idx="minor">
+            <a:schemeClr val="lt1"/>
+          </a:fontRef>
+        </p:style>
+        <p:txBody>
+          <a:bodyPr rtlCol="0" anchor="ctr"/>
+          <a:lstStyle/>
+          <a:p>
+            <a:pPr algn="ctr"/>
+            <a:endParaRPr lang="en-CA"/>
+          </a:p>
+        </p:txBody>
+      </p:sp>
+      <p:sp>
+        <p:nvSpPr>
+          <p:cNvPr id="5" name="Oval 4"/>
+          <p:cNvSpPr/>
+          <p:nvPr/>
+        </p:nvSpPr>
+        <p:spPr>
+          <a:xfrm>
+            <a:off x="685800" y="1428750"/>
+            <a:ext cx="457200" cy="381000"/>
+          </a:xfrm>
+          <a:prstGeom prst="ellipse">
+            <a:avLst/>
+          </a:prstGeom>
+          <a:solidFill>
+            <a:srgbClr val="7030A0"/>
+          </a:solidFill>
+          <a:ln>
+            <a:solidFill>
+              <a:srgbClr val="7030A0"/>
+            </a:solidFill>
+          </a:ln>
+        </p:spPr>
+        <p:style>
+          <a:lnRef idx="2">
+            <a:schemeClr val="accent1">
+              <a:shade val="50000"/>
+            </a:schemeClr>
+          </a:lnRef>
+          <a:fillRef idx="1">
+            <a:schemeClr val="accent1"/>
+          </a:fillRef>
+          <a:effectRef idx="0">
+            <a:schemeClr val="accent1"/>
+          </a:effectRef>
+          <a:fontRef idx="minor">
+            <a:schemeClr val="lt1"/>
+          </a:fontRef>
+        </p:style>
+        <p:txBody>
+          <a:bodyPr rtlCol="0" anchor="ctr"/>
+          <a:lstStyle/>
+          <a:p>
+            <a:pPr algn="ctr"/>
+            <a:r>
+              <a:rPr lang="en-CA" dirty="0"/>
+              <a:t>0</a:t>
+            </a:r>
+          </a:p>
+        </p:txBody>
+      </p:sp>
+      <p:sp>
+        <p:nvSpPr>
+          <p:cNvPr id="6" name="Oval 5"/>
+          <p:cNvSpPr/>
+          <p:nvPr/>
+        </p:nvSpPr>
+        <p:spPr>
+          <a:xfrm>
+            <a:off x="609600" y="3829050"/>
+            <a:ext cx="457200" cy="381000"/>
+          </a:xfrm>
+          <a:prstGeom prst="ellipse">
+            <a:avLst/>
+          </a:prstGeom>
+          <a:solidFill>
+            <a:srgbClr val="7030A0"/>
+          </a:solidFill>
+          <a:ln>
+            <a:solidFill>
+              <a:srgbClr val="7030A0"/>
+            </a:solidFill>
+          </a:ln>
+        </p:spPr>
+        <p:style>
+          <a:lnRef idx="2">
+            <a:schemeClr val="accent1">
+              <a:shade val="50000"/>
+            </a:schemeClr>
+          </a:lnRef>
+          <a:fillRef idx="1">
+            <a:schemeClr val="accent1"/>
+          </a:fillRef>
+          <a:effectRef idx="0">
+            <a:schemeClr val="accent1"/>
+          </a:effectRef>
+          <a:fontRef idx="minor">
+            <a:schemeClr val="lt1"/>
+          </a:fontRef>
+        </p:style>
+        <p:txBody>
+          <a:bodyPr rtlCol="0" anchor="ctr"/>
+          <a:lstStyle/>
+          <a:p>
+            <a:pPr algn="ctr"/>
+            <a:r>
+              <a:rPr lang="en-CA" dirty="0"/>
+              <a:t>1</a:t>
+            </a:r>
+          </a:p>
+        </p:txBody>
+      </p:sp>
+      <p:sp>
+        <p:nvSpPr>
+          <p:cNvPr id="7" name="Oval 6"/>
+          <p:cNvSpPr/>
+          <p:nvPr/>
+        </p:nvSpPr>
+        <p:spPr>
+          <a:xfrm>
+            <a:off x="3954162" y="3829050"/>
+            <a:ext cx="457200" cy="381000"/>
+          </a:xfrm>
+          <a:prstGeom prst="ellipse">
+            <a:avLst/>
+          </a:prstGeom>
+          <a:solidFill>
+            <a:srgbClr val="7030A0"/>
+          </a:solidFill>
+          <a:ln>
+            <a:solidFill>
+              <a:srgbClr val="7030A0"/>
+            </a:solidFill>
+          </a:ln>
+        </p:spPr>
+        <p:style>
+          <a:lnRef idx="2">
+            <a:schemeClr val="accent1">
+              <a:shade val="50000"/>
+            </a:schemeClr>
+          </a:lnRef>
+          <a:fillRef idx="1">
+            <a:schemeClr val="accent1"/>
+          </a:fillRef>
+          <a:effectRef idx="0">
+            <a:schemeClr val="accent1"/>
+          </a:effectRef>
+          <a:fontRef idx="minor">
+            <a:schemeClr val="lt1"/>
+          </a:fontRef>
+        </p:style>
+        <p:txBody>
+          <a:bodyPr rtlCol="0" anchor="ctr"/>
+          <a:lstStyle/>
+          <a:p>
+            <a:pPr algn="ctr"/>
+            <a:r>
+              <a:rPr lang="en-CA" dirty="0"/>
+              <a:t>2</a:t>
+            </a:r>
+          </a:p>
+        </p:txBody>
+      </p:sp>
+      <p:sp>
+        <p:nvSpPr>
+          <p:cNvPr id="9" name="TextBox 8"/>
+          <p:cNvSpPr txBox="1"/>
+          <p:nvPr/>
+        </p:nvSpPr>
+        <p:spPr>
+          <a:xfrm>
+            <a:off x="4648200" y="1352550"/>
+            <a:ext cx="4572000" cy="2585323"/>
+          </a:xfrm>
+          <a:prstGeom prst="rect">
+            <a:avLst/>
+          </a:prstGeom>
+          <a:noFill/>
+        </p:spPr>
+        <p:txBody>
+          <a:bodyPr wrap="square" rtlCol="0">
+            <a:spAutoFit/>
+          </a:bodyPr>
+          <a:lstStyle/>
+          <a:p>
+            <a:r>
+              <a:rPr lang="en-CA" dirty="0"/>
+              <a:t>V4.X = (V1.X + V2.X + V3.X) / 3.0f</a:t>
+            </a:r>
+          </a:p>
+          <a:p>
+            <a:r>
+              <a:rPr lang="en-CA" dirty="0"/>
+              <a:t>V4.Y = (V1.Y + V2.Y + V3.Y) / 3.0f</a:t>
+            </a:r>
+          </a:p>
+          <a:p>
+            <a:r>
+              <a:rPr lang="en-CA" dirty="0"/>
+              <a:t>V4.Z = (V1.Z + V2.Z + V3.Z) / 3.0f</a:t>
+            </a:r>
+          </a:p>
+          <a:p>
+            <a:endParaRPr lang="en-CA" dirty="0"/>
+          </a:p>
+          <a:p>
+            <a:r>
+              <a:rPr lang="en-CA" dirty="0" err="1"/>
+              <a:t>MakeTriangle</a:t>
+            </a:r>
+            <a:r>
+              <a:rPr lang="en-CA" dirty="0"/>
+              <a:t>( V0, V1, V4)</a:t>
+            </a:r>
+          </a:p>
+          <a:p>
+            <a:r>
+              <a:rPr lang="en-CA" dirty="0" err="1"/>
+              <a:t>MakeTriangle</a:t>
+            </a:r>
+            <a:r>
+              <a:rPr lang="en-CA" dirty="0"/>
+              <a:t>( V0, V4, V2)</a:t>
+            </a:r>
+          </a:p>
+          <a:p>
+            <a:r>
+              <a:rPr lang="en-CA" dirty="0" err="1"/>
+              <a:t>MakeTriangle</a:t>
+            </a:r>
+            <a:r>
+              <a:rPr lang="en-CA" dirty="0"/>
+              <a:t>(V1,V4,V2)</a:t>
+            </a:r>
+          </a:p>
+          <a:p>
+            <a:r>
+              <a:rPr lang="en-CA" dirty="0" err="1"/>
+              <a:t>AllDoneMan</a:t>
+            </a:r>
+            <a:r>
+              <a:rPr lang="en-CA" dirty="0"/>
+              <a:t>();</a:t>
+            </a:r>
+          </a:p>
+          <a:p>
+            <a:endParaRPr lang="en-CA" dirty="0"/>
+          </a:p>
+        </p:txBody>
+      </p:sp>
+      <p:sp>
+        <p:nvSpPr>
+          <p:cNvPr id="10" name="Oval 9"/>
+          <p:cNvSpPr/>
+          <p:nvPr/>
+        </p:nvSpPr>
+        <p:spPr>
+          <a:xfrm>
+            <a:off x="4114800" y="1428750"/>
+            <a:ext cx="457200" cy="381000"/>
+          </a:xfrm>
+          <a:prstGeom prst="ellipse">
+            <a:avLst/>
+          </a:prstGeom>
+          <a:solidFill>
+            <a:srgbClr val="7030A0"/>
+          </a:solidFill>
+          <a:ln>
+            <a:solidFill>
+              <a:srgbClr val="7030A0"/>
+            </a:solidFill>
+          </a:ln>
+        </p:spPr>
+        <p:style>
+          <a:lnRef idx="2">
+            <a:schemeClr val="accent1">
+              <a:shade val="50000"/>
+            </a:schemeClr>
+          </a:lnRef>
+          <a:fillRef idx="1">
+            <a:schemeClr val="accent1"/>
+          </a:fillRef>
+          <a:effectRef idx="0">
+            <a:schemeClr val="accent1"/>
+          </a:effectRef>
+          <a:fontRef idx="minor">
+            <a:schemeClr val="lt1"/>
+          </a:fontRef>
+        </p:style>
+        <p:txBody>
+          <a:bodyPr rtlCol="0" anchor="ctr"/>
+          <a:lstStyle/>
+          <a:p>
+            <a:pPr algn="ctr"/>
+            <a:r>
+              <a:rPr lang="en-CA" dirty="0"/>
+              <a:t>2</a:t>
+            </a:r>
+          </a:p>
+        </p:txBody>
+      </p:sp>
+      <p:sp>
+        <p:nvSpPr>
+          <p:cNvPr id="11" name="Isosceles Triangle 10"/>
+          <p:cNvSpPr/>
+          <p:nvPr/>
+        </p:nvSpPr>
+        <p:spPr>
+          <a:xfrm rot="10800000">
+            <a:off x="990600" y="1562100"/>
+            <a:ext cx="3126260" cy="2375773"/>
+          </a:xfrm>
+          <a:prstGeom prst="triangle">
+            <a:avLst>
+              <a:gd name="adj" fmla="val 0"/>
+            </a:avLst>
+          </a:prstGeom>
+        </p:spPr>
+        <p:style>
+          <a:lnRef idx="2">
+            <a:schemeClr val="accent1">
+              <a:shade val="50000"/>
+            </a:schemeClr>
+          </a:lnRef>
+          <a:fillRef idx="1">
+            <a:schemeClr val="accent1"/>
+          </a:fillRef>
+          <a:effectRef idx="0">
+            <a:schemeClr val="accent1"/>
+          </a:effectRef>
+          <a:fontRef idx="minor">
+            <a:schemeClr val="lt1"/>
+          </a:fontRef>
+        </p:style>
+        <p:txBody>
+          <a:bodyPr rtlCol="0" anchor="ctr"/>
+          <a:lstStyle/>
+          <a:p>
+            <a:pPr algn="ctr"/>
+            <a:endParaRPr lang="en-CA"/>
+          </a:p>
+        </p:txBody>
+      </p:sp>
+      <p:sp>
+        <p:nvSpPr>
+          <p:cNvPr id="8" name="Oval 7"/>
+          <p:cNvSpPr/>
+          <p:nvPr/>
+        </p:nvSpPr>
+        <p:spPr>
+          <a:xfrm>
+            <a:off x="2209800" y="2571750"/>
+            <a:ext cx="457200" cy="381000"/>
+          </a:xfrm>
+          <a:prstGeom prst="ellipse">
+            <a:avLst/>
+          </a:prstGeom>
+          <a:solidFill>
+            <a:srgbClr val="7030A0"/>
+          </a:solidFill>
+          <a:ln>
+            <a:solidFill>
+              <a:srgbClr val="7030A0"/>
+            </a:solidFill>
+          </a:ln>
+        </p:spPr>
+        <p:style>
+          <a:lnRef idx="2">
+            <a:schemeClr val="accent1">
+              <a:shade val="50000"/>
+            </a:schemeClr>
+          </a:lnRef>
+          <a:fillRef idx="1">
+            <a:schemeClr val="accent1"/>
+          </a:fillRef>
+          <a:effectRef idx="0">
+            <a:schemeClr val="accent1"/>
+          </a:effectRef>
+          <a:fontRef idx="minor">
+            <a:schemeClr val="lt1"/>
+          </a:fontRef>
+        </p:style>
+        <p:txBody>
+          <a:bodyPr rtlCol="0" anchor="ctr"/>
+          <a:lstStyle/>
+          <a:p>
+            <a:pPr algn="ctr"/>
+            <a:r>
+              <a:rPr lang="en-CA" dirty="0"/>
+              <a:t>4</a:t>
+            </a:r>
+          </a:p>
+        </p:txBody>
+      </p:sp>
+    </p:spTree>
+    <p:extLst>
+      <p:ext uri="{BB962C8B-B14F-4D97-AF65-F5344CB8AC3E}">
+        <p14:creationId xmlns:p14="http://schemas.microsoft.com/office/powerpoint/2010/main" val="3036793375"/>
+      </p:ext>
+    </p:extLst>
+  </p:cSld>
+  <p:clrMapOvr>
+    <a:masterClrMapping/>
+  </p:clrMapOvr>
+</p:sld>
+</file>
+
+<file path=ppt/slides/slide17.xml><?xml version="1.0" encoding="utf-8"?>
+<p:sld xmlns:a="http://schemas.openxmlformats.org/drawingml/2006/main" xmlns:r="http://schemas.openxmlformats.org/officeDocument/2006/relationships" xmlns:p="http://schemas.openxmlformats.org/presentationml/2006/main">
+  <p:cSld>
+    <p:spTree>
+      <p:nvGrpSpPr>
+        <p:cNvPr id="1" name=""/>
+        <p:cNvGrpSpPr/>
+        <p:nvPr/>
+      </p:nvGrpSpPr>
+      <p:grpSpPr>
+        <a:xfrm>
+          <a:off x="0" y="0"/>
+          <a:ext cx="0" cy="0"/>
+          <a:chOff x="0" y="0"/>
+          <a:chExt cx="0" cy="0"/>
+        </a:xfrm>
+      </p:grpSpPr>
+      <p:sp>
+        <p:nvSpPr>
+          <p:cNvPr id="4" name="Isosceles Triangle 3"/>
+          <p:cNvSpPr/>
+          <p:nvPr/>
+        </p:nvSpPr>
+        <p:spPr>
+          <a:xfrm>
+            <a:off x="838200" y="1504950"/>
+            <a:ext cx="3352800" cy="2514600"/>
+          </a:xfrm>
+          <a:prstGeom prst="triangle">
+            <a:avLst/>
+          </a:prstGeom>
+        </p:spPr>
+        <p:style>
+          <a:lnRef idx="2">
+            <a:schemeClr val="accent1">
+              <a:shade val="50000"/>
+            </a:schemeClr>
+          </a:lnRef>
+          <a:fillRef idx="1">
+            <a:schemeClr val="accent1"/>
+          </a:fillRef>
+          <a:effectRef idx="0">
+            <a:schemeClr val="accent1"/>
+          </a:effectRef>
+          <a:fontRef idx="minor">
+            <a:schemeClr val="lt1"/>
+          </a:fontRef>
+        </p:style>
+        <p:txBody>
+          <a:bodyPr rtlCol="0" anchor="ctr"/>
+          <a:lstStyle/>
+          <a:p>
+            <a:pPr algn="ctr"/>
+            <a:endParaRPr lang="en-CA"/>
+          </a:p>
+        </p:txBody>
+      </p:sp>
+      <p:sp>
+        <p:nvSpPr>
+          <p:cNvPr id="5" name="Oval 4"/>
+          <p:cNvSpPr/>
+          <p:nvPr/>
+        </p:nvSpPr>
+        <p:spPr>
+          <a:xfrm>
+            <a:off x="2286000" y="1352550"/>
+            <a:ext cx="457200" cy="381000"/>
+          </a:xfrm>
+          <a:prstGeom prst="ellipse">
+            <a:avLst/>
+          </a:prstGeom>
+          <a:solidFill>
+            <a:srgbClr val="7030A0"/>
+          </a:solidFill>
+          <a:ln>
+            <a:solidFill>
+              <a:srgbClr val="7030A0"/>
+            </a:solidFill>
+          </a:ln>
+        </p:spPr>
+        <p:style>
+          <a:lnRef idx="2">
+            <a:schemeClr val="accent1">
+              <a:shade val="50000"/>
+            </a:schemeClr>
+          </a:lnRef>
+          <a:fillRef idx="1">
+            <a:schemeClr val="accent1"/>
+          </a:fillRef>
+          <a:effectRef idx="0">
+            <a:schemeClr val="accent1"/>
+          </a:effectRef>
+          <a:fontRef idx="minor">
+            <a:schemeClr val="lt1"/>
+          </a:fontRef>
+        </p:style>
+        <p:txBody>
+          <a:bodyPr rtlCol="0" anchor="ctr"/>
+          <a:lstStyle/>
+          <a:p>
+            <a:pPr algn="ctr"/>
+            <a:r>
+              <a:rPr lang="en-CA" dirty="0"/>
+              <a:t>0</a:t>
+            </a:r>
+          </a:p>
+        </p:txBody>
+      </p:sp>
+      <p:sp>
+        <p:nvSpPr>
+          <p:cNvPr id="6" name="Oval 5"/>
+          <p:cNvSpPr/>
+          <p:nvPr/>
+        </p:nvSpPr>
+        <p:spPr>
+          <a:xfrm>
+            <a:off x="609600" y="3829050"/>
+            <a:ext cx="457200" cy="381000"/>
+          </a:xfrm>
+          <a:prstGeom prst="ellipse">
+            <a:avLst/>
+          </a:prstGeom>
+          <a:solidFill>
+            <a:srgbClr val="7030A0"/>
+          </a:solidFill>
+          <a:ln>
+            <a:solidFill>
+              <a:srgbClr val="7030A0"/>
+            </a:solidFill>
+          </a:ln>
+        </p:spPr>
+        <p:style>
+          <a:lnRef idx="2">
+            <a:schemeClr val="accent1">
+              <a:shade val="50000"/>
+            </a:schemeClr>
+          </a:lnRef>
+          <a:fillRef idx="1">
+            <a:schemeClr val="accent1"/>
+          </a:fillRef>
+          <a:effectRef idx="0">
+            <a:schemeClr val="accent1"/>
+          </a:effectRef>
+          <a:fontRef idx="minor">
+            <a:schemeClr val="lt1"/>
+          </a:fontRef>
+        </p:style>
+        <p:txBody>
+          <a:bodyPr rtlCol="0" anchor="ctr"/>
+          <a:lstStyle/>
+          <a:p>
+            <a:pPr algn="ctr"/>
+            <a:r>
+              <a:rPr lang="en-CA" dirty="0"/>
+              <a:t>1</a:t>
+            </a:r>
+          </a:p>
+        </p:txBody>
+      </p:sp>
+      <p:sp>
+        <p:nvSpPr>
+          <p:cNvPr id="7" name="Oval 6"/>
+          <p:cNvSpPr/>
+          <p:nvPr/>
+        </p:nvSpPr>
+        <p:spPr>
+          <a:xfrm>
+            <a:off x="3954162" y="3829050"/>
+            <a:ext cx="457200" cy="381000"/>
+          </a:xfrm>
+          <a:prstGeom prst="ellipse">
+            <a:avLst/>
+          </a:prstGeom>
+          <a:solidFill>
+            <a:srgbClr val="7030A0"/>
+          </a:solidFill>
+          <a:ln>
+            <a:solidFill>
+              <a:srgbClr val="7030A0"/>
+            </a:solidFill>
+          </a:ln>
+        </p:spPr>
+        <p:style>
+          <a:lnRef idx="2">
+            <a:schemeClr val="accent1">
+              <a:shade val="50000"/>
+            </a:schemeClr>
+          </a:lnRef>
+          <a:fillRef idx="1">
+            <a:schemeClr val="accent1"/>
+          </a:fillRef>
+          <a:effectRef idx="0">
+            <a:schemeClr val="accent1"/>
+          </a:effectRef>
+          <a:fontRef idx="minor">
+            <a:schemeClr val="lt1"/>
+          </a:fontRef>
+        </p:style>
+        <p:txBody>
+          <a:bodyPr rtlCol="0" anchor="ctr"/>
+          <a:lstStyle/>
+          <a:p>
+            <a:pPr algn="ctr"/>
+            <a:r>
+              <a:rPr lang="en-CA" dirty="0"/>
+              <a:t>2</a:t>
+            </a:r>
+          </a:p>
+        </p:txBody>
+      </p:sp>
+      <p:sp>
+        <p:nvSpPr>
+          <p:cNvPr id="8" name="Oval 7"/>
+          <p:cNvSpPr/>
+          <p:nvPr/>
+        </p:nvSpPr>
+        <p:spPr>
+          <a:xfrm>
+            <a:off x="1409700" y="2571750"/>
+            <a:ext cx="457200" cy="381000"/>
+          </a:xfrm>
+          <a:prstGeom prst="ellipse">
+            <a:avLst/>
+          </a:prstGeom>
+          <a:solidFill>
+            <a:srgbClr val="7030A0"/>
+          </a:solidFill>
+          <a:ln>
+            <a:solidFill>
+              <a:srgbClr val="7030A0"/>
+            </a:solidFill>
+          </a:ln>
+        </p:spPr>
+        <p:style>
+          <a:lnRef idx="2">
+            <a:schemeClr val="accent1">
+              <a:shade val="50000"/>
+            </a:schemeClr>
+          </a:lnRef>
+          <a:fillRef idx="1">
+            <a:schemeClr val="accent1"/>
+          </a:fillRef>
+          <a:effectRef idx="0">
+            <a:schemeClr val="accent1"/>
+          </a:effectRef>
+          <a:fontRef idx="minor">
+            <a:schemeClr val="lt1"/>
+          </a:fontRef>
+        </p:style>
+        <p:txBody>
+          <a:bodyPr rtlCol="0" anchor="ctr"/>
+          <a:lstStyle/>
+          <a:p>
+            <a:pPr algn="ctr"/>
+            <a:r>
+              <a:rPr lang="en-CA" dirty="0"/>
+              <a:t>A</a:t>
+            </a:r>
+          </a:p>
+        </p:txBody>
+      </p:sp>
+      <p:sp>
+        <p:nvSpPr>
+          <p:cNvPr id="10" name="Oval 9"/>
+          <p:cNvSpPr/>
+          <p:nvPr/>
+        </p:nvSpPr>
+        <p:spPr>
+          <a:xfrm>
+            <a:off x="2895600" y="2266950"/>
+            <a:ext cx="381000" cy="358346"/>
+          </a:xfrm>
+          <a:prstGeom prst="ellipse">
+            <a:avLst/>
+          </a:prstGeom>
+          <a:solidFill>
+            <a:srgbClr val="7030A0"/>
+          </a:solidFill>
+          <a:ln>
+            <a:solidFill>
+              <a:srgbClr val="7030A0"/>
+            </a:solidFill>
+          </a:ln>
+        </p:spPr>
+        <p:style>
+          <a:lnRef idx="2">
+            <a:schemeClr val="accent1">
+              <a:shade val="50000"/>
+            </a:schemeClr>
+          </a:lnRef>
+          <a:fillRef idx="1">
+            <a:schemeClr val="accent1"/>
+          </a:fillRef>
+          <a:effectRef idx="0">
+            <a:schemeClr val="accent1"/>
+          </a:effectRef>
+          <a:fontRef idx="minor">
+            <a:schemeClr val="lt1"/>
+          </a:fontRef>
+        </p:style>
+        <p:txBody>
+          <a:bodyPr rtlCol="0" anchor="ctr"/>
+          <a:lstStyle/>
+          <a:p>
+            <a:pPr algn="ctr"/>
+            <a:r>
+              <a:rPr lang="en-CA" dirty="0"/>
+              <a:t>B</a:t>
+            </a:r>
+          </a:p>
+        </p:txBody>
+      </p:sp>
+      <p:sp>
+        <p:nvSpPr>
+          <p:cNvPr id="11" name="Oval 10"/>
+          <p:cNvSpPr/>
+          <p:nvPr/>
+        </p:nvSpPr>
+        <p:spPr>
+          <a:xfrm>
+            <a:off x="2263346" y="3825446"/>
+            <a:ext cx="457200" cy="381000"/>
+          </a:xfrm>
+          <a:prstGeom prst="ellipse">
+            <a:avLst/>
+          </a:prstGeom>
+          <a:solidFill>
+            <a:srgbClr val="7030A0"/>
+          </a:solidFill>
+          <a:ln>
+            <a:solidFill>
+              <a:srgbClr val="7030A0"/>
+            </a:solidFill>
+          </a:ln>
+        </p:spPr>
+        <p:style>
+          <a:lnRef idx="2">
+            <a:schemeClr val="accent1">
+              <a:shade val="50000"/>
+            </a:schemeClr>
+          </a:lnRef>
+          <a:fillRef idx="1">
+            <a:schemeClr val="accent1"/>
+          </a:fillRef>
+          <a:effectRef idx="0">
+            <a:schemeClr val="accent1"/>
+          </a:effectRef>
+          <a:fontRef idx="minor">
+            <a:schemeClr val="lt1"/>
+          </a:fontRef>
+        </p:style>
+        <p:txBody>
+          <a:bodyPr rtlCol="0" anchor="ctr"/>
+          <a:lstStyle/>
+          <a:p>
+            <a:pPr algn="ctr"/>
+            <a:r>
+              <a:rPr lang="en-CA" dirty="0"/>
+              <a:t>C</a:t>
+            </a:r>
+          </a:p>
+        </p:txBody>
+      </p:sp>
+      <p:sp>
+        <p:nvSpPr>
+          <p:cNvPr id="12" name="Oval 11"/>
+          <p:cNvSpPr/>
+          <p:nvPr/>
+        </p:nvSpPr>
+        <p:spPr>
+          <a:xfrm>
+            <a:off x="3429000" y="3028950"/>
+            <a:ext cx="381000" cy="270304"/>
+          </a:xfrm>
+          <a:prstGeom prst="ellipse">
+            <a:avLst/>
+          </a:prstGeom>
+          <a:solidFill>
+            <a:srgbClr val="7030A0"/>
+          </a:solidFill>
+          <a:ln>
+            <a:solidFill>
+              <a:srgbClr val="7030A0"/>
+            </a:solidFill>
+          </a:ln>
+        </p:spPr>
+        <p:style>
+          <a:lnRef idx="2">
+            <a:schemeClr val="accent1">
+              <a:shade val="50000"/>
+            </a:schemeClr>
+          </a:lnRef>
+          <a:fillRef idx="1">
+            <a:schemeClr val="accent1"/>
+          </a:fillRef>
+          <a:effectRef idx="0">
+            <a:schemeClr val="accent1"/>
+          </a:effectRef>
+          <a:fontRef idx="minor">
+            <a:schemeClr val="lt1"/>
+          </a:fontRef>
+        </p:style>
+        <p:txBody>
+          <a:bodyPr rtlCol="0" anchor="ctr"/>
+          <a:lstStyle/>
+          <a:p>
+            <a:pPr algn="ctr"/>
+            <a:r>
+              <a:rPr lang="en-CA" dirty="0"/>
+              <a:t>B</a:t>
+            </a:r>
+          </a:p>
+        </p:txBody>
+      </p:sp>
+      <p:sp>
+        <p:nvSpPr>
+          <p:cNvPr id="13" name="Oval 12"/>
+          <p:cNvSpPr/>
+          <p:nvPr/>
+        </p:nvSpPr>
+        <p:spPr>
+          <a:xfrm>
+            <a:off x="1322173" y="3847585"/>
+            <a:ext cx="457200" cy="381000"/>
+          </a:xfrm>
+          <a:prstGeom prst="ellipse">
+            <a:avLst/>
+          </a:prstGeom>
+          <a:solidFill>
+            <a:srgbClr val="7030A0"/>
+          </a:solidFill>
+          <a:ln>
+            <a:solidFill>
+              <a:srgbClr val="7030A0"/>
+            </a:solidFill>
+          </a:ln>
+        </p:spPr>
+        <p:style>
+          <a:lnRef idx="2">
+            <a:schemeClr val="accent1">
+              <a:shade val="50000"/>
+            </a:schemeClr>
+          </a:lnRef>
+          <a:fillRef idx="1">
+            <a:schemeClr val="accent1"/>
+          </a:fillRef>
+          <a:effectRef idx="0">
+            <a:schemeClr val="accent1"/>
+          </a:effectRef>
+          <a:fontRef idx="minor">
+            <a:schemeClr val="lt1"/>
+          </a:fontRef>
+        </p:style>
+        <p:txBody>
+          <a:bodyPr rtlCol="0" anchor="ctr"/>
+          <a:lstStyle/>
+          <a:p>
+            <a:pPr algn="ctr"/>
+            <a:r>
+              <a:rPr lang="en-CA" dirty="0"/>
+              <a:t>C</a:t>
+            </a:r>
+          </a:p>
+        </p:txBody>
+      </p:sp>
+      <p:sp>
+        <p:nvSpPr>
+          <p:cNvPr id="14" name="Oval 13"/>
+          <p:cNvSpPr/>
+          <p:nvPr/>
+        </p:nvSpPr>
+        <p:spPr>
+          <a:xfrm>
+            <a:off x="2998573" y="3857882"/>
+            <a:ext cx="457200" cy="381000"/>
+          </a:xfrm>
+          <a:prstGeom prst="ellipse">
+            <a:avLst/>
+          </a:prstGeom>
+          <a:solidFill>
+            <a:srgbClr val="7030A0"/>
+          </a:solidFill>
+          <a:ln>
+            <a:solidFill>
+              <a:srgbClr val="7030A0"/>
+            </a:solidFill>
+          </a:ln>
+        </p:spPr>
+        <p:style>
+          <a:lnRef idx="2">
+            <a:schemeClr val="accent1">
+              <a:shade val="50000"/>
+            </a:schemeClr>
+          </a:lnRef>
+          <a:fillRef idx="1">
+            <a:schemeClr val="accent1"/>
+          </a:fillRef>
+          <a:effectRef idx="0">
+            <a:schemeClr val="accent1"/>
+          </a:effectRef>
+          <a:fontRef idx="minor">
+            <a:schemeClr val="lt1"/>
+          </a:fontRef>
+        </p:style>
+        <p:txBody>
+          <a:bodyPr rtlCol="0" anchor="ctr"/>
+          <a:lstStyle/>
+          <a:p>
+            <a:pPr algn="ctr"/>
+            <a:r>
+              <a:rPr lang="en-CA" dirty="0"/>
+              <a:t>C</a:t>
+            </a:r>
+          </a:p>
+        </p:txBody>
+      </p:sp>
+      <p:sp>
+        <p:nvSpPr>
+          <p:cNvPr id="15" name="Oval 14"/>
+          <p:cNvSpPr/>
+          <p:nvPr/>
+        </p:nvSpPr>
+        <p:spPr>
+          <a:xfrm>
+            <a:off x="2286000" y="2973602"/>
+            <a:ext cx="457200" cy="381000"/>
+          </a:xfrm>
+          <a:prstGeom prst="ellipse">
+            <a:avLst/>
+          </a:prstGeom>
+          <a:solidFill>
+            <a:srgbClr val="7030A0"/>
+          </a:solidFill>
+          <a:ln>
+            <a:solidFill>
+              <a:srgbClr val="7030A0"/>
+            </a:solidFill>
+          </a:ln>
+        </p:spPr>
+        <p:style>
+          <a:lnRef idx="2">
+            <a:schemeClr val="accent1">
+              <a:shade val="50000"/>
+            </a:schemeClr>
+          </a:lnRef>
+          <a:fillRef idx="1">
+            <a:schemeClr val="accent1"/>
+          </a:fillRef>
+          <a:effectRef idx="0">
+            <a:schemeClr val="accent1"/>
+          </a:effectRef>
+          <a:fontRef idx="minor">
+            <a:schemeClr val="lt1"/>
+          </a:fontRef>
+        </p:style>
+        <p:txBody>
+          <a:bodyPr rtlCol="0" anchor="ctr"/>
+          <a:lstStyle/>
+          <a:p>
+            <a:pPr algn="ctr"/>
+            <a:r>
+              <a:rPr lang="en-CA" dirty="0"/>
+              <a:t>C</a:t>
+            </a:r>
+          </a:p>
+        </p:txBody>
+      </p:sp>
+      <p:sp>
+        <p:nvSpPr>
+          <p:cNvPr id="16" name="Isosceles Triangle 15"/>
+          <p:cNvSpPr/>
+          <p:nvPr/>
+        </p:nvSpPr>
+        <p:spPr>
+          <a:xfrm>
+            <a:off x="5029200" y="1428750"/>
+            <a:ext cx="3352800" cy="2514600"/>
+          </a:xfrm>
+          <a:prstGeom prst="triangle">
+            <a:avLst/>
+          </a:prstGeom>
+        </p:spPr>
+        <p:style>
+          <a:lnRef idx="2">
+            <a:schemeClr val="accent1">
+              <a:shade val="50000"/>
+            </a:schemeClr>
+          </a:lnRef>
+          <a:fillRef idx="1">
+            <a:schemeClr val="accent1"/>
+          </a:fillRef>
+          <a:effectRef idx="0">
+            <a:schemeClr val="accent1"/>
+          </a:effectRef>
+          <a:fontRef idx="minor">
+            <a:schemeClr val="lt1"/>
+          </a:fontRef>
+        </p:style>
+        <p:txBody>
+          <a:bodyPr rtlCol="0" anchor="ctr"/>
+          <a:lstStyle/>
+          <a:p>
+            <a:pPr algn="ctr"/>
+            <a:endParaRPr lang="en-CA"/>
+          </a:p>
+        </p:txBody>
+      </p:sp>
+      <p:sp>
+        <p:nvSpPr>
+          <p:cNvPr id="17" name="Oval 16"/>
+          <p:cNvSpPr/>
+          <p:nvPr/>
+        </p:nvSpPr>
+        <p:spPr>
+          <a:xfrm>
+            <a:off x="6477000" y="1276350"/>
+            <a:ext cx="457200" cy="381000"/>
+          </a:xfrm>
+          <a:prstGeom prst="ellipse">
+            <a:avLst/>
+          </a:prstGeom>
+          <a:solidFill>
+            <a:srgbClr val="7030A0"/>
+          </a:solidFill>
+          <a:ln>
+            <a:solidFill>
+              <a:srgbClr val="7030A0"/>
+            </a:solidFill>
+          </a:ln>
+        </p:spPr>
+        <p:style>
+          <a:lnRef idx="2">
+            <a:schemeClr val="accent1">
+              <a:shade val="50000"/>
+            </a:schemeClr>
+          </a:lnRef>
+          <a:fillRef idx="1">
+            <a:schemeClr val="accent1"/>
+          </a:fillRef>
+          <a:effectRef idx="0">
+            <a:schemeClr val="accent1"/>
+          </a:effectRef>
+          <a:fontRef idx="minor">
+            <a:schemeClr val="lt1"/>
+          </a:fontRef>
+        </p:style>
+        <p:txBody>
+          <a:bodyPr rtlCol="0" anchor="ctr"/>
+          <a:lstStyle/>
+          <a:p>
+            <a:pPr algn="ctr"/>
+            <a:r>
+              <a:rPr lang="en-CA" dirty="0"/>
+              <a:t>0</a:t>
+            </a:r>
+          </a:p>
+        </p:txBody>
+      </p:sp>
+      <p:sp>
+        <p:nvSpPr>
+          <p:cNvPr id="18" name="Oval 17"/>
+          <p:cNvSpPr/>
+          <p:nvPr/>
+        </p:nvSpPr>
+        <p:spPr>
+          <a:xfrm>
+            <a:off x="4800600" y="3752850"/>
+            <a:ext cx="457200" cy="381000"/>
+          </a:xfrm>
+          <a:prstGeom prst="ellipse">
+            <a:avLst/>
+          </a:prstGeom>
+          <a:solidFill>
+            <a:srgbClr val="7030A0"/>
+          </a:solidFill>
+          <a:ln>
+            <a:solidFill>
+              <a:srgbClr val="7030A0"/>
+            </a:solidFill>
+          </a:ln>
+        </p:spPr>
+        <p:style>
+          <a:lnRef idx="2">
+            <a:schemeClr val="accent1">
+              <a:shade val="50000"/>
+            </a:schemeClr>
+          </a:lnRef>
+          <a:fillRef idx="1">
+            <a:schemeClr val="accent1"/>
+          </a:fillRef>
+          <a:effectRef idx="0">
+            <a:schemeClr val="accent1"/>
+          </a:effectRef>
+          <a:fontRef idx="minor">
+            <a:schemeClr val="lt1"/>
+          </a:fontRef>
+        </p:style>
+        <p:txBody>
+          <a:bodyPr rtlCol="0" anchor="ctr"/>
+          <a:lstStyle/>
+          <a:p>
+            <a:pPr algn="ctr"/>
+            <a:r>
+              <a:rPr lang="en-CA" dirty="0"/>
+              <a:t>1</a:t>
+            </a:r>
+          </a:p>
+        </p:txBody>
+      </p:sp>
+      <p:sp>
+        <p:nvSpPr>
+          <p:cNvPr id="19" name="Oval 18"/>
+          <p:cNvSpPr/>
+          <p:nvPr/>
+        </p:nvSpPr>
+        <p:spPr>
+          <a:xfrm>
+            <a:off x="8145162" y="3752850"/>
+            <a:ext cx="457200" cy="381000"/>
+          </a:xfrm>
+          <a:prstGeom prst="ellipse">
+            <a:avLst/>
+          </a:prstGeom>
+          <a:solidFill>
+            <a:srgbClr val="7030A0"/>
+          </a:solidFill>
+          <a:ln>
+            <a:solidFill>
+              <a:srgbClr val="7030A0"/>
+            </a:solidFill>
+          </a:ln>
+        </p:spPr>
+        <p:style>
+          <a:lnRef idx="2">
+            <a:schemeClr val="accent1">
+              <a:shade val="50000"/>
+            </a:schemeClr>
+          </a:lnRef>
+          <a:fillRef idx="1">
+            <a:schemeClr val="accent1"/>
+          </a:fillRef>
+          <a:effectRef idx="0">
+            <a:schemeClr val="accent1"/>
+          </a:effectRef>
+          <a:fontRef idx="minor">
+            <a:schemeClr val="lt1"/>
+          </a:fontRef>
+        </p:style>
+        <p:txBody>
+          <a:bodyPr rtlCol="0" anchor="ctr"/>
+          <a:lstStyle/>
+          <a:p>
+            <a:pPr algn="ctr"/>
+            <a:r>
+              <a:rPr lang="en-CA" dirty="0"/>
+              <a:t>2</a:t>
+            </a:r>
+          </a:p>
+        </p:txBody>
+      </p:sp>
+      <p:sp>
+        <p:nvSpPr>
+          <p:cNvPr id="26" name="Oval 25"/>
+          <p:cNvSpPr/>
+          <p:nvPr/>
+        </p:nvSpPr>
+        <p:spPr>
+          <a:xfrm>
+            <a:off x="6477000" y="2897402"/>
+            <a:ext cx="457200" cy="381000"/>
+          </a:xfrm>
+          <a:prstGeom prst="ellipse">
+            <a:avLst/>
+          </a:prstGeom>
+          <a:solidFill>
+            <a:srgbClr val="7030A0"/>
+          </a:solidFill>
+          <a:ln>
+            <a:solidFill>
+              <a:srgbClr val="7030A0"/>
+            </a:solidFill>
+          </a:ln>
+        </p:spPr>
+        <p:style>
+          <a:lnRef idx="2">
+            <a:schemeClr val="accent1">
+              <a:shade val="50000"/>
+            </a:schemeClr>
+          </a:lnRef>
+          <a:fillRef idx="1">
+            <a:schemeClr val="accent1"/>
+          </a:fillRef>
+          <a:effectRef idx="0">
+            <a:schemeClr val="accent1"/>
+          </a:effectRef>
+          <a:fontRef idx="minor">
+            <a:schemeClr val="lt1"/>
+          </a:fontRef>
+        </p:style>
+        <p:txBody>
+          <a:bodyPr rtlCol="0" anchor="ctr"/>
+          <a:lstStyle/>
+          <a:p>
+            <a:pPr algn="ctr"/>
+            <a:r>
+              <a:rPr lang="en-CA" dirty="0"/>
+              <a:t>C</a:t>
+            </a:r>
+          </a:p>
+        </p:txBody>
+      </p:sp>
+    </p:spTree>
+    <p:extLst>
+      <p:ext uri="{BB962C8B-B14F-4D97-AF65-F5344CB8AC3E}">
+        <p14:creationId xmlns:p14="http://schemas.microsoft.com/office/powerpoint/2010/main" val="3223387042"/>
+      </p:ext>
+    </p:extLst>
+  </p:cSld>
+  <p:clrMapOvr>
+    <a:masterClrMapping/>
+  </p:clrMapOvr>
+</p:sld>
+</file>
+
+<file path=ppt/slides/slide18.xml><?xml version="1.0" encoding="utf-8"?>
+<p:sld xmlns:a="http://schemas.openxmlformats.org/drawingml/2006/main" xmlns:r="http://schemas.openxmlformats.org/officeDocument/2006/relationships" xmlns:p="http://schemas.openxmlformats.org/presentationml/2006/main">
+  <p:cSld>
+    <p:spTree>
+      <p:nvGrpSpPr>
+        <p:cNvPr id="1" name=""/>
+        <p:cNvGrpSpPr/>
+        <p:nvPr/>
+      </p:nvGrpSpPr>
+      <p:grpSpPr>
+        <a:xfrm>
+          <a:off x="0" y="0"/>
+          <a:ext cx="0" cy="0"/>
+          <a:chOff x="0" y="0"/>
+          <a:chExt cx="0" cy="0"/>
+        </a:xfrm>
+      </p:grpSpPr>
+      <p:sp>
+        <p:nvSpPr>
           <p:cNvPr id="16" name="Isosceles Triangle 15"/>
           <p:cNvSpPr/>
           <p:nvPr/>
@@ -7213,7 +7430,7 @@
 </p:sld>
 </file>
 
-<file path=ppt/slides/slide17.xml><?xml version="1.0" encoding="utf-8"?>
+<file path=ppt/slides/slide19.xml><?xml version="1.0" encoding="utf-8"?>
 <p:sld xmlns:a="http://schemas.openxmlformats.org/drawingml/2006/main" xmlns:r="http://schemas.openxmlformats.org/officeDocument/2006/relationships" xmlns:p="http://schemas.openxmlformats.org/presentationml/2006/main">
   <p:cSld>
     <p:spTree>
@@ -8067,7 +8284,11 @@
           <a:p>
             <a:pPr algn="ctr"/>
             <a:r>
-              <a:rPr lang="en-CA"/>
+              <a:rPr lang="en-CA">
+                <a:solidFill>
+                  <a:schemeClr val="tx1"/>
+                </a:solidFill>
+              </a:rPr>
               <a:t>Vertex</a:t>
             </a:r>
           </a:p>
@@ -8115,7 +8336,11 @@
           <a:p>
             <a:pPr algn="ctr"/>
             <a:r>
-              <a:rPr lang="en-CA" dirty="0"/>
+              <a:rPr lang="en-CA" dirty="0">
+                <a:solidFill>
+                  <a:schemeClr val="tx1"/>
+                </a:solidFill>
+              </a:rPr>
               <a:t>(Pixel) Fragment</a:t>
             </a:r>
           </a:p>
@@ -8215,7 +8440,11 @@
           <a:p>
             <a:pPr algn="ctr"/>
             <a:r>
-              <a:rPr lang="en-CA" dirty="0"/>
+              <a:rPr lang="en-CA" dirty="0">
+                <a:solidFill>
+                  <a:schemeClr val="tx1"/>
+                </a:solidFill>
+              </a:rPr>
               <a:t>Vertex</a:t>
             </a:r>
           </a:p>
@@ -8373,7 +8602,11 @@
           <a:p>
             <a:pPr algn="ctr"/>
             <a:r>
-              <a:rPr lang="en-CA" dirty="0"/>
+              <a:rPr lang="en-CA" dirty="0">
+                <a:solidFill>
+                  <a:schemeClr val="tx1"/>
+                </a:solidFill>
+              </a:rPr>
               <a:t>(Pixel) Fragment</a:t>
             </a:r>
           </a:p>
@@ -8798,7 +9031,13 @@
       </p:grpSpPr>
       <p:sp>
         <p:nvSpPr>
-          <p:cNvPr id="2" name="Title 1"/>
+          <p:cNvPr id="2" name="Title 1">
+            <a:extLst>
+              <a:ext uri="{FF2B5EF4-FFF2-40B4-BE49-F238E27FC236}">
+                <a16:creationId xmlns:a16="http://schemas.microsoft.com/office/drawing/2014/main" id="{10B44FCB-9E14-CDF7-ACEF-B6ABC9EA8B29}"/>
+              </a:ext>
+            </a:extLst>
+          </p:cNvPr>
           <p:cNvSpPr>
             <a:spLocks noGrp="1"/>
           </p:cNvSpPr>
@@ -8812,82 +9051,836 @@
           <a:lstStyle/>
           <a:p>
             <a:r>
-              <a:rPr lang="en-CA" dirty="0"/>
-              <a:t>Tessellation </a:t>
-            </a:r>
-            <a:r>
-              <a:rPr lang="en-CA" dirty="0" err="1"/>
-              <a:t>shader</a:t>
-            </a:r>
-            <a:r>
-              <a:rPr lang="en-CA" dirty="0"/>
-              <a:t>: Why?</a:t>
-            </a:r>
-          </a:p>
-        </p:txBody>
-      </p:sp>
-      <p:sp>
-        <p:nvSpPr>
-          <p:cNvPr id="3" name="Content Placeholder 2"/>
-          <p:cNvSpPr>
-            <a:spLocks noGrp="1"/>
-          </p:cNvSpPr>
-          <p:nvPr>
-            <p:ph idx="1"/>
-          </p:nvPr>
-        </p:nvSpPr>
-        <p:spPr/>
-        <p:txBody>
-          <a:bodyPr>
-            <a:normAutofit/>
-          </a:bodyPr>
-          <a:lstStyle/>
-          <a:p>
-            <a:r>
-              <a:rPr lang="en-CA" dirty="0"/>
-              <a:t>While the geometry </a:t>
-            </a:r>
-            <a:r>
-              <a:rPr lang="en-CA" dirty="0" err="1"/>
-              <a:t>shader</a:t>
-            </a:r>
-            <a:r>
-              <a:rPr lang="en-CA" dirty="0"/>
-              <a:t> </a:t>
-            </a:r>
-            <a:r>
-              <a:rPr lang="en-CA" i="1" dirty="0"/>
-              <a:t>can </a:t>
-            </a:r>
-            <a:r>
-              <a:rPr lang="en-CA" dirty="0"/>
-              <a:t>generate more triangles, it’s not meant to generate large numbers (to “tessellate”)</a:t>
-            </a:r>
-          </a:p>
-          <a:p>
-            <a:r>
-              <a:rPr lang="en-CA" dirty="0"/>
-              <a:t>A few is OK, but for massive numbers, you need the tessellation </a:t>
-            </a:r>
-            <a:r>
-              <a:rPr lang="en-CA" dirty="0" err="1"/>
-              <a:t>shader</a:t>
+              <a:rPr lang="en-US" dirty="0"/>
+              <a:t>Split a triangle: Geometry</a:t>
             </a:r>
             <a:endParaRPr lang="en-CA" dirty="0"/>
           </a:p>
-          <a:p>
-            <a:pPr lvl="1"/>
-            <a:r>
-              <a:rPr lang="en-CA" dirty="0"/>
-              <a:t>DirectX 11 and OpenGL 4.0 and up</a:t>
-            </a:r>
+        </p:txBody>
+      </p:sp>
+      <p:sp>
+        <p:nvSpPr>
+          <p:cNvPr id="4" name="Isosceles Triangle 3">
+            <a:extLst>
+              <a:ext uri="{FF2B5EF4-FFF2-40B4-BE49-F238E27FC236}">
+                <a16:creationId xmlns:a16="http://schemas.microsoft.com/office/drawing/2014/main" id="{ED7C0FEC-4931-9C65-CB72-6F7DAD285DD2}"/>
+              </a:ext>
+            </a:extLst>
+          </p:cNvPr>
+          <p:cNvSpPr/>
+          <p:nvPr/>
+        </p:nvSpPr>
+        <p:spPr>
+          <a:xfrm rot="1223561">
+            <a:off x="685800" y="2038350"/>
+            <a:ext cx="2209800" cy="1752600"/>
+          </a:xfrm>
+          <a:prstGeom prst="triangle">
+            <a:avLst/>
+          </a:prstGeom>
+          <a:ln w="38100" cmpd="sng">
+            <a:prstDash val="solid"/>
+            <a:extLst>
+              <a:ext uri="{C807C97D-BFC1-408E-A445-0C87EB9F89A2}">
+                <ask:lineSketchStyleProps xmlns:ask="http://schemas.microsoft.com/office/drawing/2018/sketchyshapes">
+                  <ask:type>
+                    <ask:lineSketchNone/>
+                  </ask:type>
+                </ask:lineSketchStyleProps>
+              </a:ext>
+            </a:extLst>
+          </a:ln>
+        </p:spPr>
+        <p:style>
+          <a:lnRef idx="2">
+            <a:schemeClr val="accent1">
+              <a:shade val="15000"/>
+            </a:schemeClr>
+          </a:lnRef>
+          <a:fillRef idx="1">
+            <a:schemeClr val="accent1"/>
+          </a:fillRef>
+          <a:effectRef idx="0">
+            <a:schemeClr val="accent1"/>
+          </a:effectRef>
+          <a:fontRef idx="minor">
+            <a:schemeClr val="lt1"/>
+          </a:fontRef>
+        </p:style>
+        <p:txBody>
+          <a:bodyPr rtlCol="0" anchor="ctr"/>
+          <a:lstStyle/>
+          <a:p>
+            <a:pPr algn="ctr"/>
+            <a:endParaRPr lang="en-CA"/>
+          </a:p>
+        </p:txBody>
+      </p:sp>
+      <p:sp>
+        <p:nvSpPr>
+          <p:cNvPr id="5" name="Oval 4">
+            <a:extLst>
+              <a:ext uri="{FF2B5EF4-FFF2-40B4-BE49-F238E27FC236}">
+                <a16:creationId xmlns:a16="http://schemas.microsoft.com/office/drawing/2014/main" id="{99FB76EB-4A2B-AA9E-4EA3-ECC49BB3B0B2}"/>
+              </a:ext>
+            </a:extLst>
+          </p:cNvPr>
+          <p:cNvSpPr/>
+          <p:nvPr/>
+        </p:nvSpPr>
+        <p:spPr>
+          <a:xfrm>
+            <a:off x="1981200" y="1708265"/>
+            <a:ext cx="330085" cy="330085"/>
+          </a:xfrm>
+          <a:prstGeom prst="ellipse">
+            <a:avLst/>
+          </a:prstGeom>
+          <a:ln w="3175">
+            <a:prstDash val="solid"/>
+          </a:ln>
+        </p:spPr>
+        <p:style>
+          <a:lnRef idx="2">
+            <a:schemeClr val="accent1">
+              <a:shade val="15000"/>
+            </a:schemeClr>
+          </a:lnRef>
+          <a:fillRef idx="1">
+            <a:schemeClr val="accent1"/>
+          </a:fillRef>
+          <a:effectRef idx="0">
+            <a:schemeClr val="accent1"/>
+          </a:effectRef>
+          <a:fontRef idx="minor">
+            <a:schemeClr val="lt1"/>
+          </a:fontRef>
+        </p:style>
+        <p:txBody>
+          <a:bodyPr rtlCol="0" anchor="ctr"/>
+          <a:lstStyle/>
+          <a:p>
+            <a:pPr algn="ctr"/>
+            <a:r>
+              <a:rPr lang="en-US" dirty="0">
+                <a:solidFill>
+                  <a:schemeClr val="tx1"/>
+                </a:solidFill>
+                <a:latin typeface="Arial" panose="020B0604020202020204" pitchFamily="34" charset="0"/>
+                <a:cs typeface="Arial" panose="020B0604020202020204" pitchFamily="34" charset="0"/>
+              </a:rPr>
+              <a:t>0</a:t>
+            </a:r>
+            <a:endParaRPr lang="en-CA" dirty="0">
+              <a:solidFill>
+                <a:schemeClr val="tx1"/>
+              </a:solidFill>
+              <a:latin typeface="Arial" panose="020B0604020202020204" pitchFamily="34" charset="0"/>
+              <a:cs typeface="Arial" panose="020B0604020202020204" pitchFamily="34" charset="0"/>
+            </a:endParaRPr>
+          </a:p>
+        </p:txBody>
+      </p:sp>
+      <p:sp>
+        <p:nvSpPr>
+          <p:cNvPr id="6" name="Oval 5">
+            <a:extLst>
+              <a:ext uri="{FF2B5EF4-FFF2-40B4-BE49-F238E27FC236}">
+                <a16:creationId xmlns:a16="http://schemas.microsoft.com/office/drawing/2014/main" id="{CACD0826-0DB6-211E-052B-CEF4406FE860}"/>
+              </a:ext>
+            </a:extLst>
+          </p:cNvPr>
+          <p:cNvSpPr/>
+          <p:nvPr/>
+        </p:nvSpPr>
+        <p:spPr>
+          <a:xfrm>
+            <a:off x="127115" y="3257550"/>
+            <a:ext cx="330085" cy="330085"/>
+          </a:xfrm>
+          <a:prstGeom prst="ellipse">
+            <a:avLst/>
+          </a:prstGeom>
+          <a:ln w="3175">
+            <a:prstDash val="solid"/>
+          </a:ln>
+        </p:spPr>
+        <p:style>
+          <a:lnRef idx="2">
+            <a:schemeClr val="accent1">
+              <a:shade val="15000"/>
+            </a:schemeClr>
+          </a:lnRef>
+          <a:fillRef idx="1">
+            <a:schemeClr val="accent1"/>
+          </a:fillRef>
+          <a:effectRef idx="0">
+            <a:schemeClr val="accent1"/>
+          </a:effectRef>
+          <a:fontRef idx="minor">
+            <a:schemeClr val="lt1"/>
+          </a:fontRef>
+        </p:style>
+        <p:txBody>
+          <a:bodyPr rtlCol="0" anchor="ctr"/>
+          <a:lstStyle/>
+          <a:p>
+            <a:pPr algn="ctr"/>
+            <a:r>
+              <a:rPr lang="en-US" dirty="0">
+                <a:solidFill>
+                  <a:schemeClr val="tx1"/>
+                </a:solidFill>
+                <a:latin typeface="Arial" panose="020B0604020202020204" pitchFamily="34" charset="0"/>
+                <a:cs typeface="Arial" panose="020B0604020202020204" pitchFamily="34" charset="0"/>
+              </a:rPr>
+              <a:t>1</a:t>
+            </a:r>
+            <a:endParaRPr lang="en-CA" dirty="0">
+              <a:solidFill>
+                <a:schemeClr val="tx1"/>
+              </a:solidFill>
+              <a:latin typeface="Arial" panose="020B0604020202020204" pitchFamily="34" charset="0"/>
+              <a:cs typeface="Arial" panose="020B0604020202020204" pitchFamily="34" charset="0"/>
+            </a:endParaRPr>
+          </a:p>
+        </p:txBody>
+      </p:sp>
+      <p:sp>
+        <p:nvSpPr>
+          <p:cNvPr id="7" name="Oval 6">
+            <a:extLst>
+              <a:ext uri="{FF2B5EF4-FFF2-40B4-BE49-F238E27FC236}">
+                <a16:creationId xmlns:a16="http://schemas.microsoft.com/office/drawing/2014/main" id="{B7B6C420-AEDF-F5A0-90AD-059B74CE0EBE}"/>
+              </a:ext>
+            </a:extLst>
+          </p:cNvPr>
+          <p:cNvSpPr/>
+          <p:nvPr/>
+        </p:nvSpPr>
+        <p:spPr>
+          <a:xfrm>
+            <a:off x="2438400" y="4019550"/>
+            <a:ext cx="330085" cy="330085"/>
+          </a:xfrm>
+          <a:prstGeom prst="ellipse">
+            <a:avLst/>
+          </a:prstGeom>
+          <a:ln w="3175">
+            <a:prstDash val="solid"/>
+          </a:ln>
+        </p:spPr>
+        <p:style>
+          <a:lnRef idx="2">
+            <a:schemeClr val="accent1">
+              <a:shade val="15000"/>
+            </a:schemeClr>
+          </a:lnRef>
+          <a:fillRef idx="1">
+            <a:schemeClr val="accent1"/>
+          </a:fillRef>
+          <a:effectRef idx="0">
+            <a:schemeClr val="accent1"/>
+          </a:effectRef>
+          <a:fontRef idx="minor">
+            <a:schemeClr val="lt1"/>
+          </a:fontRef>
+        </p:style>
+        <p:txBody>
+          <a:bodyPr rtlCol="0" anchor="ctr"/>
+          <a:lstStyle/>
+          <a:p>
+            <a:pPr algn="ctr"/>
+            <a:r>
+              <a:rPr lang="en-US" dirty="0">
+                <a:solidFill>
+                  <a:schemeClr val="tx1"/>
+                </a:solidFill>
+                <a:latin typeface="Arial" panose="020B0604020202020204" pitchFamily="34" charset="0"/>
+                <a:cs typeface="Arial" panose="020B0604020202020204" pitchFamily="34" charset="0"/>
+              </a:rPr>
+              <a:t>2</a:t>
+            </a:r>
+            <a:endParaRPr lang="en-CA" dirty="0">
+              <a:solidFill>
+                <a:schemeClr val="tx1"/>
+              </a:solidFill>
+              <a:latin typeface="Arial" panose="020B0604020202020204" pitchFamily="34" charset="0"/>
+              <a:cs typeface="Arial" panose="020B0604020202020204" pitchFamily="34" charset="0"/>
+            </a:endParaRPr>
+          </a:p>
+        </p:txBody>
+      </p:sp>
+      <p:sp>
+        <p:nvSpPr>
+          <p:cNvPr id="8" name="Isosceles Triangle 7">
+            <a:extLst>
+              <a:ext uri="{FF2B5EF4-FFF2-40B4-BE49-F238E27FC236}">
+                <a16:creationId xmlns:a16="http://schemas.microsoft.com/office/drawing/2014/main" id="{72EA50BA-ABBD-BD4E-0F5D-24DA85029F67}"/>
+              </a:ext>
+            </a:extLst>
+          </p:cNvPr>
+          <p:cNvSpPr/>
+          <p:nvPr/>
+        </p:nvSpPr>
+        <p:spPr>
+          <a:xfrm rot="1223561">
+            <a:off x="4666942" y="1911444"/>
+            <a:ext cx="2332030" cy="1927241"/>
+          </a:xfrm>
+          <a:prstGeom prst="triangle">
+            <a:avLst/>
+          </a:prstGeom>
+          <a:ln w="38100" cmpd="sng">
+            <a:prstDash val="solid"/>
+            <a:extLst>
+              <a:ext uri="{C807C97D-BFC1-408E-A445-0C87EB9F89A2}">
+                <ask:lineSketchStyleProps xmlns:ask="http://schemas.microsoft.com/office/drawing/2018/sketchyshapes">
+                  <ask:type>
+                    <ask:lineSketchNone/>
+                  </ask:type>
+                </ask:lineSketchStyleProps>
+              </a:ext>
+            </a:extLst>
+          </a:ln>
+        </p:spPr>
+        <p:style>
+          <a:lnRef idx="2">
+            <a:schemeClr val="accent1">
+              <a:shade val="15000"/>
+            </a:schemeClr>
+          </a:lnRef>
+          <a:fillRef idx="1">
+            <a:schemeClr val="accent1"/>
+          </a:fillRef>
+          <a:effectRef idx="0">
+            <a:schemeClr val="accent1"/>
+          </a:effectRef>
+          <a:fontRef idx="minor">
+            <a:schemeClr val="lt1"/>
+          </a:fontRef>
+        </p:style>
+        <p:txBody>
+          <a:bodyPr rtlCol="0" anchor="ctr"/>
+          <a:lstStyle/>
+          <a:p>
+            <a:pPr algn="ctr"/>
+            <a:endParaRPr lang="en-CA"/>
+          </a:p>
+        </p:txBody>
+      </p:sp>
+      <p:sp>
+        <p:nvSpPr>
+          <p:cNvPr id="9" name="Oval 8">
+            <a:extLst>
+              <a:ext uri="{FF2B5EF4-FFF2-40B4-BE49-F238E27FC236}">
+                <a16:creationId xmlns:a16="http://schemas.microsoft.com/office/drawing/2014/main" id="{58976EAC-D422-765C-20A3-5E7790929AB1}"/>
+              </a:ext>
+            </a:extLst>
+          </p:cNvPr>
+          <p:cNvSpPr/>
+          <p:nvPr/>
+        </p:nvSpPr>
+        <p:spPr>
+          <a:xfrm>
+            <a:off x="6014457" y="1752913"/>
+            <a:ext cx="330085" cy="330085"/>
+          </a:xfrm>
+          <a:prstGeom prst="ellipse">
+            <a:avLst/>
+          </a:prstGeom>
+          <a:ln w="3175">
+            <a:prstDash val="solid"/>
+          </a:ln>
+        </p:spPr>
+        <p:style>
+          <a:lnRef idx="2">
+            <a:schemeClr val="accent1">
+              <a:shade val="15000"/>
+            </a:schemeClr>
+          </a:lnRef>
+          <a:fillRef idx="1">
+            <a:schemeClr val="accent1"/>
+          </a:fillRef>
+          <a:effectRef idx="0">
+            <a:schemeClr val="accent1"/>
+          </a:effectRef>
+          <a:fontRef idx="minor">
+            <a:schemeClr val="lt1"/>
+          </a:fontRef>
+        </p:style>
+        <p:txBody>
+          <a:bodyPr rtlCol="0" anchor="ctr"/>
+          <a:lstStyle/>
+          <a:p>
+            <a:pPr algn="ctr"/>
+            <a:r>
+              <a:rPr lang="en-US" dirty="0">
+                <a:solidFill>
+                  <a:schemeClr val="tx1"/>
+                </a:solidFill>
+                <a:latin typeface="Arial" panose="020B0604020202020204" pitchFamily="34" charset="0"/>
+                <a:cs typeface="Arial" panose="020B0604020202020204" pitchFamily="34" charset="0"/>
+              </a:rPr>
+              <a:t>0</a:t>
+            </a:r>
+            <a:endParaRPr lang="en-CA" dirty="0">
+              <a:solidFill>
+                <a:schemeClr val="tx1"/>
+              </a:solidFill>
+              <a:latin typeface="Arial" panose="020B0604020202020204" pitchFamily="34" charset="0"/>
+              <a:cs typeface="Arial" panose="020B0604020202020204" pitchFamily="34" charset="0"/>
+            </a:endParaRPr>
+          </a:p>
+        </p:txBody>
+      </p:sp>
+      <p:sp>
+        <p:nvSpPr>
+          <p:cNvPr id="10" name="Oval 9">
+            <a:extLst>
+              <a:ext uri="{FF2B5EF4-FFF2-40B4-BE49-F238E27FC236}">
+                <a16:creationId xmlns:a16="http://schemas.microsoft.com/office/drawing/2014/main" id="{B272A32C-6A38-7555-6F0C-AD6D4A28764B}"/>
+              </a:ext>
+            </a:extLst>
+          </p:cNvPr>
+          <p:cNvSpPr/>
+          <p:nvPr/>
+        </p:nvSpPr>
+        <p:spPr>
+          <a:xfrm>
+            <a:off x="4145351" y="3235232"/>
+            <a:ext cx="330085" cy="330085"/>
+          </a:xfrm>
+          <a:prstGeom prst="ellipse">
+            <a:avLst/>
+          </a:prstGeom>
+          <a:ln w="3175">
+            <a:prstDash val="solid"/>
+          </a:ln>
+        </p:spPr>
+        <p:style>
+          <a:lnRef idx="2">
+            <a:schemeClr val="accent1">
+              <a:shade val="15000"/>
+            </a:schemeClr>
+          </a:lnRef>
+          <a:fillRef idx="1">
+            <a:schemeClr val="accent1"/>
+          </a:fillRef>
+          <a:effectRef idx="0">
+            <a:schemeClr val="accent1"/>
+          </a:effectRef>
+          <a:fontRef idx="minor">
+            <a:schemeClr val="lt1"/>
+          </a:fontRef>
+        </p:style>
+        <p:txBody>
+          <a:bodyPr rtlCol="0" anchor="ctr"/>
+          <a:lstStyle/>
+          <a:p>
+            <a:pPr algn="ctr"/>
+            <a:r>
+              <a:rPr lang="en-US" dirty="0">
+                <a:solidFill>
+                  <a:schemeClr val="tx1"/>
+                </a:solidFill>
+                <a:latin typeface="Arial" panose="020B0604020202020204" pitchFamily="34" charset="0"/>
+                <a:cs typeface="Arial" panose="020B0604020202020204" pitchFamily="34" charset="0"/>
+              </a:rPr>
+              <a:t>1</a:t>
+            </a:r>
+            <a:endParaRPr lang="en-CA" dirty="0">
+              <a:solidFill>
+                <a:schemeClr val="tx1"/>
+              </a:solidFill>
+              <a:latin typeface="Arial" panose="020B0604020202020204" pitchFamily="34" charset="0"/>
+              <a:cs typeface="Arial" panose="020B0604020202020204" pitchFamily="34" charset="0"/>
+            </a:endParaRPr>
+          </a:p>
+        </p:txBody>
+      </p:sp>
+      <p:sp>
+        <p:nvSpPr>
+          <p:cNvPr id="11" name="Oval 10">
+            <a:extLst>
+              <a:ext uri="{FF2B5EF4-FFF2-40B4-BE49-F238E27FC236}">
+                <a16:creationId xmlns:a16="http://schemas.microsoft.com/office/drawing/2014/main" id="{879F6896-6C5E-C96A-9CFA-AA955C6E5F13}"/>
+              </a:ext>
+            </a:extLst>
+          </p:cNvPr>
+          <p:cNvSpPr/>
+          <p:nvPr/>
+        </p:nvSpPr>
+        <p:spPr>
+          <a:xfrm>
+            <a:off x="6544460" y="4121035"/>
+            <a:ext cx="330085" cy="330085"/>
+          </a:xfrm>
+          <a:prstGeom prst="ellipse">
+            <a:avLst/>
+          </a:prstGeom>
+          <a:ln w="3175">
+            <a:prstDash val="solid"/>
+          </a:ln>
+        </p:spPr>
+        <p:style>
+          <a:lnRef idx="2">
+            <a:schemeClr val="accent1">
+              <a:shade val="15000"/>
+            </a:schemeClr>
+          </a:lnRef>
+          <a:fillRef idx="1">
+            <a:schemeClr val="accent1"/>
+          </a:fillRef>
+          <a:effectRef idx="0">
+            <a:schemeClr val="accent1"/>
+          </a:effectRef>
+          <a:fontRef idx="minor">
+            <a:schemeClr val="lt1"/>
+          </a:fontRef>
+        </p:style>
+        <p:txBody>
+          <a:bodyPr rtlCol="0" anchor="ctr"/>
+          <a:lstStyle/>
+          <a:p>
+            <a:pPr algn="ctr"/>
+            <a:r>
+              <a:rPr lang="en-US" dirty="0">
+                <a:solidFill>
+                  <a:schemeClr val="tx1"/>
+                </a:solidFill>
+                <a:latin typeface="Arial" panose="020B0604020202020204" pitchFamily="34" charset="0"/>
+                <a:cs typeface="Arial" panose="020B0604020202020204" pitchFamily="34" charset="0"/>
+              </a:rPr>
+              <a:t>2</a:t>
+            </a:r>
+            <a:endParaRPr lang="en-CA" dirty="0">
+              <a:solidFill>
+                <a:schemeClr val="tx1"/>
+              </a:solidFill>
+              <a:latin typeface="Arial" panose="020B0604020202020204" pitchFamily="34" charset="0"/>
+              <a:cs typeface="Arial" panose="020B0604020202020204" pitchFamily="34" charset="0"/>
+            </a:endParaRPr>
+          </a:p>
+        </p:txBody>
+      </p:sp>
+      <p:sp>
+        <p:nvSpPr>
+          <p:cNvPr id="13" name="Oval 12">
+            <a:extLst>
+              <a:ext uri="{FF2B5EF4-FFF2-40B4-BE49-F238E27FC236}">
+                <a16:creationId xmlns:a16="http://schemas.microsoft.com/office/drawing/2014/main" id="{92CFAD6E-DDE9-8620-8FBC-66A9C1A94B4B}"/>
+              </a:ext>
+            </a:extLst>
+          </p:cNvPr>
+          <p:cNvSpPr/>
+          <p:nvPr/>
+        </p:nvSpPr>
+        <p:spPr>
+          <a:xfrm>
+            <a:off x="5638800" y="3105150"/>
+            <a:ext cx="152400" cy="152400"/>
+          </a:xfrm>
+          <a:prstGeom prst="ellipse">
+            <a:avLst/>
+          </a:prstGeom>
+          <a:ln w="38100" cmpd="sng">
+            <a:prstDash val="solid"/>
+            <a:extLst>
+              <a:ext uri="{C807C97D-BFC1-408E-A445-0C87EB9F89A2}">
+                <ask:lineSketchStyleProps xmlns:ask="http://schemas.microsoft.com/office/drawing/2018/sketchyshapes">
+                  <ask:type>
+                    <ask:lineSketchNone/>
+                  </ask:type>
+                </ask:lineSketchStyleProps>
+              </a:ext>
+            </a:extLst>
+          </a:ln>
+        </p:spPr>
+        <p:style>
+          <a:lnRef idx="2">
+            <a:schemeClr val="accent1">
+              <a:shade val="15000"/>
+            </a:schemeClr>
+          </a:lnRef>
+          <a:fillRef idx="1">
+            <a:schemeClr val="accent1"/>
+          </a:fillRef>
+          <a:effectRef idx="0">
+            <a:schemeClr val="accent1"/>
+          </a:effectRef>
+          <a:fontRef idx="minor">
+            <a:schemeClr val="lt1"/>
+          </a:fontRef>
+        </p:style>
+        <p:txBody>
+          <a:bodyPr rtlCol="0" anchor="ctr"/>
+          <a:lstStyle/>
+          <a:p>
+            <a:pPr algn="ctr"/>
+            <a:endParaRPr lang="en-CA"/>
+          </a:p>
+        </p:txBody>
+      </p:sp>
+      <p:cxnSp>
+        <p:nvCxnSpPr>
+          <p:cNvPr id="15" name="Straight Connector 14">
+            <a:extLst>
+              <a:ext uri="{FF2B5EF4-FFF2-40B4-BE49-F238E27FC236}">
+                <a16:creationId xmlns:a16="http://schemas.microsoft.com/office/drawing/2014/main" id="{3D515D3B-C124-B35B-A116-D94C7FDBF700}"/>
+              </a:ext>
+            </a:extLst>
+          </p:cNvPr>
+          <p:cNvCxnSpPr>
+            <a:cxnSpLocks/>
+            <a:stCxn id="8" idx="2"/>
+            <a:endCxn id="13" idx="2"/>
+          </p:cNvCxnSpPr>
+          <p:nvPr/>
+        </p:nvCxnSpPr>
+        <p:spPr>
+          <a:xfrm flipV="1">
+            <a:off x="4404244" y="3181350"/>
+            <a:ext cx="1234556" cy="190641"/>
+          </a:xfrm>
+          <a:prstGeom prst="line">
+            <a:avLst/>
+          </a:prstGeom>
+        </p:spPr>
+        <p:style>
+          <a:lnRef idx="1">
+            <a:schemeClr val="dk1"/>
+          </a:lnRef>
+          <a:fillRef idx="0">
+            <a:schemeClr val="dk1"/>
+          </a:fillRef>
+          <a:effectRef idx="0">
+            <a:schemeClr val="dk1"/>
+          </a:effectRef>
+          <a:fontRef idx="minor">
+            <a:schemeClr val="tx1"/>
+          </a:fontRef>
+        </p:style>
+      </p:cxnSp>
+      <p:cxnSp>
+        <p:nvCxnSpPr>
+          <p:cNvPr id="18" name="Straight Connector 17">
+            <a:extLst>
+              <a:ext uri="{FF2B5EF4-FFF2-40B4-BE49-F238E27FC236}">
+                <a16:creationId xmlns:a16="http://schemas.microsoft.com/office/drawing/2014/main" id="{6D24E146-DCB6-6C75-BA85-3D65943520F3}"/>
+              </a:ext>
+            </a:extLst>
+          </p:cNvPr>
+          <p:cNvCxnSpPr>
+            <a:cxnSpLocks/>
+            <a:stCxn id="8" idx="0"/>
+            <a:endCxn id="13" idx="7"/>
+          </p:cNvCxnSpPr>
+          <p:nvPr/>
+        </p:nvCxnSpPr>
+        <p:spPr>
+          <a:xfrm flipH="1">
+            <a:off x="5768882" y="1971837"/>
+            <a:ext cx="399851" cy="1155631"/>
+          </a:xfrm>
+          <a:prstGeom prst="line">
+            <a:avLst/>
+          </a:prstGeom>
+        </p:spPr>
+        <p:style>
+          <a:lnRef idx="1">
+            <a:schemeClr val="dk1"/>
+          </a:lnRef>
+          <a:fillRef idx="0">
+            <a:schemeClr val="dk1"/>
+          </a:fillRef>
+          <a:effectRef idx="0">
+            <a:schemeClr val="dk1"/>
+          </a:effectRef>
+          <a:fontRef idx="minor">
+            <a:schemeClr val="tx1"/>
+          </a:fontRef>
+        </p:style>
+      </p:cxnSp>
+      <p:cxnSp>
+        <p:nvCxnSpPr>
+          <p:cNvPr id="21" name="Straight Connector 20">
+            <a:extLst>
+              <a:ext uri="{FF2B5EF4-FFF2-40B4-BE49-F238E27FC236}">
+                <a16:creationId xmlns:a16="http://schemas.microsoft.com/office/drawing/2014/main" id="{5C4DE8E3-ADAA-C921-441E-517C35F39B85}"/>
+              </a:ext>
+            </a:extLst>
+          </p:cNvPr>
+          <p:cNvCxnSpPr>
+            <a:cxnSpLocks/>
+            <a:stCxn id="13" idx="5"/>
+            <a:endCxn id="8" idx="4"/>
+          </p:cNvCxnSpPr>
+          <p:nvPr/>
+        </p:nvCxnSpPr>
+        <p:spPr>
+          <a:xfrm>
+            <a:off x="5768882" y="3235232"/>
+            <a:ext cx="821236" cy="949360"/>
+          </a:xfrm>
+          <a:prstGeom prst="line">
+            <a:avLst/>
+          </a:prstGeom>
+        </p:spPr>
+        <p:style>
+          <a:lnRef idx="1">
+            <a:schemeClr val="dk1"/>
+          </a:lnRef>
+          <a:fillRef idx="0">
+            <a:schemeClr val="dk1"/>
+          </a:fillRef>
+          <a:effectRef idx="0">
+            <a:schemeClr val="dk1"/>
+          </a:effectRef>
+          <a:fontRef idx="minor">
+            <a:schemeClr val="tx1"/>
+          </a:fontRef>
+        </p:style>
+      </p:cxnSp>
+      <p:sp>
+        <p:nvSpPr>
+          <p:cNvPr id="24" name="Callout: Left Arrow 23">
+            <a:extLst>
+              <a:ext uri="{FF2B5EF4-FFF2-40B4-BE49-F238E27FC236}">
+                <a16:creationId xmlns:a16="http://schemas.microsoft.com/office/drawing/2014/main" id="{F70A8ECF-5A8D-B656-5F46-CD5F13606477}"/>
+              </a:ext>
+            </a:extLst>
+          </p:cNvPr>
+          <p:cNvSpPr/>
+          <p:nvPr/>
+        </p:nvSpPr>
+        <p:spPr>
+          <a:xfrm>
+            <a:off x="5968807" y="2782962"/>
+            <a:ext cx="2438213" cy="809619"/>
+          </a:xfrm>
+          <a:prstGeom prst="leftArrowCallout">
+            <a:avLst/>
+          </a:prstGeom>
+          <a:ln w="38100" cmpd="sng">
+            <a:prstDash val="solid"/>
+            <a:extLst>
+              <a:ext uri="{C807C97D-BFC1-408E-A445-0C87EB9F89A2}">
+                <ask:lineSketchStyleProps xmlns:ask="http://schemas.microsoft.com/office/drawing/2018/sketchyshapes">
+                  <ask:type>
+                    <ask:lineSketchNone/>
+                  </ask:type>
+                </ask:lineSketchStyleProps>
+              </a:ext>
+            </a:extLst>
+          </a:ln>
+        </p:spPr>
+        <p:style>
+          <a:lnRef idx="2">
+            <a:schemeClr val="accent1">
+              <a:shade val="15000"/>
+            </a:schemeClr>
+          </a:lnRef>
+          <a:fillRef idx="1">
+            <a:schemeClr val="accent1"/>
+          </a:fillRef>
+          <a:effectRef idx="0">
+            <a:schemeClr val="accent1"/>
+          </a:effectRef>
+          <a:fontRef idx="minor">
+            <a:schemeClr val="lt1"/>
+          </a:fontRef>
+        </p:style>
+        <p:txBody>
+          <a:bodyPr rtlCol="0" anchor="ctr"/>
+          <a:lstStyle/>
+          <a:p>
+            <a:pPr algn="ctr"/>
+            <a:r>
+              <a:rPr lang="en-US" dirty="0">
+                <a:solidFill>
+                  <a:schemeClr val="tx1"/>
+                </a:solidFill>
+              </a:rPr>
+              <a:t>Average of the 3 vertices</a:t>
+            </a:r>
+            <a:endParaRPr lang="en-CA" dirty="0">
+              <a:solidFill>
+                <a:schemeClr val="tx1"/>
+              </a:solidFill>
+            </a:endParaRPr>
+          </a:p>
+        </p:txBody>
+      </p:sp>
+      <p:sp>
+        <p:nvSpPr>
+          <p:cNvPr id="25" name="Oval 24">
+            <a:extLst>
+              <a:ext uri="{FF2B5EF4-FFF2-40B4-BE49-F238E27FC236}">
+                <a16:creationId xmlns:a16="http://schemas.microsoft.com/office/drawing/2014/main" id="{17754C89-4B72-44E0-BC6F-532454310D1C}"/>
+              </a:ext>
+            </a:extLst>
+          </p:cNvPr>
+          <p:cNvSpPr/>
+          <p:nvPr/>
+        </p:nvSpPr>
+        <p:spPr>
+          <a:xfrm>
+            <a:off x="5533604" y="2790706"/>
+            <a:ext cx="330085" cy="330085"/>
+          </a:xfrm>
+          <a:prstGeom prst="ellipse">
+            <a:avLst/>
+          </a:prstGeom>
+          <a:ln w="3175">
+            <a:prstDash val="solid"/>
+          </a:ln>
+        </p:spPr>
+        <p:style>
+          <a:lnRef idx="2">
+            <a:schemeClr val="accent1">
+              <a:shade val="15000"/>
+            </a:schemeClr>
+          </a:lnRef>
+          <a:fillRef idx="1">
+            <a:schemeClr val="accent1"/>
+          </a:fillRef>
+          <a:effectRef idx="0">
+            <a:schemeClr val="accent1"/>
+          </a:effectRef>
+          <a:fontRef idx="minor">
+            <a:schemeClr val="lt1"/>
+          </a:fontRef>
+        </p:style>
+        <p:txBody>
+          <a:bodyPr rtlCol="0" anchor="ctr"/>
+          <a:lstStyle/>
+          <a:p>
+            <a:pPr algn="ctr"/>
+            <a:r>
+              <a:rPr lang="en-US" dirty="0">
+                <a:solidFill>
+                  <a:schemeClr val="tx1"/>
+                </a:solidFill>
+                <a:latin typeface="Arial" panose="020B0604020202020204" pitchFamily="34" charset="0"/>
+                <a:cs typeface="Arial" panose="020B0604020202020204" pitchFamily="34" charset="0"/>
+              </a:rPr>
+              <a:t>4</a:t>
+            </a:r>
+            <a:endParaRPr lang="en-CA" dirty="0">
+              <a:solidFill>
+                <a:schemeClr val="tx1"/>
+              </a:solidFill>
+              <a:latin typeface="Arial" panose="020B0604020202020204" pitchFamily="34" charset="0"/>
+              <a:cs typeface="Arial" panose="020B0604020202020204" pitchFamily="34" charset="0"/>
+            </a:endParaRPr>
           </a:p>
         </p:txBody>
       </p:sp>
     </p:spTree>
     <p:extLst>
       <p:ext uri="{BB962C8B-B14F-4D97-AF65-F5344CB8AC3E}">
-        <p14:creationId xmlns:p14="http://schemas.microsoft.com/office/powerpoint/2010/main" val="1482698362"/>
+        <p14:creationId xmlns:p14="http://schemas.microsoft.com/office/powerpoint/2010/main" val="1268112357"/>
       </p:ext>
     </p:extLst>
   </p:cSld>
@@ -8914,9 +9907,62 @@
           <a:chExt cx="0" cy="0"/>
         </a:xfrm>
       </p:grpSpPr>
-      <p:sp>
-        <p:nvSpPr>
-          <p:cNvPr id="2" name="Title 1"/>
+      <p:pic>
+        <p:nvPicPr>
+          <p:cNvPr id="1026" name="Picture 2" descr="GL_TRIANGLE_STRIP in Metal for iOS ...">
+            <a:extLst>
+              <a:ext uri="{FF2B5EF4-FFF2-40B4-BE49-F238E27FC236}">
+                <a16:creationId xmlns:a16="http://schemas.microsoft.com/office/drawing/2014/main" id="{EB796369-5228-7966-1A87-399BE8D81158}"/>
+              </a:ext>
+            </a:extLst>
+          </p:cNvPr>
+          <p:cNvPicPr>
+            <a:picLocks noChangeAspect="1" noChangeArrowheads="1"/>
+          </p:cNvPicPr>
+          <p:nvPr/>
+        </p:nvPicPr>
+        <p:blipFill>
+          <a:blip r:embed="rId2">
+            <a:extLst>
+              <a:ext uri="{28A0092B-C50C-407E-A947-70E740481C1C}">
+                <a14:useLocalDpi xmlns:a14="http://schemas.microsoft.com/office/drawing/2010/main" val="0"/>
+              </a:ext>
+            </a:extLst>
+          </a:blip>
+          <a:srcRect/>
+          <a:stretch>
+            <a:fillRect/>
+          </a:stretch>
+        </p:blipFill>
+        <p:spPr bwMode="auto">
+          <a:xfrm>
+            <a:off x="4871003" y="2366845"/>
+            <a:ext cx="4164006" cy="2619057"/>
+          </a:xfrm>
+          <a:prstGeom prst="rect">
+            <a:avLst/>
+          </a:prstGeom>
+          <a:noFill/>
+          <a:extLst>
+            <a:ext uri="{909E8E84-426E-40DD-AFC4-6F175D3DCCD1}">
+              <a14:hiddenFill xmlns:a14="http://schemas.microsoft.com/office/drawing/2010/main">
+                <a:solidFill>
+                  <a:srgbClr val="FFFFFF"/>
+                </a:solidFill>
+              </a14:hiddenFill>
+            </a:ext>
+          </a:extLst>
+        </p:spPr>
+      </p:pic>
+      <p:sp>
+        <p:nvSpPr>
+          <p:cNvPr id="2" name="Title 1">
+            <a:extLst>
+              <a:ext uri="{FF2B5EF4-FFF2-40B4-BE49-F238E27FC236}">
+                <a16:creationId xmlns:a16="http://schemas.microsoft.com/office/drawing/2014/main" id="{10B44FCB-9E14-CDF7-ACEF-B6ABC9EA8B29}"/>
+              </a:ext>
+            </a:extLst>
+          </p:cNvPr>
           <p:cNvSpPr>
             <a:spLocks noGrp="1"/>
           </p:cNvSpPr>
@@ -8930,82 +9976,1516 @@
           <a:lstStyle/>
           <a:p>
             <a:r>
-              <a:rPr lang="en-CA" dirty="0"/>
-              <a:t>Tessellation </a:t>
-            </a:r>
-            <a:r>
-              <a:rPr lang="en-CA" dirty="0" err="1"/>
-              <a:t>shader</a:t>
-            </a:r>
-            <a:r>
-              <a:rPr lang="en-CA" dirty="0"/>
-              <a:t>: Why?</a:t>
-            </a:r>
-          </a:p>
-        </p:txBody>
-      </p:sp>
-      <p:sp>
-        <p:nvSpPr>
-          <p:cNvPr id="3" name="Content Placeholder 2"/>
-          <p:cNvSpPr>
-            <a:spLocks noGrp="1"/>
-          </p:cNvSpPr>
-          <p:nvPr>
-            <p:ph idx="1"/>
-          </p:nvPr>
-        </p:nvSpPr>
-        <p:spPr/>
-        <p:txBody>
-          <a:bodyPr>
-            <a:normAutofit lnSpcReduction="10000"/>
+              <a:rPr lang="en-US" dirty="0"/>
+              <a:t>Split a triangle: Geometry</a:t>
+            </a:r>
+            <a:endParaRPr lang="en-CA" dirty="0"/>
+          </a:p>
+        </p:txBody>
+      </p:sp>
+      <p:sp>
+        <p:nvSpPr>
+          <p:cNvPr id="8" name="Isosceles Triangle 7">
+            <a:extLst>
+              <a:ext uri="{FF2B5EF4-FFF2-40B4-BE49-F238E27FC236}">
+                <a16:creationId xmlns:a16="http://schemas.microsoft.com/office/drawing/2014/main" id="{72EA50BA-ABBD-BD4E-0F5D-24DA85029F67}"/>
+              </a:ext>
+            </a:extLst>
+          </p:cNvPr>
+          <p:cNvSpPr/>
+          <p:nvPr/>
+        </p:nvSpPr>
+        <p:spPr>
+          <a:xfrm rot="1223561">
+            <a:off x="510100" y="2153761"/>
+            <a:ext cx="2332030" cy="1927241"/>
+          </a:xfrm>
+          <a:prstGeom prst="triangle">
+            <a:avLst/>
+          </a:prstGeom>
+          <a:ln w="38100" cmpd="sng">
+            <a:prstDash val="solid"/>
+            <a:extLst>
+              <a:ext uri="{C807C97D-BFC1-408E-A445-0C87EB9F89A2}">
+                <ask:lineSketchStyleProps xmlns:ask="http://schemas.microsoft.com/office/drawing/2018/sketchyshapes">
+                  <ask:type>
+                    <ask:lineSketchNone/>
+                  </ask:type>
+                </ask:lineSketchStyleProps>
+              </a:ext>
+            </a:extLst>
+          </a:ln>
+        </p:spPr>
+        <p:style>
+          <a:lnRef idx="2">
+            <a:schemeClr val="accent1">
+              <a:shade val="15000"/>
+            </a:schemeClr>
+          </a:lnRef>
+          <a:fillRef idx="1">
+            <a:schemeClr val="accent1"/>
+          </a:fillRef>
+          <a:effectRef idx="0">
+            <a:schemeClr val="accent1"/>
+          </a:effectRef>
+          <a:fontRef idx="minor">
+            <a:schemeClr val="lt1"/>
+          </a:fontRef>
+        </p:style>
+        <p:txBody>
+          <a:bodyPr rtlCol="0" anchor="ctr"/>
+          <a:lstStyle/>
+          <a:p>
+            <a:pPr algn="ctr"/>
+            <a:endParaRPr lang="en-CA"/>
+          </a:p>
+        </p:txBody>
+      </p:sp>
+      <p:sp>
+        <p:nvSpPr>
+          <p:cNvPr id="9" name="Oval 8">
+            <a:extLst>
+              <a:ext uri="{FF2B5EF4-FFF2-40B4-BE49-F238E27FC236}">
+                <a16:creationId xmlns:a16="http://schemas.microsoft.com/office/drawing/2014/main" id="{58976EAC-D422-765C-20A3-5E7790929AB1}"/>
+              </a:ext>
+            </a:extLst>
+          </p:cNvPr>
+          <p:cNvSpPr/>
+          <p:nvPr/>
+        </p:nvSpPr>
+        <p:spPr>
+          <a:xfrm>
+            <a:off x="1857615" y="1995230"/>
+            <a:ext cx="330085" cy="330085"/>
+          </a:xfrm>
+          <a:prstGeom prst="ellipse">
+            <a:avLst/>
+          </a:prstGeom>
+          <a:ln w="3175">
+            <a:prstDash val="solid"/>
+          </a:ln>
+        </p:spPr>
+        <p:style>
+          <a:lnRef idx="2">
+            <a:schemeClr val="accent1">
+              <a:shade val="15000"/>
+            </a:schemeClr>
+          </a:lnRef>
+          <a:fillRef idx="1">
+            <a:schemeClr val="accent1"/>
+          </a:fillRef>
+          <a:effectRef idx="0">
+            <a:schemeClr val="accent1"/>
+          </a:effectRef>
+          <a:fontRef idx="minor">
+            <a:schemeClr val="lt1"/>
+          </a:fontRef>
+        </p:style>
+        <p:txBody>
+          <a:bodyPr rtlCol="0" anchor="ctr"/>
+          <a:lstStyle/>
+          <a:p>
+            <a:pPr algn="ctr"/>
+            <a:r>
+              <a:rPr lang="en-US" dirty="0">
+                <a:solidFill>
+                  <a:schemeClr val="tx1"/>
+                </a:solidFill>
+                <a:latin typeface="Arial" panose="020B0604020202020204" pitchFamily="34" charset="0"/>
+                <a:cs typeface="Arial" panose="020B0604020202020204" pitchFamily="34" charset="0"/>
+              </a:rPr>
+              <a:t>0</a:t>
+            </a:r>
+            <a:endParaRPr lang="en-CA" dirty="0">
+              <a:solidFill>
+                <a:schemeClr val="tx1"/>
+              </a:solidFill>
+              <a:latin typeface="Arial" panose="020B0604020202020204" pitchFamily="34" charset="0"/>
+              <a:cs typeface="Arial" panose="020B0604020202020204" pitchFamily="34" charset="0"/>
+            </a:endParaRPr>
+          </a:p>
+        </p:txBody>
+      </p:sp>
+      <p:sp>
+        <p:nvSpPr>
+          <p:cNvPr id="10" name="Oval 9">
+            <a:extLst>
+              <a:ext uri="{FF2B5EF4-FFF2-40B4-BE49-F238E27FC236}">
+                <a16:creationId xmlns:a16="http://schemas.microsoft.com/office/drawing/2014/main" id="{B272A32C-6A38-7555-6F0C-AD6D4A28764B}"/>
+              </a:ext>
+            </a:extLst>
+          </p:cNvPr>
+          <p:cNvSpPr/>
+          <p:nvPr/>
+        </p:nvSpPr>
+        <p:spPr>
+          <a:xfrm>
+            <a:off x="-11491" y="3477549"/>
+            <a:ext cx="330085" cy="330085"/>
+          </a:xfrm>
+          <a:prstGeom prst="ellipse">
+            <a:avLst/>
+          </a:prstGeom>
+          <a:ln w="3175">
+            <a:prstDash val="solid"/>
+          </a:ln>
+        </p:spPr>
+        <p:style>
+          <a:lnRef idx="2">
+            <a:schemeClr val="accent1">
+              <a:shade val="15000"/>
+            </a:schemeClr>
+          </a:lnRef>
+          <a:fillRef idx="1">
+            <a:schemeClr val="accent1"/>
+          </a:fillRef>
+          <a:effectRef idx="0">
+            <a:schemeClr val="accent1"/>
+          </a:effectRef>
+          <a:fontRef idx="minor">
+            <a:schemeClr val="lt1"/>
+          </a:fontRef>
+        </p:style>
+        <p:txBody>
+          <a:bodyPr rtlCol="0" anchor="ctr"/>
+          <a:lstStyle/>
+          <a:p>
+            <a:pPr algn="ctr"/>
+            <a:r>
+              <a:rPr lang="en-US" dirty="0">
+                <a:solidFill>
+                  <a:schemeClr val="tx1"/>
+                </a:solidFill>
+                <a:latin typeface="Arial" panose="020B0604020202020204" pitchFamily="34" charset="0"/>
+                <a:cs typeface="Arial" panose="020B0604020202020204" pitchFamily="34" charset="0"/>
+              </a:rPr>
+              <a:t>1</a:t>
+            </a:r>
+            <a:endParaRPr lang="en-CA" dirty="0">
+              <a:solidFill>
+                <a:schemeClr val="tx1"/>
+              </a:solidFill>
+              <a:latin typeface="Arial" panose="020B0604020202020204" pitchFamily="34" charset="0"/>
+              <a:cs typeface="Arial" panose="020B0604020202020204" pitchFamily="34" charset="0"/>
+            </a:endParaRPr>
+          </a:p>
+        </p:txBody>
+      </p:sp>
+      <p:sp>
+        <p:nvSpPr>
+          <p:cNvPr id="11" name="Oval 10">
+            <a:extLst>
+              <a:ext uri="{FF2B5EF4-FFF2-40B4-BE49-F238E27FC236}">
+                <a16:creationId xmlns:a16="http://schemas.microsoft.com/office/drawing/2014/main" id="{879F6896-6C5E-C96A-9CFA-AA955C6E5F13}"/>
+              </a:ext>
+            </a:extLst>
+          </p:cNvPr>
+          <p:cNvSpPr/>
+          <p:nvPr/>
+        </p:nvSpPr>
+        <p:spPr>
+          <a:xfrm>
+            <a:off x="2387618" y="4363352"/>
+            <a:ext cx="330085" cy="330085"/>
+          </a:xfrm>
+          <a:prstGeom prst="ellipse">
+            <a:avLst/>
+          </a:prstGeom>
+          <a:ln w="3175">
+            <a:prstDash val="solid"/>
+          </a:ln>
+        </p:spPr>
+        <p:style>
+          <a:lnRef idx="2">
+            <a:schemeClr val="accent1">
+              <a:shade val="15000"/>
+            </a:schemeClr>
+          </a:lnRef>
+          <a:fillRef idx="1">
+            <a:schemeClr val="accent1"/>
+          </a:fillRef>
+          <a:effectRef idx="0">
+            <a:schemeClr val="accent1"/>
+          </a:effectRef>
+          <a:fontRef idx="minor">
+            <a:schemeClr val="lt1"/>
+          </a:fontRef>
+        </p:style>
+        <p:txBody>
+          <a:bodyPr rtlCol="0" anchor="ctr"/>
+          <a:lstStyle/>
+          <a:p>
+            <a:pPr algn="ctr"/>
+            <a:r>
+              <a:rPr lang="en-US" dirty="0">
+                <a:solidFill>
+                  <a:schemeClr val="tx1"/>
+                </a:solidFill>
+                <a:latin typeface="Arial" panose="020B0604020202020204" pitchFamily="34" charset="0"/>
+                <a:cs typeface="Arial" panose="020B0604020202020204" pitchFamily="34" charset="0"/>
+              </a:rPr>
+              <a:t>2</a:t>
+            </a:r>
+            <a:endParaRPr lang="en-CA" dirty="0">
+              <a:solidFill>
+                <a:schemeClr val="tx1"/>
+              </a:solidFill>
+              <a:latin typeface="Arial" panose="020B0604020202020204" pitchFamily="34" charset="0"/>
+              <a:cs typeface="Arial" panose="020B0604020202020204" pitchFamily="34" charset="0"/>
+            </a:endParaRPr>
+          </a:p>
+        </p:txBody>
+      </p:sp>
+      <p:sp>
+        <p:nvSpPr>
+          <p:cNvPr id="13" name="Oval 12">
+            <a:extLst>
+              <a:ext uri="{FF2B5EF4-FFF2-40B4-BE49-F238E27FC236}">
+                <a16:creationId xmlns:a16="http://schemas.microsoft.com/office/drawing/2014/main" id="{92CFAD6E-DDE9-8620-8FBC-66A9C1A94B4B}"/>
+              </a:ext>
+            </a:extLst>
+          </p:cNvPr>
+          <p:cNvSpPr/>
+          <p:nvPr/>
+        </p:nvSpPr>
+        <p:spPr>
+          <a:xfrm>
+            <a:off x="1481958" y="3347467"/>
+            <a:ext cx="152400" cy="152400"/>
+          </a:xfrm>
+          <a:prstGeom prst="ellipse">
+            <a:avLst/>
+          </a:prstGeom>
+          <a:ln w="38100" cmpd="sng">
+            <a:prstDash val="solid"/>
+            <a:extLst>
+              <a:ext uri="{C807C97D-BFC1-408E-A445-0C87EB9F89A2}">
+                <ask:lineSketchStyleProps xmlns:ask="http://schemas.microsoft.com/office/drawing/2018/sketchyshapes">
+                  <ask:type>
+                    <ask:lineSketchNone/>
+                  </ask:type>
+                </ask:lineSketchStyleProps>
+              </a:ext>
+            </a:extLst>
+          </a:ln>
+        </p:spPr>
+        <p:style>
+          <a:lnRef idx="2">
+            <a:schemeClr val="accent1">
+              <a:shade val="15000"/>
+            </a:schemeClr>
+          </a:lnRef>
+          <a:fillRef idx="1">
+            <a:schemeClr val="accent1"/>
+          </a:fillRef>
+          <a:effectRef idx="0">
+            <a:schemeClr val="accent1"/>
+          </a:effectRef>
+          <a:fontRef idx="minor">
+            <a:schemeClr val="lt1"/>
+          </a:fontRef>
+        </p:style>
+        <p:txBody>
+          <a:bodyPr rtlCol="0" anchor="ctr"/>
+          <a:lstStyle/>
+          <a:p>
+            <a:pPr algn="ctr"/>
+            <a:endParaRPr lang="en-CA"/>
+          </a:p>
+        </p:txBody>
+      </p:sp>
+      <p:cxnSp>
+        <p:nvCxnSpPr>
+          <p:cNvPr id="15" name="Straight Connector 14">
+            <a:extLst>
+              <a:ext uri="{FF2B5EF4-FFF2-40B4-BE49-F238E27FC236}">
+                <a16:creationId xmlns:a16="http://schemas.microsoft.com/office/drawing/2014/main" id="{3D515D3B-C124-B35B-A116-D94C7FDBF700}"/>
+              </a:ext>
+            </a:extLst>
+          </p:cNvPr>
+          <p:cNvCxnSpPr>
+            <a:cxnSpLocks/>
+            <a:stCxn id="8" idx="2"/>
+            <a:endCxn id="13" idx="2"/>
+          </p:cNvCxnSpPr>
+          <p:nvPr/>
+        </p:nvCxnSpPr>
+        <p:spPr>
+          <a:xfrm flipV="1">
+            <a:off x="247402" y="3423667"/>
+            <a:ext cx="1234556" cy="190641"/>
+          </a:xfrm>
+          <a:prstGeom prst="line">
+            <a:avLst/>
+          </a:prstGeom>
+        </p:spPr>
+        <p:style>
+          <a:lnRef idx="1">
+            <a:schemeClr val="dk1"/>
+          </a:lnRef>
+          <a:fillRef idx="0">
+            <a:schemeClr val="dk1"/>
+          </a:fillRef>
+          <a:effectRef idx="0">
+            <a:schemeClr val="dk1"/>
+          </a:effectRef>
+          <a:fontRef idx="minor">
+            <a:schemeClr val="tx1"/>
+          </a:fontRef>
+        </p:style>
+      </p:cxnSp>
+      <p:cxnSp>
+        <p:nvCxnSpPr>
+          <p:cNvPr id="18" name="Straight Connector 17">
+            <a:extLst>
+              <a:ext uri="{FF2B5EF4-FFF2-40B4-BE49-F238E27FC236}">
+                <a16:creationId xmlns:a16="http://schemas.microsoft.com/office/drawing/2014/main" id="{6D24E146-DCB6-6C75-BA85-3D65943520F3}"/>
+              </a:ext>
+            </a:extLst>
+          </p:cNvPr>
+          <p:cNvCxnSpPr>
+            <a:cxnSpLocks/>
+            <a:stCxn id="8" idx="0"/>
+            <a:endCxn id="13" idx="7"/>
+          </p:cNvCxnSpPr>
+          <p:nvPr/>
+        </p:nvCxnSpPr>
+        <p:spPr>
+          <a:xfrm flipH="1">
+            <a:off x="1612040" y="2214154"/>
+            <a:ext cx="399851" cy="1155631"/>
+          </a:xfrm>
+          <a:prstGeom prst="line">
+            <a:avLst/>
+          </a:prstGeom>
+        </p:spPr>
+        <p:style>
+          <a:lnRef idx="1">
+            <a:schemeClr val="dk1"/>
+          </a:lnRef>
+          <a:fillRef idx="0">
+            <a:schemeClr val="dk1"/>
+          </a:fillRef>
+          <a:effectRef idx="0">
+            <a:schemeClr val="dk1"/>
+          </a:effectRef>
+          <a:fontRef idx="minor">
+            <a:schemeClr val="tx1"/>
+          </a:fontRef>
+        </p:style>
+      </p:cxnSp>
+      <p:cxnSp>
+        <p:nvCxnSpPr>
+          <p:cNvPr id="21" name="Straight Connector 20">
+            <a:extLst>
+              <a:ext uri="{FF2B5EF4-FFF2-40B4-BE49-F238E27FC236}">
+                <a16:creationId xmlns:a16="http://schemas.microsoft.com/office/drawing/2014/main" id="{5C4DE8E3-ADAA-C921-441E-517C35F39B85}"/>
+              </a:ext>
+            </a:extLst>
+          </p:cNvPr>
+          <p:cNvCxnSpPr>
+            <a:cxnSpLocks/>
+            <a:stCxn id="13" idx="5"/>
+            <a:endCxn id="8" idx="4"/>
+          </p:cNvCxnSpPr>
+          <p:nvPr/>
+        </p:nvCxnSpPr>
+        <p:spPr>
+          <a:xfrm>
+            <a:off x="1612040" y="3477549"/>
+            <a:ext cx="821236" cy="949360"/>
+          </a:xfrm>
+          <a:prstGeom prst="line">
+            <a:avLst/>
+          </a:prstGeom>
+        </p:spPr>
+        <p:style>
+          <a:lnRef idx="1">
+            <a:schemeClr val="dk1"/>
+          </a:lnRef>
+          <a:fillRef idx="0">
+            <a:schemeClr val="dk1"/>
+          </a:fillRef>
+          <a:effectRef idx="0">
+            <a:schemeClr val="dk1"/>
+          </a:effectRef>
+          <a:fontRef idx="minor">
+            <a:schemeClr val="tx1"/>
+          </a:fontRef>
+        </p:style>
+      </p:cxnSp>
+      <p:sp>
+        <p:nvSpPr>
+          <p:cNvPr id="25" name="Oval 24">
+            <a:extLst>
+              <a:ext uri="{FF2B5EF4-FFF2-40B4-BE49-F238E27FC236}">
+                <a16:creationId xmlns:a16="http://schemas.microsoft.com/office/drawing/2014/main" id="{17754C89-4B72-44E0-BC6F-532454310D1C}"/>
+              </a:ext>
+            </a:extLst>
+          </p:cNvPr>
+          <p:cNvSpPr/>
+          <p:nvPr/>
+        </p:nvSpPr>
+        <p:spPr>
+          <a:xfrm>
+            <a:off x="1376762" y="3033023"/>
+            <a:ext cx="330085" cy="330085"/>
+          </a:xfrm>
+          <a:prstGeom prst="ellipse">
+            <a:avLst/>
+          </a:prstGeom>
+          <a:ln w="3175">
+            <a:prstDash val="solid"/>
+          </a:ln>
+        </p:spPr>
+        <p:style>
+          <a:lnRef idx="2">
+            <a:schemeClr val="accent1">
+              <a:shade val="15000"/>
+            </a:schemeClr>
+          </a:lnRef>
+          <a:fillRef idx="1">
+            <a:schemeClr val="accent1"/>
+          </a:fillRef>
+          <a:effectRef idx="0">
+            <a:schemeClr val="accent1"/>
+          </a:effectRef>
+          <a:fontRef idx="minor">
+            <a:schemeClr val="lt1"/>
+          </a:fontRef>
+        </p:style>
+        <p:txBody>
+          <a:bodyPr rtlCol="0" anchor="ctr"/>
+          <a:lstStyle/>
+          <a:p>
+            <a:pPr algn="ctr"/>
+            <a:r>
+              <a:rPr lang="en-US" dirty="0">
+                <a:solidFill>
+                  <a:schemeClr val="tx1"/>
+                </a:solidFill>
+                <a:latin typeface="Arial" panose="020B0604020202020204" pitchFamily="34" charset="0"/>
+                <a:cs typeface="Arial" panose="020B0604020202020204" pitchFamily="34" charset="0"/>
+              </a:rPr>
+              <a:t>4</a:t>
+            </a:r>
+            <a:endParaRPr lang="en-CA" dirty="0">
+              <a:solidFill>
+                <a:schemeClr val="tx1"/>
+              </a:solidFill>
+              <a:latin typeface="Arial" panose="020B0604020202020204" pitchFamily="34" charset="0"/>
+              <a:cs typeface="Arial" panose="020B0604020202020204" pitchFamily="34" charset="0"/>
+            </a:endParaRPr>
+          </a:p>
+        </p:txBody>
+      </p:sp>
+      <p:grpSp>
+        <p:nvGrpSpPr>
+          <p:cNvPr id="17" name="Group 16">
+            <a:extLst>
+              <a:ext uri="{FF2B5EF4-FFF2-40B4-BE49-F238E27FC236}">
+                <a16:creationId xmlns:a16="http://schemas.microsoft.com/office/drawing/2014/main" id="{61EB1A29-81E7-7A35-A1BC-42A635A42C03}"/>
+              </a:ext>
+            </a:extLst>
+          </p:cNvPr>
+          <p:cNvGrpSpPr/>
+          <p:nvPr/>
+        </p:nvGrpSpPr>
+        <p:grpSpPr>
+          <a:xfrm>
+            <a:off x="2678711" y="1106229"/>
+            <a:ext cx="1804876" cy="2090813"/>
+            <a:chOff x="2678711" y="1106229"/>
+            <a:chExt cx="1804876" cy="2090813"/>
+          </a:xfrm>
+        </p:grpSpPr>
+        <p:sp>
+          <p:nvSpPr>
+            <p:cNvPr id="3" name="Isosceles Triangle 2">
+              <a:extLst>
+                <a:ext uri="{FF2B5EF4-FFF2-40B4-BE49-F238E27FC236}">
+                  <a16:creationId xmlns:a16="http://schemas.microsoft.com/office/drawing/2014/main" id="{14E4420F-56F6-94A1-026C-2D0534A02B88}"/>
+                </a:ext>
+              </a:extLst>
+            </p:cNvPr>
+            <p:cNvSpPr/>
+            <p:nvPr/>
+          </p:nvSpPr>
+          <p:spPr>
+            <a:xfrm rot="8071894">
+              <a:off x="2918090" y="1813546"/>
+              <a:ext cx="1998309" cy="768683"/>
+            </a:xfrm>
+            <a:prstGeom prst="triangle">
+              <a:avLst/>
+            </a:prstGeom>
+            <a:ln w="38100" cmpd="sng">
+              <a:prstDash val="solid"/>
+              <a:extLst>
+                <a:ext uri="{C807C97D-BFC1-408E-A445-0C87EB9F89A2}">
+                  <ask:lineSketchStyleProps xmlns:ask="http://schemas.microsoft.com/office/drawing/2018/sketchyshapes">
+                    <ask:type>
+                      <ask:lineSketchNone/>
+                    </ask:type>
+                  </ask:lineSketchStyleProps>
+                </a:ext>
+              </a:extLst>
+            </a:ln>
+          </p:spPr>
+          <p:style>
+            <a:lnRef idx="2">
+              <a:schemeClr val="accent1">
+                <a:shade val="15000"/>
+              </a:schemeClr>
+            </a:lnRef>
+            <a:fillRef idx="1">
+              <a:schemeClr val="accent1"/>
+            </a:fillRef>
+            <a:effectRef idx="0">
+              <a:schemeClr val="accent1"/>
+            </a:effectRef>
+            <a:fontRef idx="minor">
+              <a:schemeClr val="lt1"/>
+            </a:fontRef>
+          </p:style>
+          <p:txBody>
+            <a:bodyPr rtlCol="0" anchor="ctr"/>
+            <a:lstStyle/>
+            <a:p>
+              <a:pPr algn="ctr"/>
+              <a:endParaRPr lang="en-CA" dirty="0">
+                <a:solidFill>
+                  <a:schemeClr val="tx1"/>
+                </a:solidFill>
+              </a:endParaRPr>
+            </a:p>
+          </p:txBody>
+        </p:sp>
+        <p:sp>
+          <p:nvSpPr>
+            <p:cNvPr id="12" name="Oval 11">
+              <a:extLst>
+                <a:ext uri="{FF2B5EF4-FFF2-40B4-BE49-F238E27FC236}">
+                  <a16:creationId xmlns:a16="http://schemas.microsoft.com/office/drawing/2014/main" id="{70B19F19-13D0-DFA3-ACAD-6E97D5BD5148}"/>
+                </a:ext>
+              </a:extLst>
+            </p:cNvPr>
+            <p:cNvSpPr/>
+            <p:nvPr/>
+          </p:nvSpPr>
+          <p:spPr>
+            <a:xfrm>
+              <a:off x="4153502" y="1106229"/>
+              <a:ext cx="330085" cy="330085"/>
+            </a:xfrm>
+            <a:prstGeom prst="ellipse">
+              <a:avLst/>
+            </a:prstGeom>
+            <a:ln w="3175">
+              <a:prstDash val="solid"/>
+            </a:ln>
+          </p:spPr>
+          <p:style>
+            <a:lnRef idx="2">
+              <a:schemeClr val="accent1">
+                <a:shade val="15000"/>
+              </a:schemeClr>
+            </a:lnRef>
+            <a:fillRef idx="1">
+              <a:schemeClr val="accent1"/>
+            </a:fillRef>
+            <a:effectRef idx="0">
+              <a:schemeClr val="accent1"/>
+            </a:effectRef>
+            <a:fontRef idx="minor">
+              <a:schemeClr val="lt1"/>
+            </a:fontRef>
+          </p:style>
+          <p:txBody>
+            <a:bodyPr rtlCol="0" anchor="ctr"/>
+            <a:lstStyle/>
+            <a:p>
+              <a:pPr algn="ctr"/>
+              <a:r>
+                <a:rPr lang="en-US" dirty="0">
+                  <a:solidFill>
+                    <a:schemeClr val="tx1"/>
+                  </a:solidFill>
+                  <a:latin typeface="Arial" panose="020B0604020202020204" pitchFamily="34" charset="0"/>
+                  <a:cs typeface="Arial" panose="020B0604020202020204" pitchFamily="34" charset="0"/>
+                </a:rPr>
+                <a:t>0</a:t>
+              </a:r>
+              <a:endParaRPr lang="en-CA" dirty="0">
+                <a:solidFill>
+                  <a:schemeClr val="tx1"/>
+                </a:solidFill>
+                <a:latin typeface="Arial" panose="020B0604020202020204" pitchFamily="34" charset="0"/>
+                <a:cs typeface="Arial" panose="020B0604020202020204" pitchFamily="34" charset="0"/>
+              </a:endParaRPr>
+            </a:p>
+          </p:txBody>
+        </p:sp>
+        <p:sp>
+          <p:nvSpPr>
+            <p:cNvPr id="14" name="Oval 13">
+              <a:extLst>
+                <a:ext uri="{FF2B5EF4-FFF2-40B4-BE49-F238E27FC236}">
+                  <a16:creationId xmlns:a16="http://schemas.microsoft.com/office/drawing/2014/main" id="{17F119F1-AF13-073C-87EA-5B253FB33D69}"/>
+                </a:ext>
+              </a:extLst>
+            </p:cNvPr>
+            <p:cNvSpPr/>
+            <p:nvPr/>
+          </p:nvSpPr>
+          <p:spPr>
+            <a:xfrm>
+              <a:off x="2678711" y="2451889"/>
+              <a:ext cx="330085" cy="330085"/>
+            </a:xfrm>
+            <a:prstGeom prst="ellipse">
+              <a:avLst/>
+            </a:prstGeom>
+            <a:ln w="3175">
+              <a:prstDash val="solid"/>
+            </a:ln>
+          </p:spPr>
+          <p:style>
+            <a:lnRef idx="2">
+              <a:schemeClr val="accent1">
+                <a:shade val="15000"/>
+              </a:schemeClr>
+            </a:lnRef>
+            <a:fillRef idx="1">
+              <a:schemeClr val="accent1"/>
+            </a:fillRef>
+            <a:effectRef idx="0">
+              <a:schemeClr val="accent1"/>
+            </a:effectRef>
+            <a:fontRef idx="minor">
+              <a:schemeClr val="lt1"/>
+            </a:fontRef>
+          </p:style>
+          <p:txBody>
+            <a:bodyPr rtlCol="0" anchor="ctr"/>
+            <a:lstStyle/>
+            <a:p>
+              <a:pPr algn="ctr"/>
+              <a:r>
+                <a:rPr lang="en-US" dirty="0">
+                  <a:solidFill>
+                    <a:schemeClr val="tx1"/>
+                  </a:solidFill>
+                  <a:latin typeface="Arial" panose="020B0604020202020204" pitchFamily="34" charset="0"/>
+                  <a:cs typeface="Arial" panose="020B0604020202020204" pitchFamily="34" charset="0"/>
+                </a:rPr>
+                <a:t>1</a:t>
+              </a:r>
+              <a:endParaRPr lang="en-CA" dirty="0">
+                <a:solidFill>
+                  <a:schemeClr val="tx1"/>
+                </a:solidFill>
+                <a:latin typeface="Arial" panose="020B0604020202020204" pitchFamily="34" charset="0"/>
+                <a:cs typeface="Arial" panose="020B0604020202020204" pitchFamily="34" charset="0"/>
+              </a:endParaRPr>
+            </a:p>
+          </p:txBody>
+        </p:sp>
+        <p:sp>
+          <p:nvSpPr>
+            <p:cNvPr id="16" name="Oval 15">
+              <a:extLst>
+                <a:ext uri="{FF2B5EF4-FFF2-40B4-BE49-F238E27FC236}">
+                  <a16:creationId xmlns:a16="http://schemas.microsoft.com/office/drawing/2014/main" id="{EDDE9B4F-0C71-E27B-0E11-AB1BEC31BD30}"/>
+                </a:ext>
+              </a:extLst>
+            </p:cNvPr>
+            <p:cNvSpPr/>
+            <p:nvPr/>
+          </p:nvSpPr>
+          <p:spPr>
+            <a:xfrm>
+              <a:off x="3988459" y="2306425"/>
+              <a:ext cx="330085" cy="330085"/>
+            </a:xfrm>
+            <a:prstGeom prst="ellipse">
+              <a:avLst/>
+            </a:prstGeom>
+            <a:ln w="3175">
+              <a:prstDash val="solid"/>
+            </a:ln>
+          </p:spPr>
+          <p:style>
+            <a:lnRef idx="2">
+              <a:schemeClr val="accent1">
+                <a:shade val="15000"/>
+              </a:schemeClr>
+            </a:lnRef>
+            <a:fillRef idx="1">
+              <a:schemeClr val="accent1"/>
+            </a:fillRef>
+            <a:effectRef idx="0">
+              <a:schemeClr val="accent1"/>
+            </a:effectRef>
+            <a:fontRef idx="minor">
+              <a:schemeClr val="lt1"/>
+            </a:fontRef>
+          </p:style>
+          <p:txBody>
+            <a:bodyPr rtlCol="0" anchor="ctr"/>
+            <a:lstStyle/>
+            <a:p>
+              <a:pPr algn="ctr"/>
+              <a:r>
+                <a:rPr lang="en-US" dirty="0">
+                  <a:solidFill>
+                    <a:schemeClr val="tx1"/>
+                  </a:solidFill>
+                  <a:latin typeface="Arial" panose="020B0604020202020204" pitchFamily="34" charset="0"/>
+                  <a:cs typeface="Arial" panose="020B0604020202020204" pitchFamily="34" charset="0"/>
+                </a:rPr>
+                <a:t>4</a:t>
+              </a:r>
+              <a:endParaRPr lang="en-CA" dirty="0">
+                <a:solidFill>
+                  <a:schemeClr val="tx1"/>
+                </a:solidFill>
+                <a:latin typeface="Arial" panose="020B0604020202020204" pitchFamily="34" charset="0"/>
+                <a:cs typeface="Arial" panose="020B0604020202020204" pitchFamily="34" charset="0"/>
+              </a:endParaRPr>
+            </a:p>
+          </p:txBody>
+        </p:sp>
+      </p:grpSp>
+      <p:sp>
+        <p:nvSpPr>
+          <p:cNvPr id="20" name="Isosceles Triangle 19">
+            <a:extLst>
+              <a:ext uri="{FF2B5EF4-FFF2-40B4-BE49-F238E27FC236}">
+                <a16:creationId xmlns:a16="http://schemas.microsoft.com/office/drawing/2014/main" id="{825122EA-4094-5776-59F6-2D4C08103C18}"/>
+              </a:ext>
+            </a:extLst>
+          </p:cNvPr>
+          <p:cNvSpPr/>
+          <p:nvPr/>
+        </p:nvSpPr>
+        <p:spPr>
+          <a:xfrm rot="1868826">
+            <a:off x="2945516" y="2541003"/>
+            <a:ext cx="1998309" cy="768683"/>
+          </a:xfrm>
+          <a:prstGeom prst="triangle">
+            <a:avLst/>
+          </a:prstGeom>
+          <a:ln w="38100" cmpd="sng">
+            <a:prstDash val="solid"/>
+            <a:extLst>
+              <a:ext uri="{C807C97D-BFC1-408E-A445-0C87EB9F89A2}">
+                <ask:lineSketchStyleProps xmlns:ask="http://schemas.microsoft.com/office/drawing/2018/sketchyshapes">
+                  <ask:type>
+                    <ask:lineSketchNone/>
+                  </ask:type>
+                </ask:lineSketchStyleProps>
+              </a:ext>
+            </a:extLst>
+          </a:ln>
+        </p:spPr>
+        <p:style>
+          <a:lnRef idx="2">
+            <a:schemeClr val="accent1">
+              <a:shade val="15000"/>
+            </a:schemeClr>
+          </a:lnRef>
+          <a:fillRef idx="1">
+            <a:schemeClr val="accent1"/>
+          </a:fillRef>
+          <a:effectRef idx="0">
+            <a:schemeClr val="accent1"/>
+          </a:effectRef>
+          <a:fontRef idx="minor">
+            <a:schemeClr val="lt1"/>
+          </a:fontRef>
+        </p:style>
+        <p:txBody>
+          <a:bodyPr rtlCol="0" anchor="ctr"/>
+          <a:lstStyle/>
+          <a:p>
+            <a:pPr algn="ctr"/>
+            <a:endParaRPr lang="en-CA" dirty="0">
+              <a:solidFill>
+                <a:schemeClr val="tx1"/>
+              </a:solidFill>
+            </a:endParaRPr>
+          </a:p>
+        </p:txBody>
+      </p:sp>
+      <p:sp>
+        <p:nvSpPr>
+          <p:cNvPr id="27" name="Oval 26">
+            <a:extLst>
+              <a:ext uri="{FF2B5EF4-FFF2-40B4-BE49-F238E27FC236}">
+                <a16:creationId xmlns:a16="http://schemas.microsoft.com/office/drawing/2014/main" id="{514FA858-ADEB-13DB-6D36-0ED786BA8F58}"/>
+              </a:ext>
+            </a:extLst>
+          </p:cNvPr>
+          <p:cNvSpPr/>
+          <p:nvPr/>
+        </p:nvSpPr>
+        <p:spPr>
+          <a:xfrm>
+            <a:off x="4406957" y="3606037"/>
+            <a:ext cx="330085" cy="330085"/>
+          </a:xfrm>
+          <a:prstGeom prst="ellipse">
+            <a:avLst/>
+          </a:prstGeom>
+          <a:ln w="3175">
+            <a:prstDash val="solid"/>
+          </a:ln>
+        </p:spPr>
+        <p:style>
+          <a:lnRef idx="2">
+            <a:schemeClr val="accent1">
+              <a:shade val="15000"/>
+            </a:schemeClr>
+          </a:lnRef>
+          <a:fillRef idx="1">
+            <a:schemeClr val="accent1"/>
+          </a:fillRef>
+          <a:effectRef idx="0">
+            <a:schemeClr val="accent1"/>
+          </a:effectRef>
+          <a:fontRef idx="minor">
+            <a:schemeClr val="lt1"/>
+          </a:fontRef>
+        </p:style>
+        <p:txBody>
+          <a:bodyPr rtlCol="0" anchor="ctr"/>
+          <a:lstStyle/>
+          <a:p>
+            <a:pPr algn="ctr"/>
+            <a:r>
+              <a:rPr lang="en-US" dirty="0">
+                <a:solidFill>
+                  <a:schemeClr val="tx1"/>
+                </a:solidFill>
+                <a:latin typeface="Arial" panose="020B0604020202020204" pitchFamily="34" charset="0"/>
+                <a:cs typeface="Arial" panose="020B0604020202020204" pitchFamily="34" charset="0"/>
+              </a:rPr>
+              <a:t>2</a:t>
+            </a:r>
+            <a:endParaRPr lang="en-CA" dirty="0">
+              <a:solidFill>
+                <a:schemeClr val="tx1"/>
+              </a:solidFill>
+              <a:latin typeface="Arial" panose="020B0604020202020204" pitchFamily="34" charset="0"/>
+              <a:cs typeface="Arial" panose="020B0604020202020204" pitchFamily="34" charset="0"/>
+            </a:endParaRPr>
+          </a:p>
+        </p:txBody>
+      </p:sp>
+      <p:grpSp>
+        <p:nvGrpSpPr>
+          <p:cNvPr id="32" name="Group 31">
+            <a:extLst>
+              <a:ext uri="{FF2B5EF4-FFF2-40B4-BE49-F238E27FC236}">
+                <a16:creationId xmlns:a16="http://schemas.microsoft.com/office/drawing/2014/main" id="{EF7547A2-A5D2-F7D9-9622-353E66D7B3E8}"/>
+              </a:ext>
+            </a:extLst>
+          </p:cNvPr>
+          <p:cNvGrpSpPr/>
+          <p:nvPr/>
+        </p:nvGrpSpPr>
+        <p:grpSpPr>
+          <a:xfrm rot="1280593">
+            <a:off x="4393658" y="1571166"/>
+            <a:ext cx="933716" cy="2213926"/>
+            <a:chOff x="4162395" y="1321846"/>
+            <a:chExt cx="933716" cy="2213926"/>
+          </a:xfrm>
+        </p:grpSpPr>
+        <p:sp>
+          <p:nvSpPr>
+            <p:cNvPr id="28" name="Isosceles Triangle 27">
+              <a:extLst>
+                <a:ext uri="{FF2B5EF4-FFF2-40B4-BE49-F238E27FC236}">
+                  <a16:creationId xmlns:a16="http://schemas.microsoft.com/office/drawing/2014/main" id="{8F65AD12-02F0-9917-27B1-AD86D0DFD806}"/>
+                </a:ext>
+              </a:extLst>
+            </p:cNvPr>
+            <p:cNvSpPr/>
+            <p:nvPr/>
+          </p:nvSpPr>
+          <p:spPr>
+            <a:xfrm rot="16200000">
+              <a:off x="3547582" y="2152276"/>
+              <a:ext cx="1998309" cy="768683"/>
+            </a:xfrm>
+            <a:prstGeom prst="triangle">
+              <a:avLst/>
+            </a:prstGeom>
+            <a:ln w="38100" cmpd="sng">
+              <a:prstDash val="solid"/>
+              <a:extLst>
+                <a:ext uri="{C807C97D-BFC1-408E-A445-0C87EB9F89A2}">
+                  <ask:lineSketchStyleProps xmlns:ask="http://schemas.microsoft.com/office/drawing/2018/sketchyshapes">
+                    <ask:type>
+                      <ask:lineSketchNone/>
+                    </ask:type>
+                  </ask:lineSketchStyleProps>
+                </a:ext>
+              </a:extLst>
+            </a:ln>
+          </p:spPr>
+          <p:style>
+            <a:lnRef idx="2">
+              <a:schemeClr val="accent1">
+                <a:shade val="15000"/>
+              </a:schemeClr>
+            </a:lnRef>
+            <a:fillRef idx="1">
+              <a:schemeClr val="accent1"/>
+            </a:fillRef>
+            <a:effectRef idx="0">
+              <a:schemeClr val="accent1"/>
+            </a:effectRef>
+            <a:fontRef idx="minor">
+              <a:schemeClr val="lt1"/>
+            </a:fontRef>
+          </p:style>
+          <p:txBody>
+            <a:bodyPr rtlCol="0" anchor="ctr"/>
+            <a:lstStyle/>
+            <a:p>
+              <a:pPr algn="ctr"/>
+              <a:endParaRPr lang="en-CA" dirty="0">
+                <a:solidFill>
+                  <a:schemeClr val="tx1"/>
+                </a:solidFill>
+              </a:endParaRPr>
+            </a:p>
+          </p:txBody>
+        </p:sp>
+        <p:sp>
+          <p:nvSpPr>
+            <p:cNvPr id="29" name="Oval 28">
+              <a:extLst>
+                <a:ext uri="{FF2B5EF4-FFF2-40B4-BE49-F238E27FC236}">
+                  <a16:creationId xmlns:a16="http://schemas.microsoft.com/office/drawing/2014/main" id="{548CA81B-F931-0780-A248-4AAFE9A4B418}"/>
+                </a:ext>
+              </a:extLst>
+            </p:cNvPr>
+            <p:cNvSpPr/>
+            <p:nvPr/>
+          </p:nvSpPr>
+          <p:spPr>
+            <a:xfrm>
+              <a:off x="4766026" y="1321846"/>
+              <a:ext cx="330085" cy="330085"/>
+            </a:xfrm>
+            <a:prstGeom prst="ellipse">
+              <a:avLst/>
+            </a:prstGeom>
+            <a:ln w="3175">
+              <a:prstDash val="solid"/>
+            </a:ln>
+          </p:spPr>
+          <p:style>
+            <a:lnRef idx="2">
+              <a:schemeClr val="accent1">
+                <a:shade val="15000"/>
+              </a:schemeClr>
+            </a:lnRef>
+            <a:fillRef idx="1">
+              <a:schemeClr val="accent1"/>
+            </a:fillRef>
+            <a:effectRef idx="0">
+              <a:schemeClr val="accent1"/>
+            </a:effectRef>
+            <a:fontRef idx="minor">
+              <a:schemeClr val="lt1"/>
+            </a:fontRef>
+          </p:style>
+          <p:txBody>
+            <a:bodyPr rtlCol="0" anchor="ctr"/>
+            <a:lstStyle/>
+            <a:p>
+              <a:pPr algn="ctr"/>
+              <a:r>
+                <a:rPr lang="en-US" dirty="0">
+                  <a:solidFill>
+                    <a:schemeClr val="tx1"/>
+                  </a:solidFill>
+                  <a:latin typeface="Arial" panose="020B0604020202020204" pitchFamily="34" charset="0"/>
+                  <a:cs typeface="Arial" panose="020B0604020202020204" pitchFamily="34" charset="0"/>
+                </a:rPr>
+                <a:t>0</a:t>
+              </a:r>
+              <a:endParaRPr lang="en-CA" dirty="0">
+                <a:solidFill>
+                  <a:schemeClr val="tx1"/>
+                </a:solidFill>
+                <a:latin typeface="Arial" panose="020B0604020202020204" pitchFamily="34" charset="0"/>
+                <a:cs typeface="Arial" panose="020B0604020202020204" pitchFamily="34" charset="0"/>
+              </a:endParaRPr>
+            </a:p>
+          </p:txBody>
+        </p:sp>
+      </p:grpSp>
+      <p:sp>
+        <p:nvSpPr>
+          <p:cNvPr id="30" name="Arrow: Curved Right 29">
+            <a:extLst>
+              <a:ext uri="{FF2B5EF4-FFF2-40B4-BE49-F238E27FC236}">
+                <a16:creationId xmlns:a16="http://schemas.microsoft.com/office/drawing/2014/main" id="{0C7A39F5-FA11-F04C-0E50-D3D17F738431}"/>
+              </a:ext>
+            </a:extLst>
+          </p:cNvPr>
+          <p:cNvSpPr/>
+          <p:nvPr/>
+        </p:nvSpPr>
+        <p:spPr>
+          <a:xfrm>
+            <a:off x="3379228" y="1648708"/>
+            <a:ext cx="499382" cy="703923"/>
+          </a:xfrm>
+          <a:prstGeom prst="curvedRightArrow">
+            <a:avLst/>
+          </a:prstGeom>
+          <a:solidFill>
+            <a:srgbClr val="00B0F0"/>
+          </a:solidFill>
+          <a:ln w="38100" cmpd="sng">
+            <a:solidFill>
+              <a:srgbClr val="00B0F0"/>
+            </a:solidFill>
+            <a:prstDash val="solid"/>
+            <a:extLst>
+              <a:ext uri="{C807C97D-BFC1-408E-A445-0C87EB9F89A2}">
+                <ask:lineSketchStyleProps xmlns:ask="http://schemas.microsoft.com/office/drawing/2018/sketchyshapes">
+                  <ask:type>
+                    <ask:lineSketchNone/>
+                  </ask:type>
+                </ask:lineSketchStyleProps>
+              </a:ext>
+            </a:extLst>
+          </a:ln>
+        </p:spPr>
+        <p:style>
+          <a:lnRef idx="2">
+            <a:schemeClr val="accent1">
+              <a:shade val="15000"/>
+            </a:schemeClr>
+          </a:lnRef>
+          <a:fillRef idx="1">
+            <a:schemeClr val="accent1"/>
+          </a:fillRef>
+          <a:effectRef idx="0">
+            <a:schemeClr val="accent1"/>
+          </a:effectRef>
+          <a:fontRef idx="minor">
+            <a:schemeClr val="lt1"/>
+          </a:fontRef>
+        </p:style>
+        <p:txBody>
+          <a:bodyPr rtlCol="0" anchor="ctr"/>
+          <a:lstStyle/>
+          <a:p>
+            <a:pPr algn="ctr"/>
+            <a:endParaRPr lang="en-CA" dirty="0">
+              <a:solidFill>
+                <a:schemeClr val="tx1"/>
+              </a:solidFill>
+            </a:endParaRPr>
+          </a:p>
+        </p:txBody>
+      </p:sp>
+      <p:sp>
+        <p:nvSpPr>
+          <p:cNvPr id="31" name="Arrow: Curved Left 30">
+            <a:extLst>
+              <a:ext uri="{FF2B5EF4-FFF2-40B4-BE49-F238E27FC236}">
+                <a16:creationId xmlns:a16="http://schemas.microsoft.com/office/drawing/2014/main" id="{0987ED90-9BDF-0D13-5E22-47A7578FD801}"/>
+              </a:ext>
+            </a:extLst>
+          </p:cNvPr>
+          <p:cNvSpPr/>
+          <p:nvPr/>
+        </p:nvSpPr>
+        <p:spPr>
+          <a:xfrm>
+            <a:off x="3741273" y="2766545"/>
+            <a:ext cx="457200" cy="769228"/>
+          </a:xfrm>
+          <a:prstGeom prst="curvedLeftArrow">
+            <a:avLst/>
+          </a:prstGeom>
+          <a:solidFill>
+            <a:srgbClr val="00B0F0"/>
+          </a:solidFill>
+          <a:ln w="38100" cmpd="sng">
+            <a:solidFill>
+              <a:srgbClr val="00B0F0"/>
+            </a:solidFill>
+            <a:prstDash val="solid"/>
+            <a:extLst>
+              <a:ext uri="{C807C97D-BFC1-408E-A445-0C87EB9F89A2}">
+                <ask:lineSketchStyleProps xmlns:ask="http://schemas.microsoft.com/office/drawing/2018/sketchyshapes">
+                  <ask:type>
+                    <ask:lineSketchNone/>
+                  </ask:type>
+                </ask:lineSketchStyleProps>
+              </a:ext>
+            </a:extLst>
+          </a:ln>
+        </p:spPr>
+        <p:style>
+          <a:lnRef idx="2">
+            <a:schemeClr val="accent1">
+              <a:shade val="15000"/>
+            </a:schemeClr>
+          </a:lnRef>
+          <a:fillRef idx="1">
+            <a:schemeClr val="accent1"/>
+          </a:fillRef>
+          <a:effectRef idx="0">
+            <a:schemeClr val="accent1"/>
+          </a:effectRef>
+          <a:fontRef idx="minor">
+            <a:schemeClr val="lt1"/>
+          </a:fontRef>
+        </p:style>
+        <p:txBody>
+          <a:bodyPr rtlCol="0" anchor="ctr"/>
+          <a:lstStyle/>
+          <a:p>
+            <a:pPr algn="ctr"/>
+            <a:endParaRPr lang="en-CA" dirty="0">
+              <a:solidFill>
+                <a:schemeClr val="tx1"/>
+              </a:solidFill>
+            </a:endParaRPr>
+          </a:p>
+        </p:txBody>
+      </p:sp>
+      <p:sp>
+        <p:nvSpPr>
+          <p:cNvPr id="33" name="Arrow: Curved Right 32">
+            <a:extLst>
+              <a:ext uri="{FF2B5EF4-FFF2-40B4-BE49-F238E27FC236}">
+                <a16:creationId xmlns:a16="http://schemas.microsoft.com/office/drawing/2014/main" id="{8000C11B-65B1-EBC1-BBDE-E843126E8198}"/>
+              </a:ext>
+            </a:extLst>
+          </p:cNvPr>
+          <p:cNvSpPr/>
+          <p:nvPr/>
+        </p:nvSpPr>
+        <p:spPr>
+          <a:xfrm>
+            <a:off x="4552527" y="2418615"/>
+            <a:ext cx="499382" cy="703923"/>
+          </a:xfrm>
+          <a:prstGeom prst="curvedRightArrow">
+            <a:avLst/>
+          </a:prstGeom>
+          <a:solidFill>
+            <a:srgbClr val="00B0F0"/>
+          </a:solidFill>
+          <a:ln w="38100" cmpd="sng">
+            <a:solidFill>
+              <a:srgbClr val="00B0F0"/>
+            </a:solidFill>
+            <a:prstDash val="solid"/>
+            <a:extLst>
+              <a:ext uri="{C807C97D-BFC1-408E-A445-0C87EB9F89A2}">
+                <ask:lineSketchStyleProps xmlns:ask="http://schemas.microsoft.com/office/drawing/2018/sketchyshapes">
+                  <ask:type>
+                    <ask:lineSketchNone/>
+                  </ask:type>
+                </ask:lineSketchStyleProps>
+              </a:ext>
+            </a:extLst>
+          </a:ln>
+        </p:spPr>
+        <p:style>
+          <a:lnRef idx="2">
+            <a:schemeClr val="accent1">
+              <a:shade val="15000"/>
+            </a:schemeClr>
+          </a:lnRef>
+          <a:fillRef idx="1">
+            <a:schemeClr val="accent1"/>
+          </a:fillRef>
+          <a:effectRef idx="0">
+            <a:schemeClr val="accent1"/>
+          </a:effectRef>
+          <a:fontRef idx="minor">
+            <a:schemeClr val="lt1"/>
+          </a:fontRef>
+        </p:style>
+        <p:txBody>
+          <a:bodyPr rtlCol="0" anchor="ctr"/>
+          <a:lstStyle/>
+          <a:p>
+            <a:pPr algn="ctr"/>
+            <a:endParaRPr lang="en-CA" dirty="0">
+              <a:solidFill>
+                <a:schemeClr val="tx1"/>
+              </a:solidFill>
+            </a:endParaRPr>
+          </a:p>
+        </p:txBody>
+      </p:sp>
+      <p:sp>
+        <p:nvSpPr>
+          <p:cNvPr id="34" name="Arrow: Curved Right 33">
+            <a:extLst>
+              <a:ext uri="{FF2B5EF4-FFF2-40B4-BE49-F238E27FC236}">
+                <a16:creationId xmlns:a16="http://schemas.microsoft.com/office/drawing/2014/main" id="{872D437F-D226-A938-5E2C-1850675650E0}"/>
+              </a:ext>
+            </a:extLst>
+          </p:cNvPr>
+          <p:cNvSpPr/>
+          <p:nvPr/>
+        </p:nvSpPr>
+        <p:spPr>
+          <a:xfrm>
+            <a:off x="5721302" y="3032757"/>
+            <a:ext cx="271362" cy="382509"/>
+          </a:xfrm>
+          <a:prstGeom prst="curvedRightArrow">
+            <a:avLst/>
+          </a:prstGeom>
+          <a:solidFill>
+            <a:srgbClr val="00B0F0"/>
+          </a:solidFill>
+          <a:ln w="38100" cmpd="sng">
+            <a:solidFill>
+              <a:srgbClr val="00B0F0"/>
+            </a:solidFill>
+            <a:prstDash val="solid"/>
+            <a:extLst>
+              <a:ext uri="{C807C97D-BFC1-408E-A445-0C87EB9F89A2}">
+                <ask:lineSketchStyleProps xmlns:ask="http://schemas.microsoft.com/office/drawing/2018/sketchyshapes">
+                  <ask:type>
+                    <ask:lineSketchNone/>
+                  </ask:type>
+                </ask:lineSketchStyleProps>
+              </a:ext>
+            </a:extLst>
+          </a:ln>
+        </p:spPr>
+        <p:style>
+          <a:lnRef idx="2">
+            <a:schemeClr val="accent1">
+              <a:shade val="15000"/>
+            </a:schemeClr>
+          </a:lnRef>
+          <a:fillRef idx="1">
+            <a:schemeClr val="accent1"/>
+          </a:fillRef>
+          <a:effectRef idx="0">
+            <a:schemeClr val="accent1"/>
+          </a:effectRef>
+          <a:fontRef idx="minor">
+            <a:schemeClr val="lt1"/>
+          </a:fontRef>
+        </p:style>
+        <p:txBody>
+          <a:bodyPr rtlCol="0" anchor="ctr"/>
+          <a:lstStyle/>
+          <a:p>
+            <a:pPr algn="ctr"/>
+            <a:endParaRPr lang="en-CA" dirty="0">
+              <a:solidFill>
+                <a:schemeClr val="tx1"/>
+              </a:solidFill>
+            </a:endParaRPr>
+          </a:p>
+        </p:txBody>
+      </p:sp>
+      <p:sp>
+        <p:nvSpPr>
+          <p:cNvPr id="35" name="Arrow: Curved Left 34">
+            <a:extLst>
+              <a:ext uri="{FF2B5EF4-FFF2-40B4-BE49-F238E27FC236}">
+                <a16:creationId xmlns:a16="http://schemas.microsoft.com/office/drawing/2014/main" id="{32A3EB8E-DA02-9C23-30B3-3081E6202FE5}"/>
+              </a:ext>
+            </a:extLst>
+          </p:cNvPr>
+          <p:cNvSpPr/>
+          <p:nvPr/>
+        </p:nvSpPr>
+        <p:spPr>
+          <a:xfrm>
+            <a:off x="6321200" y="3415266"/>
+            <a:ext cx="271362" cy="456560"/>
+          </a:xfrm>
+          <a:prstGeom prst="curvedLeftArrow">
+            <a:avLst/>
+          </a:prstGeom>
+          <a:solidFill>
+            <a:srgbClr val="00B0F0"/>
+          </a:solidFill>
+          <a:ln w="38100" cmpd="sng">
+            <a:solidFill>
+              <a:srgbClr val="00B0F0"/>
+            </a:solidFill>
+            <a:prstDash val="solid"/>
+            <a:extLst>
+              <a:ext uri="{C807C97D-BFC1-408E-A445-0C87EB9F89A2}">
+                <ask:lineSketchStyleProps xmlns:ask="http://schemas.microsoft.com/office/drawing/2018/sketchyshapes">
+                  <ask:type>
+                    <ask:lineSketchNone/>
+                  </ask:type>
+                </ask:lineSketchStyleProps>
+              </a:ext>
+            </a:extLst>
+          </a:ln>
+        </p:spPr>
+        <p:style>
+          <a:lnRef idx="2">
+            <a:schemeClr val="accent1">
+              <a:shade val="15000"/>
+            </a:schemeClr>
+          </a:lnRef>
+          <a:fillRef idx="1">
+            <a:schemeClr val="accent1"/>
+          </a:fillRef>
+          <a:effectRef idx="0">
+            <a:schemeClr val="accent1"/>
+          </a:effectRef>
+          <a:fontRef idx="minor">
+            <a:schemeClr val="lt1"/>
+          </a:fontRef>
+        </p:style>
+        <p:txBody>
+          <a:bodyPr rtlCol="0" anchor="ctr"/>
+          <a:lstStyle/>
+          <a:p>
+            <a:pPr algn="ctr"/>
+            <a:endParaRPr lang="en-CA" dirty="0">
+              <a:solidFill>
+                <a:schemeClr val="tx1"/>
+              </a:solidFill>
+            </a:endParaRPr>
+          </a:p>
+        </p:txBody>
+      </p:sp>
+      <p:sp>
+        <p:nvSpPr>
+          <p:cNvPr id="36" name="Arrow: Curved Right 35">
+            <a:extLst>
+              <a:ext uri="{FF2B5EF4-FFF2-40B4-BE49-F238E27FC236}">
+                <a16:creationId xmlns:a16="http://schemas.microsoft.com/office/drawing/2014/main" id="{7D1CF254-0EBD-7BF7-2AC5-69EF783DF763}"/>
+              </a:ext>
+            </a:extLst>
+          </p:cNvPr>
+          <p:cNvSpPr/>
+          <p:nvPr/>
+        </p:nvSpPr>
+        <p:spPr>
+          <a:xfrm>
+            <a:off x="6953100" y="3117382"/>
+            <a:ext cx="271362" cy="382509"/>
+          </a:xfrm>
+          <a:prstGeom prst="curvedRightArrow">
+            <a:avLst/>
+          </a:prstGeom>
+          <a:solidFill>
+            <a:srgbClr val="00B0F0"/>
+          </a:solidFill>
+          <a:ln w="38100" cmpd="sng">
+            <a:solidFill>
+              <a:srgbClr val="00B0F0"/>
+            </a:solidFill>
+            <a:prstDash val="solid"/>
+            <a:extLst>
+              <a:ext uri="{C807C97D-BFC1-408E-A445-0C87EB9F89A2}">
+                <ask:lineSketchStyleProps xmlns:ask="http://schemas.microsoft.com/office/drawing/2018/sketchyshapes">
+                  <ask:type>
+                    <ask:lineSketchNone/>
+                  </ask:type>
+                </ask:lineSketchStyleProps>
+              </a:ext>
+            </a:extLst>
+          </a:ln>
+        </p:spPr>
+        <p:style>
+          <a:lnRef idx="2">
+            <a:schemeClr val="accent1">
+              <a:shade val="15000"/>
+            </a:schemeClr>
+          </a:lnRef>
+          <a:fillRef idx="1">
+            <a:schemeClr val="accent1"/>
+          </a:fillRef>
+          <a:effectRef idx="0">
+            <a:schemeClr val="accent1"/>
+          </a:effectRef>
+          <a:fontRef idx="minor">
+            <a:schemeClr val="lt1"/>
+          </a:fontRef>
+        </p:style>
+        <p:txBody>
+          <a:bodyPr rtlCol="0" anchor="ctr"/>
+          <a:lstStyle/>
+          <a:p>
+            <a:pPr algn="ctr"/>
+            <a:endParaRPr lang="en-CA" dirty="0">
+              <a:solidFill>
+                <a:schemeClr val="tx1"/>
+              </a:solidFill>
+            </a:endParaRPr>
+          </a:p>
+        </p:txBody>
+      </p:sp>
+      <p:sp>
+        <p:nvSpPr>
+          <p:cNvPr id="37" name="TextBox 36">
+            <a:extLst>
+              <a:ext uri="{FF2B5EF4-FFF2-40B4-BE49-F238E27FC236}">
+                <a16:creationId xmlns:a16="http://schemas.microsoft.com/office/drawing/2014/main" id="{D76A6FC4-8191-B8E7-3336-68EE5B27DF44}"/>
+              </a:ext>
+            </a:extLst>
+          </p:cNvPr>
+          <p:cNvSpPr txBox="1"/>
+          <p:nvPr/>
+        </p:nvSpPr>
+        <p:spPr>
+          <a:xfrm>
+            <a:off x="5754607" y="1090562"/>
+            <a:ext cx="3311987" cy="1200329"/>
+          </a:xfrm>
+          <a:prstGeom prst="rect">
+            <a:avLst/>
+          </a:prstGeom>
+          <a:noFill/>
+        </p:spPr>
+        <p:txBody>
+          <a:bodyPr wrap="square" rtlCol="0">
+            <a:spAutoFit/>
           </a:bodyPr>
           <a:lstStyle/>
           <a:p>
             <a:r>
-              <a:rPr lang="en-CA" dirty="0"/>
-              <a:t>It’s actually three (3) </a:t>
-            </a:r>
-            <a:r>
-              <a:rPr lang="en-CA" dirty="0" err="1"/>
-              <a:t>shaders</a:t>
-            </a:r>
-            <a:r>
-              <a:rPr lang="en-CA" dirty="0"/>
-              <a:t> that work in unison. </a:t>
-            </a:r>
-          </a:p>
-          <a:p>
-            <a:pPr lvl="1"/>
-            <a:r>
-              <a:rPr lang="en-CA" dirty="0"/>
-              <a:t>Two are “fixed function” </a:t>
-            </a:r>
-          </a:p>
-          <a:p>
-            <a:pPr lvl="1"/>
-            <a:r>
-              <a:rPr lang="en-CA" dirty="0"/>
-              <a:t>One is “programmable”</a:t>
-            </a:r>
-          </a:p>
-          <a:p>
-            <a:r>
-              <a:rPr lang="en-CA" dirty="0"/>
-              <a:t>Take a primitive in, and generate another (tessellated) primitive out</a:t>
-            </a:r>
-          </a:p>
-          <a:p>
-            <a:r>
-              <a:rPr lang="en-CA" dirty="0"/>
-              <a:t>Very fast</a:t>
-            </a:r>
+              <a:rPr lang="en-US" dirty="0"/>
+              <a:t>Note: Winding must alternate with the trip.</a:t>
+            </a:r>
+          </a:p>
+          <a:p>
+            <a:r>
+              <a:rPr lang="en-US" dirty="0"/>
+              <a:t>(You can only output triangle strips from the geometry shader)</a:t>
+            </a:r>
+            <a:endParaRPr lang="en-CA" dirty="0"/>
           </a:p>
         </p:txBody>
       </p:sp>
     </p:spTree>
     <p:extLst>
       <p:ext uri="{BB962C8B-B14F-4D97-AF65-F5344CB8AC3E}">
-        <p14:creationId xmlns:p14="http://schemas.microsoft.com/office/powerpoint/2010/main" val="2090243912"/>
+        <p14:creationId xmlns:p14="http://schemas.microsoft.com/office/powerpoint/2010/main" val="3651003619"/>
       </p:ext>
     </p:extLst>
   </p:cSld>
@@ -9049,7 +11529,15 @@
           <a:p>
             <a:r>
               <a:rPr lang="en-CA" dirty="0"/>
-              <a:t>Mike Bailey</a:t>
+              <a:t>Tessellation </a:t>
+            </a:r>
+            <a:r>
+              <a:rPr lang="en-CA" dirty="0" err="1"/>
+              <a:t>shader</a:t>
+            </a:r>
+            <a:r>
+              <a:rPr lang="en-CA" dirty="0"/>
+              <a:t>: Why?</a:t>
             </a:r>
           </a:p>
         </p:txBody>
@@ -9073,28 +11561,41 @@
           <a:p>
             <a:r>
               <a:rPr lang="en-CA" dirty="0"/>
-              <a:t>Mike Bailey has an excellent overview on his site: </a:t>
-            </a:r>
-            <a:r>
-              <a:rPr lang="en-CA" dirty="0">
-                <a:hlinkClick r:id="rId2"/>
-              </a:rPr>
-              <a:t>https://web.engr.oregonstate.edu/~mjb/cs519/Handouts/tessellation.1pp.pdf</a:t>
+              <a:t>While the geometry </a:t>
+            </a:r>
+            <a:r>
+              <a:rPr lang="en-CA" dirty="0" err="1"/>
+              <a:t>shader</a:t>
+            </a:r>
+            <a:r>
+              <a:rPr lang="en-CA" dirty="0"/>
+              <a:t> </a:t>
+            </a:r>
+            <a:r>
+              <a:rPr lang="en-CA" i="1" dirty="0"/>
+              <a:t>can </a:t>
+            </a:r>
+            <a:r>
+              <a:rPr lang="en-CA" dirty="0"/>
+              <a:t>generate more triangles, it’s not meant to generate large numbers (to “tessellate”)</a:t>
+            </a:r>
+          </a:p>
+          <a:p>
+            <a:r>
+              <a:rPr lang="en-CA" dirty="0"/>
+              <a:t>A few is OK, but for massive numbers, you need the tessellation </a:t>
+            </a:r>
+            <a:r>
+              <a:rPr lang="en-CA" dirty="0" err="1"/>
+              <a:t>shader</a:t>
             </a:r>
             <a:endParaRPr lang="en-CA" dirty="0"/>
           </a:p>
           <a:p>
+            <a:pPr lvl="1"/>
             <a:r>
               <a:rPr lang="en-CA" dirty="0"/>
-              <a:t>(he’s one of the people who wrote the “graphics </a:t>
-            </a:r>
-            <a:r>
-              <a:rPr lang="en-CA" dirty="0" err="1"/>
-              <a:t>shaders</a:t>
-            </a:r>
-            <a:r>
-              <a:rPr lang="en-CA" dirty="0"/>
-              <a:t>” book)</a:t>
+              <a:t>DirectX 11 and OpenGL 4.0 and up</a:t>
             </a:r>
           </a:p>
         </p:txBody>
@@ -9102,7 +11603,7 @@
     </p:spTree>
     <p:extLst>
       <p:ext uri="{BB962C8B-B14F-4D97-AF65-F5344CB8AC3E}">
-        <p14:creationId xmlns:p14="http://schemas.microsoft.com/office/powerpoint/2010/main" val="1036212450"/>
+        <p14:creationId xmlns:p14="http://schemas.microsoft.com/office/powerpoint/2010/main" val="1482698362"/>
       </p:ext>
     </p:extLst>
   </p:cSld>
@@ -9390,7 +11891,50 @@
       </a:bgFillStyleLst>
     </a:fmtScheme>
   </a:themeElements>
-  <a:objectDefaults/>
+  <a:objectDefaults>
+    <a:spDef>
+      <a:spPr>
+        <a:ln w="38100" cmpd="sng">
+          <a:prstDash val="solid"/>
+          <a:extLst>
+            <a:ext uri="{C807C97D-BFC1-408E-A445-0C87EB9F89A2}">
+              <ask:lineSketchStyleProps xmlns:ask="http://schemas.microsoft.com/office/drawing/2018/sketchyshapes">
+                <ask:type>
+                  <ask:lineSketchNone/>
+                </ask:type>
+              </ask:lineSketchStyleProps>
+            </a:ext>
+          </a:extLst>
+        </a:ln>
+      </a:spPr>
+      <a:bodyPr rtlCol="0" anchor="ctr"/>
+      <a:lstStyle>
+        <a:defPPr algn="ctr">
+          <a:defRPr dirty="0" smtClean="0">
+            <a:solidFill>
+              <a:schemeClr val="tx1"/>
+            </a:solidFill>
+          </a:defRPr>
+        </a:defPPr>
+      </a:lstStyle>
+      <a:style>
+        <a:lnRef idx="2">
+          <a:schemeClr val="accent1">
+            <a:shade val="15000"/>
+          </a:schemeClr>
+        </a:lnRef>
+        <a:fillRef idx="1">
+          <a:schemeClr val="accent1"/>
+        </a:fillRef>
+        <a:effectRef idx="0">
+          <a:schemeClr val="accent1"/>
+        </a:effectRef>
+        <a:fontRef idx="minor">
+          <a:schemeClr val="lt1"/>
+        </a:fontRef>
+      </a:style>
+    </a:spDef>
+  </a:objectDefaults>
   <a:extraClrSchemeLst/>
 </a:theme>
 </file>

--- a/6020_Graph_2_(2025)/Day2Day/Week_10_Geometry_Tessellation/6020_W10_Geometry_Tessellation.pptx
+++ b/6020_Graph_2_(2025)/Day2Day/Week_10_Geometry_Tessellation/6020_W10_Geometry_Tessellation.pptx
@@ -5,7 +5,7 @@
     <p:sldMasterId id="2147483732" r:id="rId1"/>
   </p:sldMasterIdLst>
   <p:notesMasterIdLst>
-    <p:notesMasterId r:id="rId21"/>
+    <p:notesMasterId r:id="rId25"/>
   </p:notesMasterIdLst>
   <p:sldIdLst>
     <p:sldId id="256" r:id="rId2"/>
@@ -16,17 +16,21 @@
     <p:sldId id="484" r:id="rId7"/>
     <p:sldId id="493" r:id="rId8"/>
     <p:sldId id="494" r:id="rId9"/>
-    <p:sldId id="481" r:id="rId10"/>
-    <p:sldId id="482" r:id="rId11"/>
-    <p:sldId id="483" r:id="rId12"/>
-    <p:sldId id="491" r:id="rId13"/>
-    <p:sldId id="492" r:id="rId14"/>
-    <p:sldId id="485" r:id="rId15"/>
-    <p:sldId id="490" r:id="rId16"/>
-    <p:sldId id="489" r:id="rId17"/>
-    <p:sldId id="486" r:id="rId18"/>
-    <p:sldId id="487" r:id="rId19"/>
-    <p:sldId id="488" r:id="rId20"/>
+    <p:sldId id="495" r:id="rId10"/>
+    <p:sldId id="496" r:id="rId11"/>
+    <p:sldId id="497" r:id="rId12"/>
+    <p:sldId id="498" r:id="rId13"/>
+    <p:sldId id="481" r:id="rId14"/>
+    <p:sldId id="482" r:id="rId15"/>
+    <p:sldId id="483" r:id="rId16"/>
+    <p:sldId id="491" r:id="rId17"/>
+    <p:sldId id="492" r:id="rId18"/>
+    <p:sldId id="485" r:id="rId19"/>
+    <p:sldId id="490" r:id="rId20"/>
+    <p:sldId id="489" r:id="rId21"/>
+    <p:sldId id="486" r:id="rId22"/>
+    <p:sldId id="487" r:id="rId23"/>
+    <p:sldId id="488" r:id="rId24"/>
   </p:sldIdLst>
   <p:sldSz cx="9144000" cy="5143500" type="screen16x9"/>
   <p:notesSz cx="6858000" cy="9144000"/>
@@ -4190,31 +4194,31 @@
           <a:lstStyle/>
           <a:p>
             <a:r>
-              <a:rPr lang="en-CA" dirty="0"/>
+              <a:rPr lang="en-CA" noProof="0" dirty="0"/>
               <a:t>INFO6020 – Graphics 2</a:t>
             </a:r>
             <a:br>
-              <a:rPr lang="en-CA" dirty="0"/>
+              <a:rPr lang="en-CA" noProof="0" dirty="0"/>
             </a:br>
             <a:r>
-              <a:rPr lang="en-CA" sz="3600" dirty="0"/>
+              <a:rPr lang="en-CA" sz="3600" noProof="0" dirty="0"/>
               <a:t>Week 8:</a:t>
             </a:r>
             <a:br>
-              <a:rPr lang="en-CA" sz="3600" dirty="0"/>
+              <a:rPr lang="en-CA" sz="3600" noProof="0" dirty="0"/>
             </a:br>
             <a:r>
-              <a:rPr lang="en-CA" sz="3600" dirty="0"/>
+              <a:rPr lang="en-CA" sz="3600" noProof="0" dirty="0"/>
               <a:t>Geometry</a:t>
             </a:r>
             <a:br>
-              <a:rPr lang="en-CA" sz="3600" dirty="0"/>
+              <a:rPr lang="en-CA" sz="3600" noProof="0" dirty="0"/>
             </a:br>
             <a:r>
-              <a:rPr lang="en-CA" sz="3600" dirty="0"/>
+              <a:rPr lang="en-CA" sz="3600" noProof="0" dirty="0"/>
               <a:t>Tessellation </a:t>
             </a:r>
-            <a:endParaRPr lang="en-CA" dirty="0"/>
+            <a:endParaRPr lang="en-CA" noProof="0" dirty="0"/>
           </a:p>
         </p:txBody>
       </p:sp>
@@ -4259,16 +4263,8 @@
           <a:lstStyle/>
           <a:p>
             <a:r>
-              <a:rPr lang="en-CA" dirty="0"/>
-              <a:t>Tessellation </a:t>
-            </a:r>
-            <a:r>
-              <a:rPr lang="en-CA" dirty="0" err="1"/>
-              <a:t>shader</a:t>
-            </a:r>
-            <a:r>
-              <a:rPr lang="en-CA" dirty="0"/>
-              <a:t>: Why?</a:t>
+              <a:rPr lang="en-CA" noProof="0" dirty="0"/>
+              <a:t>Particle generator</a:t>
             </a:r>
           </a:p>
         </p:txBody>
@@ -4283,58 +4279,130 @@
             <p:ph idx="1"/>
           </p:nvPr>
         </p:nvSpPr>
-        <p:spPr/>
+        <p:spPr>
+          <a:xfrm>
+            <a:off x="-76200" y="1200150"/>
+            <a:ext cx="8991600" cy="3600451"/>
+          </a:xfrm>
+        </p:spPr>
         <p:txBody>
           <a:bodyPr>
-            <a:normAutofit lnSpcReduction="10000"/>
+            <a:noAutofit/>
           </a:bodyPr>
           <a:lstStyle/>
           <a:p>
             <a:r>
-              <a:rPr lang="en-CA" dirty="0"/>
-              <a:t>It’s actually three (3) </a:t>
-            </a:r>
-            <a:r>
-              <a:rPr lang="en-CA" dirty="0" err="1"/>
-              <a:t>shaders</a:t>
-            </a:r>
-            <a:r>
-              <a:rPr lang="en-CA" dirty="0"/>
-              <a:t> that work in unison. </a:t>
-            </a:r>
+              <a:rPr lang="en-CA" sz="2000" noProof="0" dirty="0"/>
+              <a:t>A classic use of the geometry shader is with particles that use imposter textures:</a:t>
+            </a:r>
+          </a:p>
+          <a:p>
+            <a:pPr marL="971550" lvl="1" indent="-514350">
+              <a:buFont typeface="+mj-lt"/>
+              <a:buAutoNum type="arabicPeriod"/>
+            </a:pPr>
+            <a:r>
+              <a:rPr lang="en-CA" sz="1800" noProof="0" dirty="0"/>
+              <a:t>Make a vertex buffer with the maximum number of particles you are going to use. Store the position (maybe colour, etc., too 🤷‍♀️)</a:t>
+            </a:r>
+          </a:p>
+          <a:p>
+            <a:pPr marL="971550" lvl="1" indent="-514350">
+              <a:buFont typeface="+mj-lt"/>
+              <a:buAutoNum type="arabicPeriod"/>
+            </a:pPr>
+            <a:r>
+              <a:rPr lang="en-CA" sz="1800" noProof="0" dirty="0"/>
+              <a:t>The particle emitter updates a local (CPU) side array (that matches the vertex buffer you made)</a:t>
+            </a:r>
+          </a:p>
+          <a:p>
+            <a:pPr marL="971550" lvl="1" indent="-514350">
+              <a:buFont typeface="+mj-lt"/>
+              <a:buAutoNum type="arabicPeriod"/>
+            </a:pPr>
+            <a:r>
+              <a:rPr lang="en-CA" sz="1800" noProof="0" dirty="0"/>
+              <a:t>Each frame, you update that CPU side array, then call </a:t>
+            </a:r>
+            <a:r>
+              <a:rPr lang="en-CA" sz="1800" noProof="0" dirty="0" err="1"/>
+              <a:t>glBufferSubData</a:t>
+            </a:r>
+            <a:r>
+              <a:rPr lang="en-CA" sz="1800" noProof="0" dirty="0"/>
+              <a:t>() to copy up the latest particle positions (like the call we made with the soft bodies in the VAO Manager)</a:t>
+            </a:r>
+          </a:p>
+          <a:p>
+            <a:pPr marL="971550" lvl="1" indent="-514350">
+              <a:buFont typeface="+mj-lt"/>
+              <a:buAutoNum type="arabicPeriod"/>
+            </a:pPr>
+            <a:r>
+              <a:rPr lang="en-CA" sz="1800" noProof="0" dirty="0"/>
+              <a:t>You then call </a:t>
+            </a:r>
+            <a:r>
+              <a:rPr lang="en-CA" sz="1800" noProof="0" dirty="0" err="1"/>
+              <a:t>glDrawElements</a:t>
+            </a:r>
+            <a:r>
+              <a:rPr lang="en-CA" sz="1800" noProof="0" dirty="0"/>
+              <a:t>() with </a:t>
+            </a:r>
+            <a:r>
+              <a:rPr lang="en-CA" sz="1600" noProof="0" dirty="0">
+                <a:solidFill>
+                  <a:srgbClr val="6F008A"/>
+                </a:solidFill>
+                <a:highlight>
+                  <a:srgbClr val="FFFFFF"/>
+                </a:highlight>
+                <a:latin typeface="Cascadia Mono" panose="020B0609020000020004" pitchFamily="49" charset="0"/>
+              </a:rPr>
+              <a:t>GL_POINTS</a:t>
+            </a:r>
+            <a:r>
+              <a:rPr lang="en-CA" sz="1600" noProof="0" dirty="0"/>
+              <a:t> (instead of TRIANGLES) </a:t>
+            </a:r>
+          </a:p>
+          <a:p>
+            <a:pPr marL="971550" lvl="1" indent="-514350">
+              <a:buFont typeface="+mj-lt"/>
+              <a:buAutoNum type="arabicPeriod"/>
+            </a:pPr>
+            <a:r>
+              <a:rPr lang="en-CA" sz="1800" noProof="0" dirty="0"/>
+              <a:t>The geometry shader takes in “points” and outputs “</a:t>
+            </a:r>
+            <a:r>
+              <a:rPr lang="en-CA" sz="1800" noProof="0" dirty="0" err="1"/>
+              <a:t>triangle_strips</a:t>
+            </a:r>
+            <a:r>
+              <a:rPr lang="en-CA" sz="1800" noProof="0" dirty="0"/>
+              <a:t>”, making a camera facing quad for every point that is passed. </a:t>
+            </a:r>
+          </a:p>
+          <a:p>
+            <a:pPr marL="971550" lvl="1" indent="-514350">
+              <a:buFont typeface="+mj-lt"/>
+              <a:buAutoNum type="arabicPeriod"/>
+            </a:pPr>
+            <a:endParaRPr lang="en-CA" sz="1800" noProof="0" dirty="0"/>
           </a:p>
           <a:p>
             <a:pPr lvl="1"/>
-            <a:r>
-              <a:rPr lang="en-CA" dirty="0"/>
-              <a:t>Two are “fixed function” </a:t>
-            </a:r>
-          </a:p>
-          <a:p>
-            <a:pPr lvl="1"/>
-            <a:r>
-              <a:rPr lang="en-CA" dirty="0"/>
-              <a:t>One is “programmable”</a:t>
-            </a:r>
-          </a:p>
-          <a:p>
-            <a:r>
-              <a:rPr lang="en-CA" dirty="0"/>
-              <a:t>Take a primitive in, and generate another (tessellated) primitive out</a:t>
-            </a:r>
-          </a:p>
-          <a:p>
-            <a:r>
-              <a:rPr lang="en-CA" dirty="0"/>
-              <a:t>Very fast</a:t>
-            </a:r>
+            <a:endParaRPr lang="en-CA" sz="2400" noProof="0" dirty="0"/>
           </a:p>
         </p:txBody>
       </p:sp>
     </p:spTree>
     <p:extLst>
       <p:ext uri="{BB962C8B-B14F-4D97-AF65-F5344CB8AC3E}">
-        <p14:creationId xmlns:p14="http://schemas.microsoft.com/office/powerpoint/2010/main" val="2090243912"/>
+        <p14:creationId xmlns:p14="http://schemas.microsoft.com/office/powerpoint/2010/main" val="3208090394"/>
       </p:ext>
     </p:extLst>
   </p:cSld>
@@ -4377,8 +4445,8 @@
           <a:lstStyle/>
           <a:p>
             <a:r>
-              <a:rPr lang="en-CA" dirty="0"/>
-              <a:t>Mike Bailey</a:t>
+              <a:rPr lang="en-CA" noProof="0" dirty="0"/>
+              <a:t>Particle generator</a:t>
             </a:r>
           </a:p>
         </p:txBody>
@@ -4393,6 +4461,252 @@
             <p:ph idx="1"/>
           </p:nvPr>
         </p:nvSpPr>
+        <p:spPr>
+          <a:xfrm>
+            <a:off x="-76200" y="1200150"/>
+            <a:ext cx="8991600" cy="3600451"/>
+          </a:xfrm>
+        </p:spPr>
+        <p:txBody>
+          <a:bodyPr>
+            <a:noAutofit/>
+          </a:bodyPr>
+          <a:lstStyle/>
+          <a:p>
+            <a:r>
+              <a:rPr lang="en-CA" noProof="0" dirty="0"/>
+              <a:t>This speeds things up because:</a:t>
+            </a:r>
+          </a:p>
+          <a:p>
+            <a:pPr lvl="1"/>
+            <a:r>
+              <a:rPr lang="en-CA" sz="2000" noProof="0" dirty="0"/>
+              <a:t>You are making one draw call, instead of 100s or 1000s</a:t>
+            </a:r>
+          </a:p>
+          <a:p>
+            <a:pPr lvl="1"/>
+            <a:r>
+              <a:rPr lang="en-CA" sz="2000" noProof="0" dirty="0"/>
+              <a:t>You are only passing the centres of the imposter quads, not the entire geometry of the quads</a:t>
+            </a:r>
+          </a:p>
+          <a:p>
+            <a:pPr lvl="1"/>
+            <a:r>
+              <a:rPr lang="en-CA" sz="2000" dirty="0"/>
+              <a:t>Most of the processing is happening on the GPU instead of the CPU</a:t>
+            </a:r>
+            <a:endParaRPr lang="en-CA" sz="2000" noProof="0" dirty="0"/>
+          </a:p>
+          <a:p>
+            <a:r>
+              <a:rPr lang="en-CA" sz="2400" dirty="0"/>
+              <a:t>That’s one way to make millions of particles </a:t>
+            </a:r>
+          </a:p>
+          <a:p>
+            <a:r>
+              <a:rPr lang="en-CA" sz="2400" noProof="0" dirty="0"/>
+              <a:t>You could also pass additional info like the rotation of the particle, if it’s mirrored (UVs), etc. 	</a:t>
+            </a:r>
+          </a:p>
+          <a:p>
+            <a:pPr lvl="1"/>
+            <a:r>
+              <a:rPr lang="en-CA" sz="2000" dirty="0"/>
+              <a:t>Again, the idea is you’re passing a lot less data and in one call, then the geometry shader does the rest</a:t>
+            </a:r>
+            <a:endParaRPr lang="en-CA" sz="2000" noProof="0" dirty="0"/>
+          </a:p>
+          <a:p>
+            <a:pPr lvl="1"/>
+            <a:endParaRPr lang="en-CA" sz="3600" noProof="0" dirty="0"/>
+          </a:p>
+        </p:txBody>
+      </p:sp>
+    </p:spTree>
+    <p:extLst>
+      <p:ext uri="{BB962C8B-B14F-4D97-AF65-F5344CB8AC3E}">
+        <p14:creationId xmlns:p14="http://schemas.microsoft.com/office/powerpoint/2010/main" val="3678053260"/>
+      </p:ext>
+    </p:extLst>
+  </p:cSld>
+  <p:clrMapOvr>
+    <a:masterClrMapping/>
+  </p:clrMapOvr>
+</p:sld>
+</file>
+
+<file path=ppt/slides/slide12.xml><?xml version="1.0" encoding="utf-8"?>
+<p:sld xmlns:a="http://schemas.openxmlformats.org/drawingml/2006/main" xmlns:r="http://schemas.openxmlformats.org/officeDocument/2006/relationships" xmlns:p="http://schemas.openxmlformats.org/presentationml/2006/main">
+  <p:cSld>
+    <p:spTree>
+      <p:nvGrpSpPr>
+        <p:cNvPr id="1" name=""/>
+        <p:cNvGrpSpPr/>
+        <p:nvPr/>
+      </p:nvGrpSpPr>
+      <p:grpSpPr>
+        <a:xfrm>
+          <a:off x="0" y="0"/>
+          <a:ext cx="0" cy="0"/>
+          <a:chOff x="0" y="0"/>
+          <a:chExt cx="0" cy="0"/>
+        </a:xfrm>
+      </p:grpSpPr>
+      <p:sp>
+        <p:nvSpPr>
+          <p:cNvPr id="2" name="Title 1"/>
+          <p:cNvSpPr>
+            <a:spLocks noGrp="1"/>
+          </p:cNvSpPr>
+          <p:nvPr>
+            <p:ph type="title"/>
+          </p:nvPr>
+        </p:nvSpPr>
+        <p:spPr/>
+        <p:txBody>
+          <a:bodyPr/>
+          <a:lstStyle/>
+          <a:p>
+            <a:r>
+              <a:rPr lang="en-CA" noProof="0" dirty="0"/>
+              <a:t>Particle generator</a:t>
+            </a:r>
+          </a:p>
+        </p:txBody>
+      </p:sp>
+      <p:sp>
+        <p:nvSpPr>
+          <p:cNvPr id="3" name="Content Placeholder 2"/>
+          <p:cNvSpPr>
+            <a:spLocks noGrp="1"/>
+          </p:cNvSpPr>
+          <p:nvPr>
+            <p:ph idx="1"/>
+          </p:nvPr>
+        </p:nvSpPr>
+        <p:spPr>
+          <a:xfrm>
+            <a:off x="-76200" y="1200150"/>
+            <a:ext cx="8991600" cy="3600451"/>
+          </a:xfrm>
+        </p:spPr>
+        <p:txBody>
+          <a:bodyPr>
+            <a:noAutofit/>
+          </a:bodyPr>
+          <a:lstStyle/>
+          <a:p>
+            <a:r>
+              <a:rPr lang="en-CA" noProof="0" dirty="0"/>
+              <a:t>You could generate whatever you’d like inside the geometry shader:</a:t>
+            </a:r>
+          </a:p>
+          <a:p>
+            <a:pPr lvl="1"/>
+            <a:r>
+              <a:rPr lang="en-CA" sz="2400" dirty="0"/>
+              <a:t>Like spheres</a:t>
+            </a:r>
+          </a:p>
+          <a:p>
+            <a:pPr lvl="1"/>
+            <a:r>
+              <a:rPr lang="en-CA" sz="2400" noProof="0" dirty="0"/>
+              <a:t>Or even the Utah Teapot: </a:t>
+            </a:r>
+            <a:r>
+              <a:rPr lang="en-CA" sz="2400" noProof="0" dirty="0">
+                <a:hlinkClick r:id="rId2"/>
+              </a:rPr>
+              <a:t>https://github.com/alecjacobson/glut/blob/master/glut_teapot.c</a:t>
+            </a:r>
+            <a:endParaRPr lang="en-CA" sz="2400" noProof="0" dirty="0"/>
+          </a:p>
+          <a:p>
+            <a:r>
+              <a:rPr lang="en-CA" sz="2400" noProof="0" dirty="0"/>
+              <a:t>Since it’s fully programable, the geometry shader isn’t “fast”, like if all you are doing is tessellation, use the tessellation shader. </a:t>
+            </a:r>
+          </a:p>
+          <a:p>
+            <a:r>
+              <a:rPr lang="en-CA" sz="2400" dirty="0"/>
+              <a:t>But the geometry shader can output anything at all. </a:t>
+            </a:r>
+            <a:endParaRPr lang="en-CA" sz="2400" noProof="0" dirty="0"/>
+          </a:p>
+          <a:p>
+            <a:pPr lvl="1"/>
+            <a:endParaRPr lang="en-CA" sz="3600" noProof="0" dirty="0"/>
+          </a:p>
+        </p:txBody>
+      </p:sp>
+    </p:spTree>
+    <p:extLst>
+      <p:ext uri="{BB962C8B-B14F-4D97-AF65-F5344CB8AC3E}">
+        <p14:creationId xmlns:p14="http://schemas.microsoft.com/office/powerpoint/2010/main" val="1637774065"/>
+      </p:ext>
+    </p:extLst>
+  </p:cSld>
+  <p:clrMapOvr>
+    <a:masterClrMapping/>
+  </p:clrMapOvr>
+</p:sld>
+</file>
+
+<file path=ppt/slides/slide13.xml><?xml version="1.0" encoding="utf-8"?>
+<p:sld xmlns:a="http://schemas.openxmlformats.org/drawingml/2006/main" xmlns:r="http://schemas.openxmlformats.org/officeDocument/2006/relationships" xmlns:p="http://schemas.openxmlformats.org/presentationml/2006/main">
+  <p:cSld>
+    <p:spTree>
+      <p:nvGrpSpPr>
+        <p:cNvPr id="1" name=""/>
+        <p:cNvGrpSpPr/>
+        <p:nvPr/>
+      </p:nvGrpSpPr>
+      <p:grpSpPr>
+        <a:xfrm>
+          <a:off x="0" y="0"/>
+          <a:ext cx="0" cy="0"/>
+          <a:chOff x="0" y="0"/>
+          <a:chExt cx="0" cy="0"/>
+        </a:xfrm>
+      </p:grpSpPr>
+      <p:sp>
+        <p:nvSpPr>
+          <p:cNvPr id="2" name="Title 1"/>
+          <p:cNvSpPr>
+            <a:spLocks noGrp="1"/>
+          </p:cNvSpPr>
+          <p:nvPr>
+            <p:ph type="title"/>
+          </p:nvPr>
+        </p:nvSpPr>
+        <p:spPr/>
+        <p:txBody>
+          <a:bodyPr/>
+          <a:lstStyle/>
+          <a:p>
+            <a:r>
+              <a:rPr lang="en-CA" noProof="0" dirty="0"/>
+              <a:t>Tessellation shader: Why?</a:t>
+            </a:r>
+          </a:p>
+        </p:txBody>
+      </p:sp>
+      <p:sp>
+        <p:nvSpPr>
+          <p:cNvPr id="3" name="Content Placeholder 2"/>
+          <p:cNvSpPr>
+            <a:spLocks noGrp="1"/>
+          </p:cNvSpPr>
+          <p:nvPr>
+            <p:ph idx="1"/>
+          </p:nvPr>
+        </p:nvSpPr>
         <p:spPr/>
         <p:txBody>
           <a:bodyPr>
@@ -4401,29 +4715,220 @@
           <a:lstStyle/>
           <a:p>
             <a:r>
-              <a:rPr lang="en-CA" dirty="0"/>
+              <a:rPr lang="en-CA" noProof="0" dirty="0"/>
+              <a:t>While the geometry shader </a:t>
+            </a:r>
+            <a:r>
+              <a:rPr lang="en-CA" i="1" noProof="0" dirty="0"/>
+              <a:t>can </a:t>
+            </a:r>
+            <a:r>
+              <a:rPr lang="en-CA" noProof="0" dirty="0"/>
+              <a:t>generate more triangles, it’s not meant to generate large numbers (to “tessellate”)</a:t>
+            </a:r>
+          </a:p>
+          <a:p>
+            <a:r>
+              <a:rPr lang="en-CA" noProof="0" dirty="0"/>
+              <a:t>A few is OK, but for massive numbers, you need the tessellation shader</a:t>
+            </a:r>
+          </a:p>
+          <a:p>
+            <a:pPr lvl="1"/>
+            <a:r>
+              <a:rPr lang="en-CA" noProof="0" dirty="0"/>
+              <a:t>DirectX 11 and OpenGL 4.0 and up</a:t>
+            </a:r>
+          </a:p>
+        </p:txBody>
+      </p:sp>
+    </p:spTree>
+    <p:extLst>
+      <p:ext uri="{BB962C8B-B14F-4D97-AF65-F5344CB8AC3E}">
+        <p14:creationId xmlns:p14="http://schemas.microsoft.com/office/powerpoint/2010/main" val="1482698362"/>
+      </p:ext>
+    </p:extLst>
+  </p:cSld>
+  <p:clrMapOvr>
+    <a:masterClrMapping/>
+  </p:clrMapOvr>
+</p:sld>
+</file>
+
+<file path=ppt/slides/slide14.xml><?xml version="1.0" encoding="utf-8"?>
+<p:sld xmlns:a="http://schemas.openxmlformats.org/drawingml/2006/main" xmlns:r="http://schemas.openxmlformats.org/officeDocument/2006/relationships" xmlns:p="http://schemas.openxmlformats.org/presentationml/2006/main">
+  <p:cSld>
+    <p:spTree>
+      <p:nvGrpSpPr>
+        <p:cNvPr id="1" name=""/>
+        <p:cNvGrpSpPr/>
+        <p:nvPr/>
+      </p:nvGrpSpPr>
+      <p:grpSpPr>
+        <a:xfrm>
+          <a:off x="0" y="0"/>
+          <a:ext cx="0" cy="0"/>
+          <a:chOff x="0" y="0"/>
+          <a:chExt cx="0" cy="0"/>
+        </a:xfrm>
+      </p:grpSpPr>
+      <p:sp>
+        <p:nvSpPr>
+          <p:cNvPr id="2" name="Title 1"/>
+          <p:cNvSpPr>
+            <a:spLocks noGrp="1"/>
+          </p:cNvSpPr>
+          <p:nvPr>
+            <p:ph type="title"/>
+          </p:nvPr>
+        </p:nvSpPr>
+        <p:spPr/>
+        <p:txBody>
+          <a:bodyPr/>
+          <a:lstStyle/>
+          <a:p>
+            <a:r>
+              <a:rPr lang="en-CA" noProof="0" dirty="0"/>
+              <a:t>Tessellation shader: Why?</a:t>
+            </a:r>
+          </a:p>
+        </p:txBody>
+      </p:sp>
+      <p:sp>
+        <p:nvSpPr>
+          <p:cNvPr id="3" name="Content Placeholder 2"/>
+          <p:cNvSpPr>
+            <a:spLocks noGrp="1"/>
+          </p:cNvSpPr>
+          <p:nvPr>
+            <p:ph idx="1"/>
+          </p:nvPr>
+        </p:nvSpPr>
+        <p:spPr/>
+        <p:txBody>
+          <a:bodyPr>
+            <a:normAutofit lnSpcReduction="10000"/>
+          </a:bodyPr>
+          <a:lstStyle/>
+          <a:p>
+            <a:r>
+              <a:rPr lang="en-CA" noProof="0" dirty="0"/>
+              <a:t>It’s actually three (3) shaders that work in unison. </a:t>
+            </a:r>
+          </a:p>
+          <a:p>
+            <a:pPr lvl="1"/>
+            <a:r>
+              <a:rPr lang="en-CA" noProof="0" dirty="0"/>
+              <a:t>Two are “fixed function” </a:t>
+            </a:r>
+          </a:p>
+          <a:p>
+            <a:pPr lvl="1"/>
+            <a:r>
+              <a:rPr lang="en-CA" noProof="0" dirty="0"/>
+              <a:t>One is “programmable”</a:t>
+            </a:r>
+          </a:p>
+          <a:p>
+            <a:r>
+              <a:rPr lang="en-CA" noProof="0" dirty="0"/>
+              <a:t>Take a primitive in, and generate another (tessellated) primitive out</a:t>
+            </a:r>
+          </a:p>
+          <a:p>
+            <a:r>
+              <a:rPr lang="en-CA" noProof="0" dirty="0"/>
+              <a:t>Very fast</a:t>
+            </a:r>
+          </a:p>
+        </p:txBody>
+      </p:sp>
+    </p:spTree>
+    <p:extLst>
+      <p:ext uri="{BB962C8B-B14F-4D97-AF65-F5344CB8AC3E}">
+        <p14:creationId xmlns:p14="http://schemas.microsoft.com/office/powerpoint/2010/main" val="2090243912"/>
+      </p:ext>
+    </p:extLst>
+  </p:cSld>
+  <p:clrMapOvr>
+    <a:masterClrMapping/>
+  </p:clrMapOvr>
+</p:sld>
+</file>
+
+<file path=ppt/slides/slide15.xml><?xml version="1.0" encoding="utf-8"?>
+<p:sld xmlns:a="http://schemas.openxmlformats.org/drawingml/2006/main" xmlns:r="http://schemas.openxmlformats.org/officeDocument/2006/relationships" xmlns:p="http://schemas.openxmlformats.org/presentationml/2006/main">
+  <p:cSld>
+    <p:spTree>
+      <p:nvGrpSpPr>
+        <p:cNvPr id="1" name=""/>
+        <p:cNvGrpSpPr/>
+        <p:nvPr/>
+      </p:nvGrpSpPr>
+      <p:grpSpPr>
+        <a:xfrm>
+          <a:off x="0" y="0"/>
+          <a:ext cx="0" cy="0"/>
+          <a:chOff x="0" y="0"/>
+          <a:chExt cx="0" cy="0"/>
+        </a:xfrm>
+      </p:grpSpPr>
+      <p:sp>
+        <p:nvSpPr>
+          <p:cNvPr id="2" name="Title 1"/>
+          <p:cNvSpPr>
+            <a:spLocks noGrp="1"/>
+          </p:cNvSpPr>
+          <p:nvPr>
+            <p:ph type="title"/>
+          </p:nvPr>
+        </p:nvSpPr>
+        <p:spPr/>
+        <p:txBody>
+          <a:bodyPr/>
+          <a:lstStyle/>
+          <a:p>
+            <a:r>
+              <a:rPr lang="en-CA" noProof="0" dirty="0"/>
+              <a:t>Mike Bailey</a:t>
+            </a:r>
+          </a:p>
+        </p:txBody>
+      </p:sp>
+      <p:sp>
+        <p:nvSpPr>
+          <p:cNvPr id="3" name="Content Placeholder 2"/>
+          <p:cNvSpPr>
+            <a:spLocks noGrp="1"/>
+          </p:cNvSpPr>
+          <p:nvPr>
+            <p:ph idx="1"/>
+          </p:nvPr>
+        </p:nvSpPr>
+        <p:spPr/>
+        <p:txBody>
+          <a:bodyPr>
+            <a:normAutofit/>
+          </a:bodyPr>
+          <a:lstStyle/>
+          <a:p>
+            <a:r>
+              <a:rPr lang="en-CA" noProof="0" dirty="0"/>
               <a:t>Mike Bailey has an excellent overview on his site: </a:t>
             </a:r>
             <a:r>
-              <a:rPr lang="en-CA" dirty="0">
+              <a:rPr lang="en-CA" noProof="0" dirty="0">
                 <a:hlinkClick r:id="rId2"/>
               </a:rPr>
               <a:t>https://web.engr.oregonstate.edu/~mjb/cs519/Handouts/tessellation.1pp.pdf</a:t>
             </a:r>
-            <a:endParaRPr lang="en-CA" dirty="0"/>
-          </a:p>
-          <a:p>
-            <a:r>
-              <a:rPr lang="en-CA" dirty="0"/>
-              <a:t>(he’s one of the people who wrote the “graphics </a:t>
-            </a:r>
-            <a:r>
-              <a:rPr lang="en-CA" dirty="0" err="1"/>
-              <a:t>shaders</a:t>
-            </a:r>
-            <a:r>
-              <a:rPr lang="en-CA" dirty="0"/>
-              <a:t>” book)</a:t>
+            <a:endParaRPr lang="en-CA" noProof="0" dirty="0"/>
+          </a:p>
+          <a:p>
+            <a:r>
+              <a:rPr lang="en-CA" noProof="0" dirty="0"/>
+              <a:t>(he’s one of the people who wrote the “graphics shaders” book)</a:t>
             </a:r>
           </a:p>
         </p:txBody>
@@ -4441,7 +4946,7 @@
 </p:sld>
 </file>
 
-<file path=ppt/slides/slide12.xml><?xml version="1.0" encoding="utf-8"?>
+<file path=ppt/slides/slide16.xml><?xml version="1.0" encoding="utf-8"?>
 <p:sld xmlns:a="http://schemas.openxmlformats.org/drawingml/2006/main" xmlns:r="http://schemas.openxmlformats.org/officeDocument/2006/relationships" xmlns:p="http://schemas.openxmlformats.org/presentationml/2006/main">
   <p:cSld>
     <p:spTree>
@@ -4551,7 +5056,7 @@
           <a:lstStyle/>
           <a:p>
             <a:pPr algn="ctr"/>
-            <a:endParaRPr lang="en-CA"/>
+            <a:endParaRPr lang="en-CA" noProof="0" dirty="0"/>
           </a:p>
         </p:txBody>
       </p:sp>
@@ -4654,7 +5159,7 @@
 </p:sld>
 </file>
 
-<file path=ppt/slides/slide13.xml><?xml version="1.0" encoding="utf-8"?>
+<file path=ppt/slides/slide17.xml><?xml version="1.0" encoding="utf-8"?>
 <p:sld xmlns:a="http://schemas.openxmlformats.org/drawingml/2006/main" xmlns:r="http://schemas.openxmlformats.org/officeDocument/2006/relationships" xmlns:p="http://schemas.openxmlformats.org/presentationml/2006/main">
   <p:cSld>
     <p:spTree>
@@ -4733,7 +5238,7 @@
             <a:lstStyle/>
             <a:p>
               <a:pPr algn="ctr"/>
-              <a:endParaRPr lang="en-CA"/>
+              <a:endParaRPr lang="en-CA" noProof="0" dirty="0"/>
             </a:p>
           </p:txBody>
         </p:sp>
@@ -4779,7 +5284,7 @@
             <a:lstStyle/>
             <a:p>
               <a:pPr algn="ctr"/>
-              <a:endParaRPr lang="en-CA"/>
+              <a:endParaRPr lang="en-CA" noProof="0" dirty="0"/>
             </a:p>
           </p:txBody>
         </p:sp>
@@ -4827,7 +5332,7 @@
           <a:p>
             <a:pPr algn="ctr"/>
             <a:r>
-              <a:rPr lang="en-CA" dirty="0"/>
+              <a:rPr lang="en-CA" noProof="0" dirty="0"/>
               <a:t>Eye</a:t>
             </a:r>
           </a:p>
@@ -4837,1970 +5342,6 @@
     <p:extLst>
       <p:ext uri="{BB962C8B-B14F-4D97-AF65-F5344CB8AC3E}">
         <p14:creationId xmlns:p14="http://schemas.microsoft.com/office/powerpoint/2010/main" val="1102934212"/>
-      </p:ext>
-    </p:extLst>
-  </p:cSld>
-  <p:clrMapOvr>
-    <a:masterClrMapping/>
-  </p:clrMapOvr>
-</p:sld>
-</file>
-
-<file path=ppt/slides/slide14.xml><?xml version="1.0" encoding="utf-8"?>
-<p:sld xmlns:a="http://schemas.openxmlformats.org/drawingml/2006/main" xmlns:r="http://schemas.openxmlformats.org/officeDocument/2006/relationships" xmlns:p="http://schemas.openxmlformats.org/presentationml/2006/main">
-  <p:cSld>
-    <p:spTree>
-      <p:nvGrpSpPr>
-        <p:cNvPr id="1" name=""/>
-        <p:cNvGrpSpPr/>
-        <p:nvPr/>
-      </p:nvGrpSpPr>
-      <p:grpSpPr>
-        <a:xfrm>
-          <a:off x="0" y="0"/>
-          <a:ext cx="0" cy="0"/>
-          <a:chOff x="0" y="0"/>
-          <a:chExt cx="0" cy="0"/>
-        </a:xfrm>
-      </p:grpSpPr>
-      <p:sp>
-        <p:nvSpPr>
-          <p:cNvPr id="4" name="Isosceles Triangle 3"/>
-          <p:cNvSpPr/>
-          <p:nvPr/>
-        </p:nvSpPr>
-        <p:spPr>
-          <a:xfrm>
-            <a:off x="838200" y="1504950"/>
-            <a:ext cx="3352800" cy="2514600"/>
-          </a:xfrm>
-          <a:prstGeom prst="triangle">
-            <a:avLst/>
-          </a:prstGeom>
-        </p:spPr>
-        <p:style>
-          <a:lnRef idx="2">
-            <a:schemeClr val="accent1">
-              <a:shade val="50000"/>
-            </a:schemeClr>
-          </a:lnRef>
-          <a:fillRef idx="1">
-            <a:schemeClr val="accent1"/>
-          </a:fillRef>
-          <a:effectRef idx="0">
-            <a:schemeClr val="accent1"/>
-          </a:effectRef>
-          <a:fontRef idx="minor">
-            <a:schemeClr val="lt1"/>
-          </a:fontRef>
-        </p:style>
-        <p:txBody>
-          <a:bodyPr rtlCol="0" anchor="ctr"/>
-          <a:lstStyle/>
-          <a:p>
-            <a:pPr algn="ctr"/>
-            <a:endParaRPr lang="en-CA"/>
-          </a:p>
-        </p:txBody>
-      </p:sp>
-      <p:sp>
-        <p:nvSpPr>
-          <p:cNvPr id="5" name="Oval 4"/>
-          <p:cNvSpPr/>
-          <p:nvPr/>
-        </p:nvSpPr>
-        <p:spPr>
-          <a:xfrm>
-            <a:off x="2286000" y="1352550"/>
-            <a:ext cx="457200" cy="381000"/>
-          </a:xfrm>
-          <a:prstGeom prst="ellipse">
-            <a:avLst/>
-          </a:prstGeom>
-          <a:solidFill>
-            <a:srgbClr val="7030A0"/>
-          </a:solidFill>
-          <a:ln>
-            <a:solidFill>
-              <a:srgbClr val="7030A0"/>
-            </a:solidFill>
-          </a:ln>
-        </p:spPr>
-        <p:style>
-          <a:lnRef idx="2">
-            <a:schemeClr val="accent1">
-              <a:shade val="50000"/>
-            </a:schemeClr>
-          </a:lnRef>
-          <a:fillRef idx="1">
-            <a:schemeClr val="accent1"/>
-          </a:fillRef>
-          <a:effectRef idx="0">
-            <a:schemeClr val="accent1"/>
-          </a:effectRef>
-          <a:fontRef idx="minor">
-            <a:schemeClr val="lt1"/>
-          </a:fontRef>
-        </p:style>
-        <p:txBody>
-          <a:bodyPr rtlCol="0" anchor="ctr"/>
-          <a:lstStyle/>
-          <a:p>
-            <a:pPr algn="ctr"/>
-            <a:r>
-              <a:rPr lang="en-CA" dirty="0"/>
-              <a:t>0</a:t>
-            </a:r>
-          </a:p>
-        </p:txBody>
-      </p:sp>
-      <p:sp>
-        <p:nvSpPr>
-          <p:cNvPr id="6" name="Oval 5"/>
-          <p:cNvSpPr/>
-          <p:nvPr/>
-        </p:nvSpPr>
-        <p:spPr>
-          <a:xfrm>
-            <a:off x="609600" y="3829050"/>
-            <a:ext cx="457200" cy="381000"/>
-          </a:xfrm>
-          <a:prstGeom prst="ellipse">
-            <a:avLst/>
-          </a:prstGeom>
-          <a:solidFill>
-            <a:srgbClr val="7030A0"/>
-          </a:solidFill>
-          <a:ln>
-            <a:solidFill>
-              <a:srgbClr val="7030A0"/>
-            </a:solidFill>
-          </a:ln>
-        </p:spPr>
-        <p:style>
-          <a:lnRef idx="2">
-            <a:schemeClr val="accent1">
-              <a:shade val="50000"/>
-            </a:schemeClr>
-          </a:lnRef>
-          <a:fillRef idx="1">
-            <a:schemeClr val="accent1"/>
-          </a:fillRef>
-          <a:effectRef idx="0">
-            <a:schemeClr val="accent1"/>
-          </a:effectRef>
-          <a:fontRef idx="minor">
-            <a:schemeClr val="lt1"/>
-          </a:fontRef>
-        </p:style>
-        <p:txBody>
-          <a:bodyPr rtlCol="0" anchor="ctr"/>
-          <a:lstStyle/>
-          <a:p>
-            <a:pPr algn="ctr"/>
-            <a:r>
-              <a:rPr lang="en-CA" dirty="0"/>
-              <a:t>1</a:t>
-            </a:r>
-          </a:p>
-        </p:txBody>
-      </p:sp>
-      <p:sp>
-        <p:nvSpPr>
-          <p:cNvPr id="7" name="Oval 6"/>
-          <p:cNvSpPr/>
-          <p:nvPr/>
-        </p:nvSpPr>
-        <p:spPr>
-          <a:xfrm>
-            <a:off x="3954162" y="3829050"/>
-            <a:ext cx="457200" cy="381000"/>
-          </a:xfrm>
-          <a:prstGeom prst="ellipse">
-            <a:avLst/>
-          </a:prstGeom>
-          <a:solidFill>
-            <a:srgbClr val="7030A0"/>
-          </a:solidFill>
-          <a:ln>
-            <a:solidFill>
-              <a:srgbClr val="7030A0"/>
-            </a:solidFill>
-          </a:ln>
-        </p:spPr>
-        <p:style>
-          <a:lnRef idx="2">
-            <a:schemeClr val="accent1">
-              <a:shade val="50000"/>
-            </a:schemeClr>
-          </a:lnRef>
-          <a:fillRef idx="1">
-            <a:schemeClr val="accent1"/>
-          </a:fillRef>
-          <a:effectRef idx="0">
-            <a:schemeClr val="accent1"/>
-          </a:effectRef>
-          <a:fontRef idx="minor">
-            <a:schemeClr val="lt1"/>
-          </a:fontRef>
-        </p:style>
-        <p:txBody>
-          <a:bodyPr rtlCol="0" anchor="ctr"/>
-          <a:lstStyle/>
-          <a:p>
-            <a:pPr algn="ctr"/>
-            <a:r>
-              <a:rPr lang="en-CA" dirty="0"/>
-              <a:t>2</a:t>
-            </a:r>
-          </a:p>
-        </p:txBody>
-      </p:sp>
-      <p:sp>
-        <p:nvSpPr>
-          <p:cNvPr id="8" name="Oval 7"/>
-          <p:cNvSpPr/>
-          <p:nvPr/>
-        </p:nvSpPr>
-        <p:spPr>
-          <a:xfrm>
-            <a:off x="2286000" y="2876550"/>
-            <a:ext cx="457200" cy="381000"/>
-          </a:xfrm>
-          <a:prstGeom prst="ellipse">
-            <a:avLst/>
-          </a:prstGeom>
-          <a:solidFill>
-            <a:srgbClr val="7030A0"/>
-          </a:solidFill>
-          <a:ln>
-            <a:solidFill>
-              <a:srgbClr val="7030A0"/>
-            </a:solidFill>
-          </a:ln>
-        </p:spPr>
-        <p:style>
-          <a:lnRef idx="2">
-            <a:schemeClr val="accent1">
-              <a:shade val="50000"/>
-            </a:schemeClr>
-          </a:lnRef>
-          <a:fillRef idx="1">
-            <a:schemeClr val="accent1"/>
-          </a:fillRef>
-          <a:effectRef idx="0">
-            <a:schemeClr val="accent1"/>
-          </a:effectRef>
-          <a:fontRef idx="minor">
-            <a:schemeClr val="lt1"/>
-          </a:fontRef>
-        </p:style>
-        <p:txBody>
-          <a:bodyPr rtlCol="0" anchor="ctr"/>
-          <a:lstStyle/>
-          <a:p>
-            <a:pPr algn="ctr"/>
-            <a:r>
-              <a:rPr lang="en-CA" dirty="0"/>
-              <a:t>4</a:t>
-            </a:r>
-          </a:p>
-        </p:txBody>
-      </p:sp>
-      <p:sp>
-        <p:nvSpPr>
-          <p:cNvPr id="9" name="TextBox 8"/>
-          <p:cNvSpPr txBox="1"/>
-          <p:nvPr/>
-        </p:nvSpPr>
-        <p:spPr>
-          <a:xfrm>
-            <a:off x="4648200" y="1352550"/>
-            <a:ext cx="4572000" cy="2585323"/>
-          </a:xfrm>
-          <a:prstGeom prst="rect">
-            <a:avLst/>
-          </a:prstGeom>
-          <a:noFill/>
-        </p:spPr>
-        <p:txBody>
-          <a:bodyPr wrap="square" rtlCol="0">
-            <a:spAutoFit/>
-          </a:bodyPr>
-          <a:lstStyle/>
-          <a:p>
-            <a:r>
-              <a:rPr lang="en-CA" dirty="0"/>
-              <a:t>V4.X = (V1.X + V2.X + V3.X) / 3.0f</a:t>
-            </a:r>
-          </a:p>
-          <a:p>
-            <a:r>
-              <a:rPr lang="en-CA" dirty="0"/>
-              <a:t>V4.Y = (V1.Y + V2.Y + V3.Y) / 3.0f</a:t>
-            </a:r>
-          </a:p>
-          <a:p>
-            <a:r>
-              <a:rPr lang="en-CA" dirty="0"/>
-              <a:t>V4.Z = (V1.Z + V2.Z + V3.Z) / 3.0f</a:t>
-            </a:r>
-          </a:p>
-          <a:p>
-            <a:endParaRPr lang="en-CA" dirty="0"/>
-          </a:p>
-          <a:p>
-            <a:r>
-              <a:rPr lang="en-CA" dirty="0" err="1"/>
-              <a:t>MakeTriangle</a:t>
-            </a:r>
-            <a:r>
-              <a:rPr lang="en-CA" dirty="0"/>
-              <a:t>( V0, V1, V4)</a:t>
-            </a:r>
-          </a:p>
-          <a:p>
-            <a:r>
-              <a:rPr lang="en-CA" dirty="0" err="1"/>
-              <a:t>MakeTriangle</a:t>
-            </a:r>
-            <a:r>
-              <a:rPr lang="en-CA" dirty="0"/>
-              <a:t>( V0, V4, V2)</a:t>
-            </a:r>
-          </a:p>
-          <a:p>
-            <a:r>
-              <a:rPr lang="en-CA" dirty="0" err="1"/>
-              <a:t>MakeTriangle</a:t>
-            </a:r>
-            <a:r>
-              <a:rPr lang="en-CA" dirty="0"/>
-              <a:t>(V1,V4,V2)</a:t>
-            </a:r>
-          </a:p>
-          <a:p>
-            <a:r>
-              <a:rPr lang="en-CA" dirty="0" err="1"/>
-              <a:t>AllDoneMan</a:t>
-            </a:r>
-            <a:r>
-              <a:rPr lang="en-CA" dirty="0"/>
-              <a:t>();</a:t>
-            </a:r>
-          </a:p>
-          <a:p>
-            <a:endParaRPr lang="en-CA" dirty="0"/>
-          </a:p>
-        </p:txBody>
-      </p:sp>
-    </p:spTree>
-    <p:extLst>
-      <p:ext uri="{BB962C8B-B14F-4D97-AF65-F5344CB8AC3E}">
-        <p14:creationId xmlns:p14="http://schemas.microsoft.com/office/powerpoint/2010/main" val="3868415434"/>
-      </p:ext>
-    </p:extLst>
-  </p:cSld>
-  <p:clrMapOvr>
-    <a:masterClrMapping/>
-  </p:clrMapOvr>
-</p:sld>
-</file>
-
-<file path=ppt/slides/slide15.xml><?xml version="1.0" encoding="utf-8"?>
-<p:sld xmlns:a="http://schemas.openxmlformats.org/drawingml/2006/main" xmlns:r="http://schemas.openxmlformats.org/officeDocument/2006/relationships" xmlns:p="http://schemas.openxmlformats.org/presentationml/2006/main">
-  <p:cSld>
-    <p:spTree>
-      <p:nvGrpSpPr>
-        <p:cNvPr id="1" name=""/>
-        <p:cNvGrpSpPr/>
-        <p:nvPr/>
-      </p:nvGrpSpPr>
-      <p:grpSpPr>
-        <a:xfrm>
-          <a:off x="0" y="0"/>
-          <a:ext cx="0" cy="0"/>
-          <a:chOff x="0" y="0"/>
-          <a:chExt cx="0" cy="0"/>
-        </a:xfrm>
-      </p:grpSpPr>
-      <p:sp>
-        <p:nvSpPr>
-          <p:cNvPr id="4" name="Smiley Face 3"/>
-          <p:cNvSpPr/>
-          <p:nvPr/>
-        </p:nvSpPr>
-        <p:spPr>
-          <a:xfrm>
-            <a:off x="533400" y="1047750"/>
-            <a:ext cx="1524000" cy="1219200"/>
-          </a:xfrm>
-          <a:prstGeom prst="smileyFace">
-            <a:avLst/>
-          </a:prstGeom>
-        </p:spPr>
-        <p:style>
-          <a:lnRef idx="2">
-            <a:schemeClr val="accent1">
-              <a:shade val="50000"/>
-            </a:schemeClr>
-          </a:lnRef>
-          <a:fillRef idx="1">
-            <a:schemeClr val="accent1"/>
-          </a:fillRef>
-          <a:effectRef idx="0">
-            <a:schemeClr val="accent1"/>
-          </a:effectRef>
-          <a:fontRef idx="minor">
-            <a:schemeClr val="lt1"/>
-          </a:fontRef>
-        </p:style>
-        <p:txBody>
-          <a:bodyPr rtlCol="0" anchor="ctr"/>
-          <a:lstStyle/>
-          <a:p>
-            <a:pPr algn="ctr"/>
-            <a:endParaRPr lang="en-CA"/>
-          </a:p>
-        </p:txBody>
-      </p:sp>
-      <p:sp>
-        <p:nvSpPr>
-          <p:cNvPr id="5" name="Smiley Face 4"/>
-          <p:cNvSpPr/>
-          <p:nvPr/>
-        </p:nvSpPr>
-        <p:spPr>
-          <a:xfrm>
-            <a:off x="533400" y="1733550"/>
-            <a:ext cx="1524000" cy="1219200"/>
-          </a:xfrm>
-          <a:prstGeom prst="smileyFace">
-            <a:avLst/>
-          </a:prstGeom>
-        </p:spPr>
-        <p:style>
-          <a:lnRef idx="2">
-            <a:schemeClr val="accent1">
-              <a:shade val="50000"/>
-            </a:schemeClr>
-          </a:lnRef>
-          <a:fillRef idx="1">
-            <a:schemeClr val="accent1"/>
-          </a:fillRef>
-          <a:effectRef idx="0">
-            <a:schemeClr val="accent1"/>
-          </a:effectRef>
-          <a:fontRef idx="minor">
-            <a:schemeClr val="lt1"/>
-          </a:fontRef>
-        </p:style>
-        <p:txBody>
-          <a:bodyPr rtlCol="0" anchor="ctr"/>
-          <a:lstStyle/>
-          <a:p>
-            <a:pPr algn="ctr"/>
-            <a:endParaRPr lang="en-CA"/>
-          </a:p>
-        </p:txBody>
-      </p:sp>
-      <p:sp>
-        <p:nvSpPr>
-          <p:cNvPr id="6" name="Right Arrow 5"/>
-          <p:cNvSpPr/>
-          <p:nvPr/>
-        </p:nvSpPr>
-        <p:spPr>
-          <a:xfrm>
-            <a:off x="2133600" y="1623884"/>
-            <a:ext cx="1905000" cy="609600"/>
-          </a:xfrm>
-          <a:prstGeom prst="rightArrow">
-            <a:avLst/>
-          </a:prstGeom>
-        </p:spPr>
-        <p:style>
-          <a:lnRef idx="2">
-            <a:schemeClr val="accent1">
-              <a:shade val="50000"/>
-            </a:schemeClr>
-          </a:lnRef>
-          <a:fillRef idx="1">
-            <a:schemeClr val="accent1"/>
-          </a:fillRef>
-          <a:effectRef idx="0">
-            <a:schemeClr val="accent1"/>
-          </a:effectRef>
-          <a:fontRef idx="minor">
-            <a:schemeClr val="lt1"/>
-          </a:fontRef>
-        </p:style>
-        <p:txBody>
-          <a:bodyPr rtlCol="0" anchor="ctr"/>
-          <a:lstStyle/>
-          <a:p>
-            <a:pPr algn="ctr"/>
-            <a:r>
-              <a:rPr lang="en-CA" dirty="0"/>
-              <a:t>Vertex Layout</a:t>
-            </a:r>
-          </a:p>
-        </p:txBody>
-      </p:sp>
-      <p:sp>
-        <p:nvSpPr>
-          <p:cNvPr id="7" name="Rounded Rectangle 6"/>
-          <p:cNvSpPr/>
-          <p:nvPr/>
-        </p:nvSpPr>
-        <p:spPr>
-          <a:xfrm>
-            <a:off x="4397989" y="3422235"/>
-            <a:ext cx="2286000" cy="1066800"/>
-          </a:xfrm>
-          <a:prstGeom prst="roundRect">
-            <a:avLst/>
-          </a:prstGeom>
-        </p:spPr>
-        <p:style>
-          <a:lnRef idx="2">
-            <a:schemeClr val="accent1">
-              <a:shade val="50000"/>
-            </a:schemeClr>
-          </a:lnRef>
-          <a:fillRef idx="1">
-            <a:schemeClr val="accent1"/>
-          </a:fillRef>
-          <a:effectRef idx="0">
-            <a:schemeClr val="accent1"/>
-          </a:effectRef>
-          <a:fontRef idx="minor">
-            <a:schemeClr val="lt1"/>
-          </a:fontRef>
-        </p:style>
-        <p:txBody>
-          <a:bodyPr rtlCol="0" anchor="ctr"/>
-          <a:lstStyle/>
-          <a:p>
-            <a:pPr algn="ctr"/>
-            <a:r>
-              <a:rPr lang="en-CA" dirty="0" err="1"/>
-              <a:t>Shader</a:t>
-            </a:r>
-            <a:r>
-              <a:rPr lang="en-CA" dirty="0"/>
-              <a:t> Program</a:t>
-            </a:r>
-          </a:p>
-        </p:txBody>
-      </p:sp>
-      <p:sp>
-        <p:nvSpPr>
-          <p:cNvPr id="8" name="Smiley Face 7"/>
-          <p:cNvSpPr/>
-          <p:nvPr/>
-        </p:nvSpPr>
-        <p:spPr>
-          <a:xfrm>
-            <a:off x="533400" y="3028950"/>
-            <a:ext cx="1524000" cy="1219200"/>
-          </a:xfrm>
-          <a:prstGeom prst="smileyFace">
-            <a:avLst/>
-          </a:prstGeom>
-        </p:spPr>
-        <p:style>
-          <a:lnRef idx="2">
-            <a:schemeClr val="accent1">
-              <a:shade val="50000"/>
-            </a:schemeClr>
-          </a:lnRef>
-          <a:fillRef idx="1">
-            <a:schemeClr val="accent1"/>
-          </a:fillRef>
-          <a:effectRef idx="0">
-            <a:schemeClr val="accent1"/>
-          </a:effectRef>
-          <a:fontRef idx="minor">
-            <a:schemeClr val="lt1"/>
-          </a:fontRef>
-        </p:style>
-        <p:txBody>
-          <a:bodyPr rtlCol="0" anchor="ctr"/>
-          <a:lstStyle/>
-          <a:p>
-            <a:pPr algn="ctr"/>
-            <a:endParaRPr lang="en-CA"/>
-          </a:p>
-        </p:txBody>
-      </p:sp>
-      <p:sp>
-        <p:nvSpPr>
-          <p:cNvPr id="9" name="Smiley Face 8"/>
-          <p:cNvSpPr/>
-          <p:nvPr/>
-        </p:nvSpPr>
-        <p:spPr>
-          <a:xfrm>
-            <a:off x="533400" y="3714750"/>
-            <a:ext cx="1524000" cy="1219200"/>
-          </a:xfrm>
-          <a:prstGeom prst="smileyFace">
-            <a:avLst/>
-          </a:prstGeom>
-        </p:spPr>
-        <p:style>
-          <a:lnRef idx="2">
-            <a:schemeClr val="accent1">
-              <a:shade val="50000"/>
-            </a:schemeClr>
-          </a:lnRef>
-          <a:fillRef idx="1">
-            <a:schemeClr val="accent1"/>
-          </a:fillRef>
-          <a:effectRef idx="0">
-            <a:schemeClr val="accent1"/>
-          </a:effectRef>
-          <a:fontRef idx="minor">
-            <a:schemeClr val="lt1"/>
-          </a:fontRef>
-        </p:style>
-        <p:txBody>
-          <a:bodyPr rtlCol="0" anchor="ctr"/>
-          <a:lstStyle/>
-          <a:p>
-            <a:pPr algn="ctr"/>
-            <a:endParaRPr lang="en-CA"/>
-          </a:p>
-        </p:txBody>
-      </p:sp>
-      <p:sp>
-        <p:nvSpPr>
-          <p:cNvPr id="10" name="Right Arrow 9"/>
-          <p:cNvSpPr/>
-          <p:nvPr/>
-        </p:nvSpPr>
-        <p:spPr>
-          <a:xfrm rot="19769766">
-            <a:off x="2145864" y="3553670"/>
-            <a:ext cx="2233683" cy="609600"/>
-          </a:xfrm>
-          <a:prstGeom prst="rightArrow">
-            <a:avLst/>
-          </a:prstGeom>
-        </p:spPr>
-        <p:style>
-          <a:lnRef idx="2">
-            <a:schemeClr val="accent1">
-              <a:shade val="50000"/>
-            </a:schemeClr>
-          </a:lnRef>
-          <a:fillRef idx="1">
-            <a:schemeClr val="accent1"/>
-          </a:fillRef>
-          <a:effectRef idx="0">
-            <a:schemeClr val="accent1"/>
-          </a:effectRef>
-          <a:fontRef idx="minor">
-            <a:schemeClr val="lt1"/>
-          </a:fontRef>
-        </p:style>
-        <p:txBody>
-          <a:bodyPr rtlCol="0" anchor="ctr"/>
-          <a:lstStyle/>
-          <a:p>
-            <a:pPr algn="ctr"/>
-            <a:r>
-              <a:rPr lang="en-CA" dirty="0"/>
-              <a:t>Vertex Layout</a:t>
-            </a:r>
-          </a:p>
-        </p:txBody>
-      </p:sp>
-    </p:spTree>
-    <p:extLst>
-      <p:ext uri="{BB962C8B-B14F-4D97-AF65-F5344CB8AC3E}">
-        <p14:creationId xmlns:p14="http://schemas.microsoft.com/office/powerpoint/2010/main" val="1146441715"/>
-      </p:ext>
-    </p:extLst>
-  </p:cSld>
-  <p:clrMapOvr>
-    <a:masterClrMapping/>
-  </p:clrMapOvr>
-</p:sld>
-</file>
-
-<file path=ppt/slides/slide16.xml><?xml version="1.0" encoding="utf-8"?>
-<p:sld xmlns:a="http://schemas.openxmlformats.org/drawingml/2006/main" xmlns:r="http://schemas.openxmlformats.org/officeDocument/2006/relationships" xmlns:p="http://schemas.openxmlformats.org/presentationml/2006/main">
-  <p:cSld>
-    <p:spTree>
-      <p:nvGrpSpPr>
-        <p:cNvPr id="1" name=""/>
-        <p:cNvGrpSpPr/>
-        <p:nvPr/>
-      </p:nvGrpSpPr>
-      <p:grpSpPr>
-        <a:xfrm>
-          <a:off x="0" y="0"/>
-          <a:ext cx="0" cy="0"/>
-          <a:chOff x="0" y="0"/>
-          <a:chExt cx="0" cy="0"/>
-        </a:xfrm>
-      </p:grpSpPr>
-      <p:sp>
-        <p:nvSpPr>
-          <p:cNvPr id="4" name="Isosceles Triangle 3"/>
-          <p:cNvSpPr/>
-          <p:nvPr/>
-        </p:nvSpPr>
-        <p:spPr>
-          <a:xfrm>
-            <a:off x="838200" y="1504950"/>
-            <a:ext cx="3352800" cy="2514600"/>
-          </a:xfrm>
-          <a:prstGeom prst="triangle">
-            <a:avLst>
-              <a:gd name="adj" fmla="val 0"/>
-            </a:avLst>
-          </a:prstGeom>
-        </p:spPr>
-        <p:style>
-          <a:lnRef idx="2">
-            <a:schemeClr val="accent1">
-              <a:shade val="50000"/>
-            </a:schemeClr>
-          </a:lnRef>
-          <a:fillRef idx="1">
-            <a:schemeClr val="accent1"/>
-          </a:fillRef>
-          <a:effectRef idx="0">
-            <a:schemeClr val="accent1"/>
-          </a:effectRef>
-          <a:fontRef idx="minor">
-            <a:schemeClr val="lt1"/>
-          </a:fontRef>
-        </p:style>
-        <p:txBody>
-          <a:bodyPr rtlCol="0" anchor="ctr"/>
-          <a:lstStyle/>
-          <a:p>
-            <a:pPr algn="ctr"/>
-            <a:endParaRPr lang="en-CA"/>
-          </a:p>
-        </p:txBody>
-      </p:sp>
-      <p:sp>
-        <p:nvSpPr>
-          <p:cNvPr id="5" name="Oval 4"/>
-          <p:cNvSpPr/>
-          <p:nvPr/>
-        </p:nvSpPr>
-        <p:spPr>
-          <a:xfrm>
-            <a:off x="685800" y="1428750"/>
-            <a:ext cx="457200" cy="381000"/>
-          </a:xfrm>
-          <a:prstGeom prst="ellipse">
-            <a:avLst/>
-          </a:prstGeom>
-          <a:solidFill>
-            <a:srgbClr val="7030A0"/>
-          </a:solidFill>
-          <a:ln>
-            <a:solidFill>
-              <a:srgbClr val="7030A0"/>
-            </a:solidFill>
-          </a:ln>
-        </p:spPr>
-        <p:style>
-          <a:lnRef idx="2">
-            <a:schemeClr val="accent1">
-              <a:shade val="50000"/>
-            </a:schemeClr>
-          </a:lnRef>
-          <a:fillRef idx="1">
-            <a:schemeClr val="accent1"/>
-          </a:fillRef>
-          <a:effectRef idx="0">
-            <a:schemeClr val="accent1"/>
-          </a:effectRef>
-          <a:fontRef idx="minor">
-            <a:schemeClr val="lt1"/>
-          </a:fontRef>
-        </p:style>
-        <p:txBody>
-          <a:bodyPr rtlCol="0" anchor="ctr"/>
-          <a:lstStyle/>
-          <a:p>
-            <a:pPr algn="ctr"/>
-            <a:r>
-              <a:rPr lang="en-CA" dirty="0"/>
-              <a:t>0</a:t>
-            </a:r>
-          </a:p>
-        </p:txBody>
-      </p:sp>
-      <p:sp>
-        <p:nvSpPr>
-          <p:cNvPr id="6" name="Oval 5"/>
-          <p:cNvSpPr/>
-          <p:nvPr/>
-        </p:nvSpPr>
-        <p:spPr>
-          <a:xfrm>
-            <a:off x="609600" y="3829050"/>
-            <a:ext cx="457200" cy="381000"/>
-          </a:xfrm>
-          <a:prstGeom prst="ellipse">
-            <a:avLst/>
-          </a:prstGeom>
-          <a:solidFill>
-            <a:srgbClr val="7030A0"/>
-          </a:solidFill>
-          <a:ln>
-            <a:solidFill>
-              <a:srgbClr val="7030A0"/>
-            </a:solidFill>
-          </a:ln>
-        </p:spPr>
-        <p:style>
-          <a:lnRef idx="2">
-            <a:schemeClr val="accent1">
-              <a:shade val="50000"/>
-            </a:schemeClr>
-          </a:lnRef>
-          <a:fillRef idx="1">
-            <a:schemeClr val="accent1"/>
-          </a:fillRef>
-          <a:effectRef idx="0">
-            <a:schemeClr val="accent1"/>
-          </a:effectRef>
-          <a:fontRef idx="minor">
-            <a:schemeClr val="lt1"/>
-          </a:fontRef>
-        </p:style>
-        <p:txBody>
-          <a:bodyPr rtlCol="0" anchor="ctr"/>
-          <a:lstStyle/>
-          <a:p>
-            <a:pPr algn="ctr"/>
-            <a:r>
-              <a:rPr lang="en-CA" dirty="0"/>
-              <a:t>1</a:t>
-            </a:r>
-          </a:p>
-        </p:txBody>
-      </p:sp>
-      <p:sp>
-        <p:nvSpPr>
-          <p:cNvPr id="7" name="Oval 6"/>
-          <p:cNvSpPr/>
-          <p:nvPr/>
-        </p:nvSpPr>
-        <p:spPr>
-          <a:xfrm>
-            <a:off x="3954162" y="3829050"/>
-            <a:ext cx="457200" cy="381000"/>
-          </a:xfrm>
-          <a:prstGeom prst="ellipse">
-            <a:avLst/>
-          </a:prstGeom>
-          <a:solidFill>
-            <a:srgbClr val="7030A0"/>
-          </a:solidFill>
-          <a:ln>
-            <a:solidFill>
-              <a:srgbClr val="7030A0"/>
-            </a:solidFill>
-          </a:ln>
-        </p:spPr>
-        <p:style>
-          <a:lnRef idx="2">
-            <a:schemeClr val="accent1">
-              <a:shade val="50000"/>
-            </a:schemeClr>
-          </a:lnRef>
-          <a:fillRef idx="1">
-            <a:schemeClr val="accent1"/>
-          </a:fillRef>
-          <a:effectRef idx="0">
-            <a:schemeClr val="accent1"/>
-          </a:effectRef>
-          <a:fontRef idx="minor">
-            <a:schemeClr val="lt1"/>
-          </a:fontRef>
-        </p:style>
-        <p:txBody>
-          <a:bodyPr rtlCol="0" anchor="ctr"/>
-          <a:lstStyle/>
-          <a:p>
-            <a:pPr algn="ctr"/>
-            <a:r>
-              <a:rPr lang="en-CA" dirty="0"/>
-              <a:t>2</a:t>
-            </a:r>
-          </a:p>
-        </p:txBody>
-      </p:sp>
-      <p:sp>
-        <p:nvSpPr>
-          <p:cNvPr id="9" name="TextBox 8"/>
-          <p:cNvSpPr txBox="1"/>
-          <p:nvPr/>
-        </p:nvSpPr>
-        <p:spPr>
-          <a:xfrm>
-            <a:off x="4648200" y="1352550"/>
-            <a:ext cx="4572000" cy="2585323"/>
-          </a:xfrm>
-          <a:prstGeom prst="rect">
-            <a:avLst/>
-          </a:prstGeom>
-          <a:noFill/>
-        </p:spPr>
-        <p:txBody>
-          <a:bodyPr wrap="square" rtlCol="0">
-            <a:spAutoFit/>
-          </a:bodyPr>
-          <a:lstStyle/>
-          <a:p>
-            <a:r>
-              <a:rPr lang="en-CA" dirty="0"/>
-              <a:t>V4.X = (V1.X + V2.X + V3.X) / 3.0f</a:t>
-            </a:r>
-          </a:p>
-          <a:p>
-            <a:r>
-              <a:rPr lang="en-CA" dirty="0"/>
-              <a:t>V4.Y = (V1.Y + V2.Y + V3.Y) / 3.0f</a:t>
-            </a:r>
-          </a:p>
-          <a:p>
-            <a:r>
-              <a:rPr lang="en-CA" dirty="0"/>
-              <a:t>V4.Z = (V1.Z + V2.Z + V3.Z) / 3.0f</a:t>
-            </a:r>
-          </a:p>
-          <a:p>
-            <a:endParaRPr lang="en-CA" dirty="0"/>
-          </a:p>
-          <a:p>
-            <a:r>
-              <a:rPr lang="en-CA" dirty="0" err="1"/>
-              <a:t>MakeTriangle</a:t>
-            </a:r>
-            <a:r>
-              <a:rPr lang="en-CA" dirty="0"/>
-              <a:t>( V0, V1, V4)</a:t>
-            </a:r>
-          </a:p>
-          <a:p>
-            <a:r>
-              <a:rPr lang="en-CA" dirty="0" err="1"/>
-              <a:t>MakeTriangle</a:t>
-            </a:r>
-            <a:r>
-              <a:rPr lang="en-CA" dirty="0"/>
-              <a:t>( V0, V4, V2)</a:t>
-            </a:r>
-          </a:p>
-          <a:p>
-            <a:r>
-              <a:rPr lang="en-CA" dirty="0" err="1"/>
-              <a:t>MakeTriangle</a:t>
-            </a:r>
-            <a:r>
-              <a:rPr lang="en-CA" dirty="0"/>
-              <a:t>(V1,V4,V2)</a:t>
-            </a:r>
-          </a:p>
-          <a:p>
-            <a:r>
-              <a:rPr lang="en-CA" dirty="0" err="1"/>
-              <a:t>AllDoneMan</a:t>
-            </a:r>
-            <a:r>
-              <a:rPr lang="en-CA" dirty="0"/>
-              <a:t>();</a:t>
-            </a:r>
-          </a:p>
-          <a:p>
-            <a:endParaRPr lang="en-CA" dirty="0"/>
-          </a:p>
-        </p:txBody>
-      </p:sp>
-      <p:sp>
-        <p:nvSpPr>
-          <p:cNvPr id="10" name="Oval 9"/>
-          <p:cNvSpPr/>
-          <p:nvPr/>
-        </p:nvSpPr>
-        <p:spPr>
-          <a:xfrm>
-            <a:off x="4114800" y="1428750"/>
-            <a:ext cx="457200" cy="381000"/>
-          </a:xfrm>
-          <a:prstGeom prst="ellipse">
-            <a:avLst/>
-          </a:prstGeom>
-          <a:solidFill>
-            <a:srgbClr val="7030A0"/>
-          </a:solidFill>
-          <a:ln>
-            <a:solidFill>
-              <a:srgbClr val="7030A0"/>
-            </a:solidFill>
-          </a:ln>
-        </p:spPr>
-        <p:style>
-          <a:lnRef idx="2">
-            <a:schemeClr val="accent1">
-              <a:shade val="50000"/>
-            </a:schemeClr>
-          </a:lnRef>
-          <a:fillRef idx="1">
-            <a:schemeClr val="accent1"/>
-          </a:fillRef>
-          <a:effectRef idx="0">
-            <a:schemeClr val="accent1"/>
-          </a:effectRef>
-          <a:fontRef idx="minor">
-            <a:schemeClr val="lt1"/>
-          </a:fontRef>
-        </p:style>
-        <p:txBody>
-          <a:bodyPr rtlCol="0" anchor="ctr"/>
-          <a:lstStyle/>
-          <a:p>
-            <a:pPr algn="ctr"/>
-            <a:r>
-              <a:rPr lang="en-CA" dirty="0"/>
-              <a:t>2</a:t>
-            </a:r>
-          </a:p>
-        </p:txBody>
-      </p:sp>
-      <p:sp>
-        <p:nvSpPr>
-          <p:cNvPr id="11" name="Isosceles Triangle 10"/>
-          <p:cNvSpPr/>
-          <p:nvPr/>
-        </p:nvSpPr>
-        <p:spPr>
-          <a:xfrm rot="10800000">
-            <a:off x="990600" y="1562100"/>
-            <a:ext cx="3126260" cy="2375773"/>
-          </a:xfrm>
-          <a:prstGeom prst="triangle">
-            <a:avLst>
-              <a:gd name="adj" fmla="val 0"/>
-            </a:avLst>
-          </a:prstGeom>
-        </p:spPr>
-        <p:style>
-          <a:lnRef idx="2">
-            <a:schemeClr val="accent1">
-              <a:shade val="50000"/>
-            </a:schemeClr>
-          </a:lnRef>
-          <a:fillRef idx="1">
-            <a:schemeClr val="accent1"/>
-          </a:fillRef>
-          <a:effectRef idx="0">
-            <a:schemeClr val="accent1"/>
-          </a:effectRef>
-          <a:fontRef idx="minor">
-            <a:schemeClr val="lt1"/>
-          </a:fontRef>
-        </p:style>
-        <p:txBody>
-          <a:bodyPr rtlCol="0" anchor="ctr"/>
-          <a:lstStyle/>
-          <a:p>
-            <a:pPr algn="ctr"/>
-            <a:endParaRPr lang="en-CA"/>
-          </a:p>
-        </p:txBody>
-      </p:sp>
-      <p:sp>
-        <p:nvSpPr>
-          <p:cNvPr id="8" name="Oval 7"/>
-          <p:cNvSpPr/>
-          <p:nvPr/>
-        </p:nvSpPr>
-        <p:spPr>
-          <a:xfrm>
-            <a:off x="2209800" y="2571750"/>
-            <a:ext cx="457200" cy="381000"/>
-          </a:xfrm>
-          <a:prstGeom prst="ellipse">
-            <a:avLst/>
-          </a:prstGeom>
-          <a:solidFill>
-            <a:srgbClr val="7030A0"/>
-          </a:solidFill>
-          <a:ln>
-            <a:solidFill>
-              <a:srgbClr val="7030A0"/>
-            </a:solidFill>
-          </a:ln>
-        </p:spPr>
-        <p:style>
-          <a:lnRef idx="2">
-            <a:schemeClr val="accent1">
-              <a:shade val="50000"/>
-            </a:schemeClr>
-          </a:lnRef>
-          <a:fillRef idx="1">
-            <a:schemeClr val="accent1"/>
-          </a:fillRef>
-          <a:effectRef idx="0">
-            <a:schemeClr val="accent1"/>
-          </a:effectRef>
-          <a:fontRef idx="minor">
-            <a:schemeClr val="lt1"/>
-          </a:fontRef>
-        </p:style>
-        <p:txBody>
-          <a:bodyPr rtlCol="0" anchor="ctr"/>
-          <a:lstStyle/>
-          <a:p>
-            <a:pPr algn="ctr"/>
-            <a:r>
-              <a:rPr lang="en-CA" dirty="0"/>
-              <a:t>4</a:t>
-            </a:r>
-          </a:p>
-        </p:txBody>
-      </p:sp>
-    </p:spTree>
-    <p:extLst>
-      <p:ext uri="{BB962C8B-B14F-4D97-AF65-F5344CB8AC3E}">
-        <p14:creationId xmlns:p14="http://schemas.microsoft.com/office/powerpoint/2010/main" val="3036793375"/>
-      </p:ext>
-    </p:extLst>
-  </p:cSld>
-  <p:clrMapOvr>
-    <a:masterClrMapping/>
-  </p:clrMapOvr>
-</p:sld>
-</file>
-
-<file path=ppt/slides/slide17.xml><?xml version="1.0" encoding="utf-8"?>
-<p:sld xmlns:a="http://schemas.openxmlformats.org/drawingml/2006/main" xmlns:r="http://schemas.openxmlformats.org/officeDocument/2006/relationships" xmlns:p="http://schemas.openxmlformats.org/presentationml/2006/main">
-  <p:cSld>
-    <p:spTree>
-      <p:nvGrpSpPr>
-        <p:cNvPr id="1" name=""/>
-        <p:cNvGrpSpPr/>
-        <p:nvPr/>
-      </p:nvGrpSpPr>
-      <p:grpSpPr>
-        <a:xfrm>
-          <a:off x="0" y="0"/>
-          <a:ext cx="0" cy="0"/>
-          <a:chOff x="0" y="0"/>
-          <a:chExt cx="0" cy="0"/>
-        </a:xfrm>
-      </p:grpSpPr>
-      <p:sp>
-        <p:nvSpPr>
-          <p:cNvPr id="4" name="Isosceles Triangle 3"/>
-          <p:cNvSpPr/>
-          <p:nvPr/>
-        </p:nvSpPr>
-        <p:spPr>
-          <a:xfrm>
-            <a:off x="838200" y="1504950"/>
-            <a:ext cx="3352800" cy="2514600"/>
-          </a:xfrm>
-          <a:prstGeom prst="triangle">
-            <a:avLst/>
-          </a:prstGeom>
-        </p:spPr>
-        <p:style>
-          <a:lnRef idx="2">
-            <a:schemeClr val="accent1">
-              <a:shade val="50000"/>
-            </a:schemeClr>
-          </a:lnRef>
-          <a:fillRef idx="1">
-            <a:schemeClr val="accent1"/>
-          </a:fillRef>
-          <a:effectRef idx="0">
-            <a:schemeClr val="accent1"/>
-          </a:effectRef>
-          <a:fontRef idx="minor">
-            <a:schemeClr val="lt1"/>
-          </a:fontRef>
-        </p:style>
-        <p:txBody>
-          <a:bodyPr rtlCol="0" anchor="ctr"/>
-          <a:lstStyle/>
-          <a:p>
-            <a:pPr algn="ctr"/>
-            <a:endParaRPr lang="en-CA"/>
-          </a:p>
-        </p:txBody>
-      </p:sp>
-      <p:sp>
-        <p:nvSpPr>
-          <p:cNvPr id="5" name="Oval 4"/>
-          <p:cNvSpPr/>
-          <p:nvPr/>
-        </p:nvSpPr>
-        <p:spPr>
-          <a:xfrm>
-            <a:off x="2286000" y="1352550"/>
-            <a:ext cx="457200" cy="381000"/>
-          </a:xfrm>
-          <a:prstGeom prst="ellipse">
-            <a:avLst/>
-          </a:prstGeom>
-          <a:solidFill>
-            <a:srgbClr val="7030A0"/>
-          </a:solidFill>
-          <a:ln>
-            <a:solidFill>
-              <a:srgbClr val="7030A0"/>
-            </a:solidFill>
-          </a:ln>
-        </p:spPr>
-        <p:style>
-          <a:lnRef idx="2">
-            <a:schemeClr val="accent1">
-              <a:shade val="50000"/>
-            </a:schemeClr>
-          </a:lnRef>
-          <a:fillRef idx="1">
-            <a:schemeClr val="accent1"/>
-          </a:fillRef>
-          <a:effectRef idx="0">
-            <a:schemeClr val="accent1"/>
-          </a:effectRef>
-          <a:fontRef idx="minor">
-            <a:schemeClr val="lt1"/>
-          </a:fontRef>
-        </p:style>
-        <p:txBody>
-          <a:bodyPr rtlCol="0" anchor="ctr"/>
-          <a:lstStyle/>
-          <a:p>
-            <a:pPr algn="ctr"/>
-            <a:r>
-              <a:rPr lang="en-CA" dirty="0"/>
-              <a:t>0</a:t>
-            </a:r>
-          </a:p>
-        </p:txBody>
-      </p:sp>
-      <p:sp>
-        <p:nvSpPr>
-          <p:cNvPr id="6" name="Oval 5"/>
-          <p:cNvSpPr/>
-          <p:nvPr/>
-        </p:nvSpPr>
-        <p:spPr>
-          <a:xfrm>
-            <a:off x="609600" y="3829050"/>
-            <a:ext cx="457200" cy="381000"/>
-          </a:xfrm>
-          <a:prstGeom prst="ellipse">
-            <a:avLst/>
-          </a:prstGeom>
-          <a:solidFill>
-            <a:srgbClr val="7030A0"/>
-          </a:solidFill>
-          <a:ln>
-            <a:solidFill>
-              <a:srgbClr val="7030A0"/>
-            </a:solidFill>
-          </a:ln>
-        </p:spPr>
-        <p:style>
-          <a:lnRef idx="2">
-            <a:schemeClr val="accent1">
-              <a:shade val="50000"/>
-            </a:schemeClr>
-          </a:lnRef>
-          <a:fillRef idx="1">
-            <a:schemeClr val="accent1"/>
-          </a:fillRef>
-          <a:effectRef idx="0">
-            <a:schemeClr val="accent1"/>
-          </a:effectRef>
-          <a:fontRef idx="minor">
-            <a:schemeClr val="lt1"/>
-          </a:fontRef>
-        </p:style>
-        <p:txBody>
-          <a:bodyPr rtlCol="0" anchor="ctr"/>
-          <a:lstStyle/>
-          <a:p>
-            <a:pPr algn="ctr"/>
-            <a:r>
-              <a:rPr lang="en-CA" dirty="0"/>
-              <a:t>1</a:t>
-            </a:r>
-          </a:p>
-        </p:txBody>
-      </p:sp>
-      <p:sp>
-        <p:nvSpPr>
-          <p:cNvPr id="7" name="Oval 6"/>
-          <p:cNvSpPr/>
-          <p:nvPr/>
-        </p:nvSpPr>
-        <p:spPr>
-          <a:xfrm>
-            <a:off x="3954162" y="3829050"/>
-            <a:ext cx="457200" cy="381000"/>
-          </a:xfrm>
-          <a:prstGeom prst="ellipse">
-            <a:avLst/>
-          </a:prstGeom>
-          <a:solidFill>
-            <a:srgbClr val="7030A0"/>
-          </a:solidFill>
-          <a:ln>
-            <a:solidFill>
-              <a:srgbClr val="7030A0"/>
-            </a:solidFill>
-          </a:ln>
-        </p:spPr>
-        <p:style>
-          <a:lnRef idx="2">
-            <a:schemeClr val="accent1">
-              <a:shade val="50000"/>
-            </a:schemeClr>
-          </a:lnRef>
-          <a:fillRef idx="1">
-            <a:schemeClr val="accent1"/>
-          </a:fillRef>
-          <a:effectRef idx="0">
-            <a:schemeClr val="accent1"/>
-          </a:effectRef>
-          <a:fontRef idx="minor">
-            <a:schemeClr val="lt1"/>
-          </a:fontRef>
-        </p:style>
-        <p:txBody>
-          <a:bodyPr rtlCol="0" anchor="ctr"/>
-          <a:lstStyle/>
-          <a:p>
-            <a:pPr algn="ctr"/>
-            <a:r>
-              <a:rPr lang="en-CA" dirty="0"/>
-              <a:t>2</a:t>
-            </a:r>
-          </a:p>
-        </p:txBody>
-      </p:sp>
-      <p:sp>
-        <p:nvSpPr>
-          <p:cNvPr id="8" name="Oval 7"/>
-          <p:cNvSpPr/>
-          <p:nvPr/>
-        </p:nvSpPr>
-        <p:spPr>
-          <a:xfrm>
-            <a:off x="1409700" y="2571750"/>
-            <a:ext cx="457200" cy="381000"/>
-          </a:xfrm>
-          <a:prstGeom prst="ellipse">
-            <a:avLst/>
-          </a:prstGeom>
-          <a:solidFill>
-            <a:srgbClr val="7030A0"/>
-          </a:solidFill>
-          <a:ln>
-            <a:solidFill>
-              <a:srgbClr val="7030A0"/>
-            </a:solidFill>
-          </a:ln>
-        </p:spPr>
-        <p:style>
-          <a:lnRef idx="2">
-            <a:schemeClr val="accent1">
-              <a:shade val="50000"/>
-            </a:schemeClr>
-          </a:lnRef>
-          <a:fillRef idx="1">
-            <a:schemeClr val="accent1"/>
-          </a:fillRef>
-          <a:effectRef idx="0">
-            <a:schemeClr val="accent1"/>
-          </a:effectRef>
-          <a:fontRef idx="minor">
-            <a:schemeClr val="lt1"/>
-          </a:fontRef>
-        </p:style>
-        <p:txBody>
-          <a:bodyPr rtlCol="0" anchor="ctr"/>
-          <a:lstStyle/>
-          <a:p>
-            <a:pPr algn="ctr"/>
-            <a:r>
-              <a:rPr lang="en-CA" dirty="0"/>
-              <a:t>A</a:t>
-            </a:r>
-          </a:p>
-        </p:txBody>
-      </p:sp>
-      <p:sp>
-        <p:nvSpPr>
-          <p:cNvPr id="10" name="Oval 9"/>
-          <p:cNvSpPr/>
-          <p:nvPr/>
-        </p:nvSpPr>
-        <p:spPr>
-          <a:xfrm>
-            <a:off x="2895600" y="2266950"/>
-            <a:ext cx="381000" cy="358346"/>
-          </a:xfrm>
-          <a:prstGeom prst="ellipse">
-            <a:avLst/>
-          </a:prstGeom>
-          <a:solidFill>
-            <a:srgbClr val="7030A0"/>
-          </a:solidFill>
-          <a:ln>
-            <a:solidFill>
-              <a:srgbClr val="7030A0"/>
-            </a:solidFill>
-          </a:ln>
-        </p:spPr>
-        <p:style>
-          <a:lnRef idx="2">
-            <a:schemeClr val="accent1">
-              <a:shade val="50000"/>
-            </a:schemeClr>
-          </a:lnRef>
-          <a:fillRef idx="1">
-            <a:schemeClr val="accent1"/>
-          </a:fillRef>
-          <a:effectRef idx="0">
-            <a:schemeClr val="accent1"/>
-          </a:effectRef>
-          <a:fontRef idx="minor">
-            <a:schemeClr val="lt1"/>
-          </a:fontRef>
-        </p:style>
-        <p:txBody>
-          <a:bodyPr rtlCol="0" anchor="ctr"/>
-          <a:lstStyle/>
-          <a:p>
-            <a:pPr algn="ctr"/>
-            <a:r>
-              <a:rPr lang="en-CA" dirty="0"/>
-              <a:t>B</a:t>
-            </a:r>
-          </a:p>
-        </p:txBody>
-      </p:sp>
-      <p:sp>
-        <p:nvSpPr>
-          <p:cNvPr id="11" name="Oval 10"/>
-          <p:cNvSpPr/>
-          <p:nvPr/>
-        </p:nvSpPr>
-        <p:spPr>
-          <a:xfrm>
-            <a:off x="2263346" y="3825446"/>
-            <a:ext cx="457200" cy="381000"/>
-          </a:xfrm>
-          <a:prstGeom prst="ellipse">
-            <a:avLst/>
-          </a:prstGeom>
-          <a:solidFill>
-            <a:srgbClr val="7030A0"/>
-          </a:solidFill>
-          <a:ln>
-            <a:solidFill>
-              <a:srgbClr val="7030A0"/>
-            </a:solidFill>
-          </a:ln>
-        </p:spPr>
-        <p:style>
-          <a:lnRef idx="2">
-            <a:schemeClr val="accent1">
-              <a:shade val="50000"/>
-            </a:schemeClr>
-          </a:lnRef>
-          <a:fillRef idx="1">
-            <a:schemeClr val="accent1"/>
-          </a:fillRef>
-          <a:effectRef idx="0">
-            <a:schemeClr val="accent1"/>
-          </a:effectRef>
-          <a:fontRef idx="minor">
-            <a:schemeClr val="lt1"/>
-          </a:fontRef>
-        </p:style>
-        <p:txBody>
-          <a:bodyPr rtlCol="0" anchor="ctr"/>
-          <a:lstStyle/>
-          <a:p>
-            <a:pPr algn="ctr"/>
-            <a:r>
-              <a:rPr lang="en-CA" dirty="0"/>
-              <a:t>C</a:t>
-            </a:r>
-          </a:p>
-        </p:txBody>
-      </p:sp>
-      <p:sp>
-        <p:nvSpPr>
-          <p:cNvPr id="12" name="Oval 11"/>
-          <p:cNvSpPr/>
-          <p:nvPr/>
-        </p:nvSpPr>
-        <p:spPr>
-          <a:xfrm>
-            <a:off x="3429000" y="3028950"/>
-            <a:ext cx="381000" cy="270304"/>
-          </a:xfrm>
-          <a:prstGeom prst="ellipse">
-            <a:avLst/>
-          </a:prstGeom>
-          <a:solidFill>
-            <a:srgbClr val="7030A0"/>
-          </a:solidFill>
-          <a:ln>
-            <a:solidFill>
-              <a:srgbClr val="7030A0"/>
-            </a:solidFill>
-          </a:ln>
-        </p:spPr>
-        <p:style>
-          <a:lnRef idx="2">
-            <a:schemeClr val="accent1">
-              <a:shade val="50000"/>
-            </a:schemeClr>
-          </a:lnRef>
-          <a:fillRef idx="1">
-            <a:schemeClr val="accent1"/>
-          </a:fillRef>
-          <a:effectRef idx="0">
-            <a:schemeClr val="accent1"/>
-          </a:effectRef>
-          <a:fontRef idx="minor">
-            <a:schemeClr val="lt1"/>
-          </a:fontRef>
-        </p:style>
-        <p:txBody>
-          <a:bodyPr rtlCol="0" anchor="ctr"/>
-          <a:lstStyle/>
-          <a:p>
-            <a:pPr algn="ctr"/>
-            <a:r>
-              <a:rPr lang="en-CA" dirty="0"/>
-              <a:t>B</a:t>
-            </a:r>
-          </a:p>
-        </p:txBody>
-      </p:sp>
-      <p:sp>
-        <p:nvSpPr>
-          <p:cNvPr id="13" name="Oval 12"/>
-          <p:cNvSpPr/>
-          <p:nvPr/>
-        </p:nvSpPr>
-        <p:spPr>
-          <a:xfrm>
-            <a:off x="1322173" y="3847585"/>
-            <a:ext cx="457200" cy="381000"/>
-          </a:xfrm>
-          <a:prstGeom prst="ellipse">
-            <a:avLst/>
-          </a:prstGeom>
-          <a:solidFill>
-            <a:srgbClr val="7030A0"/>
-          </a:solidFill>
-          <a:ln>
-            <a:solidFill>
-              <a:srgbClr val="7030A0"/>
-            </a:solidFill>
-          </a:ln>
-        </p:spPr>
-        <p:style>
-          <a:lnRef idx="2">
-            <a:schemeClr val="accent1">
-              <a:shade val="50000"/>
-            </a:schemeClr>
-          </a:lnRef>
-          <a:fillRef idx="1">
-            <a:schemeClr val="accent1"/>
-          </a:fillRef>
-          <a:effectRef idx="0">
-            <a:schemeClr val="accent1"/>
-          </a:effectRef>
-          <a:fontRef idx="minor">
-            <a:schemeClr val="lt1"/>
-          </a:fontRef>
-        </p:style>
-        <p:txBody>
-          <a:bodyPr rtlCol="0" anchor="ctr"/>
-          <a:lstStyle/>
-          <a:p>
-            <a:pPr algn="ctr"/>
-            <a:r>
-              <a:rPr lang="en-CA" dirty="0"/>
-              <a:t>C</a:t>
-            </a:r>
-          </a:p>
-        </p:txBody>
-      </p:sp>
-      <p:sp>
-        <p:nvSpPr>
-          <p:cNvPr id="14" name="Oval 13"/>
-          <p:cNvSpPr/>
-          <p:nvPr/>
-        </p:nvSpPr>
-        <p:spPr>
-          <a:xfrm>
-            <a:off x="2998573" y="3857882"/>
-            <a:ext cx="457200" cy="381000"/>
-          </a:xfrm>
-          <a:prstGeom prst="ellipse">
-            <a:avLst/>
-          </a:prstGeom>
-          <a:solidFill>
-            <a:srgbClr val="7030A0"/>
-          </a:solidFill>
-          <a:ln>
-            <a:solidFill>
-              <a:srgbClr val="7030A0"/>
-            </a:solidFill>
-          </a:ln>
-        </p:spPr>
-        <p:style>
-          <a:lnRef idx="2">
-            <a:schemeClr val="accent1">
-              <a:shade val="50000"/>
-            </a:schemeClr>
-          </a:lnRef>
-          <a:fillRef idx="1">
-            <a:schemeClr val="accent1"/>
-          </a:fillRef>
-          <a:effectRef idx="0">
-            <a:schemeClr val="accent1"/>
-          </a:effectRef>
-          <a:fontRef idx="minor">
-            <a:schemeClr val="lt1"/>
-          </a:fontRef>
-        </p:style>
-        <p:txBody>
-          <a:bodyPr rtlCol="0" anchor="ctr"/>
-          <a:lstStyle/>
-          <a:p>
-            <a:pPr algn="ctr"/>
-            <a:r>
-              <a:rPr lang="en-CA" dirty="0"/>
-              <a:t>C</a:t>
-            </a:r>
-          </a:p>
-        </p:txBody>
-      </p:sp>
-      <p:sp>
-        <p:nvSpPr>
-          <p:cNvPr id="15" name="Oval 14"/>
-          <p:cNvSpPr/>
-          <p:nvPr/>
-        </p:nvSpPr>
-        <p:spPr>
-          <a:xfrm>
-            <a:off x="2286000" y="2973602"/>
-            <a:ext cx="457200" cy="381000"/>
-          </a:xfrm>
-          <a:prstGeom prst="ellipse">
-            <a:avLst/>
-          </a:prstGeom>
-          <a:solidFill>
-            <a:srgbClr val="7030A0"/>
-          </a:solidFill>
-          <a:ln>
-            <a:solidFill>
-              <a:srgbClr val="7030A0"/>
-            </a:solidFill>
-          </a:ln>
-        </p:spPr>
-        <p:style>
-          <a:lnRef idx="2">
-            <a:schemeClr val="accent1">
-              <a:shade val="50000"/>
-            </a:schemeClr>
-          </a:lnRef>
-          <a:fillRef idx="1">
-            <a:schemeClr val="accent1"/>
-          </a:fillRef>
-          <a:effectRef idx="0">
-            <a:schemeClr val="accent1"/>
-          </a:effectRef>
-          <a:fontRef idx="minor">
-            <a:schemeClr val="lt1"/>
-          </a:fontRef>
-        </p:style>
-        <p:txBody>
-          <a:bodyPr rtlCol="0" anchor="ctr"/>
-          <a:lstStyle/>
-          <a:p>
-            <a:pPr algn="ctr"/>
-            <a:r>
-              <a:rPr lang="en-CA" dirty="0"/>
-              <a:t>C</a:t>
-            </a:r>
-          </a:p>
-        </p:txBody>
-      </p:sp>
-      <p:sp>
-        <p:nvSpPr>
-          <p:cNvPr id="16" name="Isosceles Triangle 15"/>
-          <p:cNvSpPr/>
-          <p:nvPr/>
-        </p:nvSpPr>
-        <p:spPr>
-          <a:xfrm>
-            <a:off x="5029200" y="1428750"/>
-            <a:ext cx="3352800" cy="2514600"/>
-          </a:xfrm>
-          <a:prstGeom prst="triangle">
-            <a:avLst/>
-          </a:prstGeom>
-        </p:spPr>
-        <p:style>
-          <a:lnRef idx="2">
-            <a:schemeClr val="accent1">
-              <a:shade val="50000"/>
-            </a:schemeClr>
-          </a:lnRef>
-          <a:fillRef idx="1">
-            <a:schemeClr val="accent1"/>
-          </a:fillRef>
-          <a:effectRef idx="0">
-            <a:schemeClr val="accent1"/>
-          </a:effectRef>
-          <a:fontRef idx="minor">
-            <a:schemeClr val="lt1"/>
-          </a:fontRef>
-        </p:style>
-        <p:txBody>
-          <a:bodyPr rtlCol="0" anchor="ctr"/>
-          <a:lstStyle/>
-          <a:p>
-            <a:pPr algn="ctr"/>
-            <a:endParaRPr lang="en-CA"/>
-          </a:p>
-        </p:txBody>
-      </p:sp>
-      <p:sp>
-        <p:nvSpPr>
-          <p:cNvPr id="17" name="Oval 16"/>
-          <p:cNvSpPr/>
-          <p:nvPr/>
-        </p:nvSpPr>
-        <p:spPr>
-          <a:xfrm>
-            <a:off x="6477000" y="1276350"/>
-            <a:ext cx="457200" cy="381000"/>
-          </a:xfrm>
-          <a:prstGeom prst="ellipse">
-            <a:avLst/>
-          </a:prstGeom>
-          <a:solidFill>
-            <a:srgbClr val="7030A0"/>
-          </a:solidFill>
-          <a:ln>
-            <a:solidFill>
-              <a:srgbClr val="7030A0"/>
-            </a:solidFill>
-          </a:ln>
-        </p:spPr>
-        <p:style>
-          <a:lnRef idx="2">
-            <a:schemeClr val="accent1">
-              <a:shade val="50000"/>
-            </a:schemeClr>
-          </a:lnRef>
-          <a:fillRef idx="1">
-            <a:schemeClr val="accent1"/>
-          </a:fillRef>
-          <a:effectRef idx="0">
-            <a:schemeClr val="accent1"/>
-          </a:effectRef>
-          <a:fontRef idx="minor">
-            <a:schemeClr val="lt1"/>
-          </a:fontRef>
-        </p:style>
-        <p:txBody>
-          <a:bodyPr rtlCol="0" anchor="ctr"/>
-          <a:lstStyle/>
-          <a:p>
-            <a:pPr algn="ctr"/>
-            <a:r>
-              <a:rPr lang="en-CA" dirty="0"/>
-              <a:t>0</a:t>
-            </a:r>
-          </a:p>
-        </p:txBody>
-      </p:sp>
-      <p:sp>
-        <p:nvSpPr>
-          <p:cNvPr id="18" name="Oval 17"/>
-          <p:cNvSpPr/>
-          <p:nvPr/>
-        </p:nvSpPr>
-        <p:spPr>
-          <a:xfrm>
-            <a:off x="4800600" y="3752850"/>
-            <a:ext cx="457200" cy="381000"/>
-          </a:xfrm>
-          <a:prstGeom prst="ellipse">
-            <a:avLst/>
-          </a:prstGeom>
-          <a:solidFill>
-            <a:srgbClr val="7030A0"/>
-          </a:solidFill>
-          <a:ln>
-            <a:solidFill>
-              <a:srgbClr val="7030A0"/>
-            </a:solidFill>
-          </a:ln>
-        </p:spPr>
-        <p:style>
-          <a:lnRef idx="2">
-            <a:schemeClr val="accent1">
-              <a:shade val="50000"/>
-            </a:schemeClr>
-          </a:lnRef>
-          <a:fillRef idx="1">
-            <a:schemeClr val="accent1"/>
-          </a:fillRef>
-          <a:effectRef idx="0">
-            <a:schemeClr val="accent1"/>
-          </a:effectRef>
-          <a:fontRef idx="minor">
-            <a:schemeClr val="lt1"/>
-          </a:fontRef>
-        </p:style>
-        <p:txBody>
-          <a:bodyPr rtlCol="0" anchor="ctr"/>
-          <a:lstStyle/>
-          <a:p>
-            <a:pPr algn="ctr"/>
-            <a:r>
-              <a:rPr lang="en-CA" dirty="0"/>
-              <a:t>1</a:t>
-            </a:r>
-          </a:p>
-        </p:txBody>
-      </p:sp>
-      <p:sp>
-        <p:nvSpPr>
-          <p:cNvPr id="19" name="Oval 18"/>
-          <p:cNvSpPr/>
-          <p:nvPr/>
-        </p:nvSpPr>
-        <p:spPr>
-          <a:xfrm>
-            <a:off x="8145162" y="3752850"/>
-            <a:ext cx="457200" cy="381000"/>
-          </a:xfrm>
-          <a:prstGeom prst="ellipse">
-            <a:avLst/>
-          </a:prstGeom>
-          <a:solidFill>
-            <a:srgbClr val="7030A0"/>
-          </a:solidFill>
-          <a:ln>
-            <a:solidFill>
-              <a:srgbClr val="7030A0"/>
-            </a:solidFill>
-          </a:ln>
-        </p:spPr>
-        <p:style>
-          <a:lnRef idx="2">
-            <a:schemeClr val="accent1">
-              <a:shade val="50000"/>
-            </a:schemeClr>
-          </a:lnRef>
-          <a:fillRef idx="1">
-            <a:schemeClr val="accent1"/>
-          </a:fillRef>
-          <a:effectRef idx="0">
-            <a:schemeClr val="accent1"/>
-          </a:effectRef>
-          <a:fontRef idx="minor">
-            <a:schemeClr val="lt1"/>
-          </a:fontRef>
-        </p:style>
-        <p:txBody>
-          <a:bodyPr rtlCol="0" anchor="ctr"/>
-          <a:lstStyle/>
-          <a:p>
-            <a:pPr algn="ctr"/>
-            <a:r>
-              <a:rPr lang="en-CA" dirty="0"/>
-              <a:t>2</a:t>
-            </a:r>
-          </a:p>
-        </p:txBody>
-      </p:sp>
-      <p:sp>
-        <p:nvSpPr>
-          <p:cNvPr id="26" name="Oval 25"/>
-          <p:cNvSpPr/>
-          <p:nvPr/>
-        </p:nvSpPr>
-        <p:spPr>
-          <a:xfrm>
-            <a:off x="6477000" y="2897402"/>
-            <a:ext cx="457200" cy="381000"/>
-          </a:xfrm>
-          <a:prstGeom prst="ellipse">
-            <a:avLst/>
-          </a:prstGeom>
-          <a:solidFill>
-            <a:srgbClr val="7030A0"/>
-          </a:solidFill>
-          <a:ln>
-            <a:solidFill>
-              <a:srgbClr val="7030A0"/>
-            </a:solidFill>
-          </a:ln>
-        </p:spPr>
-        <p:style>
-          <a:lnRef idx="2">
-            <a:schemeClr val="accent1">
-              <a:shade val="50000"/>
-            </a:schemeClr>
-          </a:lnRef>
-          <a:fillRef idx="1">
-            <a:schemeClr val="accent1"/>
-          </a:fillRef>
-          <a:effectRef idx="0">
-            <a:schemeClr val="accent1"/>
-          </a:effectRef>
-          <a:fontRef idx="minor">
-            <a:schemeClr val="lt1"/>
-          </a:fontRef>
-        </p:style>
-        <p:txBody>
-          <a:bodyPr rtlCol="0" anchor="ctr"/>
-          <a:lstStyle/>
-          <a:p>
-            <a:pPr algn="ctr"/>
-            <a:r>
-              <a:rPr lang="en-CA" dirty="0"/>
-              <a:t>C</a:t>
-            </a:r>
-          </a:p>
-        </p:txBody>
-      </p:sp>
-    </p:spTree>
-    <p:extLst>
-      <p:ext uri="{BB962C8B-B14F-4D97-AF65-F5344CB8AC3E}">
-        <p14:creationId xmlns:p14="http://schemas.microsoft.com/office/powerpoint/2010/main" val="3223387042"/>
       </p:ext>
     </p:extLst>
   </p:cSld>
@@ -6829,13 +5370,13 @@
       </p:grpSpPr>
       <p:sp>
         <p:nvSpPr>
-          <p:cNvPr id="16" name="Isosceles Triangle 15"/>
+          <p:cNvPr id="4" name="Isosceles Triangle 3"/>
           <p:cNvSpPr/>
           <p:nvPr/>
         </p:nvSpPr>
         <p:spPr>
           <a:xfrm>
-            <a:off x="762000" y="1428750"/>
+            <a:off x="838200" y="1504950"/>
             <a:ext cx="3352800" cy="2514600"/>
           </a:xfrm>
           <a:prstGeom prst="triangle">
@@ -6863,19 +5404,19 @@
           <a:lstStyle/>
           <a:p>
             <a:pPr algn="ctr"/>
-            <a:endParaRPr lang="en-CA"/>
-          </a:p>
-        </p:txBody>
-      </p:sp>
-      <p:sp>
-        <p:nvSpPr>
-          <p:cNvPr id="17" name="Oval 16"/>
+            <a:endParaRPr lang="en-CA" noProof="0" dirty="0"/>
+          </a:p>
+        </p:txBody>
+      </p:sp>
+      <p:sp>
+        <p:nvSpPr>
+          <p:cNvPr id="5" name="Oval 4"/>
           <p:cNvSpPr/>
           <p:nvPr/>
         </p:nvSpPr>
         <p:spPr>
           <a:xfrm>
-            <a:off x="2209800" y="1276350"/>
+            <a:off x="2286000" y="1352550"/>
             <a:ext cx="457200" cy="381000"/>
           </a:xfrm>
           <a:prstGeom prst="ellipse">
@@ -6912,7 +5453,7 @@
           <a:p>
             <a:pPr algn="ctr"/>
             <a:r>
-              <a:rPr lang="en-CA" dirty="0"/>
+              <a:rPr lang="en-CA" noProof="0" dirty="0"/>
               <a:t>0</a:t>
             </a:r>
           </a:p>
@@ -6920,13 +5461,13 @@
       </p:sp>
       <p:sp>
         <p:nvSpPr>
-          <p:cNvPr id="18" name="Oval 17"/>
+          <p:cNvPr id="6" name="Oval 5"/>
           <p:cNvSpPr/>
           <p:nvPr/>
         </p:nvSpPr>
         <p:spPr>
           <a:xfrm>
-            <a:off x="533400" y="3752850"/>
+            <a:off x="609600" y="3829050"/>
             <a:ext cx="457200" cy="381000"/>
           </a:xfrm>
           <a:prstGeom prst="ellipse">
@@ -6963,7 +5504,7 @@
           <a:p>
             <a:pPr algn="ctr"/>
             <a:r>
-              <a:rPr lang="en-CA" dirty="0"/>
+              <a:rPr lang="en-CA" noProof="0" dirty="0"/>
               <a:t>1</a:t>
             </a:r>
           </a:p>
@@ -6971,13 +5512,13 @@
       </p:sp>
       <p:sp>
         <p:nvSpPr>
-          <p:cNvPr id="19" name="Oval 18"/>
+          <p:cNvPr id="7" name="Oval 6"/>
           <p:cNvSpPr/>
           <p:nvPr/>
         </p:nvSpPr>
         <p:spPr>
           <a:xfrm>
-            <a:off x="3877962" y="3752850"/>
+            <a:off x="3954162" y="3829050"/>
             <a:ext cx="457200" cy="381000"/>
           </a:xfrm>
           <a:prstGeom prst="ellipse">
@@ -7014,7 +5555,7 @@
           <a:p>
             <a:pPr algn="ctr"/>
             <a:r>
-              <a:rPr lang="en-CA" dirty="0"/>
+              <a:rPr lang="en-CA" noProof="0" dirty="0"/>
               <a:t>2</a:t>
             </a:r>
           </a:p>
@@ -7022,13 +5563,13 @@
       </p:sp>
       <p:sp>
         <p:nvSpPr>
-          <p:cNvPr id="26" name="Oval 25"/>
+          <p:cNvPr id="8" name="Oval 7"/>
           <p:cNvSpPr/>
           <p:nvPr/>
         </p:nvSpPr>
         <p:spPr>
           <a:xfrm>
-            <a:off x="2209800" y="2897402"/>
+            <a:off x="2286000" y="2876550"/>
             <a:ext cx="457200" cy="381000"/>
           </a:xfrm>
           <a:prstGeom prst="ellipse">
@@ -7065,362 +5606,103 @@
           <a:p>
             <a:pPr algn="ctr"/>
             <a:r>
-              <a:rPr lang="en-CA" dirty="0"/>
-              <a:t>C</a:t>
-            </a:r>
-          </a:p>
-        </p:txBody>
-      </p:sp>
-      <p:sp>
-        <p:nvSpPr>
-          <p:cNvPr id="20" name="Isosceles Triangle 19"/>
-          <p:cNvSpPr/>
-          <p:nvPr/>
-        </p:nvSpPr>
-        <p:spPr>
-          <a:xfrm>
-            <a:off x="4800600" y="1504950"/>
-            <a:ext cx="3352800" cy="2514600"/>
-          </a:xfrm>
-          <a:prstGeom prst="triangle">
-            <a:avLst/>
-          </a:prstGeom>
-        </p:spPr>
-        <p:style>
-          <a:lnRef idx="2">
-            <a:schemeClr val="accent1">
-              <a:shade val="50000"/>
-            </a:schemeClr>
-          </a:lnRef>
-          <a:fillRef idx="1">
-            <a:schemeClr val="accent1"/>
-          </a:fillRef>
-          <a:effectRef idx="0">
-            <a:schemeClr val="accent1"/>
-          </a:effectRef>
-          <a:fontRef idx="minor">
-            <a:schemeClr val="lt1"/>
-          </a:fontRef>
-        </p:style>
-        <p:txBody>
-          <a:bodyPr rtlCol="0" anchor="ctr"/>
-          <a:lstStyle/>
-          <a:p>
-            <a:pPr algn="ctr"/>
-            <a:endParaRPr lang="en-CA"/>
-          </a:p>
-        </p:txBody>
-      </p:sp>
-      <p:sp>
-        <p:nvSpPr>
-          <p:cNvPr id="21" name="Oval 20"/>
-          <p:cNvSpPr/>
-          <p:nvPr/>
-        </p:nvSpPr>
-        <p:spPr>
-          <a:xfrm>
-            <a:off x="6248400" y="1352550"/>
-            <a:ext cx="457200" cy="381000"/>
-          </a:xfrm>
-          <a:prstGeom prst="ellipse">
-            <a:avLst/>
-          </a:prstGeom>
-          <a:solidFill>
-            <a:srgbClr val="7030A0"/>
-          </a:solidFill>
-          <a:ln>
-            <a:solidFill>
-              <a:srgbClr val="7030A0"/>
-            </a:solidFill>
-          </a:ln>
-        </p:spPr>
-        <p:style>
-          <a:lnRef idx="2">
-            <a:schemeClr val="accent1">
-              <a:shade val="50000"/>
-            </a:schemeClr>
-          </a:lnRef>
-          <a:fillRef idx="1">
-            <a:schemeClr val="accent1"/>
-          </a:fillRef>
-          <a:effectRef idx="0">
-            <a:schemeClr val="accent1"/>
-          </a:effectRef>
-          <a:fontRef idx="minor">
-            <a:schemeClr val="lt1"/>
-          </a:fontRef>
-        </p:style>
-        <p:txBody>
-          <a:bodyPr rtlCol="0" anchor="ctr"/>
-          <a:lstStyle/>
-          <a:p>
-            <a:pPr algn="ctr"/>
-            <a:r>
-              <a:rPr lang="en-CA" dirty="0"/>
-              <a:t>0</a:t>
-            </a:r>
-          </a:p>
-        </p:txBody>
-      </p:sp>
-      <p:sp>
-        <p:nvSpPr>
-          <p:cNvPr id="22" name="Oval 21"/>
-          <p:cNvSpPr/>
-          <p:nvPr/>
-        </p:nvSpPr>
-        <p:spPr>
-          <a:xfrm>
-            <a:off x="4572000" y="3829050"/>
-            <a:ext cx="457200" cy="381000"/>
-          </a:xfrm>
-          <a:prstGeom prst="ellipse">
-            <a:avLst/>
-          </a:prstGeom>
-          <a:solidFill>
-            <a:srgbClr val="7030A0"/>
-          </a:solidFill>
-          <a:ln>
-            <a:solidFill>
-              <a:srgbClr val="7030A0"/>
-            </a:solidFill>
-          </a:ln>
-        </p:spPr>
-        <p:style>
-          <a:lnRef idx="2">
-            <a:schemeClr val="accent1">
-              <a:shade val="50000"/>
-            </a:schemeClr>
-          </a:lnRef>
-          <a:fillRef idx="1">
-            <a:schemeClr val="accent1"/>
-          </a:fillRef>
-          <a:effectRef idx="0">
-            <a:schemeClr val="accent1"/>
-          </a:effectRef>
-          <a:fontRef idx="minor">
-            <a:schemeClr val="lt1"/>
-          </a:fontRef>
-        </p:style>
-        <p:txBody>
-          <a:bodyPr rtlCol="0" anchor="ctr"/>
-          <a:lstStyle/>
-          <a:p>
-            <a:pPr algn="ctr"/>
-            <a:r>
-              <a:rPr lang="en-CA" dirty="0"/>
-              <a:t>1</a:t>
-            </a:r>
-          </a:p>
-        </p:txBody>
-      </p:sp>
-      <p:sp>
-        <p:nvSpPr>
-          <p:cNvPr id="23" name="Oval 22"/>
-          <p:cNvSpPr/>
-          <p:nvPr/>
-        </p:nvSpPr>
-        <p:spPr>
-          <a:xfrm>
-            <a:off x="7916562" y="3829050"/>
-            <a:ext cx="457200" cy="381000"/>
-          </a:xfrm>
-          <a:prstGeom prst="ellipse">
-            <a:avLst/>
-          </a:prstGeom>
-          <a:solidFill>
-            <a:srgbClr val="7030A0"/>
-          </a:solidFill>
-          <a:ln>
-            <a:solidFill>
-              <a:srgbClr val="7030A0"/>
-            </a:solidFill>
-          </a:ln>
-        </p:spPr>
-        <p:style>
-          <a:lnRef idx="2">
-            <a:schemeClr val="accent1">
-              <a:shade val="50000"/>
-            </a:schemeClr>
-          </a:lnRef>
-          <a:fillRef idx="1">
-            <a:schemeClr val="accent1"/>
-          </a:fillRef>
-          <a:effectRef idx="0">
-            <a:schemeClr val="accent1"/>
-          </a:effectRef>
-          <a:fontRef idx="minor">
-            <a:schemeClr val="lt1"/>
-          </a:fontRef>
-        </p:style>
-        <p:txBody>
-          <a:bodyPr rtlCol="0" anchor="ctr"/>
-          <a:lstStyle/>
-          <a:p>
-            <a:pPr algn="ctr"/>
-            <a:r>
-              <a:rPr lang="en-CA" dirty="0"/>
-              <a:t>2</a:t>
-            </a:r>
-          </a:p>
-        </p:txBody>
-      </p:sp>
-      <p:sp>
-        <p:nvSpPr>
-          <p:cNvPr id="24" name="Oval 23"/>
-          <p:cNvSpPr/>
-          <p:nvPr/>
-        </p:nvSpPr>
-        <p:spPr>
-          <a:xfrm>
-            <a:off x="6172200" y="2495550"/>
-            <a:ext cx="457200" cy="381000"/>
-          </a:xfrm>
-          <a:prstGeom prst="ellipse">
-            <a:avLst/>
-          </a:prstGeom>
-          <a:solidFill>
-            <a:srgbClr val="7030A0"/>
-          </a:solidFill>
-          <a:ln>
-            <a:solidFill>
-              <a:srgbClr val="7030A0"/>
-            </a:solidFill>
-          </a:ln>
-        </p:spPr>
-        <p:style>
-          <a:lnRef idx="2">
-            <a:schemeClr val="accent1">
-              <a:shade val="50000"/>
-            </a:schemeClr>
-          </a:lnRef>
-          <a:fillRef idx="1">
-            <a:schemeClr val="accent1"/>
-          </a:fillRef>
-          <a:effectRef idx="0">
-            <a:schemeClr val="accent1"/>
-          </a:effectRef>
-          <a:fontRef idx="minor">
-            <a:schemeClr val="lt1"/>
-          </a:fontRef>
-        </p:style>
-        <p:txBody>
-          <a:bodyPr rtlCol="0" anchor="ctr"/>
-          <a:lstStyle/>
-          <a:p>
-            <a:pPr algn="ctr"/>
-            <a:r>
-              <a:rPr lang="en-CA" dirty="0"/>
-              <a:t>C</a:t>
-            </a:r>
-          </a:p>
-        </p:txBody>
-      </p:sp>
-      <p:sp>
-        <p:nvSpPr>
-          <p:cNvPr id="25" name="Oval 24"/>
-          <p:cNvSpPr/>
-          <p:nvPr/>
-        </p:nvSpPr>
-        <p:spPr>
-          <a:xfrm>
-            <a:off x="5715000" y="3278402"/>
-            <a:ext cx="457200" cy="381000"/>
-          </a:xfrm>
-          <a:prstGeom prst="ellipse">
-            <a:avLst/>
-          </a:prstGeom>
-          <a:solidFill>
-            <a:srgbClr val="7030A0"/>
-          </a:solidFill>
-          <a:ln>
-            <a:solidFill>
-              <a:srgbClr val="7030A0"/>
-            </a:solidFill>
-          </a:ln>
-        </p:spPr>
-        <p:style>
-          <a:lnRef idx="2">
-            <a:schemeClr val="accent1">
-              <a:shade val="50000"/>
-            </a:schemeClr>
-          </a:lnRef>
-          <a:fillRef idx="1">
-            <a:schemeClr val="accent1"/>
-          </a:fillRef>
-          <a:effectRef idx="0">
-            <a:schemeClr val="accent1"/>
-          </a:effectRef>
-          <a:fontRef idx="minor">
-            <a:schemeClr val="lt1"/>
-          </a:fontRef>
-        </p:style>
-        <p:txBody>
-          <a:bodyPr rtlCol="0" anchor="ctr"/>
-          <a:lstStyle/>
-          <a:p>
-            <a:pPr algn="ctr"/>
-            <a:r>
-              <a:rPr lang="en-CA" dirty="0"/>
-              <a:t>C</a:t>
-            </a:r>
-          </a:p>
-        </p:txBody>
-      </p:sp>
-      <p:sp>
-        <p:nvSpPr>
-          <p:cNvPr id="27" name="Oval 26"/>
-          <p:cNvSpPr/>
-          <p:nvPr/>
-        </p:nvSpPr>
-        <p:spPr>
-          <a:xfrm>
-            <a:off x="6728254" y="3254203"/>
-            <a:ext cx="457200" cy="381000"/>
-          </a:xfrm>
-          <a:prstGeom prst="ellipse">
-            <a:avLst/>
-          </a:prstGeom>
-          <a:solidFill>
-            <a:srgbClr val="7030A0"/>
-          </a:solidFill>
-          <a:ln>
-            <a:solidFill>
-              <a:srgbClr val="7030A0"/>
-            </a:solidFill>
-          </a:ln>
-        </p:spPr>
-        <p:style>
-          <a:lnRef idx="2">
-            <a:schemeClr val="accent1">
-              <a:shade val="50000"/>
-            </a:schemeClr>
-          </a:lnRef>
-          <a:fillRef idx="1">
-            <a:schemeClr val="accent1"/>
-          </a:fillRef>
-          <a:effectRef idx="0">
-            <a:schemeClr val="accent1"/>
-          </a:effectRef>
-          <a:fontRef idx="minor">
-            <a:schemeClr val="lt1"/>
-          </a:fontRef>
-        </p:style>
-        <p:txBody>
-          <a:bodyPr rtlCol="0" anchor="ctr"/>
-          <a:lstStyle/>
-          <a:p>
-            <a:pPr algn="ctr"/>
-            <a:r>
-              <a:rPr lang="en-CA" dirty="0"/>
-              <a:t>C</a:t>
-            </a:r>
+              <a:rPr lang="en-CA" noProof="0" dirty="0"/>
+              <a:t>4</a:t>
+            </a:r>
+          </a:p>
+        </p:txBody>
+      </p:sp>
+      <p:sp>
+        <p:nvSpPr>
+          <p:cNvPr id="9" name="TextBox 8"/>
+          <p:cNvSpPr txBox="1"/>
+          <p:nvPr/>
+        </p:nvSpPr>
+        <p:spPr>
+          <a:xfrm>
+            <a:off x="4648200" y="1352550"/>
+            <a:ext cx="4572000" cy="2585323"/>
+          </a:xfrm>
+          <a:prstGeom prst="rect">
+            <a:avLst/>
+          </a:prstGeom>
+          <a:noFill/>
+        </p:spPr>
+        <p:txBody>
+          <a:bodyPr wrap="square" rtlCol="0">
+            <a:spAutoFit/>
+          </a:bodyPr>
+          <a:lstStyle/>
+          <a:p>
+            <a:r>
+              <a:rPr lang="en-CA" noProof="0" dirty="0"/>
+              <a:t>V4.X = (V1.X + V2.X + V3.X) / 3.0f</a:t>
+            </a:r>
+          </a:p>
+          <a:p>
+            <a:r>
+              <a:rPr lang="en-CA" noProof="0" dirty="0"/>
+              <a:t>V4.Y = (V1.Y + V2.Y + V3.Y) / 3.0f</a:t>
+            </a:r>
+          </a:p>
+          <a:p>
+            <a:r>
+              <a:rPr lang="en-CA" noProof="0" dirty="0"/>
+              <a:t>V4.Z = (V1.Z + V2.Z + V3.Z) / 3.0f</a:t>
+            </a:r>
+          </a:p>
+          <a:p>
+            <a:endParaRPr lang="en-CA" noProof="0" dirty="0"/>
+          </a:p>
+          <a:p>
+            <a:r>
+              <a:rPr lang="en-CA" noProof="0" dirty="0" err="1"/>
+              <a:t>MakeTriangle</a:t>
+            </a:r>
+            <a:r>
+              <a:rPr lang="en-CA" noProof="0" dirty="0"/>
+              <a:t>( V0, V1, V4)</a:t>
+            </a:r>
+          </a:p>
+          <a:p>
+            <a:r>
+              <a:rPr lang="en-CA" noProof="0" dirty="0" err="1"/>
+              <a:t>MakeTriangle</a:t>
+            </a:r>
+            <a:r>
+              <a:rPr lang="en-CA" noProof="0" dirty="0"/>
+              <a:t>( V0, V4, V2)</a:t>
+            </a:r>
+          </a:p>
+          <a:p>
+            <a:r>
+              <a:rPr lang="en-CA" noProof="0" dirty="0" err="1"/>
+              <a:t>MakeTriangle</a:t>
+            </a:r>
+            <a:r>
+              <a:rPr lang="en-CA" noProof="0" dirty="0"/>
+              <a:t>(V1,V4,V2)</a:t>
+            </a:r>
+          </a:p>
+          <a:p>
+            <a:r>
+              <a:rPr lang="en-CA" noProof="0" dirty="0" err="1"/>
+              <a:t>AllDoneMan</a:t>
+            </a:r>
+            <a:r>
+              <a:rPr lang="en-CA" noProof="0" dirty="0"/>
+              <a:t>();</a:t>
+            </a:r>
+          </a:p>
+          <a:p>
+            <a:endParaRPr lang="en-CA" noProof="0" dirty="0"/>
           </a:p>
         </p:txBody>
       </p:sp>
     </p:spTree>
     <p:extLst>
       <p:ext uri="{BB962C8B-B14F-4D97-AF65-F5344CB8AC3E}">
-        <p14:creationId xmlns:p14="http://schemas.microsoft.com/office/powerpoint/2010/main" val="2735669733"/>
+        <p14:creationId xmlns:p14="http://schemas.microsoft.com/office/powerpoint/2010/main" val="3868415434"/>
       </p:ext>
     </p:extLst>
   </p:cSld>
@@ -7449,16 +5731,16 @@
       </p:grpSpPr>
       <p:sp>
         <p:nvSpPr>
-          <p:cNvPr id="20" name="Isosceles Triangle 19"/>
+          <p:cNvPr id="4" name="Smiley Face 3"/>
           <p:cNvSpPr/>
           <p:nvPr/>
         </p:nvSpPr>
         <p:spPr>
           <a:xfrm>
-            <a:off x="990600" y="1581150"/>
-            <a:ext cx="3352800" cy="2514600"/>
-          </a:xfrm>
-          <a:prstGeom prst="triangle">
+            <a:off x="533400" y="1047750"/>
+            <a:ext cx="1524000" cy="1219200"/>
+          </a:xfrm>
+          <a:prstGeom prst="smileyFace">
             <a:avLst/>
           </a:prstGeom>
         </p:spPr>
@@ -7483,32 +5765,24 @@
           <a:lstStyle/>
           <a:p>
             <a:pPr algn="ctr"/>
-            <a:endParaRPr lang="en-CA"/>
-          </a:p>
-        </p:txBody>
-      </p:sp>
-      <p:sp>
-        <p:nvSpPr>
-          <p:cNvPr id="21" name="Oval 20"/>
+            <a:endParaRPr lang="en-CA" noProof="0" dirty="0"/>
+          </a:p>
+        </p:txBody>
+      </p:sp>
+      <p:sp>
+        <p:nvSpPr>
+          <p:cNvPr id="5" name="Smiley Face 4"/>
           <p:cNvSpPr/>
           <p:nvPr/>
         </p:nvSpPr>
         <p:spPr>
           <a:xfrm>
-            <a:off x="2438400" y="1428750"/>
-            <a:ext cx="457200" cy="381000"/>
-          </a:xfrm>
-          <a:prstGeom prst="ellipse">
-            <a:avLst/>
-          </a:prstGeom>
-          <a:solidFill>
-            <a:srgbClr val="7030A0"/>
-          </a:solidFill>
-          <a:ln>
-            <a:solidFill>
-              <a:srgbClr val="7030A0"/>
-            </a:solidFill>
-          </a:ln>
+            <a:off x="533400" y="1733550"/>
+            <a:ext cx="1524000" cy="1219200"/>
+          </a:xfrm>
+          <a:prstGeom prst="smileyFace">
+            <a:avLst/>
+          </a:prstGeom>
         </p:spPr>
         <p:style>
           <a:lnRef idx="2">
@@ -7531,35 +5805,24 @@
           <a:lstStyle/>
           <a:p>
             <a:pPr algn="ctr"/>
-            <a:r>
-              <a:rPr lang="en-CA" dirty="0"/>
-              <a:t>0</a:t>
-            </a:r>
-          </a:p>
-        </p:txBody>
-      </p:sp>
-      <p:sp>
-        <p:nvSpPr>
-          <p:cNvPr id="22" name="Oval 21"/>
+            <a:endParaRPr lang="en-CA" noProof="0" dirty="0"/>
+          </a:p>
+        </p:txBody>
+      </p:sp>
+      <p:sp>
+        <p:nvSpPr>
+          <p:cNvPr id="6" name="Right Arrow 5"/>
           <p:cNvSpPr/>
           <p:nvPr/>
         </p:nvSpPr>
         <p:spPr>
           <a:xfrm>
-            <a:off x="762000" y="3905250"/>
-            <a:ext cx="457200" cy="381000"/>
-          </a:xfrm>
-          <a:prstGeom prst="ellipse">
-            <a:avLst/>
-          </a:prstGeom>
-          <a:solidFill>
-            <a:srgbClr val="7030A0"/>
-          </a:solidFill>
-          <a:ln>
-            <a:solidFill>
-              <a:srgbClr val="7030A0"/>
-            </a:solidFill>
-          </a:ln>
+            <a:off x="2133600" y="1623884"/>
+            <a:ext cx="1905000" cy="609600"/>
+          </a:xfrm>
+          <a:prstGeom prst="rightArrow">
+            <a:avLst/>
+          </a:prstGeom>
         </p:spPr>
         <p:style>
           <a:lnRef idx="2">
@@ -7583,34 +5846,26 @@
           <a:p>
             <a:pPr algn="ctr"/>
             <a:r>
-              <a:rPr lang="en-CA" dirty="0"/>
-              <a:t>1</a:t>
-            </a:r>
-          </a:p>
-        </p:txBody>
-      </p:sp>
-      <p:sp>
-        <p:nvSpPr>
-          <p:cNvPr id="23" name="Oval 22"/>
+              <a:rPr lang="en-CA" noProof="0" dirty="0"/>
+              <a:t>Vertex Layout</a:t>
+            </a:r>
+          </a:p>
+        </p:txBody>
+      </p:sp>
+      <p:sp>
+        <p:nvSpPr>
+          <p:cNvPr id="7" name="Rounded Rectangle 6"/>
           <p:cNvSpPr/>
           <p:nvPr/>
         </p:nvSpPr>
         <p:spPr>
           <a:xfrm>
-            <a:off x="4106562" y="3905250"/>
-            <a:ext cx="457200" cy="381000"/>
-          </a:xfrm>
-          <a:prstGeom prst="ellipse">
-            <a:avLst/>
-          </a:prstGeom>
-          <a:solidFill>
-            <a:srgbClr val="7030A0"/>
-          </a:solidFill>
-          <a:ln>
-            <a:solidFill>
-              <a:srgbClr val="7030A0"/>
-            </a:solidFill>
-          </a:ln>
+            <a:off x="4397989" y="3422235"/>
+            <a:ext cx="2286000" cy="1066800"/>
+          </a:xfrm>
+          <a:prstGeom prst="roundRect">
+            <a:avLst/>
+          </a:prstGeom>
         </p:spPr>
         <p:style>
           <a:lnRef idx="2">
@@ -7634,34 +5889,26 @@
           <a:p>
             <a:pPr algn="ctr"/>
             <a:r>
-              <a:rPr lang="en-CA" dirty="0"/>
-              <a:t>2</a:t>
-            </a:r>
-          </a:p>
-        </p:txBody>
-      </p:sp>
-      <p:sp>
-        <p:nvSpPr>
-          <p:cNvPr id="24" name="Oval 23"/>
+              <a:rPr lang="en-CA" noProof="0" dirty="0"/>
+              <a:t>Shader Program</a:t>
+            </a:r>
+          </a:p>
+        </p:txBody>
+      </p:sp>
+      <p:sp>
+        <p:nvSpPr>
+          <p:cNvPr id="8" name="Smiley Face 7"/>
           <p:cNvSpPr/>
           <p:nvPr/>
         </p:nvSpPr>
         <p:spPr>
           <a:xfrm>
-            <a:off x="2362200" y="2571750"/>
-            <a:ext cx="457200" cy="381000"/>
-          </a:xfrm>
-          <a:prstGeom prst="ellipse">
-            <a:avLst/>
-          </a:prstGeom>
-          <a:solidFill>
-            <a:srgbClr val="7030A0"/>
-          </a:solidFill>
-          <a:ln>
-            <a:solidFill>
-              <a:srgbClr val="7030A0"/>
-            </a:solidFill>
-          </a:ln>
+            <a:off x="533400" y="3028950"/>
+            <a:ext cx="1524000" cy="1219200"/>
+          </a:xfrm>
+          <a:prstGeom prst="smileyFace">
+            <a:avLst/>
+          </a:prstGeom>
         </p:spPr>
         <p:style>
           <a:lnRef idx="2">
@@ -7684,35 +5931,24 @@
           <a:lstStyle/>
           <a:p>
             <a:pPr algn="ctr"/>
-            <a:r>
-              <a:rPr lang="en-CA" dirty="0"/>
-              <a:t>C</a:t>
-            </a:r>
-          </a:p>
-        </p:txBody>
-      </p:sp>
-      <p:sp>
-        <p:nvSpPr>
-          <p:cNvPr id="25" name="Oval 24"/>
+            <a:endParaRPr lang="en-CA" noProof="0" dirty="0"/>
+          </a:p>
+        </p:txBody>
+      </p:sp>
+      <p:sp>
+        <p:nvSpPr>
+          <p:cNvPr id="9" name="Smiley Face 8"/>
           <p:cNvSpPr/>
           <p:nvPr/>
         </p:nvSpPr>
         <p:spPr>
           <a:xfrm>
-            <a:off x="1905000" y="3354602"/>
-            <a:ext cx="457200" cy="381000"/>
-          </a:xfrm>
-          <a:prstGeom prst="ellipse">
-            <a:avLst/>
-          </a:prstGeom>
-          <a:solidFill>
-            <a:srgbClr val="7030A0"/>
-          </a:solidFill>
-          <a:ln>
-            <a:solidFill>
-              <a:srgbClr val="7030A0"/>
-            </a:solidFill>
-          </a:ln>
+            <a:off x="533400" y="3714750"/>
+            <a:ext cx="1524000" cy="1219200"/>
+          </a:xfrm>
+          <a:prstGeom prst="smileyFace">
+            <a:avLst/>
+          </a:prstGeom>
         </p:spPr>
         <p:style>
           <a:lnRef idx="2">
@@ -7735,35 +5971,24 @@
           <a:lstStyle/>
           <a:p>
             <a:pPr algn="ctr"/>
-            <a:r>
-              <a:rPr lang="en-CA" dirty="0"/>
-              <a:t>C</a:t>
-            </a:r>
-          </a:p>
-        </p:txBody>
-      </p:sp>
-      <p:sp>
-        <p:nvSpPr>
-          <p:cNvPr id="27" name="Oval 26"/>
+            <a:endParaRPr lang="en-CA" noProof="0" dirty="0"/>
+          </a:p>
+        </p:txBody>
+      </p:sp>
+      <p:sp>
+        <p:nvSpPr>
+          <p:cNvPr id="10" name="Right Arrow 9"/>
           <p:cNvSpPr/>
           <p:nvPr/>
         </p:nvSpPr>
         <p:spPr>
-          <a:xfrm>
-            <a:off x="2918254" y="3330403"/>
-            <a:ext cx="457200" cy="381000"/>
-          </a:xfrm>
-          <a:prstGeom prst="ellipse">
-            <a:avLst/>
-          </a:prstGeom>
-          <a:solidFill>
-            <a:srgbClr val="7030A0"/>
-          </a:solidFill>
-          <a:ln>
-            <a:solidFill>
-              <a:srgbClr val="7030A0"/>
-            </a:solidFill>
-          </a:ln>
+          <a:xfrm rot="19769766">
+            <a:off x="2145864" y="3553670"/>
+            <a:ext cx="2233683" cy="609600"/>
+          </a:xfrm>
+          <a:prstGeom prst="rightArrow">
+            <a:avLst/>
+          </a:prstGeom>
         </p:spPr>
         <p:style>
           <a:lnRef idx="2">
@@ -7787,405 +6012,8 @@
           <a:p>
             <a:pPr algn="ctr"/>
             <a:r>
-              <a:rPr lang="en-CA" dirty="0"/>
-              <a:t>C</a:t>
-            </a:r>
-          </a:p>
-        </p:txBody>
-      </p:sp>
-      <p:sp>
-        <p:nvSpPr>
-          <p:cNvPr id="14" name="Isosceles Triangle 13"/>
-          <p:cNvSpPr/>
-          <p:nvPr/>
-        </p:nvSpPr>
-        <p:spPr>
-          <a:xfrm>
-            <a:off x="5204254" y="1504950"/>
-            <a:ext cx="3352800" cy="2514600"/>
-          </a:xfrm>
-          <a:prstGeom prst="triangle">
-            <a:avLst/>
-          </a:prstGeom>
-        </p:spPr>
-        <p:style>
-          <a:lnRef idx="2">
-            <a:schemeClr val="accent1">
-              <a:shade val="50000"/>
-            </a:schemeClr>
-          </a:lnRef>
-          <a:fillRef idx="1">
-            <a:schemeClr val="accent1"/>
-          </a:fillRef>
-          <a:effectRef idx="0">
-            <a:schemeClr val="accent1"/>
-          </a:effectRef>
-          <a:fontRef idx="minor">
-            <a:schemeClr val="lt1"/>
-          </a:fontRef>
-        </p:style>
-        <p:txBody>
-          <a:bodyPr rtlCol="0" anchor="ctr"/>
-          <a:lstStyle/>
-          <a:p>
-            <a:pPr algn="ctr"/>
-            <a:endParaRPr lang="en-CA"/>
-          </a:p>
-        </p:txBody>
-      </p:sp>
-      <p:sp>
-        <p:nvSpPr>
-          <p:cNvPr id="15" name="Oval 14"/>
-          <p:cNvSpPr/>
-          <p:nvPr/>
-        </p:nvSpPr>
-        <p:spPr>
-          <a:xfrm>
-            <a:off x="6629400" y="1352550"/>
-            <a:ext cx="457200" cy="381000"/>
-          </a:xfrm>
-          <a:prstGeom prst="ellipse">
-            <a:avLst/>
-          </a:prstGeom>
-          <a:solidFill>
-            <a:srgbClr val="7030A0"/>
-          </a:solidFill>
-          <a:ln>
-            <a:solidFill>
-              <a:srgbClr val="7030A0"/>
-            </a:solidFill>
-          </a:ln>
-        </p:spPr>
-        <p:style>
-          <a:lnRef idx="2">
-            <a:schemeClr val="accent1">
-              <a:shade val="50000"/>
-            </a:schemeClr>
-          </a:lnRef>
-          <a:fillRef idx="1">
-            <a:schemeClr val="accent1"/>
-          </a:fillRef>
-          <a:effectRef idx="0">
-            <a:schemeClr val="accent1"/>
-          </a:effectRef>
-          <a:fontRef idx="minor">
-            <a:schemeClr val="lt1"/>
-          </a:fontRef>
-        </p:style>
-        <p:txBody>
-          <a:bodyPr rtlCol="0" anchor="ctr"/>
-          <a:lstStyle/>
-          <a:p>
-            <a:pPr algn="ctr"/>
-            <a:r>
-              <a:rPr lang="en-CA" dirty="0"/>
-              <a:t>0</a:t>
-            </a:r>
-          </a:p>
-        </p:txBody>
-      </p:sp>
-      <p:sp>
-        <p:nvSpPr>
-          <p:cNvPr id="28" name="Oval 27"/>
-          <p:cNvSpPr/>
-          <p:nvPr/>
-        </p:nvSpPr>
-        <p:spPr>
-          <a:xfrm>
-            <a:off x="4953000" y="3829050"/>
-            <a:ext cx="457200" cy="381000"/>
-          </a:xfrm>
-          <a:prstGeom prst="ellipse">
-            <a:avLst/>
-          </a:prstGeom>
-          <a:solidFill>
-            <a:srgbClr val="7030A0"/>
-          </a:solidFill>
-          <a:ln>
-            <a:solidFill>
-              <a:srgbClr val="7030A0"/>
-            </a:solidFill>
-          </a:ln>
-        </p:spPr>
-        <p:style>
-          <a:lnRef idx="2">
-            <a:schemeClr val="accent1">
-              <a:shade val="50000"/>
-            </a:schemeClr>
-          </a:lnRef>
-          <a:fillRef idx="1">
-            <a:schemeClr val="accent1"/>
-          </a:fillRef>
-          <a:effectRef idx="0">
-            <a:schemeClr val="accent1"/>
-          </a:effectRef>
-          <a:fontRef idx="minor">
-            <a:schemeClr val="lt1"/>
-          </a:fontRef>
-        </p:style>
-        <p:txBody>
-          <a:bodyPr rtlCol="0" anchor="ctr"/>
-          <a:lstStyle/>
-          <a:p>
-            <a:pPr algn="ctr"/>
-            <a:r>
-              <a:rPr lang="en-CA" dirty="0"/>
-              <a:t>1</a:t>
-            </a:r>
-          </a:p>
-        </p:txBody>
-      </p:sp>
-      <p:sp>
-        <p:nvSpPr>
-          <p:cNvPr id="29" name="Oval 28"/>
-          <p:cNvSpPr/>
-          <p:nvPr/>
-        </p:nvSpPr>
-        <p:spPr>
-          <a:xfrm>
-            <a:off x="8297562" y="3829050"/>
-            <a:ext cx="457200" cy="381000"/>
-          </a:xfrm>
-          <a:prstGeom prst="ellipse">
-            <a:avLst/>
-          </a:prstGeom>
-          <a:solidFill>
-            <a:srgbClr val="7030A0"/>
-          </a:solidFill>
-          <a:ln>
-            <a:solidFill>
-              <a:srgbClr val="7030A0"/>
-            </a:solidFill>
-          </a:ln>
-        </p:spPr>
-        <p:style>
-          <a:lnRef idx="2">
-            <a:schemeClr val="accent1">
-              <a:shade val="50000"/>
-            </a:schemeClr>
-          </a:lnRef>
-          <a:fillRef idx="1">
-            <a:schemeClr val="accent1"/>
-          </a:fillRef>
-          <a:effectRef idx="0">
-            <a:schemeClr val="accent1"/>
-          </a:effectRef>
-          <a:fontRef idx="minor">
-            <a:schemeClr val="lt1"/>
-          </a:fontRef>
-        </p:style>
-        <p:txBody>
-          <a:bodyPr rtlCol="0" anchor="ctr"/>
-          <a:lstStyle/>
-          <a:p>
-            <a:pPr algn="ctr"/>
-            <a:r>
-              <a:rPr lang="en-CA" dirty="0"/>
-              <a:t>2</a:t>
-            </a:r>
-          </a:p>
-        </p:txBody>
-      </p:sp>
-      <p:sp>
-        <p:nvSpPr>
-          <p:cNvPr id="30" name="Oval 29"/>
-          <p:cNvSpPr/>
-          <p:nvPr/>
-        </p:nvSpPr>
-        <p:spPr>
-          <a:xfrm>
-            <a:off x="6553200" y="2305050"/>
-            <a:ext cx="457200" cy="381000"/>
-          </a:xfrm>
-          <a:prstGeom prst="ellipse">
-            <a:avLst/>
-          </a:prstGeom>
-          <a:solidFill>
-            <a:srgbClr val="7030A0"/>
-          </a:solidFill>
-          <a:ln>
-            <a:solidFill>
-              <a:srgbClr val="7030A0"/>
-            </a:solidFill>
-          </a:ln>
-        </p:spPr>
-        <p:style>
-          <a:lnRef idx="2">
-            <a:schemeClr val="accent1">
-              <a:shade val="50000"/>
-            </a:schemeClr>
-          </a:lnRef>
-          <a:fillRef idx="1">
-            <a:schemeClr val="accent1"/>
-          </a:fillRef>
-          <a:effectRef idx="0">
-            <a:schemeClr val="accent1"/>
-          </a:effectRef>
-          <a:fontRef idx="minor">
-            <a:schemeClr val="lt1"/>
-          </a:fontRef>
-        </p:style>
-        <p:txBody>
-          <a:bodyPr rtlCol="0" anchor="ctr"/>
-          <a:lstStyle/>
-          <a:p>
-            <a:pPr algn="ctr"/>
-            <a:r>
-              <a:rPr lang="en-CA" dirty="0"/>
-              <a:t>C</a:t>
-            </a:r>
-          </a:p>
-        </p:txBody>
-      </p:sp>
-      <p:sp>
-        <p:nvSpPr>
-          <p:cNvPr id="31" name="Oval 30"/>
-          <p:cNvSpPr/>
-          <p:nvPr/>
-        </p:nvSpPr>
-        <p:spPr>
-          <a:xfrm>
-            <a:off x="5832389" y="3330403"/>
-            <a:ext cx="457200" cy="381000"/>
-          </a:xfrm>
-          <a:prstGeom prst="ellipse">
-            <a:avLst/>
-          </a:prstGeom>
-          <a:solidFill>
-            <a:srgbClr val="7030A0"/>
-          </a:solidFill>
-          <a:ln>
-            <a:solidFill>
-              <a:srgbClr val="7030A0"/>
-            </a:solidFill>
-          </a:ln>
-        </p:spPr>
-        <p:style>
-          <a:lnRef idx="2">
-            <a:schemeClr val="accent1">
-              <a:shade val="50000"/>
-            </a:schemeClr>
-          </a:lnRef>
-          <a:fillRef idx="1">
-            <a:schemeClr val="accent1"/>
-          </a:fillRef>
-          <a:effectRef idx="0">
-            <a:schemeClr val="accent1"/>
-          </a:effectRef>
-          <a:fontRef idx="minor">
-            <a:schemeClr val="lt1"/>
-          </a:fontRef>
-        </p:style>
-        <p:txBody>
-          <a:bodyPr rtlCol="0" anchor="ctr"/>
-          <a:lstStyle/>
-          <a:p>
-            <a:pPr algn="ctr"/>
-            <a:r>
-              <a:rPr lang="en-CA" dirty="0"/>
-              <a:t>C</a:t>
-            </a:r>
-          </a:p>
-        </p:txBody>
-      </p:sp>
-      <p:sp>
-        <p:nvSpPr>
-          <p:cNvPr id="32" name="Oval 31"/>
-          <p:cNvSpPr/>
-          <p:nvPr/>
-        </p:nvSpPr>
-        <p:spPr>
-          <a:xfrm>
-            <a:off x="7315200" y="3361552"/>
-            <a:ext cx="457200" cy="381000"/>
-          </a:xfrm>
-          <a:prstGeom prst="ellipse">
-            <a:avLst/>
-          </a:prstGeom>
-          <a:solidFill>
-            <a:srgbClr val="7030A0"/>
-          </a:solidFill>
-          <a:ln>
-            <a:solidFill>
-              <a:srgbClr val="7030A0"/>
-            </a:solidFill>
-          </a:ln>
-        </p:spPr>
-        <p:style>
-          <a:lnRef idx="2">
-            <a:schemeClr val="accent1">
-              <a:shade val="50000"/>
-            </a:schemeClr>
-          </a:lnRef>
-          <a:fillRef idx="1">
-            <a:schemeClr val="accent1"/>
-          </a:fillRef>
-          <a:effectRef idx="0">
-            <a:schemeClr val="accent1"/>
-          </a:effectRef>
-          <a:fontRef idx="minor">
-            <a:schemeClr val="lt1"/>
-          </a:fontRef>
-        </p:style>
-        <p:txBody>
-          <a:bodyPr rtlCol="0" anchor="ctr"/>
-          <a:lstStyle/>
-          <a:p>
-            <a:pPr algn="ctr"/>
-            <a:r>
-              <a:rPr lang="en-CA" dirty="0"/>
-              <a:t>C</a:t>
-            </a:r>
-          </a:p>
-        </p:txBody>
-      </p:sp>
-      <p:sp>
-        <p:nvSpPr>
-          <p:cNvPr id="33" name="Oval 32"/>
-          <p:cNvSpPr/>
-          <p:nvPr/>
-        </p:nvSpPr>
-        <p:spPr>
-          <a:xfrm>
-            <a:off x="6728254" y="2973602"/>
-            <a:ext cx="457200" cy="381000"/>
-          </a:xfrm>
-          <a:prstGeom prst="ellipse">
-            <a:avLst/>
-          </a:prstGeom>
-          <a:solidFill>
-            <a:srgbClr val="7030A0"/>
-          </a:solidFill>
-          <a:ln>
-            <a:solidFill>
-              <a:srgbClr val="7030A0"/>
-            </a:solidFill>
-          </a:ln>
-        </p:spPr>
-        <p:style>
-          <a:lnRef idx="2">
-            <a:schemeClr val="accent1">
-              <a:shade val="50000"/>
-            </a:schemeClr>
-          </a:lnRef>
-          <a:fillRef idx="1">
-            <a:schemeClr val="accent1"/>
-          </a:fillRef>
-          <a:effectRef idx="0">
-            <a:schemeClr val="accent1"/>
-          </a:effectRef>
-          <a:fontRef idx="minor">
-            <a:schemeClr val="lt1"/>
-          </a:fontRef>
-        </p:style>
-        <p:txBody>
-          <a:bodyPr rtlCol="0" anchor="ctr"/>
-          <a:lstStyle/>
-          <a:p>
-            <a:pPr algn="ctr"/>
-            <a:r>
-              <a:rPr lang="en-CA" dirty="0"/>
-              <a:t>C</a:t>
+              <a:rPr lang="en-CA" noProof="0" dirty="0"/>
+              <a:t>Vertex Layout</a:t>
             </a:r>
           </a:p>
         </p:txBody>
@@ -8193,7 +6021,7 @@
     </p:spTree>
     <p:extLst>
       <p:ext uri="{BB962C8B-B14F-4D97-AF65-F5344CB8AC3E}">
-        <p14:creationId xmlns:p14="http://schemas.microsoft.com/office/powerpoint/2010/main" val="242562706"/>
+        <p14:creationId xmlns:p14="http://schemas.microsoft.com/office/powerpoint/2010/main" val="1146441715"/>
       </p:ext>
     </p:extLst>
   </p:cSld>
@@ -8236,7 +6064,7 @@
           <a:lstStyle/>
           <a:p>
             <a:r>
-              <a:rPr lang="en-CA" dirty="0"/>
+              <a:rPr lang="en-CA" noProof="0" dirty="0"/>
               <a:t>The pipeline so far…</a:t>
             </a:r>
           </a:p>
@@ -8284,7 +6112,7 @@
           <a:p>
             <a:pPr algn="ctr"/>
             <a:r>
-              <a:rPr lang="en-CA">
+              <a:rPr lang="en-CA" noProof="0" dirty="0">
                 <a:solidFill>
                   <a:schemeClr val="tx1"/>
                 </a:solidFill>
@@ -8336,7 +6164,7 @@
           <a:p>
             <a:pPr algn="ctr"/>
             <a:r>
-              <a:rPr lang="en-CA" dirty="0">
+              <a:rPr lang="en-CA" noProof="0" dirty="0">
                 <a:solidFill>
                   <a:schemeClr val="tx1"/>
                 </a:solidFill>
@@ -8350,6 +6178,2679 @@
     <p:extLst>
       <p:ext uri="{BB962C8B-B14F-4D97-AF65-F5344CB8AC3E}">
         <p14:creationId xmlns:p14="http://schemas.microsoft.com/office/powerpoint/2010/main" val="2265526139"/>
+      </p:ext>
+    </p:extLst>
+  </p:cSld>
+  <p:clrMapOvr>
+    <a:masterClrMapping/>
+  </p:clrMapOvr>
+</p:sld>
+</file>
+
+<file path=ppt/slides/slide20.xml><?xml version="1.0" encoding="utf-8"?>
+<p:sld xmlns:a="http://schemas.openxmlformats.org/drawingml/2006/main" xmlns:r="http://schemas.openxmlformats.org/officeDocument/2006/relationships" xmlns:p="http://schemas.openxmlformats.org/presentationml/2006/main">
+  <p:cSld>
+    <p:spTree>
+      <p:nvGrpSpPr>
+        <p:cNvPr id="1" name=""/>
+        <p:cNvGrpSpPr/>
+        <p:nvPr/>
+      </p:nvGrpSpPr>
+      <p:grpSpPr>
+        <a:xfrm>
+          <a:off x="0" y="0"/>
+          <a:ext cx="0" cy="0"/>
+          <a:chOff x="0" y="0"/>
+          <a:chExt cx="0" cy="0"/>
+        </a:xfrm>
+      </p:grpSpPr>
+      <p:sp>
+        <p:nvSpPr>
+          <p:cNvPr id="4" name="Isosceles Triangle 3"/>
+          <p:cNvSpPr/>
+          <p:nvPr/>
+        </p:nvSpPr>
+        <p:spPr>
+          <a:xfrm>
+            <a:off x="838200" y="1504950"/>
+            <a:ext cx="3352800" cy="2514600"/>
+          </a:xfrm>
+          <a:prstGeom prst="triangle">
+            <a:avLst>
+              <a:gd name="adj" fmla="val 0"/>
+            </a:avLst>
+          </a:prstGeom>
+        </p:spPr>
+        <p:style>
+          <a:lnRef idx="2">
+            <a:schemeClr val="accent1">
+              <a:shade val="50000"/>
+            </a:schemeClr>
+          </a:lnRef>
+          <a:fillRef idx="1">
+            <a:schemeClr val="accent1"/>
+          </a:fillRef>
+          <a:effectRef idx="0">
+            <a:schemeClr val="accent1"/>
+          </a:effectRef>
+          <a:fontRef idx="minor">
+            <a:schemeClr val="lt1"/>
+          </a:fontRef>
+        </p:style>
+        <p:txBody>
+          <a:bodyPr rtlCol="0" anchor="ctr"/>
+          <a:lstStyle/>
+          <a:p>
+            <a:pPr algn="ctr"/>
+            <a:endParaRPr lang="en-CA" noProof="0" dirty="0"/>
+          </a:p>
+        </p:txBody>
+      </p:sp>
+      <p:sp>
+        <p:nvSpPr>
+          <p:cNvPr id="5" name="Oval 4"/>
+          <p:cNvSpPr/>
+          <p:nvPr/>
+        </p:nvSpPr>
+        <p:spPr>
+          <a:xfrm>
+            <a:off x="685800" y="1428750"/>
+            <a:ext cx="457200" cy="381000"/>
+          </a:xfrm>
+          <a:prstGeom prst="ellipse">
+            <a:avLst/>
+          </a:prstGeom>
+          <a:solidFill>
+            <a:srgbClr val="7030A0"/>
+          </a:solidFill>
+          <a:ln>
+            <a:solidFill>
+              <a:srgbClr val="7030A0"/>
+            </a:solidFill>
+          </a:ln>
+        </p:spPr>
+        <p:style>
+          <a:lnRef idx="2">
+            <a:schemeClr val="accent1">
+              <a:shade val="50000"/>
+            </a:schemeClr>
+          </a:lnRef>
+          <a:fillRef idx="1">
+            <a:schemeClr val="accent1"/>
+          </a:fillRef>
+          <a:effectRef idx="0">
+            <a:schemeClr val="accent1"/>
+          </a:effectRef>
+          <a:fontRef idx="minor">
+            <a:schemeClr val="lt1"/>
+          </a:fontRef>
+        </p:style>
+        <p:txBody>
+          <a:bodyPr rtlCol="0" anchor="ctr"/>
+          <a:lstStyle/>
+          <a:p>
+            <a:pPr algn="ctr"/>
+            <a:r>
+              <a:rPr lang="en-CA" noProof="0" dirty="0"/>
+              <a:t>0</a:t>
+            </a:r>
+          </a:p>
+        </p:txBody>
+      </p:sp>
+      <p:sp>
+        <p:nvSpPr>
+          <p:cNvPr id="6" name="Oval 5"/>
+          <p:cNvSpPr/>
+          <p:nvPr/>
+        </p:nvSpPr>
+        <p:spPr>
+          <a:xfrm>
+            <a:off x="609600" y="3829050"/>
+            <a:ext cx="457200" cy="381000"/>
+          </a:xfrm>
+          <a:prstGeom prst="ellipse">
+            <a:avLst/>
+          </a:prstGeom>
+          <a:solidFill>
+            <a:srgbClr val="7030A0"/>
+          </a:solidFill>
+          <a:ln>
+            <a:solidFill>
+              <a:srgbClr val="7030A0"/>
+            </a:solidFill>
+          </a:ln>
+        </p:spPr>
+        <p:style>
+          <a:lnRef idx="2">
+            <a:schemeClr val="accent1">
+              <a:shade val="50000"/>
+            </a:schemeClr>
+          </a:lnRef>
+          <a:fillRef idx="1">
+            <a:schemeClr val="accent1"/>
+          </a:fillRef>
+          <a:effectRef idx="0">
+            <a:schemeClr val="accent1"/>
+          </a:effectRef>
+          <a:fontRef idx="minor">
+            <a:schemeClr val="lt1"/>
+          </a:fontRef>
+        </p:style>
+        <p:txBody>
+          <a:bodyPr rtlCol="0" anchor="ctr"/>
+          <a:lstStyle/>
+          <a:p>
+            <a:pPr algn="ctr"/>
+            <a:r>
+              <a:rPr lang="en-CA" noProof="0" dirty="0"/>
+              <a:t>1</a:t>
+            </a:r>
+          </a:p>
+        </p:txBody>
+      </p:sp>
+      <p:sp>
+        <p:nvSpPr>
+          <p:cNvPr id="7" name="Oval 6"/>
+          <p:cNvSpPr/>
+          <p:nvPr/>
+        </p:nvSpPr>
+        <p:spPr>
+          <a:xfrm>
+            <a:off x="3954162" y="3829050"/>
+            <a:ext cx="457200" cy="381000"/>
+          </a:xfrm>
+          <a:prstGeom prst="ellipse">
+            <a:avLst/>
+          </a:prstGeom>
+          <a:solidFill>
+            <a:srgbClr val="7030A0"/>
+          </a:solidFill>
+          <a:ln>
+            <a:solidFill>
+              <a:srgbClr val="7030A0"/>
+            </a:solidFill>
+          </a:ln>
+        </p:spPr>
+        <p:style>
+          <a:lnRef idx="2">
+            <a:schemeClr val="accent1">
+              <a:shade val="50000"/>
+            </a:schemeClr>
+          </a:lnRef>
+          <a:fillRef idx="1">
+            <a:schemeClr val="accent1"/>
+          </a:fillRef>
+          <a:effectRef idx="0">
+            <a:schemeClr val="accent1"/>
+          </a:effectRef>
+          <a:fontRef idx="minor">
+            <a:schemeClr val="lt1"/>
+          </a:fontRef>
+        </p:style>
+        <p:txBody>
+          <a:bodyPr rtlCol="0" anchor="ctr"/>
+          <a:lstStyle/>
+          <a:p>
+            <a:pPr algn="ctr"/>
+            <a:r>
+              <a:rPr lang="en-CA" noProof="0" dirty="0"/>
+              <a:t>2</a:t>
+            </a:r>
+          </a:p>
+        </p:txBody>
+      </p:sp>
+      <p:sp>
+        <p:nvSpPr>
+          <p:cNvPr id="9" name="TextBox 8"/>
+          <p:cNvSpPr txBox="1"/>
+          <p:nvPr/>
+        </p:nvSpPr>
+        <p:spPr>
+          <a:xfrm>
+            <a:off x="4648200" y="1352550"/>
+            <a:ext cx="4572000" cy="2585323"/>
+          </a:xfrm>
+          <a:prstGeom prst="rect">
+            <a:avLst/>
+          </a:prstGeom>
+          <a:noFill/>
+        </p:spPr>
+        <p:txBody>
+          <a:bodyPr wrap="square" rtlCol="0">
+            <a:spAutoFit/>
+          </a:bodyPr>
+          <a:lstStyle/>
+          <a:p>
+            <a:r>
+              <a:rPr lang="en-CA" noProof="0" dirty="0"/>
+              <a:t>V4.X = (V1.X + V2.X + V3.X) / 3.0f</a:t>
+            </a:r>
+          </a:p>
+          <a:p>
+            <a:r>
+              <a:rPr lang="en-CA" noProof="0" dirty="0"/>
+              <a:t>V4.Y = (V1.Y + V2.Y + V3.Y) / 3.0f</a:t>
+            </a:r>
+          </a:p>
+          <a:p>
+            <a:r>
+              <a:rPr lang="en-CA" noProof="0" dirty="0"/>
+              <a:t>V4.Z = (V1.Z + V2.Z + V3.Z) / 3.0f</a:t>
+            </a:r>
+          </a:p>
+          <a:p>
+            <a:endParaRPr lang="en-CA" noProof="0" dirty="0"/>
+          </a:p>
+          <a:p>
+            <a:r>
+              <a:rPr lang="en-CA" noProof="0" dirty="0" err="1"/>
+              <a:t>MakeTriangle</a:t>
+            </a:r>
+            <a:r>
+              <a:rPr lang="en-CA" noProof="0" dirty="0"/>
+              <a:t>( V0, V1, V4)</a:t>
+            </a:r>
+          </a:p>
+          <a:p>
+            <a:r>
+              <a:rPr lang="en-CA" noProof="0" dirty="0" err="1"/>
+              <a:t>MakeTriangle</a:t>
+            </a:r>
+            <a:r>
+              <a:rPr lang="en-CA" noProof="0" dirty="0"/>
+              <a:t>( V0, V4, V2)</a:t>
+            </a:r>
+          </a:p>
+          <a:p>
+            <a:r>
+              <a:rPr lang="en-CA" noProof="0" dirty="0" err="1"/>
+              <a:t>MakeTriangle</a:t>
+            </a:r>
+            <a:r>
+              <a:rPr lang="en-CA" noProof="0" dirty="0"/>
+              <a:t>(V1,V4,V2)</a:t>
+            </a:r>
+          </a:p>
+          <a:p>
+            <a:r>
+              <a:rPr lang="en-CA" noProof="0" dirty="0" err="1"/>
+              <a:t>AllDoneMan</a:t>
+            </a:r>
+            <a:r>
+              <a:rPr lang="en-CA" noProof="0" dirty="0"/>
+              <a:t>();</a:t>
+            </a:r>
+          </a:p>
+          <a:p>
+            <a:endParaRPr lang="en-CA" noProof="0" dirty="0"/>
+          </a:p>
+        </p:txBody>
+      </p:sp>
+      <p:sp>
+        <p:nvSpPr>
+          <p:cNvPr id="10" name="Oval 9"/>
+          <p:cNvSpPr/>
+          <p:nvPr/>
+        </p:nvSpPr>
+        <p:spPr>
+          <a:xfrm>
+            <a:off x="4114800" y="1428750"/>
+            <a:ext cx="457200" cy="381000"/>
+          </a:xfrm>
+          <a:prstGeom prst="ellipse">
+            <a:avLst/>
+          </a:prstGeom>
+          <a:solidFill>
+            <a:srgbClr val="7030A0"/>
+          </a:solidFill>
+          <a:ln>
+            <a:solidFill>
+              <a:srgbClr val="7030A0"/>
+            </a:solidFill>
+          </a:ln>
+        </p:spPr>
+        <p:style>
+          <a:lnRef idx="2">
+            <a:schemeClr val="accent1">
+              <a:shade val="50000"/>
+            </a:schemeClr>
+          </a:lnRef>
+          <a:fillRef idx="1">
+            <a:schemeClr val="accent1"/>
+          </a:fillRef>
+          <a:effectRef idx="0">
+            <a:schemeClr val="accent1"/>
+          </a:effectRef>
+          <a:fontRef idx="minor">
+            <a:schemeClr val="lt1"/>
+          </a:fontRef>
+        </p:style>
+        <p:txBody>
+          <a:bodyPr rtlCol="0" anchor="ctr"/>
+          <a:lstStyle/>
+          <a:p>
+            <a:pPr algn="ctr"/>
+            <a:r>
+              <a:rPr lang="en-CA" noProof="0" dirty="0"/>
+              <a:t>2</a:t>
+            </a:r>
+          </a:p>
+        </p:txBody>
+      </p:sp>
+      <p:sp>
+        <p:nvSpPr>
+          <p:cNvPr id="11" name="Isosceles Triangle 10"/>
+          <p:cNvSpPr/>
+          <p:nvPr/>
+        </p:nvSpPr>
+        <p:spPr>
+          <a:xfrm rot="10800000">
+            <a:off x="990600" y="1562100"/>
+            <a:ext cx="3126260" cy="2375773"/>
+          </a:xfrm>
+          <a:prstGeom prst="triangle">
+            <a:avLst>
+              <a:gd name="adj" fmla="val 0"/>
+            </a:avLst>
+          </a:prstGeom>
+        </p:spPr>
+        <p:style>
+          <a:lnRef idx="2">
+            <a:schemeClr val="accent1">
+              <a:shade val="50000"/>
+            </a:schemeClr>
+          </a:lnRef>
+          <a:fillRef idx="1">
+            <a:schemeClr val="accent1"/>
+          </a:fillRef>
+          <a:effectRef idx="0">
+            <a:schemeClr val="accent1"/>
+          </a:effectRef>
+          <a:fontRef idx="minor">
+            <a:schemeClr val="lt1"/>
+          </a:fontRef>
+        </p:style>
+        <p:txBody>
+          <a:bodyPr rtlCol="0" anchor="ctr"/>
+          <a:lstStyle/>
+          <a:p>
+            <a:pPr algn="ctr"/>
+            <a:endParaRPr lang="en-CA" noProof="0" dirty="0"/>
+          </a:p>
+        </p:txBody>
+      </p:sp>
+      <p:sp>
+        <p:nvSpPr>
+          <p:cNvPr id="8" name="Oval 7"/>
+          <p:cNvSpPr/>
+          <p:nvPr/>
+        </p:nvSpPr>
+        <p:spPr>
+          <a:xfrm>
+            <a:off x="2209800" y="2571750"/>
+            <a:ext cx="457200" cy="381000"/>
+          </a:xfrm>
+          <a:prstGeom prst="ellipse">
+            <a:avLst/>
+          </a:prstGeom>
+          <a:solidFill>
+            <a:srgbClr val="7030A0"/>
+          </a:solidFill>
+          <a:ln>
+            <a:solidFill>
+              <a:srgbClr val="7030A0"/>
+            </a:solidFill>
+          </a:ln>
+        </p:spPr>
+        <p:style>
+          <a:lnRef idx="2">
+            <a:schemeClr val="accent1">
+              <a:shade val="50000"/>
+            </a:schemeClr>
+          </a:lnRef>
+          <a:fillRef idx="1">
+            <a:schemeClr val="accent1"/>
+          </a:fillRef>
+          <a:effectRef idx="0">
+            <a:schemeClr val="accent1"/>
+          </a:effectRef>
+          <a:fontRef idx="minor">
+            <a:schemeClr val="lt1"/>
+          </a:fontRef>
+        </p:style>
+        <p:txBody>
+          <a:bodyPr rtlCol="0" anchor="ctr"/>
+          <a:lstStyle/>
+          <a:p>
+            <a:pPr algn="ctr"/>
+            <a:r>
+              <a:rPr lang="en-CA" noProof="0" dirty="0"/>
+              <a:t>4</a:t>
+            </a:r>
+          </a:p>
+        </p:txBody>
+      </p:sp>
+    </p:spTree>
+    <p:extLst>
+      <p:ext uri="{BB962C8B-B14F-4D97-AF65-F5344CB8AC3E}">
+        <p14:creationId xmlns:p14="http://schemas.microsoft.com/office/powerpoint/2010/main" val="3036793375"/>
+      </p:ext>
+    </p:extLst>
+  </p:cSld>
+  <p:clrMapOvr>
+    <a:masterClrMapping/>
+  </p:clrMapOvr>
+</p:sld>
+</file>
+
+<file path=ppt/slides/slide21.xml><?xml version="1.0" encoding="utf-8"?>
+<p:sld xmlns:a="http://schemas.openxmlformats.org/drawingml/2006/main" xmlns:r="http://schemas.openxmlformats.org/officeDocument/2006/relationships" xmlns:p="http://schemas.openxmlformats.org/presentationml/2006/main">
+  <p:cSld>
+    <p:spTree>
+      <p:nvGrpSpPr>
+        <p:cNvPr id="1" name=""/>
+        <p:cNvGrpSpPr/>
+        <p:nvPr/>
+      </p:nvGrpSpPr>
+      <p:grpSpPr>
+        <a:xfrm>
+          <a:off x="0" y="0"/>
+          <a:ext cx="0" cy="0"/>
+          <a:chOff x="0" y="0"/>
+          <a:chExt cx="0" cy="0"/>
+        </a:xfrm>
+      </p:grpSpPr>
+      <p:sp>
+        <p:nvSpPr>
+          <p:cNvPr id="4" name="Isosceles Triangle 3"/>
+          <p:cNvSpPr/>
+          <p:nvPr/>
+        </p:nvSpPr>
+        <p:spPr>
+          <a:xfrm>
+            <a:off x="838200" y="1504950"/>
+            <a:ext cx="3352800" cy="2514600"/>
+          </a:xfrm>
+          <a:prstGeom prst="triangle">
+            <a:avLst/>
+          </a:prstGeom>
+        </p:spPr>
+        <p:style>
+          <a:lnRef idx="2">
+            <a:schemeClr val="accent1">
+              <a:shade val="50000"/>
+            </a:schemeClr>
+          </a:lnRef>
+          <a:fillRef idx="1">
+            <a:schemeClr val="accent1"/>
+          </a:fillRef>
+          <a:effectRef idx="0">
+            <a:schemeClr val="accent1"/>
+          </a:effectRef>
+          <a:fontRef idx="minor">
+            <a:schemeClr val="lt1"/>
+          </a:fontRef>
+        </p:style>
+        <p:txBody>
+          <a:bodyPr rtlCol="0" anchor="ctr"/>
+          <a:lstStyle/>
+          <a:p>
+            <a:pPr algn="ctr"/>
+            <a:endParaRPr lang="en-CA" noProof="0" dirty="0"/>
+          </a:p>
+        </p:txBody>
+      </p:sp>
+      <p:sp>
+        <p:nvSpPr>
+          <p:cNvPr id="5" name="Oval 4"/>
+          <p:cNvSpPr/>
+          <p:nvPr/>
+        </p:nvSpPr>
+        <p:spPr>
+          <a:xfrm>
+            <a:off x="2286000" y="1352550"/>
+            <a:ext cx="457200" cy="381000"/>
+          </a:xfrm>
+          <a:prstGeom prst="ellipse">
+            <a:avLst/>
+          </a:prstGeom>
+          <a:solidFill>
+            <a:srgbClr val="7030A0"/>
+          </a:solidFill>
+          <a:ln>
+            <a:solidFill>
+              <a:srgbClr val="7030A0"/>
+            </a:solidFill>
+          </a:ln>
+        </p:spPr>
+        <p:style>
+          <a:lnRef idx="2">
+            <a:schemeClr val="accent1">
+              <a:shade val="50000"/>
+            </a:schemeClr>
+          </a:lnRef>
+          <a:fillRef idx="1">
+            <a:schemeClr val="accent1"/>
+          </a:fillRef>
+          <a:effectRef idx="0">
+            <a:schemeClr val="accent1"/>
+          </a:effectRef>
+          <a:fontRef idx="minor">
+            <a:schemeClr val="lt1"/>
+          </a:fontRef>
+        </p:style>
+        <p:txBody>
+          <a:bodyPr rtlCol="0" anchor="ctr"/>
+          <a:lstStyle/>
+          <a:p>
+            <a:pPr algn="ctr"/>
+            <a:r>
+              <a:rPr lang="en-CA" noProof="0" dirty="0"/>
+              <a:t>0</a:t>
+            </a:r>
+          </a:p>
+        </p:txBody>
+      </p:sp>
+      <p:sp>
+        <p:nvSpPr>
+          <p:cNvPr id="6" name="Oval 5"/>
+          <p:cNvSpPr/>
+          <p:nvPr/>
+        </p:nvSpPr>
+        <p:spPr>
+          <a:xfrm>
+            <a:off x="609600" y="3829050"/>
+            <a:ext cx="457200" cy="381000"/>
+          </a:xfrm>
+          <a:prstGeom prst="ellipse">
+            <a:avLst/>
+          </a:prstGeom>
+          <a:solidFill>
+            <a:srgbClr val="7030A0"/>
+          </a:solidFill>
+          <a:ln>
+            <a:solidFill>
+              <a:srgbClr val="7030A0"/>
+            </a:solidFill>
+          </a:ln>
+        </p:spPr>
+        <p:style>
+          <a:lnRef idx="2">
+            <a:schemeClr val="accent1">
+              <a:shade val="50000"/>
+            </a:schemeClr>
+          </a:lnRef>
+          <a:fillRef idx="1">
+            <a:schemeClr val="accent1"/>
+          </a:fillRef>
+          <a:effectRef idx="0">
+            <a:schemeClr val="accent1"/>
+          </a:effectRef>
+          <a:fontRef idx="minor">
+            <a:schemeClr val="lt1"/>
+          </a:fontRef>
+        </p:style>
+        <p:txBody>
+          <a:bodyPr rtlCol="0" anchor="ctr"/>
+          <a:lstStyle/>
+          <a:p>
+            <a:pPr algn="ctr"/>
+            <a:r>
+              <a:rPr lang="en-CA" noProof="0" dirty="0"/>
+              <a:t>1</a:t>
+            </a:r>
+          </a:p>
+        </p:txBody>
+      </p:sp>
+      <p:sp>
+        <p:nvSpPr>
+          <p:cNvPr id="7" name="Oval 6"/>
+          <p:cNvSpPr/>
+          <p:nvPr/>
+        </p:nvSpPr>
+        <p:spPr>
+          <a:xfrm>
+            <a:off x="3954162" y="3829050"/>
+            <a:ext cx="457200" cy="381000"/>
+          </a:xfrm>
+          <a:prstGeom prst="ellipse">
+            <a:avLst/>
+          </a:prstGeom>
+          <a:solidFill>
+            <a:srgbClr val="7030A0"/>
+          </a:solidFill>
+          <a:ln>
+            <a:solidFill>
+              <a:srgbClr val="7030A0"/>
+            </a:solidFill>
+          </a:ln>
+        </p:spPr>
+        <p:style>
+          <a:lnRef idx="2">
+            <a:schemeClr val="accent1">
+              <a:shade val="50000"/>
+            </a:schemeClr>
+          </a:lnRef>
+          <a:fillRef idx="1">
+            <a:schemeClr val="accent1"/>
+          </a:fillRef>
+          <a:effectRef idx="0">
+            <a:schemeClr val="accent1"/>
+          </a:effectRef>
+          <a:fontRef idx="minor">
+            <a:schemeClr val="lt1"/>
+          </a:fontRef>
+        </p:style>
+        <p:txBody>
+          <a:bodyPr rtlCol="0" anchor="ctr"/>
+          <a:lstStyle/>
+          <a:p>
+            <a:pPr algn="ctr"/>
+            <a:r>
+              <a:rPr lang="en-CA" noProof="0" dirty="0"/>
+              <a:t>2</a:t>
+            </a:r>
+          </a:p>
+        </p:txBody>
+      </p:sp>
+      <p:sp>
+        <p:nvSpPr>
+          <p:cNvPr id="8" name="Oval 7"/>
+          <p:cNvSpPr/>
+          <p:nvPr/>
+        </p:nvSpPr>
+        <p:spPr>
+          <a:xfrm>
+            <a:off x="1409700" y="2571750"/>
+            <a:ext cx="457200" cy="381000"/>
+          </a:xfrm>
+          <a:prstGeom prst="ellipse">
+            <a:avLst/>
+          </a:prstGeom>
+          <a:solidFill>
+            <a:srgbClr val="7030A0"/>
+          </a:solidFill>
+          <a:ln>
+            <a:solidFill>
+              <a:srgbClr val="7030A0"/>
+            </a:solidFill>
+          </a:ln>
+        </p:spPr>
+        <p:style>
+          <a:lnRef idx="2">
+            <a:schemeClr val="accent1">
+              <a:shade val="50000"/>
+            </a:schemeClr>
+          </a:lnRef>
+          <a:fillRef idx="1">
+            <a:schemeClr val="accent1"/>
+          </a:fillRef>
+          <a:effectRef idx="0">
+            <a:schemeClr val="accent1"/>
+          </a:effectRef>
+          <a:fontRef idx="minor">
+            <a:schemeClr val="lt1"/>
+          </a:fontRef>
+        </p:style>
+        <p:txBody>
+          <a:bodyPr rtlCol="0" anchor="ctr"/>
+          <a:lstStyle/>
+          <a:p>
+            <a:pPr algn="ctr"/>
+            <a:r>
+              <a:rPr lang="en-CA" noProof="0" dirty="0"/>
+              <a:t>A</a:t>
+            </a:r>
+          </a:p>
+        </p:txBody>
+      </p:sp>
+      <p:sp>
+        <p:nvSpPr>
+          <p:cNvPr id="10" name="Oval 9"/>
+          <p:cNvSpPr/>
+          <p:nvPr/>
+        </p:nvSpPr>
+        <p:spPr>
+          <a:xfrm>
+            <a:off x="2895600" y="2266950"/>
+            <a:ext cx="381000" cy="358346"/>
+          </a:xfrm>
+          <a:prstGeom prst="ellipse">
+            <a:avLst/>
+          </a:prstGeom>
+          <a:solidFill>
+            <a:srgbClr val="7030A0"/>
+          </a:solidFill>
+          <a:ln>
+            <a:solidFill>
+              <a:srgbClr val="7030A0"/>
+            </a:solidFill>
+          </a:ln>
+        </p:spPr>
+        <p:style>
+          <a:lnRef idx="2">
+            <a:schemeClr val="accent1">
+              <a:shade val="50000"/>
+            </a:schemeClr>
+          </a:lnRef>
+          <a:fillRef idx="1">
+            <a:schemeClr val="accent1"/>
+          </a:fillRef>
+          <a:effectRef idx="0">
+            <a:schemeClr val="accent1"/>
+          </a:effectRef>
+          <a:fontRef idx="minor">
+            <a:schemeClr val="lt1"/>
+          </a:fontRef>
+        </p:style>
+        <p:txBody>
+          <a:bodyPr rtlCol="0" anchor="ctr"/>
+          <a:lstStyle/>
+          <a:p>
+            <a:pPr algn="ctr"/>
+            <a:r>
+              <a:rPr lang="en-CA" noProof="0" dirty="0"/>
+              <a:t>B</a:t>
+            </a:r>
+          </a:p>
+        </p:txBody>
+      </p:sp>
+      <p:sp>
+        <p:nvSpPr>
+          <p:cNvPr id="11" name="Oval 10"/>
+          <p:cNvSpPr/>
+          <p:nvPr/>
+        </p:nvSpPr>
+        <p:spPr>
+          <a:xfrm>
+            <a:off x="2263346" y="3825446"/>
+            <a:ext cx="457200" cy="381000"/>
+          </a:xfrm>
+          <a:prstGeom prst="ellipse">
+            <a:avLst/>
+          </a:prstGeom>
+          <a:solidFill>
+            <a:srgbClr val="7030A0"/>
+          </a:solidFill>
+          <a:ln>
+            <a:solidFill>
+              <a:srgbClr val="7030A0"/>
+            </a:solidFill>
+          </a:ln>
+        </p:spPr>
+        <p:style>
+          <a:lnRef idx="2">
+            <a:schemeClr val="accent1">
+              <a:shade val="50000"/>
+            </a:schemeClr>
+          </a:lnRef>
+          <a:fillRef idx="1">
+            <a:schemeClr val="accent1"/>
+          </a:fillRef>
+          <a:effectRef idx="0">
+            <a:schemeClr val="accent1"/>
+          </a:effectRef>
+          <a:fontRef idx="minor">
+            <a:schemeClr val="lt1"/>
+          </a:fontRef>
+        </p:style>
+        <p:txBody>
+          <a:bodyPr rtlCol="0" anchor="ctr"/>
+          <a:lstStyle/>
+          <a:p>
+            <a:pPr algn="ctr"/>
+            <a:r>
+              <a:rPr lang="en-CA" noProof="0" dirty="0"/>
+              <a:t>C</a:t>
+            </a:r>
+          </a:p>
+        </p:txBody>
+      </p:sp>
+      <p:sp>
+        <p:nvSpPr>
+          <p:cNvPr id="12" name="Oval 11"/>
+          <p:cNvSpPr/>
+          <p:nvPr/>
+        </p:nvSpPr>
+        <p:spPr>
+          <a:xfrm>
+            <a:off x="3429000" y="3028950"/>
+            <a:ext cx="381000" cy="270304"/>
+          </a:xfrm>
+          <a:prstGeom prst="ellipse">
+            <a:avLst/>
+          </a:prstGeom>
+          <a:solidFill>
+            <a:srgbClr val="7030A0"/>
+          </a:solidFill>
+          <a:ln>
+            <a:solidFill>
+              <a:srgbClr val="7030A0"/>
+            </a:solidFill>
+          </a:ln>
+        </p:spPr>
+        <p:style>
+          <a:lnRef idx="2">
+            <a:schemeClr val="accent1">
+              <a:shade val="50000"/>
+            </a:schemeClr>
+          </a:lnRef>
+          <a:fillRef idx="1">
+            <a:schemeClr val="accent1"/>
+          </a:fillRef>
+          <a:effectRef idx="0">
+            <a:schemeClr val="accent1"/>
+          </a:effectRef>
+          <a:fontRef idx="minor">
+            <a:schemeClr val="lt1"/>
+          </a:fontRef>
+        </p:style>
+        <p:txBody>
+          <a:bodyPr rtlCol="0" anchor="ctr"/>
+          <a:lstStyle/>
+          <a:p>
+            <a:pPr algn="ctr"/>
+            <a:r>
+              <a:rPr lang="en-CA" noProof="0" dirty="0"/>
+              <a:t>B</a:t>
+            </a:r>
+          </a:p>
+        </p:txBody>
+      </p:sp>
+      <p:sp>
+        <p:nvSpPr>
+          <p:cNvPr id="13" name="Oval 12"/>
+          <p:cNvSpPr/>
+          <p:nvPr/>
+        </p:nvSpPr>
+        <p:spPr>
+          <a:xfrm>
+            <a:off x="1322173" y="3847585"/>
+            <a:ext cx="457200" cy="381000"/>
+          </a:xfrm>
+          <a:prstGeom prst="ellipse">
+            <a:avLst/>
+          </a:prstGeom>
+          <a:solidFill>
+            <a:srgbClr val="7030A0"/>
+          </a:solidFill>
+          <a:ln>
+            <a:solidFill>
+              <a:srgbClr val="7030A0"/>
+            </a:solidFill>
+          </a:ln>
+        </p:spPr>
+        <p:style>
+          <a:lnRef idx="2">
+            <a:schemeClr val="accent1">
+              <a:shade val="50000"/>
+            </a:schemeClr>
+          </a:lnRef>
+          <a:fillRef idx="1">
+            <a:schemeClr val="accent1"/>
+          </a:fillRef>
+          <a:effectRef idx="0">
+            <a:schemeClr val="accent1"/>
+          </a:effectRef>
+          <a:fontRef idx="minor">
+            <a:schemeClr val="lt1"/>
+          </a:fontRef>
+        </p:style>
+        <p:txBody>
+          <a:bodyPr rtlCol="0" anchor="ctr"/>
+          <a:lstStyle/>
+          <a:p>
+            <a:pPr algn="ctr"/>
+            <a:r>
+              <a:rPr lang="en-CA" noProof="0" dirty="0"/>
+              <a:t>C</a:t>
+            </a:r>
+          </a:p>
+        </p:txBody>
+      </p:sp>
+      <p:sp>
+        <p:nvSpPr>
+          <p:cNvPr id="14" name="Oval 13"/>
+          <p:cNvSpPr/>
+          <p:nvPr/>
+        </p:nvSpPr>
+        <p:spPr>
+          <a:xfrm>
+            <a:off x="2998573" y="3857882"/>
+            <a:ext cx="457200" cy="381000"/>
+          </a:xfrm>
+          <a:prstGeom prst="ellipse">
+            <a:avLst/>
+          </a:prstGeom>
+          <a:solidFill>
+            <a:srgbClr val="7030A0"/>
+          </a:solidFill>
+          <a:ln>
+            <a:solidFill>
+              <a:srgbClr val="7030A0"/>
+            </a:solidFill>
+          </a:ln>
+        </p:spPr>
+        <p:style>
+          <a:lnRef idx="2">
+            <a:schemeClr val="accent1">
+              <a:shade val="50000"/>
+            </a:schemeClr>
+          </a:lnRef>
+          <a:fillRef idx="1">
+            <a:schemeClr val="accent1"/>
+          </a:fillRef>
+          <a:effectRef idx="0">
+            <a:schemeClr val="accent1"/>
+          </a:effectRef>
+          <a:fontRef idx="minor">
+            <a:schemeClr val="lt1"/>
+          </a:fontRef>
+        </p:style>
+        <p:txBody>
+          <a:bodyPr rtlCol="0" anchor="ctr"/>
+          <a:lstStyle/>
+          <a:p>
+            <a:pPr algn="ctr"/>
+            <a:r>
+              <a:rPr lang="en-CA" noProof="0" dirty="0"/>
+              <a:t>C</a:t>
+            </a:r>
+          </a:p>
+        </p:txBody>
+      </p:sp>
+      <p:sp>
+        <p:nvSpPr>
+          <p:cNvPr id="15" name="Oval 14"/>
+          <p:cNvSpPr/>
+          <p:nvPr/>
+        </p:nvSpPr>
+        <p:spPr>
+          <a:xfrm>
+            <a:off x="2286000" y="2973602"/>
+            <a:ext cx="457200" cy="381000"/>
+          </a:xfrm>
+          <a:prstGeom prst="ellipse">
+            <a:avLst/>
+          </a:prstGeom>
+          <a:solidFill>
+            <a:srgbClr val="7030A0"/>
+          </a:solidFill>
+          <a:ln>
+            <a:solidFill>
+              <a:srgbClr val="7030A0"/>
+            </a:solidFill>
+          </a:ln>
+        </p:spPr>
+        <p:style>
+          <a:lnRef idx="2">
+            <a:schemeClr val="accent1">
+              <a:shade val="50000"/>
+            </a:schemeClr>
+          </a:lnRef>
+          <a:fillRef idx="1">
+            <a:schemeClr val="accent1"/>
+          </a:fillRef>
+          <a:effectRef idx="0">
+            <a:schemeClr val="accent1"/>
+          </a:effectRef>
+          <a:fontRef idx="minor">
+            <a:schemeClr val="lt1"/>
+          </a:fontRef>
+        </p:style>
+        <p:txBody>
+          <a:bodyPr rtlCol="0" anchor="ctr"/>
+          <a:lstStyle/>
+          <a:p>
+            <a:pPr algn="ctr"/>
+            <a:r>
+              <a:rPr lang="en-CA" noProof="0" dirty="0"/>
+              <a:t>C</a:t>
+            </a:r>
+          </a:p>
+        </p:txBody>
+      </p:sp>
+      <p:sp>
+        <p:nvSpPr>
+          <p:cNvPr id="16" name="Isosceles Triangle 15"/>
+          <p:cNvSpPr/>
+          <p:nvPr/>
+        </p:nvSpPr>
+        <p:spPr>
+          <a:xfrm>
+            <a:off x="5029200" y="1428750"/>
+            <a:ext cx="3352800" cy="2514600"/>
+          </a:xfrm>
+          <a:prstGeom prst="triangle">
+            <a:avLst/>
+          </a:prstGeom>
+        </p:spPr>
+        <p:style>
+          <a:lnRef idx="2">
+            <a:schemeClr val="accent1">
+              <a:shade val="50000"/>
+            </a:schemeClr>
+          </a:lnRef>
+          <a:fillRef idx="1">
+            <a:schemeClr val="accent1"/>
+          </a:fillRef>
+          <a:effectRef idx="0">
+            <a:schemeClr val="accent1"/>
+          </a:effectRef>
+          <a:fontRef idx="minor">
+            <a:schemeClr val="lt1"/>
+          </a:fontRef>
+        </p:style>
+        <p:txBody>
+          <a:bodyPr rtlCol="0" anchor="ctr"/>
+          <a:lstStyle/>
+          <a:p>
+            <a:pPr algn="ctr"/>
+            <a:endParaRPr lang="en-CA" noProof="0" dirty="0"/>
+          </a:p>
+        </p:txBody>
+      </p:sp>
+      <p:sp>
+        <p:nvSpPr>
+          <p:cNvPr id="17" name="Oval 16"/>
+          <p:cNvSpPr/>
+          <p:nvPr/>
+        </p:nvSpPr>
+        <p:spPr>
+          <a:xfrm>
+            <a:off x="6477000" y="1276350"/>
+            <a:ext cx="457200" cy="381000"/>
+          </a:xfrm>
+          <a:prstGeom prst="ellipse">
+            <a:avLst/>
+          </a:prstGeom>
+          <a:solidFill>
+            <a:srgbClr val="7030A0"/>
+          </a:solidFill>
+          <a:ln>
+            <a:solidFill>
+              <a:srgbClr val="7030A0"/>
+            </a:solidFill>
+          </a:ln>
+        </p:spPr>
+        <p:style>
+          <a:lnRef idx="2">
+            <a:schemeClr val="accent1">
+              <a:shade val="50000"/>
+            </a:schemeClr>
+          </a:lnRef>
+          <a:fillRef idx="1">
+            <a:schemeClr val="accent1"/>
+          </a:fillRef>
+          <a:effectRef idx="0">
+            <a:schemeClr val="accent1"/>
+          </a:effectRef>
+          <a:fontRef idx="minor">
+            <a:schemeClr val="lt1"/>
+          </a:fontRef>
+        </p:style>
+        <p:txBody>
+          <a:bodyPr rtlCol="0" anchor="ctr"/>
+          <a:lstStyle/>
+          <a:p>
+            <a:pPr algn="ctr"/>
+            <a:r>
+              <a:rPr lang="en-CA" noProof="0" dirty="0"/>
+              <a:t>0</a:t>
+            </a:r>
+          </a:p>
+        </p:txBody>
+      </p:sp>
+      <p:sp>
+        <p:nvSpPr>
+          <p:cNvPr id="18" name="Oval 17"/>
+          <p:cNvSpPr/>
+          <p:nvPr/>
+        </p:nvSpPr>
+        <p:spPr>
+          <a:xfrm>
+            <a:off x="4800600" y="3752850"/>
+            <a:ext cx="457200" cy="381000"/>
+          </a:xfrm>
+          <a:prstGeom prst="ellipse">
+            <a:avLst/>
+          </a:prstGeom>
+          <a:solidFill>
+            <a:srgbClr val="7030A0"/>
+          </a:solidFill>
+          <a:ln>
+            <a:solidFill>
+              <a:srgbClr val="7030A0"/>
+            </a:solidFill>
+          </a:ln>
+        </p:spPr>
+        <p:style>
+          <a:lnRef idx="2">
+            <a:schemeClr val="accent1">
+              <a:shade val="50000"/>
+            </a:schemeClr>
+          </a:lnRef>
+          <a:fillRef idx="1">
+            <a:schemeClr val="accent1"/>
+          </a:fillRef>
+          <a:effectRef idx="0">
+            <a:schemeClr val="accent1"/>
+          </a:effectRef>
+          <a:fontRef idx="minor">
+            <a:schemeClr val="lt1"/>
+          </a:fontRef>
+        </p:style>
+        <p:txBody>
+          <a:bodyPr rtlCol="0" anchor="ctr"/>
+          <a:lstStyle/>
+          <a:p>
+            <a:pPr algn="ctr"/>
+            <a:r>
+              <a:rPr lang="en-CA" noProof="0" dirty="0"/>
+              <a:t>1</a:t>
+            </a:r>
+          </a:p>
+        </p:txBody>
+      </p:sp>
+      <p:sp>
+        <p:nvSpPr>
+          <p:cNvPr id="19" name="Oval 18"/>
+          <p:cNvSpPr/>
+          <p:nvPr/>
+        </p:nvSpPr>
+        <p:spPr>
+          <a:xfrm>
+            <a:off x="8145162" y="3752850"/>
+            <a:ext cx="457200" cy="381000"/>
+          </a:xfrm>
+          <a:prstGeom prst="ellipse">
+            <a:avLst/>
+          </a:prstGeom>
+          <a:solidFill>
+            <a:srgbClr val="7030A0"/>
+          </a:solidFill>
+          <a:ln>
+            <a:solidFill>
+              <a:srgbClr val="7030A0"/>
+            </a:solidFill>
+          </a:ln>
+        </p:spPr>
+        <p:style>
+          <a:lnRef idx="2">
+            <a:schemeClr val="accent1">
+              <a:shade val="50000"/>
+            </a:schemeClr>
+          </a:lnRef>
+          <a:fillRef idx="1">
+            <a:schemeClr val="accent1"/>
+          </a:fillRef>
+          <a:effectRef idx="0">
+            <a:schemeClr val="accent1"/>
+          </a:effectRef>
+          <a:fontRef idx="minor">
+            <a:schemeClr val="lt1"/>
+          </a:fontRef>
+        </p:style>
+        <p:txBody>
+          <a:bodyPr rtlCol="0" anchor="ctr"/>
+          <a:lstStyle/>
+          <a:p>
+            <a:pPr algn="ctr"/>
+            <a:r>
+              <a:rPr lang="en-CA" noProof="0" dirty="0"/>
+              <a:t>2</a:t>
+            </a:r>
+          </a:p>
+        </p:txBody>
+      </p:sp>
+      <p:sp>
+        <p:nvSpPr>
+          <p:cNvPr id="26" name="Oval 25"/>
+          <p:cNvSpPr/>
+          <p:nvPr/>
+        </p:nvSpPr>
+        <p:spPr>
+          <a:xfrm>
+            <a:off x="6477000" y="2897402"/>
+            <a:ext cx="457200" cy="381000"/>
+          </a:xfrm>
+          <a:prstGeom prst="ellipse">
+            <a:avLst/>
+          </a:prstGeom>
+          <a:solidFill>
+            <a:srgbClr val="7030A0"/>
+          </a:solidFill>
+          <a:ln>
+            <a:solidFill>
+              <a:srgbClr val="7030A0"/>
+            </a:solidFill>
+          </a:ln>
+        </p:spPr>
+        <p:style>
+          <a:lnRef idx="2">
+            <a:schemeClr val="accent1">
+              <a:shade val="50000"/>
+            </a:schemeClr>
+          </a:lnRef>
+          <a:fillRef idx="1">
+            <a:schemeClr val="accent1"/>
+          </a:fillRef>
+          <a:effectRef idx="0">
+            <a:schemeClr val="accent1"/>
+          </a:effectRef>
+          <a:fontRef idx="minor">
+            <a:schemeClr val="lt1"/>
+          </a:fontRef>
+        </p:style>
+        <p:txBody>
+          <a:bodyPr rtlCol="0" anchor="ctr"/>
+          <a:lstStyle/>
+          <a:p>
+            <a:pPr algn="ctr"/>
+            <a:r>
+              <a:rPr lang="en-CA" noProof="0" dirty="0"/>
+              <a:t>C</a:t>
+            </a:r>
+          </a:p>
+        </p:txBody>
+      </p:sp>
+    </p:spTree>
+    <p:extLst>
+      <p:ext uri="{BB962C8B-B14F-4D97-AF65-F5344CB8AC3E}">
+        <p14:creationId xmlns:p14="http://schemas.microsoft.com/office/powerpoint/2010/main" val="3223387042"/>
+      </p:ext>
+    </p:extLst>
+  </p:cSld>
+  <p:clrMapOvr>
+    <a:masterClrMapping/>
+  </p:clrMapOvr>
+</p:sld>
+</file>
+
+<file path=ppt/slides/slide22.xml><?xml version="1.0" encoding="utf-8"?>
+<p:sld xmlns:a="http://schemas.openxmlformats.org/drawingml/2006/main" xmlns:r="http://schemas.openxmlformats.org/officeDocument/2006/relationships" xmlns:p="http://schemas.openxmlformats.org/presentationml/2006/main">
+  <p:cSld>
+    <p:spTree>
+      <p:nvGrpSpPr>
+        <p:cNvPr id="1" name=""/>
+        <p:cNvGrpSpPr/>
+        <p:nvPr/>
+      </p:nvGrpSpPr>
+      <p:grpSpPr>
+        <a:xfrm>
+          <a:off x="0" y="0"/>
+          <a:ext cx="0" cy="0"/>
+          <a:chOff x="0" y="0"/>
+          <a:chExt cx="0" cy="0"/>
+        </a:xfrm>
+      </p:grpSpPr>
+      <p:sp>
+        <p:nvSpPr>
+          <p:cNvPr id="16" name="Isosceles Triangle 15"/>
+          <p:cNvSpPr/>
+          <p:nvPr/>
+        </p:nvSpPr>
+        <p:spPr>
+          <a:xfrm>
+            <a:off x="762000" y="1428750"/>
+            <a:ext cx="3352800" cy="2514600"/>
+          </a:xfrm>
+          <a:prstGeom prst="triangle">
+            <a:avLst/>
+          </a:prstGeom>
+        </p:spPr>
+        <p:style>
+          <a:lnRef idx="2">
+            <a:schemeClr val="accent1">
+              <a:shade val="50000"/>
+            </a:schemeClr>
+          </a:lnRef>
+          <a:fillRef idx="1">
+            <a:schemeClr val="accent1"/>
+          </a:fillRef>
+          <a:effectRef idx="0">
+            <a:schemeClr val="accent1"/>
+          </a:effectRef>
+          <a:fontRef idx="minor">
+            <a:schemeClr val="lt1"/>
+          </a:fontRef>
+        </p:style>
+        <p:txBody>
+          <a:bodyPr rtlCol="0" anchor="ctr"/>
+          <a:lstStyle/>
+          <a:p>
+            <a:pPr algn="ctr"/>
+            <a:endParaRPr lang="en-CA" noProof="0" dirty="0"/>
+          </a:p>
+        </p:txBody>
+      </p:sp>
+      <p:sp>
+        <p:nvSpPr>
+          <p:cNvPr id="17" name="Oval 16"/>
+          <p:cNvSpPr/>
+          <p:nvPr/>
+        </p:nvSpPr>
+        <p:spPr>
+          <a:xfrm>
+            <a:off x="2209800" y="1276350"/>
+            <a:ext cx="457200" cy="381000"/>
+          </a:xfrm>
+          <a:prstGeom prst="ellipse">
+            <a:avLst/>
+          </a:prstGeom>
+          <a:solidFill>
+            <a:srgbClr val="7030A0"/>
+          </a:solidFill>
+          <a:ln>
+            <a:solidFill>
+              <a:srgbClr val="7030A0"/>
+            </a:solidFill>
+          </a:ln>
+        </p:spPr>
+        <p:style>
+          <a:lnRef idx="2">
+            <a:schemeClr val="accent1">
+              <a:shade val="50000"/>
+            </a:schemeClr>
+          </a:lnRef>
+          <a:fillRef idx="1">
+            <a:schemeClr val="accent1"/>
+          </a:fillRef>
+          <a:effectRef idx="0">
+            <a:schemeClr val="accent1"/>
+          </a:effectRef>
+          <a:fontRef idx="minor">
+            <a:schemeClr val="lt1"/>
+          </a:fontRef>
+        </p:style>
+        <p:txBody>
+          <a:bodyPr rtlCol="0" anchor="ctr"/>
+          <a:lstStyle/>
+          <a:p>
+            <a:pPr algn="ctr"/>
+            <a:r>
+              <a:rPr lang="en-CA" noProof="0" dirty="0"/>
+              <a:t>0</a:t>
+            </a:r>
+          </a:p>
+        </p:txBody>
+      </p:sp>
+      <p:sp>
+        <p:nvSpPr>
+          <p:cNvPr id="18" name="Oval 17"/>
+          <p:cNvSpPr/>
+          <p:nvPr/>
+        </p:nvSpPr>
+        <p:spPr>
+          <a:xfrm>
+            <a:off x="533400" y="3752850"/>
+            <a:ext cx="457200" cy="381000"/>
+          </a:xfrm>
+          <a:prstGeom prst="ellipse">
+            <a:avLst/>
+          </a:prstGeom>
+          <a:solidFill>
+            <a:srgbClr val="7030A0"/>
+          </a:solidFill>
+          <a:ln>
+            <a:solidFill>
+              <a:srgbClr val="7030A0"/>
+            </a:solidFill>
+          </a:ln>
+        </p:spPr>
+        <p:style>
+          <a:lnRef idx="2">
+            <a:schemeClr val="accent1">
+              <a:shade val="50000"/>
+            </a:schemeClr>
+          </a:lnRef>
+          <a:fillRef idx="1">
+            <a:schemeClr val="accent1"/>
+          </a:fillRef>
+          <a:effectRef idx="0">
+            <a:schemeClr val="accent1"/>
+          </a:effectRef>
+          <a:fontRef idx="minor">
+            <a:schemeClr val="lt1"/>
+          </a:fontRef>
+        </p:style>
+        <p:txBody>
+          <a:bodyPr rtlCol="0" anchor="ctr"/>
+          <a:lstStyle/>
+          <a:p>
+            <a:pPr algn="ctr"/>
+            <a:r>
+              <a:rPr lang="en-CA" noProof="0" dirty="0"/>
+              <a:t>1</a:t>
+            </a:r>
+          </a:p>
+        </p:txBody>
+      </p:sp>
+      <p:sp>
+        <p:nvSpPr>
+          <p:cNvPr id="19" name="Oval 18"/>
+          <p:cNvSpPr/>
+          <p:nvPr/>
+        </p:nvSpPr>
+        <p:spPr>
+          <a:xfrm>
+            <a:off x="3877962" y="3752850"/>
+            <a:ext cx="457200" cy="381000"/>
+          </a:xfrm>
+          <a:prstGeom prst="ellipse">
+            <a:avLst/>
+          </a:prstGeom>
+          <a:solidFill>
+            <a:srgbClr val="7030A0"/>
+          </a:solidFill>
+          <a:ln>
+            <a:solidFill>
+              <a:srgbClr val="7030A0"/>
+            </a:solidFill>
+          </a:ln>
+        </p:spPr>
+        <p:style>
+          <a:lnRef idx="2">
+            <a:schemeClr val="accent1">
+              <a:shade val="50000"/>
+            </a:schemeClr>
+          </a:lnRef>
+          <a:fillRef idx="1">
+            <a:schemeClr val="accent1"/>
+          </a:fillRef>
+          <a:effectRef idx="0">
+            <a:schemeClr val="accent1"/>
+          </a:effectRef>
+          <a:fontRef idx="minor">
+            <a:schemeClr val="lt1"/>
+          </a:fontRef>
+        </p:style>
+        <p:txBody>
+          <a:bodyPr rtlCol="0" anchor="ctr"/>
+          <a:lstStyle/>
+          <a:p>
+            <a:pPr algn="ctr"/>
+            <a:r>
+              <a:rPr lang="en-CA" noProof="0" dirty="0"/>
+              <a:t>2</a:t>
+            </a:r>
+          </a:p>
+        </p:txBody>
+      </p:sp>
+      <p:sp>
+        <p:nvSpPr>
+          <p:cNvPr id="26" name="Oval 25"/>
+          <p:cNvSpPr/>
+          <p:nvPr/>
+        </p:nvSpPr>
+        <p:spPr>
+          <a:xfrm>
+            <a:off x="2209800" y="2897402"/>
+            <a:ext cx="457200" cy="381000"/>
+          </a:xfrm>
+          <a:prstGeom prst="ellipse">
+            <a:avLst/>
+          </a:prstGeom>
+          <a:solidFill>
+            <a:srgbClr val="7030A0"/>
+          </a:solidFill>
+          <a:ln>
+            <a:solidFill>
+              <a:srgbClr val="7030A0"/>
+            </a:solidFill>
+          </a:ln>
+        </p:spPr>
+        <p:style>
+          <a:lnRef idx="2">
+            <a:schemeClr val="accent1">
+              <a:shade val="50000"/>
+            </a:schemeClr>
+          </a:lnRef>
+          <a:fillRef idx="1">
+            <a:schemeClr val="accent1"/>
+          </a:fillRef>
+          <a:effectRef idx="0">
+            <a:schemeClr val="accent1"/>
+          </a:effectRef>
+          <a:fontRef idx="minor">
+            <a:schemeClr val="lt1"/>
+          </a:fontRef>
+        </p:style>
+        <p:txBody>
+          <a:bodyPr rtlCol="0" anchor="ctr"/>
+          <a:lstStyle/>
+          <a:p>
+            <a:pPr algn="ctr"/>
+            <a:r>
+              <a:rPr lang="en-CA" noProof="0" dirty="0"/>
+              <a:t>C</a:t>
+            </a:r>
+          </a:p>
+        </p:txBody>
+      </p:sp>
+      <p:sp>
+        <p:nvSpPr>
+          <p:cNvPr id="20" name="Isosceles Triangle 19"/>
+          <p:cNvSpPr/>
+          <p:nvPr/>
+        </p:nvSpPr>
+        <p:spPr>
+          <a:xfrm>
+            <a:off x="4800600" y="1504950"/>
+            <a:ext cx="3352800" cy="2514600"/>
+          </a:xfrm>
+          <a:prstGeom prst="triangle">
+            <a:avLst/>
+          </a:prstGeom>
+        </p:spPr>
+        <p:style>
+          <a:lnRef idx="2">
+            <a:schemeClr val="accent1">
+              <a:shade val="50000"/>
+            </a:schemeClr>
+          </a:lnRef>
+          <a:fillRef idx="1">
+            <a:schemeClr val="accent1"/>
+          </a:fillRef>
+          <a:effectRef idx="0">
+            <a:schemeClr val="accent1"/>
+          </a:effectRef>
+          <a:fontRef idx="minor">
+            <a:schemeClr val="lt1"/>
+          </a:fontRef>
+        </p:style>
+        <p:txBody>
+          <a:bodyPr rtlCol="0" anchor="ctr"/>
+          <a:lstStyle/>
+          <a:p>
+            <a:pPr algn="ctr"/>
+            <a:endParaRPr lang="en-CA" noProof="0" dirty="0"/>
+          </a:p>
+        </p:txBody>
+      </p:sp>
+      <p:sp>
+        <p:nvSpPr>
+          <p:cNvPr id="21" name="Oval 20"/>
+          <p:cNvSpPr/>
+          <p:nvPr/>
+        </p:nvSpPr>
+        <p:spPr>
+          <a:xfrm>
+            <a:off x="6248400" y="1352550"/>
+            <a:ext cx="457200" cy="381000"/>
+          </a:xfrm>
+          <a:prstGeom prst="ellipse">
+            <a:avLst/>
+          </a:prstGeom>
+          <a:solidFill>
+            <a:srgbClr val="7030A0"/>
+          </a:solidFill>
+          <a:ln>
+            <a:solidFill>
+              <a:srgbClr val="7030A0"/>
+            </a:solidFill>
+          </a:ln>
+        </p:spPr>
+        <p:style>
+          <a:lnRef idx="2">
+            <a:schemeClr val="accent1">
+              <a:shade val="50000"/>
+            </a:schemeClr>
+          </a:lnRef>
+          <a:fillRef idx="1">
+            <a:schemeClr val="accent1"/>
+          </a:fillRef>
+          <a:effectRef idx="0">
+            <a:schemeClr val="accent1"/>
+          </a:effectRef>
+          <a:fontRef idx="minor">
+            <a:schemeClr val="lt1"/>
+          </a:fontRef>
+        </p:style>
+        <p:txBody>
+          <a:bodyPr rtlCol="0" anchor="ctr"/>
+          <a:lstStyle/>
+          <a:p>
+            <a:pPr algn="ctr"/>
+            <a:r>
+              <a:rPr lang="en-CA" noProof="0" dirty="0"/>
+              <a:t>0</a:t>
+            </a:r>
+          </a:p>
+        </p:txBody>
+      </p:sp>
+      <p:sp>
+        <p:nvSpPr>
+          <p:cNvPr id="22" name="Oval 21"/>
+          <p:cNvSpPr/>
+          <p:nvPr/>
+        </p:nvSpPr>
+        <p:spPr>
+          <a:xfrm>
+            <a:off x="4572000" y="3829050"/>
+            <a:ext cx="457200" cy="381000"/>
+          </a:xfrm>
+          <a:prstGeom prst="ellipse">
+            <a:avLst/>
+          </a:prstGeom>
+          <a:solidFill>
+            <a:srgbClr val="7030A0"/>
+          </a:solidFill>
+          <a:ln>
+            <a:solidFill>
+              <a:srgbClr val="7030A0"/>
+            </a:solidFill>
+          </a:ln>
+        </p:spPr>
+        <p:style>
+          <a:lnRef idx="2">
+            <a:schemeClr val="accent1">
+              <a:shade val="50000"/>
+            </a:schemeClr>
+          </a:lnRef>
+          <a:fillRef idx="1">
+            <a:schemeClr val="accent1"/>
+          </a:fillRef>
+          <a:effectRef idx="0">
+            <a:schemeClr val="accent1"/>
+          </a:effectRef>
+          <a:fontRef idx="minor">
+            <a:schemeClr val="lt1"/>
+          </a:fontRef>
+        </p:style>
+        <p:txBody>
+          <a:bodyPr rtlCol="0" anchor="ctr"/>
+          <a:lstStyle/>
+          <a:p>
+            <a:pPr algn="ctr"/>
+            <a:r>
+              <a:rPr lang="en-CA" noProof="0" dirty="0"/>
+              <a:t>1</a:t>
+            </a:r>
+          </a:p>
+        </p:txBody>
+      </p:sp>
+      <p:sp>
+        <p:nvSpPr>
+          <p:cNvPr id="23" name="Oval 22"/>
+          <p:cNvSpPr/>
+          <p:nvPr/>
+        </p:nvSpPr>
+        <p:spPr>
+          <a:xfrm>
+            <a:off x="7916562" y="3829050"/>
+            <a:ext cx="457200" cy="381000"/>
+          </a:xfrm>
+          <a:prstGeom prst="ellipse">
+            <a:avLst/>
+          </a:prstGeom>
+          <a:solidFill>
+            <a:srgbClr val="7030A0"/>
+          </a:solidFill>
+          <a:ln>
+            <a:solidFill>
+              <a:srgbClr val="7030A0"/>
+            </a:solidFill>
+          </a:ln>
+        </p:spPr>
+        <p:style>
+          <a:lnRef idx="2">
+            <a:schemeClr val="accent1">
+              <a:shade val="50000"/>
+            </a:schemeClr>
+          </a:lnRef>
+          <a:fillRef idx="1">
+            <a:schemeClr val="accent1"/>
+          </a:fillRef>
+          <a:effectRef idx="0">
+            <a:schemeClr val="accent1"/>
+          </a:effectRef>
+          <a:fontRef idx="minor">
+            <a:schemeClr val="lt1"/>
+          </a:fontRef>
+        </p:style>
+        <p:txBody>
+          <a:bodyPr rtlCol="0" anchor="ctr"/>
+          <a:lstStyle/>
+          <a:p>
+            <a:pPr algn="ctr"/>
+            <a:r>
+              <a:rPr lang="en-CA" noProof="0" dirty="0"/>
+              <a:t>2</a:t>
+            </a:r>
+          </a:p>
+        </p:txBody>
+      </p:sp>
+      <p:sp>
+        <p:nvSpPr>
+          <p:cNvPr id="24" name="Oval 23"/>
+          <p:cNvSpPr/>
+          <p:nvPr/>
+        </p:nvSpPr>
+        <p:spPr>
+          <a:xfrm>
+            <a:off x="6172200" y="2495550"/>
+            <a:ext cx="457200" cy="381000"/>
+          </a:xfrm>
+          <a:prstGeom prst="ellipse">
+            <a:avLst/>
+          </a:prstGeom>
+          <a:solidFill>
+            <a:srgbClr val="7030A0"/>
+          </a:solidFill>
+          <a:ln>
+            <a:solidFill>
+              <a:srgbClr val="7030A0"/>
+            </a:solidFill>
+          </a:ln>
+        </p:spPr>
+        <p:style>
+          <a:lnRef idx="2">
+            <a:schemeClr val="accent1">
+              <a:shade val="50000"/>
+            </a:schemeClr>
+          </a:lnRef>
+          <a:fillRef idx="1">
+            <a:schemeClr val="accent1"/>
+          </a:fillRef>
+          <a:effectRef idx="0">
+            <a:schemeClr val="accent1"/>
+          </a:effectRef>
+          <a:fontRef idx="minor">
+            <a:schemeClr val="lt1"/>
+          </a:fontRef>
+        </p:style>
+        <p:txBody>
+          <a:bodyPr rtlCol="0" anchor="ctr"/>
+          <a:lstStyle/>
+          <a:p>
+            <a:pPr algn="ctr"/>
+            <a:r>
+              <a:rPr lang="en-CA" noProof="0" dirty="0"/>
+              <a:t>C</a:t>
+            </a:r>
+          </a:p>
+        </p:txBody>
+      </p:sp>
+      <p:sp>
+        <p:nvSpPr>
+          <p:cNvPr id="25" name="Oval 24"/>
+          <p:cNvSpPr/>
+          <p:nvPr/>
+        </p:nvSpPr>
+        <p:spPr>
+          <a:xfrm>
+            <a:off x="5715000" y="3278402"/>
+            <a:ext cx="457200" cy="381000"/>
+          </a:xfrm>
+          <a:prstGeom prst="ellipse">
+            <a:avLst/>
+          </a:prstGeom>
+          <a:solidFill>
+            <a:srgbClr val="7030A0"/>
+          </a:solidFill>
+          <a:ln>
+            <a:solidFill>
+              <a:srgbClr val="7030A0"/>
+            </a:solidFill>
+          </a:ln>
+        </p:spPr>
+        <p:style>
+          <a:lnRef idx="2">
+            <a:schemeClr val="accent1">
+              <a:shade val="50000"/>
+            </a:schemeClr>
+          </a:lnRef>
+          <a:fillRef idx="1">
+            <a:schemeClr val="accent1"/>
+          </a:fillRef>
+          <a:effectRef idx="0">
+            <a:schemeClr val="accent1"/>
+          </a:effectRef>
+          <a:fontRef idx="minor">
+            <a:schemeClr val="lt1"/>
+          </a:fontRef>
+        </p:style>
+        <p:txBody>
+          <a:bodyPr rtlCol="0" anchor="ctr"/>
+          <a:lstStyle/>
+          <a:p>
+            <a:pPr algn="ctr"/>
+            <a:r>
+              <a:rPr lang="en-CA" noProof="0" dirty="0"/>
+              <a:t>C</a:t>
+            </a:r>
+          </a:p>
+        </p:txBody>
+      </p:sp>
+      <p:sp>
+        <p:nvSpPr>
+          <p:cNvPr id="27" name="Oval 26"/>
+          <p:cNvSpPr/>
+          <p:nvPr/>
+        </p:nvSpPr>
+        <p:spPr>
+          <a:xfrm>
+            <a:off x="6728254" y="3254203"/>
+            <a:ext cx="457200" cy="381000"/>
+          </a:xfrm>
+          <a:prstGeom prst="ellipse">
+            <a:avLst/>
+          </a:prstGeom>
+          <a:solidFill>
+            <a:srgbClr val="7030A0"/>
+          </a:solidFill>
+          <a:ln>
+            <a:solidFill>
+              <a:srgbClr val="7030A0"/>
+            </a:solidFill>
+          </a:ln>
+        </p:spPr>
+        <p:style>
+          <a:lnRef idx="2">
+            <a:schemeClr val="accent1">
+              <a:shade val="50000"/>
+            </a:schemeClr>
+          </a:lnRef>
+          <a:fillRef idx="1">
+            <a:schemeClr val="accent1"/>
+          </a:fillRef>
+          <a:effectRef idx="0">
+            <a:schemeClr val="accent1"/>
+          </a:effectRef>
+          <a:fontRef idx="minor">
+            <a:schemeClr val="lt1"/>
+          </a:fontRef>
+        </p:style>
+        <p:txBody>
+          <a:bodyPr rtlCol="0" anchor="ctr"/>
+          <a:lstStyle/>
+          <a:p>
+            <a:pPr algn="ctr"/>
+            <a:r>
+              <a:rPr lang="en-CA" noProof="0" dirty="0"/>
+              <a:t>C</a:t>
+            </a:r>
+          </a:p>
+        </p:txBody>
+      </p:sp>
+    </p:spTree>
+    <p:extLst>
+      <p:ext uri="{BB962C8B-B14F-4D97-AF65-F5344CB8AC3E}">
+        <p14:creationId xmlns:p14="http://schemas.microsoft.com/office/powerpoint/2010/main" val="2735669733"/>
+      </p:ext>
+    </p:extLst>
+  </p:cSld>
+  <p:clrMapOvr>
+    <a:masterClrMapping/>
+  </p:clrMapOvr>
+</p:sld>
+</file>
+
+<file path=ppt/slides/slide23.xml><?xml version="1.0" encoding="utf-8"?>
+<p:sld xmlns:a="http://schemas.openxmlformats.org/drawingml/2006/main" xmlns:r="http://schemas.openxmlformats.org/officeDocument/2006/relationships" xmlns:p="http://schemas.openxmlformats.org/presentationml/2006/main">
+  <p:cSld>
+    <p:spTree>
+      <p:nvGrpSpPr>
+        <p:cNvPr id="1" name=""/>
+        <p:cNvGrpSpPr/>
+        <p:nvPr/>
+      </p:nvGrpSpPr>
+      <p:grpSpPr>
+        <a:xfrm>
+          <a:off x="0" y="0"/>
+          <a:ext cx="0" cy="0"/>
+          <a:chOff x="0" y="0"/>
+          <a:chExt cx="0" cy="0"/>
+        </a:xfrm>
+      </p:grpSpPr>
+      <p:sp>
+        <p:nvSpPr>
+          <p:cNvPr id="20" name="Isosceles Triangle 19"/>
+          <p:cNvSpPr/>
+          <p:nvPr/>
+        </p:nvSpPr>
+        <p:spPr>
+          <a:xfrm>
+            <a:off x="990600" y="1581150"/>
+            <a:ext cx="3352800" cy="2514600"/>
+          </a:xfrm>
+          <a:prstGeom prst="triangle">
+            <a:avLst/>
+          </a:prstGeom>
+        </p:spPr>
+        <p:style>
+          <a:lnRef idx="2">
+            <a:schemeClr val="accent1">
+              <a:shade val="50000"/>
+            </a:schemeClr>
+          </a:lnRef>
+          <a:fillRef idx="1">
+            <a:schemeClr val="accent1"/>
+          </a:fillRef>
+          <a:effectRef idx="0">
+            <a:schemeClr val="accent1"/>
+          </a:effectRef>
+          <a:fontRef idx="minor">
+            <a:schemeClr val="lt1"/>
+          </a:fontRef>
+        </p:style>
+        <p:txBody>
+          <a:bodyPr rtlCol="0" anchor="ctr"/>
+          <a:lstStyle/>
+          <a:p>
+            <a:pPr algn="ctr"/>
+            <a:endParaRPr lang="en-CA" noProof="0" dirty="0"/>
+          </a:p>
+        </p:txBody>
+      </p:sp>
+      <p:sp>
+        <p:nvSpPr>
+          <p:cNvPr id="21" name="Oval 20"/>
+          <p:cNvSpPr/>
+          <p:nvPr/>
+        </p:nvSpPr>
+        <p:spPr>
+          <a:xfrm>
+            <a:off x="2438400" y="1428750"/>
+            <a:ext cx="457200" cy="381000"/>
+          </a:xfrm>
+          <a:prstGeom prst="ellipse">
+            <a:avLst/>
+          </a:prstGeom>
+          <a:solidFill>
+            <a:srgbClr val="7030A0"/>
+          </a:solidFill>
+          <a:ln>
+            <a:solidFill>
+              <a:srgbClr val="7030A0"/>
+            </a:solidFill>
+          </a:ln>
+        </p:spPr>
+        <p:style>
+          <a:lnRef idx="2">
+            <a:schemeClr val="accent1">
+              <a:shade val="50000"/>
+            </a:schemeClr>
+          </a:lnRef>
+          <a:fillRef idx="1">
+            <a:schemeClr val="accent1"/>
+          </a:fillRef>
+          <a:effectRef idx="0">
+            <a:schemeClr val="accent1"/>
+          </a:effectRef>
+          <a:fontRef idx="minor">
+            <a:schemeClr val="lt1"/>
+          </a:fontRef>
+        </p:style>
+        <p:txBody>
+          <a:bodyPr rtlCol="0" anchor="ctr"/>
+          <a:lstStyle/>
+          <a:p>
+            <a:pPr algn="ctr"/>
+            <a:r>
+              <a:rPr lang="en-CA" noProof="0" dirty="0"/>
+              <a:t>0</a:t>
+            </a:r>
+          </a:p>
+        </p:txBody>
+      </p:sp>
+      <p:sp>
+        <p:nvSpPr>
+          <p:cNvPr id="22" name="Oval 21"/>
+          <p:cNvSpPr/>
+          <p:nvPr/>
+        </p:nvSpPr>
+        <p:spPr>
+          <a:xfrm>
+            <a:off x="762000" y="3905250"/>
+            <a:ext cx="457200" cy="381000"/>
+          </a:xfrm>
+          <a:prstGeom prst="ellipse">
+            <a:avLst/>
+          </a:prstGeom>
+          <a:solidFill>
+            <a:srgbClr val="7030A0"/>
+          </a:solidFill>
+          <a:ln>
+            <a:solidFill>
+              <a:srgbClr val="7030A0"/>
+            </a:solidFill>
+          </a:ln>
+        </p:spPr>
+        <p:style>
+          <a:lnRef idx="2">
+            <a:schemeClr val="accent1">
+              <a:shade val="50000"/>
+            </a:schemeClr>
+          </a:lnRef>
+          <a:fillRef idx="1">
+            <a:schemeClr val="accent1"/>
+          </a:fillRef>
+          <a:effectRef idx="0">
+            <a:schemeClr val="accent1"/>
+          </a:effectRef>
+          <a:fontRef idx="minor">
+            <a:schemeClr val="lt1"/>
+          </a:fontRef>
+        </p:style>
+        <p:txBody>
+          <a:bodyPr rtlCol="0" anchor="ctr"/>
+          <a:lstStyle/>
+          <a:p>
+            <a:pPr algn="ctr"/>
+            <a:r>
+              <a:rPr lang="en-CA" noProof="0" dirty="0"/>
+              <a:t>1</a:t>
+            </a:r>
+          </a:p>
+        </p:txBody>
+      </p:sp>
+      <p:sp>
+        <p:nvSpPr>
+          <p:cNvPr id="23" name="Oval 22"/>
+          <p:cNvSpPr/>
+          <p:nvPr/>
+        </p:nvSpPr>
+        <p:spPr>
+          <a:xfrm>
+            <a:off x="4106562" y="3905250"/>
+            <a:ext cx="457200" cy="381000"/>
+          </a:xfrm>
+          <a:prstGeom prst="ellipse">
+            <a:avLst/>
+          </a:prstGeom>
+          <a:solidFill>
+            <a:srgbClr val="7030A0"/>
+          </a:solidFill>
+          <a:ln>
+            <a:solidFill>
+              <a:srgbClr val="7030A0"/>
+            </a:solidFill>
+          </a:ln>
+        </p:spPr>
+        <p:style>
+          <a:lnRef idx="2">
+            <a:schemeClr val="accent1">
+              <a:shade val="50000"/>
+            </a:schemeClr>
+          </a:lnRef>
+          <a:fillRef idx="1">
+            <a:schemeClr val="accent1"/>
+          </a:fillRef>
+          <a:effectRef idx="0">
+            <a:schemeClr val="accent1"/>
+          </a:effectRef>
+          <a:fontRef idx="minor">
+            <a:schemeClr val="lt1"/>
+          </a:fontRef>
+        </p:style>
+        <p:txBody>
+          <a:bodyPr rtlCol="0" anchor="ctr"/>
+          <a:lstStyle/>
+          <a:p>
+            <a:pPr algn="ctr"/>
+            <a:r>
+              <a:rPr lang="en-CA" noProof="0" dirty="0"/>
+              <a:t>2</a:t>
+            </a:r>
+          </a:p>
+        </p:txBody>
+      </p:sp>
+      <p:sp>
+        <p:nvSpPr>
+          <p:cNvPr id="24" name="Oval 23"/>
+          <p:cNvSpPr/>
+          <p:nvPr/>
+        </p:nvSpPr>
+        <p:spPr>
+          <a:xfrm>
+            <a:off x="2362200" y="2571750"/>
+            <a:ext cx="457200" cy="381000"/>
+          </a:xfrm>
+          <a:prstGeom prst="ellipse">
+            <a:avLst/>
+          </a:prstGeom>
+          <a:solidFill>
+            <a:srgbClr val="7030A0"/>
+          </a:solidFill>
+          <a:ln>
+            <a:solidFill>
+              <a:srgbClr val="7030A0"/>
+            </a:solidFill>
+          </a:ln>
+        </p:spPr>
+        <p:style>
+          <a:lnRef idx="2">
+            <a:schemeClr val="accent1">
+              <a:shade val="50000"/>
+            </a:schemeClr>
+          </a:lnRef>
+          <a:fillRef idx="1">
+            <a:schemeClr val="accent1"/>
+          </a:fillRef>
+          <a:effectRef idx="0">
+            <a:schemeClr val="accent1"/>
+          </a:effectRef>
+          <a:fontRef idx="minor">
+            <a:schemeClr val="lt1"/>
+          </a:fontRef>
+        </p:style>
+        <p:txBody>
+          <a:bodyPr rtlCol="0" anchor="ctr"/>
+          <a:lstStyle/>
+          <a:p>
+            <a:pPr algn="ctr"/>
+            <a:r>
+              <a:rPr lang="en-CA" noProof="0" dirty="0"/>
+              <a:t>C</a:t>
+            </a:r>
+          </a:p>
+        </p:txBody>
+      </p:sp>
+      <p:sp>
+        <p:nvSpPr>
+          <p:cNvPr id="25" name="Oval 24"/>
+          <p:cNvSpPr/>
+          <p:nvPr/>
+        </p:nvSpPr>
+        <p:spPr>
+          <a:xfrm>
+            <a:off x="1905000" y="3354602"/>
+            <a:ext cx="457200" cy="381000"/>
+          </a:xfrm>
+          <a:prstGeom prst="ellipse">
+            <a:avLst/>
+          </a:prstGeom>
+          <a:solidFill>
+            <a:srgbClr val="7030A0"/>
+          </a:solidFill>
+          <a:ln>
+            <a:solidFill>
+              <a:srgbClr val="7030A0"/>
+            </a:solidFill>
+          </a:ln>
+        </p:spPr>
+        <p:style>
+          <a:lnRef idx="2">
+            <a:schemeClr val="accent1">
+              <a:shade val="50000"/>
+            </a:schemeClr>
+          </a:lnRef>
+          <a:fillRef idx="1">
+            <a:schemeClr val="accent1"/>
+          </a:fillRef>
+          <a:effectRef idx="0">
+            <a:schemeClr val="accent1"/>
+          </a:effectRef>
+          <a:fontRef idx="minor">
+            <a:schemeClr val="lt1"/>
+          </a:fontRef>
+        </p:style>
+        <p:txBody>
+          <a:bodyPr rtlCol="0" anchor="ctr"/>
+          <a:lstStyle/>
+          <a:p>
+            <a:pPr algn="ctr"/>
+            <a:r>
+              <a:rPr lang="en-CA" noProof="0" dirty="0"/>
+              <a:t>C</a:t>
+            </a:r>
+          </a:p>
+        </p:txBody>
+      </p:sp>
+      <p:sp>
+        <p:nvSpPr>
+          <p:cNvPr id="27" name="Oval 26"/>
+          <p:cNvSpPr/>
+          <p:nvPr/>
+        </p:nvSpPr>
+        <p:spPr>
+          <a:xfrm>
+            <a:off x="2918254" y="3330403"/>
+            <a:ext cx="457200" cy="381000"/>
+          </a:xfrm>
+          <a:prstGeom prst="ellipse">
+            <a:avLst/>
+          </a:prstGeom>
+          <a:solidFill>
+            <a:srgbClr val="7030A0"/>
+          </a:solidFill>
+          <a:ln>
+            <a:solidFill>
+              <a:srgbClr val="7030A0"/>
+            </a:solidFill>
+          </a:ln>
+        </p:spPr>
+        <p:style>
+          <a:lnRef idx="2">
+            <a:schemeClr val="accent1">
+              <a:shade val="50000"/>
+            </a:schemeClr>
+          </a:lnRef>
+          <a:fillRef idx="1">
+            <a:schemeClr val="accent1"/>
+          </a:fillRef>
+          <a:effectRef idx="0">
+            <a:schemeClr val="accent1"/>
+          </a:effectRef>
+          <a:fontRef idx="minor">
+            <a:schemeClr val="lt1"/>
+          </a:fontRef>
+        </p:style>
+        <p:txBody>
+          <a:bodyPr rtlCol="0" anchor="ctr"/>
+          <a:lstStyle/>
+          <a:p>
+            <a:pPr algn="ctr"/>
+            <a:r>
+              <a:rPr lang="en-CA" noProof="0" dirty="0"/>
+              <a:t>C</a:t>
+            </a:r>
+          </a:p>
+        </p:txBody>
+      </p:sp>
+      <p:sp>
+        <p:nvSpPr>
+          <p:cNvPr id="14" name="Isosceles Triangle 13"/>
+          <p:cNvSpPr/>
+          <p:nvPr/>
+        </p:nvSpPr>
+        <p:spPr>
+          <a:xfrm>
+            <a:off x="5204254" y="1504950"/>
+            <a:ext cx="3352800" cy="2514600"/>
+          </a:xfrm>
+          <a:prstGeom prst="triangle">
+            <a:avLst/>
+          </a:prstGeom>
+        </p:spPr>
+        <p:style>
+          <a:lnRef idx="2">
+            <a:schemeClr val="accent1">
+              <a:shade val="50000"/>
+            </a:schemeClr>
+          </a:lnRef>
+          <a:fillRef idx="1">
+            <a:schemeClr val="accent1"/>
+          </a:fillRef>
+          <a:effectRef idx="0">
+            <a:schemeClr val="accent1"/>
+          </a:effectRef>
+          <a:fontRef idx="minor">
+            <a:schemeClr val="lt1"/>
+          </a:fontRef>
+        </p:style>
+        <p:txBody>
+          <a:bodyPr rtlCol="0" anchor="ctr"/>
+          <a:lstStyle/>
+          <a:p>
+            <a:pPr algn="ctr"/>
+            <a:endParaRPr lang="en-CA" noProof="0" dirty="0"/>
+          </a:p>
+        </p:txBody>
+      </p:sp>
+      <p:sp>
+        <p:nvSpPr>
+          <p:cNvPr id="15" name="Oval 14"/>
+          <p:cNvSpPr/>
+          <p:nvPr/>
+        </p:nvSpPr>
+        <p:spPr>
+          <a:xfrm>
+            <a:off x="6629400" y="1352550"/>
+            <a:ext cx="457200" cy="381000"/>
+          </a:xfrm>
+          <a:prstGeom prst="ellipse">
+            <a:avLst/>
+          </a:prstGeom>
+          <a:solidFill>
+            <a:srgbClr val="7030A0"/>
+          </a:solidFill>
+          <a:ln>
+            <a:solidFill>
+              <a:srgbClr val="7030A0"/>
+            </a:solidFill>
+          </a:ln>
+        </p:spPr>
+        <p:style>
+          <a:lnRef idx="2">
+            <a:schemeClr val="accent1">
+              <a:shade val="50000"/>
+            </a:schemeClr>
+          </a:lnRef>
+          <a:fillRef idx="1">
+            <a:schemeClr val="accent1"/>
+          </a:fillRef>
+          <a:effectRef idx="0">
+            <a:schemeClr val="accent1"/>
+          </a:effectRef>
+          <a:fontRef idx="minor">
+            <a:schemeClr val="lt1"/>
+          </a:fontRef>
+        </p:style>
+        <p:txBody>
+          <a:bodyPr rtlCol="0" anchor="ctr"/>
+          <a:lstStyle/>
+          <a:p>
+            <a:pPr algn="ctr"/>
+            <a:r>
+              <a:rPr lang="en-CA" noProof="0" dirty="0"/>
+              <a:t>0</a:t>
+            </a:r>
+          </a:p>
+        </p:txBody>
+      </p:sp>
+      <p:sp>
+        <p:nvSpPr>
+          <p:cNvPr id="28" name="Oval 27"/>
+          <p:cNvSpPr/>
+          <p:nvPr/>
+        </p:nvSpPr>
+        <p:spPr>
+          <a:xfrm>
+            <a:off x="4953000" y="3829050"/>
+            <a:ext cx="457200" cy="381000"/>
+          </a:xfrm>
+          <a:prstGeom prst="ellipse">
+            <a:avLst/>
+          </a:prstGeom>
+          <a:solidFill>
+            <a:srgbClr val="7030A0"/>
+          </a:solidFill>
+          <a:ln>
+            <a:solidFill>
+              <a:srgbClr val="7030A0"/>
+            </a:solidFill>
+          </a:ln>
+        </p:spPr>
+        <p:style>
+          <a:lnRef idx="2">
+            <a:schemeClr val="accent1">
+              <a:shade val="50000"/>
+            </a:schemeClr>
+          </a:lnRef>
+          <a:fillRef idx="1">
+            <a:schemeClr val="accent1"/>
+          </a:fillRef>
+          <a:effectRef idx="0">
+            <a:schemeClr val="accent1"/>
+          </a:effectRef>
+          <a:fontRef idx="minor">
+            <a:schemeClr val="lt1"/>
+          </a:fontRef>
+        </p:style>
+        <p:txBody>
+          <a:bodyPr rtlCol="0" anchor="ctr"/>
+          <a:lstStyle/>
+          <a:p>
+            <a:pPr algn="ctr"/>
+            <a:r>
+              <a:rPr lang="en-CA" noProof="0" dirty="0"/>
+              <a:t>1</a:t>
+            </a:r>
+          </a:p>
+        </p:txBody>
+      </p:sp>
+      <p:sp>
+        <p:nvSpPr>
+          <p:cNvPr id="29" name="Oval 28"/>
+          <p:cNvSpPr/>
+          <p:nvPr/>
+        </p:nvSpPr>
+        <p:spPr>
+          <a:xfrm>
+            <a:off x="8297562" y="3829050"/>
+            <a:ext cx="457200" cy="381000"/>
+          </a:xfrm>
+          <a:prstGeom prst="ellipse">
+            <a:avLst/>
+          </a:prstGeom>
+          <a:solidFill>
+            <a:srgbClr val="7030A0"/>
+          </a:solidFill>
+          <a:ln>
+            <a:solidFill>
+              <a:srgbClr val="7030A0"/>
+            </a:solidFill>
+          </a:ln>
+        </p:spPr>
+        <p:style>
+          <a:lnRef idx="2">
+            <a:schemeClr val="accent1">
+              <a:shade val="50000"/>
+            </a:schemeClr>
+          </a:lnRef>
+          <a:fillRef idx="1">
+            <a:schemeClr val="accent1"/>
+          </a:fillRef>
+          <a:effectRef idx="0">
+            <a:schemeClr val="accent1"/>
+          </a:effectRef>
+          <a:fontRef idx="minor">
+            <a:schemeClr val="lt1"/>
+          </a:fontRef>
+        </p:style>
+        <p:txBody>
+          <a:bodyPr rtlCol="0" anchor="ctr"/>
+          <a:lstStyle/>
+          <a:p>
+            <a:pPr algn="ctr"/>
+            <a:r>
+              <a:rPr lang="en-CA" noProof="0" dirty="0"/>
+              <a:t>2</a:t>
+            </a:r>
+          </a:p>
+        </p:txBody>
+      </p:sp>
+      <p:sp>
+        <p:nvSpPr>
+          <p:cNvPr id="30" name="Oval 29"/>
+          <p:cNvSpPr/>
+          <p:nvPr/>
+        </p:nvSpPr>
+        <p:spPr>
+          <a:xfrm>
+            <a:off x="6553200" y="2305050"/>
+            <a:ext cx="457200" cy="381000"/>
+          </a:xfrm>
+          <a:prstGeom prst="ellipse">
+            <a:avLst/>
+          </a:prstGeom>
+          <a:solidFill>
+            <a:srgbClr val="7030A0"/>
+          </a:solidFill>
+          <a:ln>
+            <a:solidFill>
+              <a:srgbClr val="7030A0"/>
+            </a:solidFill>
+          </a:ln>
+        </p:spPr>
+        <p:style>
+          <a:lnRef idx="2">
+            <a:schemeClr val="accent1">
+              <a:shade val="50000"/>
+            </a:schemeClr>
+          </a:lnRef>
+          <a:fillRef idx="1">
+            <a:schemeClr val="accent1"/>
+          </a:fillRef>
+          <a:effectRef idx="0">
+            <a:schemeClr val="accent1"/>
+          </a:effectRef>
+          <a:fontRef idx="minor">
+            <a:schemeClr val="lt1"/>
+          </a:fontRef>
+        </p:style>
+        <p:txBody>
+          <a:bodyPr rtlCol="0" anchor="ctr"/>
+          <a:lstStyle/>
+          <a:p>
+            <a:pPr algn="ctr"/>
+            <a:r>
+              <a:rPr lang="en-CA" noProof="0" dirty="0"/>
+              <a:t>C</a:t>
+            </a:r>
+          </a:p>
+        </p:txBody>
+      </p:sp>
+      <p:sp>
+        <p:nvSpPr>
+          <p:cNvPr id="31" name="Oval 30"/>
+          <p:cNvSpPr/>
+          <p:nvPr/>
+        </p:nvSpPr>
+        <p:spPr>
+          <a:xfrm>
+            <a:off x="5832389" y="3330403"/>
+            <a:ext cx="457200" cy="381000"/>
+          </a:xfrm>
+          <a:prstGeom prst="ellipse">
+            <a:avLst/>
+          </a:prstGeom>
+          <a:solidFill>
+            <a:srgbClr val="7030A0"/>
+          </a:solidFill>
+          <a:ln>
+            <a:solidFill>
+              <a:srgbClr val="7030A0"/>
+            </a:solidFill>
+          </a:ln>
+        </p:spPr>
+        <p:style>
+          <a:lnRef idx="2">
+            <a:schemeClr val="accent1">
+              <a:shade val="50000"/>
+            </a:schemeClr>
+          </a:lnRef>
+          <a:fillRef idx="1">
+            <a:schemeClr val="accent1"/>
+          </a:fillRef>
+          <a:effectRef idx="0">
+            <a:schemeClr val="accent1"/>
+          </a:effectRef>
+          <a:fontRef idx="minor">
+            <a:schemeClr val="lt1"/>
+          </a:fontRef>
+        </p:style>
+        <p:txBody>
+          <a:bodyPr rtlCol="0" anchor="ctr"/>
+          <a:lstStyle/>
+          <a:p>
+            <a:pPr algn="ctr"/>
+            <a:r>
+              <a:rPr lang="en-CA" noProof="0" dirty="0"/>
+              <a:t>C</a:t>
+            </a:r>
+          </a:p>
+        </p:txBody>
+      </p:sp>
+      <p:sp>
+        <p:nvSpPr>
+          <p:cNvPr id="32" name="Oval 31"/>
+          <p:cNvSpPr/>
+          <p:nvPr/>
+        </p:nvSpPr>
+        <p:spPr>
+          <a:xfrm>
+            <a:off x="7315200" y="3361552"/>
+            <a:ext cx="457200" cy="381000"/>
+          </a:xfrm>
+          <a:prstGeom prst="ellipse">
+            <a:avLst/>
+          </a:prstGeom>
+          <a:solidFill>
+            <a:srgbClr val="7030A0"/>
+          </a:solidFill>
+          <a:ln>
+            <a:solidFill>
+              <a:srgbClr val="7030A0"/>
+            </a:solidFill>
+          </a:ln>
+        </p:spPr>
+        <p:style>
+          <a:lnRef idx="2">
+            <a:schemeClr val="accent1">
+              <a:shade val="50000"/>
+            </a:schemeClr>
+          </a:lnRef>
+          <a:fillRef idx="1">
+            <a:schemeClr val="accent1"/>
+          </a:fillRef>
+          <a:effectRef idx="0">
+            <a:schemeClr val="accent1"/>
+          </a:effectRef>
+          <a:fontRef idx="minor">
+            <a:schemeClr val="lt1"/>
+          </a:fontRef>
+        </p:style>
+        <p:txBody>
+          <a:bodyPr rtlCol="0" anchor="ctr"/>
+          <a:lstStyle/>
+          <a:p>
+            <a:pPr algn="ctr"/>
+            <a:r>
+              <a:rPr lang="en-CA" noProof="0" dirty="0"/>
+              <a:t>C</a:t>
+            </a:r>
+          </a:p>
+        </p:txBody>
+      </p:sp>
+      <p:sp>
+        <p:nvSpPr>
+          <p:cNvPr id="33" name="Oval 32"/>
+          <p:cNvSpPr/>
+          <p:nvPr/>
+        </p:nvSpPr>
+        <p:spPr>
+          <a:xfrm>
+            <a:off x="6728254" y="2973602"/>
+            <a:ext cx="457200" cy="381000"/>
+          </a:xfrm>
+          <a:prstGeom prst="ellipse">
+            <a:avLst/>
+          </a:prstGeom>
+          <a:solidFill>
+            <a:srgbClr val="7030A0"/>
+          </a:solidFill>
+          <a:ln>
+            <a:solidFill>
+              <a:srgbClr val="7030A0"/>
+            </a:solidFill>
+          </a:ln>
+        </p:spPr>
+        <p:style>
+          <a:lnRef idx="2">
+            <a:schemeClr val="accent1">
+              <a:shade val="50000"/>
+            </a:schemeClr>
+          </a:lnRef>
+          <a:fillRef idx="1">
+            <a:schemeClr val="accent1"/>
+          </a:fillRef>
+          <a:effectRef idx="0">
+            <a:schemeClr val="accent1"/>
+          </a:effectRef>
+          <a:fontRef idx="minor">
+            <a:schemeClr val="lt1"/>
+          </a:fontRef>
+        </p:style>
+        <p:txBody>
+          <a:bodyPr rtlCol="0" anchor="ctr"/>
+          <a:lstStyle/>
+          <a:p>
+            <a:pPr algn="ctr"/>
+            <a:r>
+              <a:rPr lang="en-CA" noProof="0" dirty="0"/>
+              <a:t>C</a:t>
+            </a:r>
+          </a:p>
+        </p:txBody>
+      </p:sp>
+    </p:spTree>
+    <p:extLst>
+      <p:ext uri="{BB962C8B-B14F-4D97-AF65-F5344CB8AC3E}">
+        <p14:creationId xmlns:p14="http://schemas.microsoft.com/office/powerpoint/2010/main" val="242562706"/>
       </p:ext>
     </p:extLst>
   </p:cSld>
@@ -8392,7 +8893,7 @@
           <a:lstStyle/>
           <a:p>
             <a:r>
-              <a:rPr lang="en-CA" dirty="0"/>
+              <a:rPr lang="en-CA" noProof="0" dirty="0"/>
               <a:t>The pipeline so far…</a:t>
             </a:r>
           </a:p>
@@ -8440,7 +8941,7 @@
           <a:p>
             <a:pPr algn="ctr"/>
             <a:r>
-              <a:rPr lang="en-CA" dirty="0">
+              <a:rPr lang="en-CA" noProof="0" dirty="0">
                 <a:solidFill>
                   <a:schemeClr val="tx1"/>
                 </a:solidFill>
@@ -8495,7 +8996,7 @@
           <a:p>
             <a:pPr algn="ctr"/>
             <a:r>
-              <a:rPr lang="en-CA" dirty="0">
+              <a:rPr lang="en-CA" noProof="0" dirty="0">
                 <a:solidFill>
                   <a:schemeClr val="tx1"/>
                 </a:solidFill>
@@ -8550,7 +9051,7 @@
           <a:p>
             <a:pPr algn="ctr"/>
             <a:r>
-              <a:rPr lang="en-CA" dirty="0">
+              <a:rPr lang="en-CA" noProof="0" dirty="0">
                 <a:solidFill>
                   <a:schemeClr val="tx1"/>
                 </a:solidFill>
@@ -8602,7 +9103,7 @@
           <a:p>
             <a:pPr algn="ctr"/>
             <a:r>
-              <a:rPr lang="en-CA" dirty="0">
+              <a:rPr lang="en-CA" noProof="0" dirty="0">
                 <a:solidFill>
                   <a:schemeClr val="tx1"/>
                 </a:solidFill>
@@ -8658,16 +9159,8 @@
           <a:lstStyle/>
           <a:p>
             <a:r>
-              <a:rPr lang="en-CA" dirty="0"/>
-              <a:t>Geometry </a:t>
-            </a:r>
-            <a:r>
-              <a:rPr lang="en-CA" dirty="0" err="1"/>
-              <a:t>shader</a:t>
-            </a:r>
-            <a:r>
-              <a:rPr lang="en-CA" dirty="0"/>
-              <a:t>: Why?</a:t>
+              <a:rPr lang="en-CA" noProof="0" dirty="0"/>
+              <a:t>Geometry shader: Why?</a:t>
             </a:r>
           </a:p>
         </p:txBody>
@@ -8690,48 +9183,32 @@
           <a:lstStyle/>
           <a:p>
             <a:r>
-              <a:rPr lang="en-CA" dirty="0"/>
+              <a:rPr lang="en-CA" noProof="0" dirty="0"/>
               <a:t>Takes one type of geometry and generates another type.</a:t>
             </a:r>
           </a:p>
           <a:p>
             <a:r>
-              <a:rPr lang="en-CA" dirty="0"/>
+              <a:rPr lang="en-CA" noProof="0" dirty="0"/>
               <a:t>Can be the same type</a:t>
             </a:r>
           </a:p>
           <a:p>
             <a:r>
-              <a:rPr lang="en-CA" dirty="0"/>
-              <a:t>Because it “knows” about entire triangle (unlike the vertex </a:t>
-            </a:r>
-            <a:r>
-              <a:rPr lang="en-CA" dirty="0" err="1"/>
-              <a:t>shader</a:t>
-            </a:r>
-            <a:r>
-              <a:rPr lang="en-CA" dirty="0"/>
-              <a:t>), it can do other useful things, too, like: Calculate </a:t>
-            </a:r>
-            <a:r>
-              <a:rPr lang="en-CA" dirty="0" err="1"/>
+              <a:rPr lang="en-CA" noProof="0" dirty="0"/>
+              <a:t>Because it “knows” about entire triangle (unlike the vertex shader), it can do other useful things, too, like: Calculate </a:t>
+            </a:r>
+            <a:r>
+              <a:rPr lang="en-CA" noProof="0" dirty="0" err="1"/>
               <a:t>normals</a:t>
             </a:r>
-            <a:endParaRPr lang="en-CA" dirty="0"/>
+            <a:endParaRPr lang="en-CA" noProof="0" dirty="0"/>
           </a:p>
           <a:p>
             <a:pPr lvl="1"/>
             <a:r>
-              <a:rPr lang="en-CA" dirty="0"/>
-              <a:t>Why is this? Why can’t the vertex </a:t>
-            </a:r>
-            <a:r>
-              <a:rPr lang="en-CA" dirty="0" err="1"/>
-              <a:t>shader</a:t>
-            </a:r>
-            <a:r>
-              <a:rPr lang="en-CA" dirty="0"/>
-              <a:t>?</a:t>
+              <a:rPr lang="en-CA" noProof="0" dirty="0"/>
+              <a:t>Why is this? Why can’t the vertex shader?</a:t>
             </a:r>
           </a:p>
         </p:txBody>
@@ -8782,16 +9259,8 @@
           <a:lstStyle/>
           <a:p>
             <a:r>
-              <a:rPr lang="en-CA" dirty="0"/>
-              <a:t>Geometry </a:t>
-            </a:r>
-            <a:r>
-              <a:rPr lang="en-CA" dirty="0" err="1"/>
-              <a:t>shader</a:t>
-            </a:r>
-            <a:r>
-              <a:rPr lang="en-CA" dirty="0"/>
-              <a:t>: Why?</a:t>
+              <a:rPr lang="en-CA" noProof="0" dirty="0"/>
+              <a:t>Geometry shader: Why?</a:t>
             </a:r>
           </a:p>
         </p:txBody>
@@ -8819,61 +9288,48 @@
           <a:lstStyle/>
           <a:p>
             <a:r>
-              <a:rPr lang="en-CA" dirty="0"/>
+              <a:rPr lang="en-CA" noProof="0" dirty="0"/>
               <a:t>Takes a single primitive in: point, line, triangle, but can also take other ones we’ve not used:</a:t>
             </a:r>
           </a:p>
           <a:p>
             <a:pPr lvl="1"/>
             <a:r>
-              <a:rPr lang="en-CA" dirty="0"/>
+              <a:rPr lang="en-CA" noProof="0" dirty="0"/>
               <a:t>Line and line strip “adjacency”</a:t>
             </a:r>
           </a:p>
           <a:p>
             <a:pPr lvl="1"/>
             <a:r>
-              <a:rPr lang="en-CA" dirty="0"/>
+              <a:rPr lang="en-CA" noProof="0" dirty="0"/>
               <a:t>Triangle and triangle strip “adjacency”</a:t>
             </a:r>
           </a:p>
           <a:p>
             <a:pPr lvl="1"/>
             <a:r>
-              <a:rPr lang="en-CA" dirty="0"/>
-              <a:t>These are used so that the geometry </a:t>
-            </a:r>
-            <a:r>
-              <a:rPr lang="en-CA" dirty="0" err="1"/>
-              <a:t>shader</a:t>
-            </a:r>
-            <a:r>
-              <a:rPr lang="en-CA" dirty="0"/>
-              <a:t> has access to “adjacent” structures</a:t>
-            </a:r>
-          </a:p>
-          <a:p>
-            <a:r>
-              <a:rPr lang="en-CA" dirty="0"/>
+              <a:rPr lang="en-CA" noProof="0" dirty="0"/>
+              <a:t>These are used so that the geometry shader has access to “adjacent” structures</a:t>
+            </a:r>
+          </a:p>
+          <a:p>
+            <a:r>
+              <a:rPr lang="en-CA" noProof="0" dirty="0"/>
               <a:t>Note: these “adjacency” primitives </a:t>
             </a:r>
             <a:r>
-              <a:rPr lang="en-CA" i="1" dirty="0"/>
+              <a:rPr lang="en-CA" i="1" noProof="0" dirty="0"/>
               <a:t>can’t </a:t>
             </a:r>
             <a:r>
-              <a:rPr lang="en-CA" dirty="0"/>
-              <a:t>be produced from the tessellation </a:t>
-            </a:r>
-            <a:r>
-              <a:rPr lang="en-CA" dirty="0" err="1"/>
-              <a:t>shader</a:t>
-            </a:r>
-            <a:endParaRPr lang="en-CA" dirty="0"/>
+              <a:rPr lang="en-CA" noProof="0" dirty="0"/>
+              <a:t>be produced from the tessellation shader</a:t>
+            </a:r>
           </a:p>
           <a:p>
             <a:pPr lvl="1"/>
-            <a:endParaRPr lang="en-CA" dirty="0"/>
+            <a:endParaRPr lang="en-CA" noProof="0" dirty="0"/>
           </a:p>
         </p:txBody>
       </p:sp>
@@ -8947,14 +9403,9 @@
           <a:lstStyle/>
           <a:p>
             <a:r>
-              <a:rPr lang="en-CA" dirty="0"/>
-              <a:t>Geometry </a:t>
-            </a:r>
-            <a:r>
-              <a:rPr lang="en-CA" dirty="0" err="1"/>
-              <a:t>shader</a:t>
-            </a:r>
-            <a:endParaRPr lang="en-CA" dirty="0"/>
+              <a:rPr lang="en-CA" noProof="0" dirty="0"/>
+              <a:t>Geometry shader</a:t>
+            </a:r>
           </a:p>
         </p:txBody>
       </p:sp>
@@ -8981,21 +9432,13 @@
           <a:lstStyle/>
           <a:p>
             <a:r>
-              <a:rPr lang="en-CA" dirty="0"/>
-              <a:t>Let’s look at the “good enough for rock-n-roll” debug </a:t>
-            </a:r>
-            <a:r>
-              <a:rPr lang="en-CA" dirty="0" err="1"/>
-              <a:t>shader</a:t>
-            </a:r>
-            <a:r>
-              <a:rPr lang="en-CA" dirty="0"/>
-              <a:t> as an example…</a:t>
+              <a:rPr lang="en-CA" noProof="0" dirty="0"/>
+              <a:t>Let’s look at the “good enough for rock-n-roll” debug shader as an example…</a:t>
             </a:r>
           </a:p>
           <a:p>
             <a:pPr lvl="1"/>
-            <a:endParaRPr lang="en-CA" dirty="0"/>
+            <a:endParaRPr lang="en-CA" noProof="0" dirty="0"/>
           </a:p>
         </p:txBody>
       </p:sp>
@@ -9051,10 +9494,9 @@
           <a:lstStyle/>
           <a:p>
             <a:r>
-              <a:rPr lang="en-US" dirty="0"/>
+              <a:rPr lang="en-CA" noProof="0" dirty="0"/>
               <a:t>Split a triangle: Geometry</a:t>
             </a:r>
-            <a:endParaRPr lang="en-CA" dirty="0"/>
           </a:p>
         </p:txBody>
       </p:sp>
@@ -9112,7 +9554,7 @@
           <a:lstStyle/>
           <a:p>
             <a:pPr algn="ctr"/>
-            <a:endParaRPr lang="en-CA"/>
+            <a:endParaRPr lang="en-CA" noProof="0" dirty="0"/>
           </a:p>
         </p:txBody>
       </p:sp>
@@ -9162,7 +9604,7 @@
           <a:p>
             <a:pPr algn="ctr"/>
             <a:r>
-              <a:rPr lang="en-US" dirty="0">
+              <a:rPr lang="en-CA" noProof="0" dirty="0">
                 <a:solidFill>
                   <a:schemeClr val="tx1"/>
                 </a:solidFill>
@@ -9171,13 +9613,6 @@
               </a:rPr>
               <a:t>0</a:t>
             </a:r>
-            <a:endParaRPr lang="en-CA" dirty="0">
-              <a:solidFill>
-                <a:schemeClr val="tx1"/>
-              </a:solidFill>
-              <a:latin typeface="Arial" panose="020B0604020202020204" pitchFamily="34" charset="0"/>
-              <a:cs typeface="Arial" panose="020B0604020202020204" pitchFamily="34" charset="0"/>
-            </a:endParaRPr>
           </a:p>
         </p:txBody>
       </p:sp>
@@ -9227,7 +9662,7 @@
           <a:p>
             <a:pPr algn="ctr"/>
             <a:r>
-              <a:rPr lang="en-US" dirty="0">
+              <a:rPr lang="en-CA" noProof="0" dirty="0">
                 <a:solidFill>
                   <a:schemeClr val="tx1"/>
                 </a:solidFill>
@@ -9236,13 +9671,6 @@
               </a:rPr>
               <a:t>1</a:t>
             </a:r>
-            <a:endParaRPr lang="en-CA" dirty="0">
-              <a:solidFill>
-                <a:schemeClr val="tx1"/>
-              </a:solidFill>
-              <a:latin typeface="Arial" panose="020B0604020202020204" pitchFamily="34" charset="0"/>
-              <a:cs typeface="Arial" panose="020B0604020202020204" pitchFamily="34" charset="0"/>
-            </a:endParaRPr>
           </a:p>
         </p:txBody>
       </p:sp>
@@ -9292,7 +9720,7 @@
           <a:p>
             <a:pPr algn="ctr"/>
             <a:r>
-              <a:rPr lang="en-US" dirty="0">
+              <a:rPr lang="en-CA" noProof="0" dirty="0">
                 <a:solidFill>
                   <a:schemeClr val="tx1"/>
                 </a:solidFill>
@@ -9301,13 +9729,6 @@
               </a:rPr>
               <a:t>2</a:t>
             </a:r>
-            <a:endParaRPr lang="en-CA" dirty="0">
-              <a:solidFill>
-                <a:schemeClr val="tx1"/>
-              </a:solidFill>
-              <a:latin typeface="Arial" panose="020B0604020202020204" pitchFamily="34" charset="0"/>
-              <a:cs typeface="Arial" panose="020B0604020202020204" pitchFamily="34" charset="0"/>
-            </a:endParaRPr>
           </a:p>
         </p:txBody>
       </p:sp>
@@ -9365,7 +9786,7 @@
           <a:lstStyle/>
           <a:p>
             <a:pPr algn="ctr"/>
-            <a:endParaRPr lang="en-CA"/>
+            <a:endParaRPr lang="en-CA" noProof="0" dirty="0"/>
           </a:p>
         </p:txBody>
       </p:sp>
@@ -9415,7 +9836,7 @@
           <a:p>
             <a:pPr algn="ctr"/>
             <a:r>
-              <a:rPr lang="en-US" dirty="0">
+              <a:rPr lang="en-CA" noProof="0" dirty="0">
                 <a:solidFill>
                   <a:schemeClr val="tx1"/>
                 </a:solidFill>
@@ -9424,13 +9845,6 @@
               </a:rPr>
               <a:t>0</a:t>
             </a:r>
-            <a:endParaRPr lang="en-CA" dirty="0">
-              <a:solidFill>
-                <a:schemeClr val="tx1"/>
-              </a:solidFill>
-              <a:latin typeface="Arial" panose="020B0604020202020204" pitchFamily="34" charset="0"/>
-              <a:cs typeface="Arial" panose="020B0604020202020204" pitchFamily="34" charset="0"/>
-            </a:endParaRPr>
           </a:p>
         </p:txBody>
       </p:sp>
@@ -9480,7 +9894,7 @@
           <a:p>
             <a:pPr algn="ctr"/>
             <a:r>
-              <a:rPr lang="en-US" dirty="0">
+              <a:rPr lang="en-CA" noProof="0" dirty="0">
                 <a:solidFill>
                   <a:schemeClr val="tx1"/>
                 </a:solidFill>
@@ -9489,13 +9903,6 @@
               </a:rPr>
               <a:t>1</a:t>
             </a:r>
-            <a:endParaRPr lang="en-CA" dirty="0">
-              <a:solidFill>
-                <a:schemeClr val="tx1"/>
-              </a:solidFill>
-              <a:latin typeface="Arial" panose="020B0604020202020204" pitchFamily="34" charset="0"/>
-              <a:cs typeface="Arial" panose="020B0604020202020204" pitchFamily="34" charset="0"/>
-            </a:endParaRPr>
           </a:p>
         </p:txBody>
       </p:sp>
@@ -9545,7 +9952,7 @@
           <a:p>
             <a:pPr algn="ctr"/>
             <a:r>
-              <a:rPr lang="en-US" dirty="0">
+              <a:rPr lang="en-CA" noProof="0" dirty="0">
                 <a:solidFill>
                   <a:schemeClr val="tx1"/>
                 </a:solidFill>
@@ -9554,13 +9961,6 @@
               </a:rPr>
               <a:t>2</a:t>
             </a:r>
-            <a:endParaRPr lang="en-CA" dirty="0">
-              <a:solidFill>
-                <a:schemeClr val="tx1"/>
-              </a:solidFill>
-              <a:latin typeface="Arial" panose="020B0604020202020204" pitchFamily="34" charset="0"/>
-              <a:cs typeface="Arial" panose="020B0604020202020204" pitchFamily="34" charset="0"/>
-            </a:endParaRPr>
           </a:p>
         </p:txBody>
       </p:sp>
@@ -9618,7 +10018,7 @@
           <a:lstStyle/>
           <a:p>
             <a:pPr algn="ctr"/>
-            <a:endParaRPr lang="en-CA"/>
+            <a:endParaRPr lang="en-CA" noProof="0" dirty="0"/>
           </a:p>
         </p:txBody>
       </p:sp>
@@ -9797,18 +10197,13 @@
           <a:p>
             <a:pPr algn="ctr"/>
             <a:r>
-              <a:rPr lang="en-US" dirty="0">
+              <a:rPr lang="en-CA" noProof="0" dirty="0">
                 <a:solidFill>
                   <a:schemeClr val="tx1"/>
                 </a:solidFill>
               </a:rPr>
               <a:t>Average of the 3 vertices</a:t>
             </a:r>
-            <a:endParaRPr lang="en-CA" dirty="0">
-              <a:solidFill>
-                <a:schemeClr val="tx1"/>
-              </a:solidFill>
-            </a:endParaRPr>
           </a:p>
         </p:txBody>
       </p:sp>
@@ -9858,7 +10253,7 @@
           <a:p>
             <a:pPr algn="ctr"/>
             <a:r>
-              <a:rPr lang="en-US" dirty="0">
+              <a:rPr lang="en-CA" noProof="0" dirty="0">
                 <a:solidFill>
                   <a:schemeClr val="tx1"/>
                 </a:solidFill>
@@ -9867,13 +10262,6 @@
               </a:rPr>
               <a:t>4</a:t>
             </a:r>
-            <a:endParaRPr lang="en-CA" dirty="0">
-              <a:solidFill>
-                <a:schemeClr val="tx1"/>
-              </a:solidFill>
-              <a:latin typeface="Arial" panose="020B0604020202020204" pitchFamily="34" charset="0"/>
-              <a:cs typeface="Arial" panose="020B0604020202020204" pitchFamily="34" charset="0"/>
-            </a:endParaRPr>
           </a:p>
         </p:txBody>
       </p:sp>
@@ -9976,10 +10364,9 @@
           <a:lstStyle/>
           <a:p>
             <a:r>
-              <a:rPr lang="en-US" dirty="0"/>
+              <a:rPr lang="en-CA" noProof="0" dirty="0"/>
               <a:t>Split a triangle: Geometry</a:t>
             </a:r>
-            <a:endParaRPr lang="en-CA" dirty="0"/>
           </a:p>
         </p:txBody>
       </p:sp>
@@ -10037,7 +10424,7 @@
           <a:lstStyle/>
           <a:p>
             <a:pPr algn="ctr"/>
-            <a:endParaRPr lang="en-CA"/>
+            <a:endParaRPr lang="en-CA" noProof="0" dirty="0"/>
           </a:p>
         </p:txBody>
       </p:sp>
@@ -10087,7 +10474,7 @@
           <a:p>
             <a:pPr algn="ctr"/>
             <a:r>
-              <a:rPr lang="en-US" dirty="0">
+              <a:rPr lang="en-CA" noProof="0" dirty="0">
                 <a:solidFill>
                   <a:schemeClr val="tx1"/>
                 </a:solidFill>
@@ -10096,13 +10483,6 @@
               </a:rPr>
               <a:t>0</a:t>
             </a:r>
-            <a:endParaRPr lang="en-CA" dirty="0">
-              <a:solidFill>
-                <a:schemeClr val="tx1"/>
-              </a:solidFill>
-              <a:latin typeface="Arial" panose="020B0604020202020204" pitchFamily="34" charset="0"/>
-              <a:cs typeface="Arial" panose="020B0604020202020204" pitchFamily="34" charset="0"/>
-            </a:endParaRPr>
           </a:p>
         </p:txBody>
       </p:sp>
@@ -10152,7 +10532,7 @@
           <a:p>
             <a:pPr algn="ctr"/>
             <a:r>
-              <a:rPr lang="en-US" dirty="0">
+              <a:rPr lang="en-CA" noProof="0" dirty="0">
                 <a:solidFill>
                   <a:schemeClr val="tx1"/>
                 </a:solidFill>
@@ -10161,13 +10541,6 @@
               </a:rPr>
               <a:t>1</a:t>
             </a:r>
-            <a:endParaRPr lang="en-CA" dirty="0">
-              <a:solidFill>
-                <a:schemeClr val="tx1"/>
-              </a:solidFill>
-              <a:latin typeface="Arial" panose="020B0604020202020204" pitchFamily="34" charset="0"/>
-              <a:cs typeface="Arial" panose="020B0604020202020204" pitchFamily="34" charset="0"/>
-            </a:endParaRPr>
           </a:p>
         </p:txBody>
       </p:sp>
@@ -10217,7 +10590,7 @@
           <a:p>
             <a:pPr algn="ctr"/>
             <a:r>
-              <a:rPr lang="en-US" dirty="0">
+              <a:rPr lang="en-CA" noProof="0" dirty="0">
                 <a:solidFill>
                   <a:schemeClr val="tx1"/>
                 </a:solidFill>
@@ -10226,13 +10599,6 @@
               </a:rPr>
               <a:t>2</a:t>
             </a:r>
-            <a:endParaRPr lang="en-CA" dirty="0">
-              <a:solidFill>
-                <a:schemeClr val="tx1"/>
-              </a:solidFill>
-              <a:latin typeface="Arial" panose="020B0604020202020204" pitchFamily="34" charset="0"/>
-              <a:cs typeface="Arial" panose="020B0604020202020204" pitchFamily="34" charset="0"/>
-            </a:endParaRPr>
           </a:p>
         </p:txBody>
       </p:sp>
@@ -10290,7 +10656,7 @@
           <a:lstStyle/>
           <a:p>
             <a:pPr algn="ctr"/>
-            <a:endParaRPr lang="en-CA"/>
+            <a:endParaRPr lang="en-CA" noProof="0" dirty="0"/>
           </a:p>
         </p:txBody>
       </p:sp>
@@ -10460,7 +10826,7 @@
           <a:p>
             <a:pPr algn="ctr"/>
             <a:r>
-              <a:rPr lang="en-US" dirty="0">
+              <a:rPr lang="en-CA" noProof="0" dirty="0">
                 <a:solidFill>
                   <a:schemeClr val="tx1"/>
                 </a:solidFill>
@@ -10469,13 +10835,6 @@
               </a:rPr>
               <a:t>4</a:t>
             </a:r>
-            <a:endParaRPr lang="en-CA" dirty="0">
-              <a:solidFill>
-                <a:schemeClr val="tx1"/>
-              </a:solidFill>
-              <a:latin typeface="Arial" panose="020B0604020202020204" pitchFamily="34" charset="0"/>
-              <a:cs typeface="Arial" panose="020B0604020202020204" pitchFamily="34" charset="0"/>
-            </a:endParaRPr>
           </a:p>
         </p:txBody>
       </p:sp>
@@ -10553,7 +10912,7 @@
             <a:lstStyle/>
             <a:p>
               <a:pPr algn="ctr"/>
-              <a:endParaRPr lang="en-CA" dirty="0">
+              <a:endParaRPr lang="en-CA" noProof="0" dirty="0">
                 <a:solidFill>
                   <a:schemeClr val="tx1"/>
                 </a:solidFill>
@@ -10607,7 +10966,7 @@
             <a:p>
               <a:pPr algn="ctr"/>
               <a:r>
-                <a:rPr lang="en-US" dirty="0">
+                <a:rPr lang="en-CA" noProof="0" dirty="0">
                   <a:solidFill>
                     <a:schemeClr val="tx1"/>
                   </a:solidFill>
@@ -10616,13 +10975,6 @@
                 </a:rPr>
                 <a:t>0</a:t>
               </a:r>
-              <a:endParaRPr lang="en-CA" dirty="0">
-                <a:solidFill>
-                  <a:schemeClr val="tx1"/>
-                </a:solidFill>
-                <a:latin typeface="Arial" panose="020B0604020202020204" pitchFamily="34" charset="0"/>
-                <a:cs typeface="Arial" panose="020B0604020202020204" pitchFamily="34" charset="0"/>
-              </a:endParaRPr>
             </a:p>
           </p:txBody>
         </p:sp>
@@ -10672,7 +11024,7 @@
             <a:p>
               <a:pPr algn="ctr"/>
               <a:r>
-                <a:rPr lang="en-US" dirty="0">
+                <a:rPr lang="en-CA" noProof="0" dirty="0">
                   <a:solidFill>
                     <a:schemeClr val="tx1"/>
                   </a:solidFill>
@@ -10681,13 +11033,6 @@
                 </a:rPr>
                 <a:t>1</a:t>
               </a:r>
-              <a:endParaRPr lang="en-CA" dirty="0">
-                <a:solidFill>
-                  <a:schemeClr val="tx1"/>
-                </a:solidFill>
-                <a:latin typeface="Arial" panose="020B0604020202020204" pitchFamily="34" charset="0"/>
-                <a:cs typeface="Arial" panose="020B0604020202020204" pitchFamily="34" charset="0"/>
-              </a:endParaRPr>
             </a:p>
           </p:txBody>
         </p:sp>
@@ -10737,7 +11082,7 @@
             <a:p>
               <a:pPr algn="ctr"/>
               <a:r>
-                <a:rPr lang="en-US" dirty="0">
+                <a:rPr lang="en-CA" noProof="0" dirty="0">
                   <a:solidFill>
                     <a:schemeClr val="tx1"/>
                   </a:solidFill>
@@ -10746,13 +11091,6 @@
                 </a:rPr>
                 <a:t>4</a:t>
               </a:r>
-              <a:endParaRPr lang="en-CA" dirty="0">
-                <a:solidFill>
-                  <a:schemeClr val="tx1"/>
-                </a:solidFill>
-                <a:latin typeface="Arial" panose="020B0604020202020204" pitchFamily="34" charset="0"/>
-                <a:cs typeface="Arial" panose="020B0604020202020204" pitchFamily="34" charset="0"/>
-              </a:endParaRPr>
             </a:p>
           </p:txBody>
         </p:sp>
@@ -10811,7 +11149,7 @@
           <a:lstStyle/>
           <a:p>
             <a:pPr algn="ctr"/>
-            <a:endParaRPr lang="en-CA" dirty="0">
+            <a:endParaRPr lang="en-CA" noProof="0" dirty="0">
               <a:solidFill>
                 <a:schemeClr val="tx1"/>
               </a:solidFill>
@@ -10865,7 +11203,7 @@
           <a:p>
             <a:pPr algn="ctr"/>
             <a:r>
-              <a:rPr lang="en-US" dirty="0">
+              <a:rPr lang="en-CA" noProof="0" dirty="0">
                 <a:solidFill>
                   <a:schemeClr val="tx1"/>
                 </a:solidFill>
@@ -10874,13 +11212,6 @@
               </a:rPr>
               <a:t>2</a:t>
             </a:r>
-            <a:endParaRPr lang="en-CA" dirty="0">
-              <a:solidFill>
-                <a:schemeClr val="tx1"/>
-              </a:solidFill>
-              <a:latin typeface="Arial" panose="020B0604020202020204" pitchFamily="34" charset="0"/>
-              <a:cs typeface="Arial" panose="020B0604020202020204" pitchFamily="34" charset="0"/>
-            </a:endParaRPr>
           </a:p>
         </p:txBody>
       </p:sp>
@@ -10958,7 +11289,7 @@
             <a:lstStyle/>
             <a:p>
               <a:pPr algn="ctr"/>
-              <a:endParaRPr lang="en-CA" dirty="0">
+              <a:endParaRPr lang="en-CA" noProof="0" dirty="0">
                 <a:solidFill>
                   <a:schemeClr val="tx1"/>
                 </a:solidFill>
@@ -11012,7 +11343,7 @@
             <a:p>
               <a:pPr algn="ctr"/>
               <a:r>
-                <a:rPr lang="en-US" dirty="0">
+                <a:rPr lang="en-CA" noProof="0" dirty="0">
                   <a:solidFill>
                     <a:schemeClr val="tx1"/>
                   </a:solidFill>
@@ -11021,13 +11352,6 @@
                 </a:rPr>
                 <a:t>0</a:t>
               </a:r>
-              <a:endParaRPr lang="en-CA" dirty="0">
-                <a:solidFill>
-                  <a:schemeClr val="tx1"/>
-                </a:solidFill>
-                <a:latin typeface="Arial" panose="020B0604020202020204" pitchFamily="34" charset="0"/>
-                <a:cs typeface="Arial" panose="020B0604020202020204" pitchFamily="34" charset="0"/>
-              </a:endParaRPr>
             </a:p>
           </p:txBody>
         </p:sp>
@@ -11092,7 +11416,7 @@
           <a:lstStyle/>
           <a:p>
             <a:pPr algn="ctr"/>
-            <a:endParaRPr lang="en-CA" dirty="0">
+            <a:endParaRPr lang="en-CA" noProof="0" dirty="0">
               <a:solidFill>
                 <a:schemeClr val="tx1"/>
               </a:solidFill>
@@ -11160,7 +11484,7 @@
           <a:lstStyle/>
           <a:p>
             <a:pPr algn="ctr"/>
-            <a:endParaRPr lang="en-CA" dirty="0">
+            <a:endParaRPr lang="en-CA" noProof="0" dirty="0">
               <a:solidFill>
                 <a:schemeClr val="tx1"/>
               </a:solidFill>
@@ -11228,7 +11552,7 @@
           <a:lstStyle/>
           <a:p>
             <a:pPr algn="ctr"/>
-            <a:endParaRPr lang="en-CA" dirty="0">
+            <a:endParaRPr lang="en-CA" noProof="0" dirty="0">
               <a:solidFill>
                 <a:schemeClr val="tx1"/>
               </a:solidFill>
@@ -11296,7 +11620,7 @@
           <a:lstStyle/>
           <a:p>
             <a:pPr algn="ctr"/>
-            <a:endParaRPr lang="en-CA" dirty="0">
+            <a:endParaRPr lang="en-CA" noProof="0" dirty="0">
               <a:solidFill>
                 <a:schemeClr val="tx1"/>
               </a:solidFill>
@@ -11364,7 +11688,7 @@
           <a:lstStyle/>
           <a:p>
             <a:pPr algn="ctr"/>
-            <a:endParaRPr lang="en-CA" dirty="0">
+            <a:endParaRPr lang="en-CA" noProof="0" dirty="0">
               <a:solidFill>
                 <a:schemeClr val="tx1"/>
               </a:solidFill>
@@ -11432,7 +11756,7 @@
           <a:lstStyle/>
           <a:p>
             <a:pPr algn="ctr"/>
-            <a:endParaRPr lang="en-CA" dirty="0">
+            <a:endParaRPr lang="en-CA" noProof="0" dirty="0">
               <a:solidFill>
                 <a:schemeClr val="tx1"/>
               </a:solidFill>
@@ -11469,16 +11793,15 @@
           <a:lstStyle/>
           <a:p>
             <a:r>
-              <a:rPr lang="en-US" dirty="0"/>
+              <a:rPr lang="en-CA" noProof="0" dirty="0"/>
               <a:t>Note: Winding must alternate with the trip.</a:t>
             </a:r>
           </a:p>
           <a:p>
             <a:r>
-              <a:rPr lang="en-US" dirty="0"/>
+              <a:rPr lang="en-CA" noProof="0" dirty="0"/>
               <a:t>(You can only output triangle strips from the geometry shader)</a:t>
             </a:r>
-            <a:endParaRPr lang="en-CA" dirty="0"/>
           </a:p>
         </p:txBody>
       </p:sp>
@@ -11514,7 +11837,13 @@
       </p:grpSpPr>
       <p:sp>
         <p:nvSpPr>
-          <p:cNvPr id="2" name="Title 1"/>
+          <p:cNvPr id="2" name="Title 1">
+            <a:extLst>
+              <a:ext uri="{FF2B5EF4-FFF2-40B4-BE49-F238E27FC236}">
+                <a16:creationId xmlns:a16="http://schemas.microsoft.com/office/drawing/2014/main" id="{10B44FCB-9E14-CDF7-ACEF-B6ABC9EA8B29}"/>
+              </a:ext>
+            </a:extLst>
+          </p:cNvPr>
           <p:cNvSpPr>
             <a:spLocks noGrp="1"/>
           </p:cNvSpPr>
@@ -11528,74 +11857,911 @@
           <a:lstStyle/>
           <a:p>
             <a:r>
-              <a:rPr lang="en-CA" dirty="0"/>
-              <a:t>Tessellation </a:t>
-            </a:r>
-            <a:r>
-              <a:rPr lang="en-CA" dirty="0" err="1"/>
-              <a:t>shader</a:t>
-            </a:r>
-            <a:r>
-              <a:rPr lang="en-CA" dirty="0"/>
-              <a:t>: Why?</a:t>
-            </a:r>
-          </a:p>
-        </p:txBody>
-      </p:sp>
-      <p:sp>
-        <p:nvSpPr>
-          <p:cNvPr id="3" name="Content Placeholder 2"/>
-          <p:cNvSpPr>
-            <a:spLocks noGrp="1"/>
-          </p:cNvSpPr>
-          <p:nvPr>
-            <p:ph idx="1"/>
-          </p:nvPr>
-        </p:nvSpPr>
-        <p:spPr/>
-        <p:txBody>
-          <a:bodyPr>
-            <a:normAutofit/>
-          </a:bodyPr>
-          <a:lstStyle/>
-          <a:p>
-            <a:r>
-              <a:rPr lang="en-CA" dirty="0"/>
-              <a:t>While the geometry </a:t>
-            </a:r>
-            <a:r>
-              <a:rPr lang="en-CA" dirty="0" err="1"/>
-              <a:t>shader</a:t>
-            </a:r>
-            <a:r>
-              <a:rPr lang="en-CA" dirty="0"/>
-              <a:t> </a:t>
-            </a:r>
-            <a:r>
-              <a:rPr lang="en-CA" i="1" dirty="0"/>
-              <a:t>can </a:t>
-            </a:r>
-            <a:r>
-              <a:rPr lang="en-CA" dirty="0"/>
-              <a:t>generate more triangles, it’s not meant to generate large numbers (to “tessellate”)</a:t>
-            </a:r>
-          </a:p>
-          <a:p>
-            <a:r>
-              <a:rPr lang="en-CA" dirty="0"/>
-              <a:t>A few is OK, but for massive numbers, you need the tessellation </a:t>
-            </a:r>
-            <a:r>
-              <a:rPr lang="en-CA" dirty="0" err="1"/>
-              <a:t>shader</a:t>
-            </a:r>
-            <a:endParaRPr lang="en-CA" dirty="0"/>
-          </a:p>
-          <a:p>
-            <a:pPr lvl="1"/>
-            <a:r>
-              <a:rPr lang="en-CA" dirty="0"/>
-              <a:t>DirectX 11 and OpenGL 4.0 and up</a:t>
+              <a:rPr lang="en-CA" noProof="0" dirty="0"/>
+              <a:t>Split a triangle: Geometry</a:t>
+            </a:r>
+          </a:p>
+        </p:txBody>
+      </p:sp>
+      <p:sp>
+        <p:nvSpPr>
+          <p:cNvPr id="4" name="Isosceles Triangle 3">
+            <a:extLst>
+              <a:ext uri="{FF2B5EF4-FFF2-40B4-BE49-F238E27FC236}">
+                <a16:creationId xmlns:a16="http://schemas.microsoft.com/office/drawing/2014/main" id="{ED7C0FEC-4931-9C65-CB72-6F7DAD285DD2}"/>
+              </a:ext>
+            </a:extLst>
+          </p:cNvPr>
+          <p:cNvSpPr/>
+          <p:nvPr/>
+        </p:nvSpPr>
+        <p:spPr>
+          <a:xfrm rot="1223561">
+            <a:off x="685800" y="2038350"/>
+            <a:ext cx="2209800" cy="1752600"/>
+          </a:xfrm>
+          <a:prstGeom prst="triangle">
+            <a:avLst/>
+          </a:prstGeom>
+          <a:ln w="38100" cmpd="sng">
+            <a:prstDash val="solid"/>
+            <a:extLst>
+              <a:ext uri="{C807C97D-BFC1-408E-A445-0C87EB9F89A2}">
+                <ask:lineSketchStyleProps xmlns:ask="http://schemas.microsoft.com/office/drawing/2018/sketchyshapes">
+                  <ask:type>
+                    <ask:lineSketchNone/>
+                  </ask:type>
+                </ask:lineSketchStyleProps>
+              </a:ext>
+            </a:extLst>
+          </a:ln>
+        </p:spPr>
+        <p:style>
+          <a:lnRef idx="2">
+            <a:schemeClr val="accent1">
+              <a:shade val="15000"/>
+            </a:schemeClr>
+          </a:lnRef>
+          <a:fillRef idx="1">
+            <a:schemeClr val="accent1"/>
+          </a:fillRef>
+          <a:effectRef idx="0">
+            <a:schemeClr val="accent1"/>
+          </a:effectRef>
+          <a:fontRef idx="minor">
+            <a:schemeClr val="lt1"/>
+          </a:fontRef>
+        </p:style>
+        <p:txBody>
+          <a:bodyPr rtlCol="0" anchor="ctr"/>
+          <a:lstStyle/>
+          <a:p>
+            <a:pPr algn="ctr"/>
+            <a:endParaRPr lang="en-CA" noProof="0" dirty="0"/>
+          </a:p>
+        </p:txBody>
+      </p:sp>
+      <p:sp>
+        <p:nvSpPr>
+          <p:cNvPr id="5" name="Oval 4">
+            <a:extLst>
+              <a:ext uri="{FF2B5EF4-FFF2-40B4-BE49-F238E27FC236}">
+                <a16:creationId xmlns:a16="http://schemas.microsoft.com/office/drawing/2014/main" id="{99FB76EB-4A2B-AA9E-4EA3-ECC49BB3B0B2}"/>
+              </a:ext>
+            </a:extLst>
+          </p:cNvPr>
+          <p:cNvSpPr/>
+          <p:nvPr/>
+        </p:nvSpPr>
+        <p:spPr>
+          <a:xfrm>
+            <a:off x="1981200" y="1708265"/>
+            <a:ext cx="330085" cy="330085"/>
+          </a:xfrm>
+          <a:prstGeom prst="ellipse">
+            <a:avLst/>
+          </a:prstGeom>
+          <a:ln w="3175">
+            <a:prstDash val="solid"/>
+          </a:ln>
+        </p:spPr>
+        <p:style>
+          <a:lnRef idx="2">
+            <a:schemeClr val="accent1">
+              <a:shade val="15000"/>
+            </a:schemeClr>
+          </a:lnRef>
+          <a:fillRef idx="1">
+            <a:schemeClr val="accent1"/>
+          </a:fillRef>
+          <a:effectRef idx="0">
+            <a:schemeClr val="accent1"/>
+          </a:effectRef>
+          <a:fontRef idx="minor">
+            <a:schemeClr val="lt1"/>
+          </a:fontRef>
+        </p:style>
+        <p:txBody>
+          <a:bodyPr rtlCol="0" anchor="ctr"/>
+          <a:lstStyle/>
+          <a:p>
+            <a:pPr algn="ctr"/>
+            <a:r>
+              <a:rPr lang="en-CA" noProof="0" dirty="0">
+                <a:solidFill>
+                  <a:schemeClr val="tx1"/>
+                </a:solidFill>
+                <a:latin typeface="Arial" panose="020B0604020202020204" pitchFamily="34" charset="0"/>
+                <a:cs typeface="Arial" panose="020B0604020202020204" pitchFamily="34" charset="0"/>
+              </a:rPr>
+              <a:t>0</a:t>
+            </a:r>
+          </a:p>
+        </p:txBody>
+      </p:sp>
+      <p:sp>
+        <p:nvSpPr>
+          <p:cNvPr id="6" name="Oval 5">
+            <a:extLst>
+              <a:ext uri="{FF2B5EF4-FFF2-40B4-BE49-F238E27FC236}">
+                <a16:creationId xmlns:a16="http://schemas.microsoft.com/office/drawing/2014/main" id="{CACD0826-0DB6-211E-052B-CEF4406FE860}"/>
+              </a:ext>
+            </a:extLst>
+          </p:cNvPr>
+          <p:cNvSpPr/>
+          <p:nvPr/>
+        </p:nvSpPr>
+        <p:spPr>
+          <a:xfrm>
+            <a:off x="127115" y="3257550"/>
+            <a:ext cx="330085" cy="330085"/>
+          </a:xfrm>
+          <a:prstGeom prst="ellipse">
+            <a:avLst/>
+          </a:prstGeom>
+          <a:ln w="3175">
+            <a:prstDash val="solid"/>
+          </a:ln>
+        </p:spPr>
+        <p:style>
+          <a:lnRef idx="2">
+            <a:schemeClr val="accent1">
+              <a:shade val="15000"/>
+            </a:schemeClr>
+          </a:lnRef>
+          <a:fillRef idx="1">
+            <a:schemeClr val="accent1"/>
+          </a:fillRef>
+          <a:effectRef idx="0">
+            <a:schemeClr val="accent1"/>
+          </a:effectRef>
+          <a:fontRef idx="minor">
+            <a:schemeClr val="lt1"/>
+          </a:fontRef>
+        </p:style>
+        <p:txBody>
+          <a:bodyPr rtlCol="0" anchor="ctr"/>
+          <a:lstStyle/>
+          <a:p>
+            <a:pPr algn="ctr"/>
+            <a:r>
+              <a:rPr lang="en-CA" noProof="0" dirty="0">
+                <a:solidFill>
+                  <a:schemeClr val="tx1"/>
+                </a:solidFill>
+                <a:latin typeface="Arial" panose="020B0604020202020204" pitchFamily="34" charset="0"/>
+                <a:cs typeface="Arial" panose="020B0604020202020204" pitchFamily="34" charset="0"/>
+              </a:rPr>
+              <a:t>1</a:t>
+            </a:r>
+          </a:p>
+        </p:txBody>
+      </p:sp>
+      <p:sp>
+        <p:nvSpPr>
+          <p:cNvPr id="7" name="Oval 6">
+            <a:extLst>
+              <a:ext uri="{FF2B5EF4-FFF2-40B4-BE49-F238E27FC236}">
+                <a16:creationId xmlns:a16="http://schemas.microsoft.com/office/drawing/2014/main" id="{B7B6C420-AEDF-F5A0-90AD-059B74CE0EBE}"/>
+              </a:ext>
+            </a:extLst>
+          </p:cNvPr>
+          <p:cNvSpPr/>
+          <p:nvPr/>
+        </p:nvSpPr>
+        <p:spPr>
+          <a:xfrm>
+            <a:off x="2438400" y="4019550"/>
+            <a:ext cx="330085" cy="330085"/>
+          </a:xfrm>
+          <a:prstGeom prst="ellipse">
+            <a:avLst/>
+          </a:prstGeom>
+          <a:ln w="3175">
+            <a:prstDash val="solid"/>
+          </a:ln>
+        </p:spPr>
+        <p:style>
+          <a:lnRef idx="2">
+            <a:schemeClr val="accent1">
+              <a:shade val="15000"/>
+            </a:schemeClr>
+          </a:lnRef>
+          <a:fillRef idx="1">
+            <a:schemeClr val="accent1"/>
+          </a:fillRef>
+          <a:effectRef idx="0">
+            <a:schemeClr val="accent1"/>
+          </a:effectRef>
+          <a:fontRef idx="minor">
+            <a:schemeClr val="lt1"/>
+          </a:fontRef>
+        </p:style>
+        <p:txBody>
+          <a:bodyPr rtlCol="0" anchor="ctr"/>
+          <a:lstStyle/>
+          <a:p>
+            <a:pPr algn="ctr"/>
+            <a:r>
+              <a:rPr lang="en-CA" noProof="0" dirty="0">
+                <a:solidFill>
+                  <a:schemeClr val="tx1"/>
+                </a:solidFill>
+                <a:latin typeface="Arial" panose="020B0604020202020204" pitchFamily="34" charset="0"/>
+                <a:cs typeface="Arial" panose="020B0604020202020204" pitchFamily="34" charset="0"/>
+              </a:rPr>
+              <a:t>2</a:t>
+            </a:r>
+          </a:p>
+        </p:txBody>
+      </p:sp>
+      <p:sp>
+        <p:nvSpPr>
+          <p:cNvPr id="8" name="Isosceles Triangle 7">
+            <a:extLst>
+              <a:ext uri="{FF2B5EF4-FFF2-40B4-BE49-F238E27FC236}">
+                <a16:creationId xmlns:a16="http://schemas.microsoft.com/office/drawing/2014/main" id="{72EA50BA-ABBD-BD4E-0F5D-24DA85029F67}"/>
+              </a:ext>
+            </a:extLst>
+          </p:cNvPr>
+          <p:cNvSpPr/>
+          <p:nvPr/>
+        </p:nvSpPr>
+        <p:spPr>
+          <a:xfrm rot="1223561">
+            <a:off x="4666942" y="1911444"/>
+            <a:ext cx="2332030" cy="1927241"/>
+          </a:xfrm>
+          <a:prstGeom prst="triangle">
+            <a:avLst/>
+          </a:prstGeom>
+          <a:solidFill>
+            <a:schemeClr val="accent1">
+              <a:alpha val="20000"/>
+            </a:schemeClr>
+          </a:solidFill>
+          <a:ln w="38100" cmpd="sng">
+            <a:prstDash val="solid"/>
+            <a:extLst>
+              <a:ext uri="{C807C97D-BFC1-408E-A445-0C87EB9F89A2}">
+                <ask:lineSketchStyleProps xmlns:ask="http://schemas.microsoft.com/office/drawing/2018/sketchyshapes">
+                  <ask:type>
+                    <ask:lineSketchNone/>
+                  </ask:type>
+                </ask:lineSketchStyleProps>
+              </a:ext>
+            </a:extLst>
+          </a:ln>
+        </p:spPr>
+        <p:style>
+          <a:lnRef idx="2">
+            <a:schemeClr val="accent1">
+              <a:shade val="15000"/>
+            </a:schemeClr>
+          </a:lnRef>
+          <a:fillRef idx="1">
+            <a:schemeClr val="accent1"/>
+          </a:fillRef>
+          <a:effectRef idx="0">
+            <a:schemeClr val="accent1"/>
+          </a:effectRef>
+          <a:fontRef idx="minor">
+            <a:schemeClr val="lt1"/>
+          </a:fontRef>
+        </p:style>
+        <p:txBody>
+          <a:bodyPr rtlCol="0" anchor="ctr"/>
+          <a:lstStyle/>
+          <a:p>
+            <a:pPr algn="ctr"/>
+            <a:endParaRPr lang="en-CA" noProof="0" dirty="0"/>
+          </a:p>
+        </p:txBody>
+      </p:sp>
+      <p:sp>
+        <p:nvSpPr>
+          <p:cNvPr id="9" name="Oval 8">
+            <a:extLst>
+              <a:ext uri="{FF2B5EF4-FFF2-40B4-BE49-F238E27FC236}">
+                <a16:creationId xmlns:a16="http://schemas.microsoft.com/office/drawing/2014/main" id="{58976EAC-D422-765C-20A3-5E7790929AB1}"/>
+              </a:ext>
+            </a:extLst>
+          </p:cNvPr>
+          <p:cNvSpPr/>
+          <p:nvPr/>
+        </p:nvSpPr>
+        <p:spPr>
+          <a:xfrm>
+            <a:off x="6014457" y="1752913"/>
+            <a:ext cx="330085" cy="330085"/>
+          </a:xfrm>
+          <a:prstGeom prst="ellipse">
+            <a:avLst/>
+          </a:prstGeom>
+          <a:solidFill>
+            <a:schemeClr val="accent1">
+              <a:alpha val="20000"/>
+            </a:schemeClr>
+          </a:solidFill>
+          <a:ln w="3175">
+            <a:prstDash val="solid"/>
+          </a:ln>
+        </p:spPr>
+        <p:style>
+          <a:lnRef idx="2">
+            <a:schemeClr val="accent1">
+              <a:shade val="15000"/>
+            </a:schemeClr>
+          </a:lnRef>
+          <a:fillRef idx="1">
+            <a:schemeClr val="accent1"/>
+          </a:fillRef>
+          <a:effectRef idx="0">
+            <a:schemeClr val="accent1"/>
+          </a:effectRef>
+          <a:fontRef idx="minor">
+            <a:schemeClr val="lt1"/>
+          </a:fontRef>
+        </p:style>
+        <p:txBody>
+          <a:bodyPr rtlCol="0" anchor="ctr"/>
+          <a:lstStyle/>
+          <a:p>
+            <a:pPr algn="ctr"/>
+            <a:r>
+              <a:rPr lang="en-CA" noProof="0" dirty="0">
+                <a:solidFill>
+                  <a:schemeClr val="tx1"/>
+                </a:solidFill>
+                <a:latin typeface="Arial" panose="020B0604020202020204" pitchFamily="34" charset="0"/>
+                <a:cs typeface="Arial" panose="020B0604020202020204" pitchFamily="34" charset="0"/>
+              </a:rPr>
+              <a:t>0</a:t>
+            </a:r>
+          </a:p>
+        </p:txBody>
+      </p:sp>
+      <p:sp>
+        <p:nvSpPr>
+          <p:cNvPr id="10" name="Oval 9">
+            <a:extLst>
+              <a:ext uri="{FF2B5EF4-FFF2-40B4-BE49-F238E27FC236}">
+                <a16:creationId xmlns:a16="http://schemas.microsoft.com/office/drawing/2014/main" id="{B272A32C-6A38-7555-6F0C-AD6D4A28764B}"/>
+              </a:ext>
+            </a:extLst>
+          </p:cNvPr>
+          <p:cNvSpPr/>
+          <p:nvPr/>
+        </p:nvSpPr>
+        <p:spPr>
+          <a:xfrm>
+            <a:off x="4145351" y="3235232"/>
+            <a:ext cx="330085" cy="330085"/>
+          </a:xfrm>
+          <a:prstGeom prst="ellipse">
+            <a:avLst/>
+          </a:prstGeom>
+          <a:solidFill>
+            <a:schemeClr val="accent1">
+              <a:alpha val="20000"/>
+            </a:schemeClr>
+          </a:solidFill>
+          <a:ln w="3175">
+            <a:prstDash val="solid"/>
+          </a:ln>
+        </p:spPr>
+        <p:style>
+          <a:lnRef idx="2">
+            <a:schemeClr val="accent1">
+              <a:shade val="15000"/>
+            </a:schemeClr>
+          </a:lnRef>
+          <a:fillRef idx="1">
+            <a:schemeClr val="accent1"/>
+          </a:fillRef>
+          <a:effectRef idx="0">
+            <a:schemeClr val="accent1"/>
+          </a:effectRef>
+          <a:fontRef idx="minor">
+            <a:schemeClr val="lt1"/>
+          </a:fontRef>
+        </p:style>
+        <p:txBody>
+          <a:bodyPr rtlCol="0" anchor="ctr"/>
+          <a:lstStyle/>
+          <a:p>
+            <a:pPr algn="ctr"/>
+            <a:r>
+              <a:rPr lang="en-CA" noProof="0" dirty="0">
+                <a:solidFill>
+                  <a:schemeClr val="tx1"/>
+                </a:solidFill>
+                <a:latin typeface="Arial" panose="020B0604020202020204" pitchFamily="34" charset="0"/>
+                <a:cs typeface="Arial" panose="020B0604020202020204" pitchFamily="34" charset="0"/>
+              </a:rPr>
+              <a:t>1</a:t>
+            </a:r>
+          </a:p>
+        </p:txBody>
+      </p:sp>
+      <p:sp>
+        <p:nvSpPr>
+          <p:cNvPr id="11" name="Oval 10">
+            <a:extLst>
+              <a:ext uri="{FF2B5EF4-FFF2-40B4-BE49-F238E27FC236}">
+                <a16:creationId xmlns:a16="http://schemas.microsoft.com/office/drawing/2014/main" id="{879F6896-6C5E-C96A-9CFA-AA955C6E5F13}"/>
+              </a:ext>
+            </a:extLst>
+          </p:cNvPr>
+          <p:cNvSpPr/>
+          <p:nvPr/>
+        </p:nvSpPr>
+        <p:spPr>
+          <a:xfrm>
+            <a:off x="6544460" y="4121035"/>
+            <a:ext cx="330085" cy="330085"/>
+          </a:xfrm>
+          <a:prstGeom prst="ellipse">
+            <a:avLst/>
+          </a:prstGeom>
+          <a:solidFill>
+            <a:schemeClr val="accent1">
+              <a:alpha val="20000"/>
+            </a:schemeClr>
+          </a:solidFill>
+          <a:ln w="3175">
+            <a:prstDash val="solid"/>
+          </a:ln>
+        </p:spPr>
+        <p:style>
+          <a:lnRef idx="2">
+            <a:schemeClr val="accent1">
+              <a:shade val="15000"/>
+            </a:schemeClr>
+          </a:lnRef>
+          <a:fillRef idx="1">
+            <a:schemeClr val="accent1"/>
+          </a:fillRef>
+          <a:effectRef idx="0">
+            <a:schemeClr val="accent1"/>
+          </a:effectRef>
+          <a:fontRef idx="minor">
+            <a:schemeClr val="lt1"/>
+          </a:fontRef>
+        </p:style>
+        <p:txBody>
+          <a:bodyPr rtlCol="0" anchor="ctr"/>
+          <a:lstStyle/>
+          <a:p>
+            <a:pPr algn="ctr"/>
+            <a:r>
+              <a:rPr lang="en-CA" noProof="0" dirty="0">
+                <a:solidFill>
+                  <a:schemeClr val="tx1"/>
+                </a:solidFill>
+                <a:latin typeface="Arial" panose="020B0604020202020204" pitchFamily="34" charset="0"/>
+                <a:cs typeface="Arial" panose="020B0604020202020204" pitchFamily="34" charset="0"/>
+              </a:rPr>
+              <a:t>2</a:t>
+            </a:r>
+          </a:p>
+        </p:txBody>
+      </p:sp>
+      <p:sp>
+        <p:nvSpPr>
+          <p:cNvPr id="13" name="Oval 12">
+            <a:extLst>
+              <a:ext uri="{FF2B5EF4-FFF2-40B4-BE49-F238E27FC236}">
+                <a16:creationId xmlns:a16="http://schemas.microsoft.com/office/drawing/2014/main" id="{92CFAD6E-DDE9-8620-8FBC-66A9C1A94B4B}"/>
+              </a:ext>
+            </a:extLst>
+          </p:cNvPr>
+          <p:cNvSpPr/>
+          <p:nvPr/>
+        </p:nvSpPr>
+        <p:spPr>
+          <a:xfrm>
+            <a:off x="5638800" y="3105150"/>
+            <a:ext cx="152400" cy="152400"/>
+          </a:xfrm>
+          <a:prstGeom prst="ellipse">
+            <a:avLst/>
+          </a:prstGeom>
+          <a:ln w="38100" cmpd="sng">
+            <a:prstDash val="solid"/>
+            <a:extLst>
+              <a:ext uri="{C807C97D-BFC1-408E-A445-0C87EB9F89A2}">
+                <ask:lineSketchStyleProps xmlns:ask="http://schemas.microsoft.com/office/drawing/2018/sketchyshapes">
+                  <ask:type>
+                    <ask:lineSketchNone/>
+                  </ask:type>
+                </ask:lineSketchStyleProps>
+              </a:ext>
+            </a:extLst>
+          </a:ln>
+        </p:spPr>
+        <p:style>
+          <a:lnRef idx="2">
+            <a:schemeClr val="accent1">
+              <a:shade val="15000"/>
+            </a:schemeClr>
+          </a:lnRef>
+          <a:fillRef idx="1">
+            <a:schemeClr val="accent1"/>
+          </a:fillRef>
+          <a:effectRef idx="0">
+            <a:schemeClr val="accent1"/>
+          </a:effectRef>
+          <a:fontRef idx="minor">
+            <a:schemeClr val="lt1"/>
+          </a:fontRef>
+        </p:style>
+        <p:txBody>
+          <a:bodyPr rtlCol="0" anchor="ctr"/>
+          <a:lstStyle/>
+          <a:p>
+            <a:pPr algn="ctr"/>
+            <a:endParaRPr lang="en-CA" noProof="0" dirty="0"/>
+          </a:p>
+        </p:txBody>
+      </p:sp>
+      <p:cxnSp>
+        <p:nvCxnSpPr>
+          <p:cNvPr id="15" name="Straight Connector 14">
+            <a:extLst>
+              <a:ext uri="{FF2B5EF4-FFF2-40B4-BE49-F238E27FC236}">
+                <a16:creationId xmlns:a16="http://schemas.microsoft.com/office/drawing/2014/main" id="{3D515D3B-C124-B35B-A116-D94C7FDBF700}"/>
+              </a:ext>
+            </a:extLst>
+          </p:cNvPr>
+          <p:cNvCxnSpPr>
+            <a:cxnSpLocks/>
+            <a:stCxn id="8" idx="2"/>
+            <a:endCxn id="13" idx="2"/>
+          </p:cNvCxnSpPr>
+          <p:nvPr/>
+        </p:nvCxnSpPr>
+        <p:spPr>
+          <a:xfrm flipV="1">
+            <a:off x="4404244" y="3181350"/>
+            <a:ext cx="1234556" cy="190641"/>
+          </a:xfrm>
+          <a:prstGeom prst="line">
+            <a:avLst/>
+          </a:prstGeom>
+        </p:spPr>
+        <p:style>
+          <a:lnRef idx="1">
+            <a:schemeClr val="dk1"/>
+          </a:lnRef>
+          <a:fillRef idx="0">
+            <a:schemeClr val="dk1"/>
+          </a:fillRef>
+          <a:effectRef idx="0">
+            <a:schemeClr val="dk1"/>
+          </a:effectRef>
+          <a:fontRef idx="minor">
+            <a:schemeClr val="tx1"/>
+          </a:fontRef>
+        </p:style>
+      </p:cxnSp>
+      <p:cxnSp>
+        <p:nvCxnSpPr>
+          <p:cNvPr id="18" name="Straight Connector 17">
+            <a:extLst>
+              <a:ext uri="{FF2B5EF4-FFF2-40B4-BE49-F238E27FC236}">
+                <a16:creationId xmlns:a16="http://schemas.microsoft.com/office/drawing/2014/main" id="{6D24E146-DCB6-6C75-BA85-3D65943520F3}"/>
+              </a:ext>
+            </a:extLst>
+          </p:cNvPr>
+          <p:cNvCxnSpPr>
+            <a:cxnSpLocks/>
+            <a:stCxn id="8" idx="0"/>
+            <a:endCxn id="13" idx="7"/>
+          </p:cNvCxnSpPr>
+          <p:nvPr/>
+        </p:nvCxnSpPr>
+        <p:spPr>
+          <a:xfrm flipH="1">
+            <a:off x="5768882" y="1971837"/>
+            <a:ext cx="399851" cy="1155631"/>
+          </a:xfrm>
+          <a:prstGeom prst="line">
+            <a:avLst/>
+          </a:prstGeom>
+        </p:spPr>
+        <p:style>
+          <a:lnRef idx="1">
+            <a:schemeClr val="dk1"/>
+          </a:lnRef>
+          <a:fillRef idx="0">
+            <a:schemeClr val="dk1"/>
+          </a:fillRef>
+          <a:effectRef idx="0">
+            <a:schemeClr val="dk1"/>
+          </a:effectRef>
+          <a:fontRef idx="minor">
+            <a:schemeClr val="tx1"/>
+          </a:fontRef>
+        </p:style>
+      </p:cxnSp>
+      <p:cxnSp>
+        <p:nvCxnSpPr>
+          <p:cNvPr id="21" name="Straight Connector 20">
+            <a:extLst>
+              <a:ext uri="{FF2B5EF4-FFF2-40B4-BE49-F238E27FC236}">
+                <a16:creationId xmlns:a16="http://schemas.microsoft.com/office/drawing/2014/main" id="{5C4DE8E3-ADAA-C921-441E-517C35F39B85}"/>
+              </a:ext>
+            </a:extLst>
+          </p:cNvPr>
+          <p:cNvCxnSpPr>
+            <a:cxnSpLocks/>
+            <a:stCxn id="13" idx="5"/>
+            <a:endCxn id="8" idx="4"/>
+          </p:cNvCxnSpPr>
+          <p:nvPr/>
+        </p:nvCxnSpPr>
+        <p:spPr>
+          <a:xfrm>
+            <a:off x="5768882" y="3235232"/>
+            <a:ext cx="821236" cy="949360"/>
+          </a:xfrm>
+          <a:prstGeom prst="line">
+            <a:avLst/>
+          </a:prstGeom>
+        </p:spPr>
+        <p:style>
+          <a:lnRef idx="1">
+            <a:schemeClr val="dk1"/>
+          </a:lnRef>
+          <a:fillRef idx="0">
+            <a:schemeClr val="dk1"/>
+          </a:fillRef>
+          <a:effectRef idx="0">
+            <a:schemeClr val="dk1"/>
+          </a:effectRef>
+          <a:fontRef idx="minor">
+            <a:schemeClr val="tx1"/>
+          </a:fontRef>
+        </p:style>
+      </p:cxnSp>
+      <p:sp>
+        <p:nvSpPr>
+          <p:cNvPr id="24" name="Callout: Left Arrow 23">
+            <a:extLst>
+              <a:ext uri="{FF2B5EF4-FFF2-40B4-BE49-F238E27FC236}">
+                <a16:creationId xmlns:a16="http://schemas.microsoft.com/office/drawing/2014/main" id="{F70A8ECF-5A8D-B656-5F46-CD5F13606477}"/>
+              </a:ext>
+            </a:extLst>
+          </p:cNvPr>
+          <p:cNvSpPr/>
+          <p:nvPr/>
+        </p:nvSpPr>
+        <p:spPr>
+          <a:xfrm>
+            <a:off x="5968807" y="2782962"/>
+            <a:ext cx="2438213" cy="809619"/>
+          </a:xfrm>
+          <a:prstGeom prst="leftArrowCallout">
+            <a:avLst/>
+          </a:prstGeom>
+          <a:ln w="38100" cmpd="sng">
+            <a:prstDash val="solid"/>
+            <a:extLst>
+              <a:ext uri="{C807C97D-BFC1-408E-A445-0C87EB9F89A2}">
+                <ask:lineSketchStyleProps xmlns:ask="http://schemas.microsoft.com/office/drawing/2018/sketchyshapes">
+                  <ask:type>
+                    <ask:lineSketchNone/>
+                  </ask:type>
+                </ask:lineSketchStyleProps>
+              </a:ext>
+            </a:extLst>
+          </a:ln>
+        </p:spPr>
+        <p:style>
+          <a:lnRef idx="2">
+            <a:schemeClr val="accent1">
+              <a:shade val="15000"/>
+            </a:schemeClr>
+          </a:lnRef>
+          <a:fillRef idx="1">
+            <a:schemeClr val="accent1"/>
+          </a:fillRef>
+          <a:effectRef idx="0">
+            <a:schemeClr val="accent1"/>
+          </a:effectRef>
+          <a:fontRef idx="minor">
+            <a:schemeClr val="lt1"/>
+          </a:fontRef>
+        </p:style>
+        <p:txBody>
+          <a:bodyPr rtlCol="0" anchor="ctr"/>
+          <a:lstStyle/>
+          <a:p>
+            <a:pPr algn="ctr"/>
+            <a:r>
+              <a:rPr lang="en-CA" noProof="0" dirty="0">
+                <a:solidFill>
+                  <a:schemeClr val="tx1"/>
+                </a:solidFill>
+              </a:rPr>
+              <a:t>Average of the 3 vertices</a:t>
+            </a:r>
+          </a:p>
+        </p:txBody>
+      </p:sp>
+      <p:sp>
+        <p:nvSpPr>
+          <p:cNvPr id="25" name="Oval 24">
+            <a:extLst>
+              <a:ext uri="{FF2B5EF4-FFF2-40B4-BE49-F238E27FC236}">
+                <a16:creationId xmlns:a16="http://schemas.microsoft.com/office/drawing/2014/main" id="{17754C89-4B72-44E0-BC6F-532454310D1C}"/>
+              </a:ext>
+            </a:extLst>
+          </p:cNvPr>
+          <p:cNvSpPr/>
+          <p:nvPr/>
+        </p:nvSpPr>
+        <p:spPr>
+          <a:xfrm>
+            <a:off x="5533604" y="2790706"/>
+            <a:ext cx="330085" cy="330085"/>
+          </a:xfrm>
+          <a:prstGeom prst="ellipse">
+            <a:avLst/>
+          </a:prstGeom>
+          <a:solidFill>
+            <a:srgbClr val="00B0F0"/>
+          </a:solidFill>
+          <a:ln w="3175">
+            <a:solidFill>
+              <a:srgbClr val="00B0F0"/>
+            </a:solidFill>
+            <a:prstDash val="solid"/>
+          </a:ln>
+        </p:spPr>
+        <p:style>
+          <a:lnRef idx="2">
+            <a:schemeClr val="accent1">
+              <a:shade val="15000"/>
+            </a:schemeClr>
+          </a:lnRef>
+          <a:fillRef idx="1">
+            <a:schemeClr val="accent1"/>
+          </a:fillRef>
+          <a:effectRef idx="0">
+            <a:schemeClr val="accent1"/>
+          </a:effectRef>
+          <a:fontRef idx="minor">
+            <a:schemeClr val="lt1"/>
+          </a:fontRef>
+        </p:style>
+        <p:txBody>
+          <a:bodyPr rtlCol="0" anchor="ctr"/>
+          <a:lstStyle/>
+          <a:p>
+            <a:pPr algn="ctr"/>
+            <a:r>
+              <a:rPr lang="en-CA" noProof="0" dirty="0">
+                <a:solidFill>
+                  <a:schemeClr val="tx1"/>
+                </a:solidFill>
+                <a:latin typeface="Arial" panose="020B0604020202020204" pitchFamily="34" charset="0"/>
+                <a:cs typeface="Arial" panose="020B0604020202020204" pitchFamily="34" charset="0"/>
+              </a:rPr>
+              <a:t>4</a:t>
+            </a:r>
+          </a:p>
+        </p:txBody>
+      </p:sp>
+      <p:cxnSp>
+        <p:nvCxnSpPr>
+          <p:cNvPr id="12" name="Straight Arrow Connector 11">
+            <a:extLst>
+              <a:ext uri="{FF2B5EF4-FFF2-40B4-BE49-F238E27FC236}">
+                <a16:creationId xmlns:a16="http://schemas.microsoft.com/office/drawing/2014/main" id="{1EA638A7-A77A-9997-ACED-DF531A1942CF}"/>
+              </a:ext>
+            </a:extLst>
+          </p:cNvPr>
+          <p:cNvCxnSpPr>
+            <a:cxnSpLocks/>
+            <a:stCxn id="13" idx="7"/>
+          </p:cNvCxnSpPr>
+          <p:nvPr/>
+        </p:nvCxnSpPr>
+        <p:spPr>
+          <a:xfrm flipV="1">
+            <a:off x="5768882" y="2038350"/>
+            <a:ext cx="1393918" cy="1089118"/>
+          </a:xfrm>
+          <a:prstGeom prst="straightConnector1">
+            <a:avLst/>
+          </a:prstGeom>
+          <a:ln w="82550" cap="flat" cmpd="sng" algn="ctr">
+            <a:solidFill>
+              <a:schemeClr val="dk1"/>
+            </a:solidFill>
+            <a:prstDash val="solid"/>
+            <a:round/>
+            <a:headEnd type="none" w="med" len="med"/>
+            <a:tailEnd type="arrow" w="med" len="med"/>
+          </a:ln>
+        </p:spPr>
+        <p:style>
+          <a:lnRef idx="0">
+            <a:scrgbClr r="0" g="0" b="0"/>
+          </a:lnRef>
+          <a:fillRef idx="0">
+            <a:scrgbClr r="0" g="0" b="0"/>
+          </a:fillRef>
+          <a:effectRef idx="0">
+            <a:scrgbClr r="0" g="0" b="0"/>
+          </a:effectRef>
+          <a:fontRef idx="minor">
+            <a:schemeClr val="tx1"/>
+          </a:fontRef>
+        </p:style>
+      </p:cxnSp>
+      <p:sp>
+        <p:nvSpPr>
+          <p:cNvPr id="16" name="Oval 15">
+            <a:extLst>
+              <a:ext uri="{FF2B5EF4-FFF2-40B4-BE49-F238E27FC236}">
+                <a16:creationId xmlns:a16="http://schemas.microsoft.com/office/drawing/2014/main" id="{24B9CBFB-2F53-0232-8463-031EBAEFFE23}"/>
+              </a:ext>
+            </a:extLst>
+          </p:cNvPr>
+          <p:cNvSpPr/>
+          <p:nvPr/>
+        </p:nvSpPr>
+        <p:spPr>
+          <a:xfrm>
+            <a:off x="7080345" y="1800744"/>
+            <a:ext cx="330085" cy="330085"/>
+          </a:xfrm>
+          <a:prstGeom prst="ellipse">
+            <a:avLst/>
+          </a:prstGeom>
+          <a:solidFill>
+            <a:srgbClr val="00B0F0"/>
+          </a:solidFill>
+          <a:ln w="3175">
+            <a:solidFill>
+              <a:srgbClr val="00B0F0"/>
+            </a:solidFill>
+            <a:prstDash val="solid"/>
+          </a:ln>
+        </p:spPr>
+        <p:style>
+          <a:lnRef idx="2">
+            <a:schemeClr val="accent1">
+              <a:shade val="15000"/>
+            </a:schemeClr>
+          </a:lnRef>
+          <a:fillRef idx="1">
+            <a:schemeClr val="accent1"/>
+          </a:fillRef>
+          <a:effectRef idx="0">
+            <a:schemeClr val="accent1"/>
+          </a:effectRef>
+          <a:fontRef idx="minor">
+            <a:schemeClr val="lt1"/>
+          </a:fontRef>
+        </p:style>
+        <p:txBody>
+          <a:bodyPr rtlCol="0" anchor="ctr"/>
+          <a:lstStyle/>
+          <a:p>
+            <a:pPr algn="ctr"/>
+            <a:r>
+              <a:rPr lang="en-CA" noProof="0" dirty="0">
+                <a:solidFill>
+                  <a:schemeClr val="tx1"/>
+                </a:solidFill>
+                <a:latin typeface="Arial" panose="020B0604020202020204" pitchFamily="34" charset="0"/>
+                <a:cs typeface="Arial" panose="020B0604020202020204" pitchFamily="34" charset="0"/>
+              </a:rPr>
+              <a:t>5</a:t>
             </a:r>
           </a:p>
         </p:txBody>
@@ -11603,7 +12769,7 @@
     </p:spTree>
     <p:extLst>
       <p:ext uri="{BB962C8B-B14F-4D97-AF65-F5344CB8AC3E}">
-        <p14:creationId xmlns:p14="http://schemas.microsoft.com/office/powerpoint/2010/main" val="1482698362"/>
+        <p14:creationId xmlns:p14="http://schemas.microsoft.com/office/powerpoint/2010/main" val="2493913085"/>
       </p:ext>
     </p:extLst>
   </p:cSld>
